--- a/Physically Based Rendering - Chapter 16, Part 3.pptx
+++ b/Physically Based Rendering - Chapter 16, Part 3.pptx
@@ -5,51 +5,59 @@
     <p:sldMasterId id="2147483672" r:id="rId1"/>
   </p:sldMasterIdLst>
   <p:notesMasterIdLst>
-    <p:notesMasterId r:id="rId6"/>
+    <p:notesMasterId r:id="rId14"/>
   </p:notesMasterIdLst>
   <p:handoutMasterIdLst>
-    <p:handoutMasterId r:id="rId7"/>
+    <p:handoutMasterId r:id="rId15"/>
   </p:handoutMasterIdLst>
   <p:sldIdLst>
     <p:sldId id="329" r:id="rId2"/>
     <p:sldId id="378" r:id="rId3"/>
     <p:sldId id="377" r:id="rId4"/>
     <p:sldId id="379" r:id="rId5"/>
+    <p:sldId id="380" r:id="rId6"/>
+    <p:sldId id="381" r:id="rId7"/>
+    <p:sldId id="382" r:id="rId8"/>
+    <p:sldId id="383" r:id="rId9"/>
+    <p:sldId id="384" r:id="rId10"/>
+    <p:sldId id="386" r:id="rId11"/>
+    <p:sldId id="385" r:id="rId12"/>
+    <p:sldId id="387" r:id="rId13"/>
   </p:sldIdLst>
   <p:sldSz cx="12192000" cy="6858000"/>
   <p:notesSz cx="6858000" cy="9144000"/>
   <p:embeddedFontLst>
     <p:embeddedFont>
+      <p:font typeface="Calibri" panose="020F0502020204030204" pitchFamily="34" charset="0"/>
+      <p:regular r:id="rId16"/>
+      <p:bold r:id="rId17"/>
+      <p:italic r:id="rId18"/>
+      <p:boldItalic r:id="rId19"/>
+    </p:embeddedFont>
+    <p:embeddedFont>
       <p:font typeface="Segoe UI" panose="020B0502040204020203" pitchFamily="34" charset="0"/>
-      <p:regular r:id="rId8"/>
-      <p:bold r:id="rId9"/>
-      <p:italic r:id="rId10"/>
-      <p:boldItalic r:id="rId11"/>
+      <p:regular r:id="rId20"/>
+      <p:bold r:id="rId21"/>
+      <p:italic r:id="rId22"/>
+      <p:boldItalic r:id="rId23"/>
     </p:embeddedFont>
     <p:embeddedFont>
       <p:font typeface="Cambria Math" panose="02040503050406030204" pitchFamily="18" charset="0"/>
-      <p:regular r:id="rId12"/>
+      <p:regular r:id="rId24"/>
     </p:embeddedFont>
     <p:embeddedFont>
       <p:font typeface="서울남산체 M" panose="02020603020101020101" pitchFamily="18" charset="-127"/>
-      <p:regular r:id="rId13"/>
+      <p:regular r:id="rId25"/>
     </p:embeddedFont>
     <p:embeddedFont>
       <p:font typeface="Segoe UI Light" panose="020B0502040204020203" pitchFamily="34" charset="0"/>
-      <p:regular r:id="rId14"/>
-      <p:italic r:id="rId15"/>
+      <p:regular r:id="rId26"/>
+      <p:italic r:id="rId27"/>
     </p:embeddedFont>
     <p:embeddedFont>
       <p:font typeface="맑은 고딕" panose="020B0503020000020004" pitchFamily="50" charset="-127"/>
-      <p:regular r:id="rId16"/>
-      <p:bold r:id="rId17"/>
-    </p:embeddedFont>
-    <p:embeddedFont>
-      <p:font typeface="Calibri" panose="020F0502020204030204" pitchFamily="34" charset="0"/>
-      <p:regular r:id="rId18"/>
-      <p:bold r:id="rId19"/>
-      <p:italic r:id="rId20"/>
-      <p:boldItalic r:id="rId21"/>
+      <p:regular r:id="rId28"/>
+      <p:bold r:id="rId29"/>
     </p:embeddedFont>
   </p:embeddedFontLst>
   <p:defaultTextStyle>
@@ -255,7 +263,7 @@
           <a:p>
             <a:fld id="{9476D1C5-1084-402D-85B0-DF3E2A452BD1}" type="datetimeFigureOut">
               <a:rPr lang="ko-KR" altLang="en-US" smtClean="0"/>
-              <a:t>2017-12-12</a:t>
+              <a:t>2017-12-13</a:t>
             </a:fld>
             <a:endParaRPr lang="ko-KR" altLang="en-US"/>
           </a:p>
@@ -420,7 +428,7 @@
           <a:p>
             <a:fld id="{931411E2-7637-42C8-8B47-ACDEF4E701D2}" type="datetimeFigureOut">
               <a:rPr lang="en-US" smtClean="0"/>
-              <a:t>12/12/2017</a:t>
+              <a:t>12/13/2017</a:t>
             </a:fld>
             <a:endParaRPr lang="en-US"/>
           </a:p>
@@ -771,6 +779,258 @@
 </p:notes>
 </file>
 
+<file path=ppt/notesSlides/notesSlide10.xml><?xml version="1.0" encoding="utf-8"?>
+<p:notes xmlns:a="http://schemas.openxmlformats.org/drawingml/2006/main" xmlns:r="http://schemas.openxmlformats.org/officeDocument/2006/relationships" xmlns:p="http://schemas.openxmlformats.org/presentationml/2006/main">
+  <p:cSld>
+    <p:spTree>
+      <p:nvGrpSpPr>
+        <p:cNvPr id="1" name=""/>
+        <p:cNvGrpSpPr/>
+        <p:nvPr/>
+      </p:nvGrpSpPr>
+      <p:grpSpPr>
+        <a:xfrm>
+          <a:off x="0" y="0"/>
+          <a:ext cx="0" cy="0"/>
+          <a:chOff x="0" y="0"/>
+          <a:chExt cx="0" cy="0"/>
+        </a:xfrm>
+      </p:grpSpPr>
+      <p:sp>
+        <p:nvSpPr>
+          <p:cNvPr id="2" name="Slide Image Placeholder 1"/>
+          <p:cNvSpPr>
+            <a:spLocks noGrp="1" noRot="1" noChangeAspect="1"/>
+          </p:cNvSpPr>
+          <p:nvPr>
+            <p:ph type="sldImg"/>
+          </p:nvPr>
+        </p:nvSpPr>
+        <p:spPr/>
+      </p:sp>
+      <p:sp>
+        <p:nvSpPr>
+          <p:cNvPr id="3" name="Notes Placeholder 2"/>
+          <p:cNvSpPr>
+            <a:spLocks noGrp="1"/>
+          </p:cNvSpPr>
+          <p:nvPr>
+            <p:ph type="body" idx="1"/>
+          </p:nvPr>
+        </p:nvSpPr>
+        <p:spPr/>
+        <p:txBody>
+          <a:bodyPr/>
+          <a:lstStyle/>
+          <a:p>
+            <a:endParaRPr lang="en-US"/>
+          </a:p>
+        </p:txBody>
+      </p:sp>
+      <p:sp>
+        <p:nvSpPr>
+          <p:cNvPr id="4" name="Slide Number Placeholder 3"/>
+          <p:cNvSpPr>
+            <a:spLocks noGrp="1"/>
+          </p:cNvSpPr>
+          <p:nvPr>
+            <p:ph type="sldNum" sz="quarter" idx="10"/>
+          </p:nvPr>
+        </p:nvSpPr>
+        <p:spPr/>
+        <p:txBody>
+          <a:bodyPr/>
+          <a:lstStyle/>
+          <a:p>
+            <a:fld id="{80E5F7B1-A22B-4383-89B4-FA12AEED286C}" type="slidenum">
+              <a:rPr lang="en-US" smtClean="0"/>
+              <a:t>10</a:t>
+            </a:fld>
+            <a:endParaRPr lang="en-US"/>
+          </a:p>
+        </p:txBody>
+      </p:sp>
+    </p:spTree>
+    <p:extLst>
+      <p:ext uri="{BB962C8B-B14F-4D97-AF65-F5344CB8AC3E}">
+        <p14:creationId xmlns:p14="http://schemas.microsoft.com/office/powerpoint/2010/main" val="1030380749"/>
+      </p:ext>
+    </p:extLst>
+  </p:cSld>
+  <p:clrMapOvr>
+    <a:masterClrMapping/>
+  </p:clrMapOvr>
+</p:notes>
+</file>
+
+<file path=ppt/notesSlides/notesSlide11.xml><?xml version="1.0" encoding="utf-8"?>
+<p:notes xmlns:a="http://schemas.openxmlformats.org/drawingml/2006/main" xmlns:r="http://schemas.openxmlformats.org/officeDocument/2006/relationships" xmlns:p="http://schemas.openxmlformats.org/presentationml/2006/main">
+  <p:cSld>
+    <p:spTree>
+      <p:nvGrpSpPr>
+        <p:cNvPr id="1" name=""/>
+        <p:cNvGrpSpPr/>
+        <p:nvPr/>
+      </p:nvGrpSpPr>
+      <p:grpSpPr>
+        <a:xfrm>
+          <a:off x="0" y="0"/>
+          <a:ext cx="0" cy="0"/>
+          <a:chOff x="0" y="0"/>
+          <a:chExt cx="0" cy="0"/>
+        </a:xfrm>
+      </p:grpSpPr>
+      <p:sp>
+        <p:nvSpPr>
+          <p:cNvPr id="2" name="Slide Image Placeholder 1"/>
+          <p:cNvSpPr>
+            <a:spLocks noGrp="1" noRot="1" noChangeAspect="1"/>
+          </p:cNvSpPr>
+          <p:nvPr>
+            <p:ph type="sldImg"/>
+          </p:nvPr>
+        </p:nvSpPr>
+        <p:spPr/>
+      </p:sp>
+      <p:sp>
+        <p:nvSpPr>
+          <p:cNvPr id="3" name="Notes Placeholder 2"/>
+          <p:cNvSpPr>
+            <a:spLocks noGrp="1"/>
+          </p:cNvSpPr>
+          <p:nvPr>
+            <p:ph type="body" idx="1"/>
+          </p:nvPr>
+        </p:nvSpPr>
+        <p:spPr/>
+        <p:txBody>
+          <a:bodyPr/>
+          <a:lstStyle/>
+          <a:p>
+            <a:endParaRPr lang="en-US"/>
+          </a:p>
+        </p:txBody>
+      </p:sp>
+      <p:sp>
+        <p:nvSpPr>
+          <p:cNvPr id="4" name="Slide Number Placeholder 3"/>
+          <p:cNvSpPr>
+            <a:spLocks noGrp="1"/>
+          </p:cNvSpPr>
+          <p:nvPr>
+            <p:ph type="sldNum" sz="quarter" idx="10"/>
+          </p:nvPr>
+        </p:nvSpPr>
+        <p:spPr/>
+        <p:txBody>
+          <a:bodyPr/>
+          <a:lstStyle/>
+          <a:p>
+            <a:fld id="{80E5F7B1-A22B-4383-89B4-FA12AEED286C}" type="slidenum">
+              <a:rPr lang="en-US" smtClean="0"/>
+              <a:t>11</a:t>
+            </a:fld>
+            <a:endParaRPr lang="en-US"/>
+          </a:p>
+        </p:txBody>
+      </p:sp>
+    </p:spTree>
+    <p:extLst>
+      <p:ext uri="{BB962C8B-B14F-4D97-AF65-F5344CB8AC3E}">
+        <p14:creationId xmlns:p14="http://schemas.microsoft.com/office/powerpoint/2010/main" val="3298578564"/>
+      </p:ext>
+    </p:extLst>
+  </p:cSld>
+  <p:clrMapOvr>
+    <a:masterClrMapping/>
+  </p:clrMapOvr>
+</p:notes>
+</file>
+
+<file path=ppt/notesSlides/notesSlide12.xml><?xml version="1.0" encoding="utf-8"?>
+<p:notes xmlns:a="http://schemas.openxmlformats.org/drawingml/2006/main" xmlns:r="http://schemas.openxmlformats.org/officeDocument/2006/relationships" xmlns:p="http://schemas.openxmlformats.org/presentationml/2006/main">
+  <p:cSld>
+    <p:spTree>
+      <p:nvGrpSpPr>
+        <p:cNvPr id="1" name=""/>
+        <p:cNvGrpSpPr/>
+        <p:nvPr/>
+      </p:nvGrpSpPr>
+      <p:grpSpPr>
+        <a:xfrm>
+          <a:off x="0" y="0"/>
+          <a:ext cx="0" cy="0"/>
+          <a:chOff x="0" y="0"/>
+          <a:chExt cx="0" cy="0"/>
+        </a:xfrm>
+      </p:grpSpPr>
+      <p:sp>
+        <p:nvSpPr>
+          <p:cNvPr id="2" name="Slide Image Placeholder 1"/>
+          <p:cNvSpPr>
+            <a:spLocks noGrp="1" noRot="1" noChangeAspect="1"/>
+          </p:cNvSpPr>
+          <p:nvPr>
+            <p:ph type="sldImg"/>
+          </p:nvPr>
+        </p:nvSpPr>
+        <p:spPr/>
+      </p:sp>
+      <p:sp>
+        <p:nvSpPr>
+          <p:cNvPr id="3" name="Notes Placeholder 2"/>
+          <p:cNvSpPr>
+            <a:spLocks noGrp="1"/>
+          </p:cNvSpPr>
+          <p:nvPr>
+            <p:ph type="body" idx="1"/>
+          </p:nvPr>
+        </p:nvSpPr>
+        <p:spPr/>
+        <p:txBody>
+          <a:bodyPr/>
+          <a:lstStyle/>
+          <a:p>
+            <a:endParaRPr lang="en-US"/>
+          </a:p>
+        </p:txBody>
+      </p:sp>
+      <p:sp>
+        <p:nvSpPr>
+          <p:cNvPr id="4" name="Slide Number Placeholder 3"/>
+          <p:cNvSpPr>
+            <a:spLocks noGrp="1"/>
+          </p:cNvSpPr>
+          <p:nvPr>
+            <p:ph type="sldNum" sz="quarter" idx="10"/>
+          </p:nvPr>
+        </p:nvSpPr>
+        <p:spPr/>
+        <p:txBody>
+          <a:bodyPr/>
+          <a:lstStyle/>
+          <a:p>
+            <a:fld id="{80E5F7B1-A22B-4383-89B4-FA12AEED286C}" type="slidenum">
+              <a:rPr lang="en-US" smtClean="0"/>
+              <a:t>12</a:t>
+            </a:fld>
+            <a:endParaRPr lang="en-US"/>
+          </a:p>
+        </p:txBody>
+      </p:sp>
+    </p:spTree>
+    <p:extLst>
+      <p:ext uri="{BB962C8B-B14F-4D97-AF65-F5344CB8AC3E}">
+        <p14:creationId xmlns:p14="http://schemas.microsoft.com/office/powerpoint/2010/main" val="764724645"/>
+      </p:ext>
+    </p:extLst>
+  </p:cSld>
+  <p:clrMapOvr>
+    <a:masterClrMapping/>
+  </p:clrMapOvr>
+</p:notes>
+</file>
+
 <file path=ppt/notesSlides/notesSlide2.xml><?xml version="1.0" encoding="utf-8"?>
 <p:notes xmlns:a="http://schemas.openxmlformats.org/drawingml/2006/main" xmlns:r="http://schemas.openxmlformats.org/officeDocument/2006/relationships" xmlns:p="http://schemas.openxmlformats.org/presentationml/2006/main">
   <p:cSld>
@@ -1014,6 +1274,426 @@
     <p:extLst>
       <p:ext uri="{BB962C8B-B14F-4D97-AF65-F5344CB8AC3E}">
         <p14:creationId xmlns:p14="http://schemas.microsoft.com/office/powerpoint/2010/main" val="4181143672"/>
+      </p:ext>
+    </p:extLst>
+  </p:cSld>
+  <p:clrMapOvr>
+    <a:masterClrMapping/>
+  </p:clrMapOvr>
+</p:notes>
+</file>
+
+<file path=ppt/notesSlides/notesSlide5.xml><?xml version="1.0" encoding="utf-8"?>
+<p:notes xmlns:a="http://schemas.openxmlformats.org/drawingml/2006/main" xmlns:r="http://schemas.openxmlformats.org/officeDocument/2006/relationships" xmlns:p="http://schemas.openxmlformats.org/presentationml/2006/main">
+  <p:cSld>
+    <p:spTree>
+      <p:nvGrpSpPr>
+        <p:cNvPr id="1" name=""/>
+        <p:cNvGrpSpPr/>
+        <p:nvPr/>
+      </p:nvGrpSpPr>
+      <p:grpSpPr>
+        <a:xfrm>
+          <a:off x="0" y="0"/>
+          <a:ext cx="0" cy="0"/>
+          <a:chOff x="0" y="0"/>
+          <a:chExt cx="0" cy="0"/>
+        </a:xfrm>
+      </p:grpSpPr>
+      <p:sp>
+        <p:nvSpPr>
+          <p:cNvPr id="2" name="Slide Image Placeholder 1"/>
+          <p:cNvSpPr>
+            <a:spLocks noGrp="1" noRot="1" noChangeAspect="1"/>
+          </p:cNvSpPr>
+          <p:nvPr>
+            <p:ph type="sldImg"/>
+          </p:nvPr>
+        </p:nvSpPr>
+        <p:spPr/>
+      </p:sp>
+      <p:sp>
+        <p:nvSpPr>
+          <p:cNvPr id="3" name="Notes Placeholder 2"/>
+          <p:cNvSpPr>
+            <a:spLocks noGrp="1"/>
+          </p:cNvSpPr>
+          <p:nvPr>
+            <p:ph type="body" idx="1"/>
+          </p:nvPr>
+        </p:nvSpPr>
+        <p:spPr/>
+        <p:txBody>
+          <a:bodyPr/>
+          <a:lstStyle/>
+          <a:p>
+            <a:endParaRPr lang="en-US"/>
+          </a:p>
+        </p:txBody>
+      </p:sp>
+      <p:sp>
+        <p:nvSpPr>
+          <p:cNvPr id="4" name="Slide Number Placeholder 3"/>
+          <p:cNvSpPr>
+            <a:spLocks noGrp="1"/>
+          </p:cNvSpPr>
+          <p:nvPr>
+            <p:ph type="sldNum" sz="quarter" idx="10"/>
+          </p:nvPr>
+        </p:nvSpPr>
+        <p:spPr/>
+        <p:txBody>
+          <a:bodyPr/>
+          <a:lstStyle/>
+          <a:p>
+            <a:fld id="{80E5F7B1-A22B-4383-89B4-FA12AEED286C}" type="slidenum">
+              <a:rPr lang="en-US" smtClean="0"/>
+              <a:t>5</a:t>
+            </a:fld>
+            <a:endParaRPr lang="en-US"/>
+          </a:p>
+        </p:txBody>
+      </p:sp>
+    </p:spTree>
+    <p:extLst>
+      <p:ext uri="{BB962C8B-B14F-4D97-AF65-F5344CB8AC3E}">
+        <p14:creationId xmlns:p14="http://schemas.microsoft.com/office/powerpoint/2010/main" val="3141560949"/>
+      </p:ext>
+    </p:extLst>
+  </p:cSld>
+  <p:clrMapOvr>
+    <a:masterClrMapping/>
+  </p:clrMapOvr>
+</p:notes>
+</file>
+
+<file path=ppt/notesSlides/notesSlide6.xml><?xml version="1.0" encoding="utf-8"?>
+<p:notes xmlns:a="http://schemas.openxmlformats.org/drawingml/2006/main" xmlns:r="http://schemas.openxmlformats.org/officeDocument/2006/relationships" xmlns:p="http://schemas.openxmlformats.org/presentationml/2006/main">
+  <p:cSld>
+    <p:spTree>
+      <p:nvGrpSpPr>
+        <p:cNvPr id="1" name=""/>
+        <p:cNvGrpSpPr/>
+        <p:nvPr/>
+      </p:nvGrpSpPr>
+      <p:grpSpPr>
+        <a:xfrm>
+          <a:off x="0" y="0"/>
+          <a:ext cx="0" cy="0"/>
+          <a:chOff x="0" y="0"/>
+          <a:chExt cx="0" cy="0"/>
+        </a:xfrm>
+      </p:grpSpPr>
+      <p:sp>
+        <p:nvSpPr>
+          <p:cNvPr id="2" name="Slide Image Placeholder 1"/>
+          <p:cNvSpPr>
+            <a:spLocks noGrp="1" noRot="1" noChangeAspect="1"/>
+          </p:cNvSpPr>
+          <p:nvPr>
+            <p:ph type="sldImg"/>
+          </p:nvPr>
+        </p:nvSpPr>
+        <p:spPr/>
+      </p:sp>
+      <p:sp>
+        <p:nvSpPr>
+          <p:cNvPr id="3" name="Notes Placeholder 2"/>
+          <p:cNvSpPr>
+            <a:spLocks noGrp="1"/>
+          </p:cNvSpPr>
+          <p:nvPr>
+            <p:ph type="body" idx="1"/>
+          </p:nvPr>
+        </p:nvSpPr>
+        <p:spPr/>
+        <p:txBody>
+          <a:bodyPr/>
+          <a:lstStyle/>
+          <a:p>
+            <a:endParaRPr lang="en-US"/>
+          </a:p>
+        </p:txBody>
+      </p:sp>
+      <p:sp>
+        <p:nvSpPr>
+          <p:cNvPr id="4" name="Slide Number Placeholder 3"/>
+          <p:cNvSpPr>
+            <a:spLocks noGrp="1"/>
+          </p:cNvSpPr>
+          <p:nvPr>
+            <p:ph type="sldNum" sz="quarter" idx="10"/>
+          </p:nvPr>
+        </p:nvSpPr>
+        <p:spPr/>
+        <p:txBody>
+          <a:bodyPr/>
+          <a:lstStyle/>
+          <a:p>
+            <a:fld id="{80E5F7B1-A22B-4383-89B4-FA12AEED286C}" type="slidenum">
+              <a:rPr lang="en-US" smtClean="0"/>
+              <a:t>6</a:t>
+            </a:fld>
+            <a:endParaRPr lang="en-US"/>
+          </a:p>
+        </p:txBody>
+      </p:sp>
+    </p:spTree>
+    <p:extLst>
+      <p:ext uri="{BB962C8B-B14F-4D97-AF65-F5344CB8AC3E}">
+        <p14:creationId xmlns:p14="http://schemas.microsoft.com/office/powerpoint/2010/main" val="3630189206"/>
+      </p:ext>
+    </p:extLst>
+  </p:cSld>
+  <p:clrMapOvr>
+    <a:masterClrMapping/>
+  </p:clrMapOvr>
+</p:notes>
+</file>
+
+<file path=ppt/notesSlides/notesSlide7.xml><?xml version="1.0" encoding="utf-8"?>
+<p:notes xmlns:a="http://schemas.openxmlformats.org/drawingml/2006/main" xmlns:r="http://schemas.openxmlformats.org/officeDocument/2006/relationships" xmlns:p="http://schemas.openxmlformats.org/presentationml/2006/main">
+  <p:cSld>
+    <p:spTree>
+      <p:nvGrpSpPr>
+        <p:cNvPr id="1" name=""/>
+        <p:cNvGrpSpPr/>
+        <p:nvPr/>
+      </p:nvGrpSpPr>
+      <p:grpSpPr>
+        <a:xfrm>
+          <a:off x="0" y="0"/>
+          <a:ext cx="0" cy="0"/>
+          <a:chOff x="0" y="0"/>
+          <a:chExt cx="0" cy="0"/>
+        </a:xfrm>
+      </p:grpSpPr>
+      <p:sp>
+        <p:nvSpPr>
+          <p:cNvPr id="2" name="Slide Image Placeholder 1"/>
+          <p:cNvSpPr>
+            <a:spLocks noGrp="1" noRot="1" noChangeAspect="1"/>
+          </p:cNvSpPr>
+          <p:nvPr>
+            <p:ph type="sldImg"/>
+          </p:nvPr>
+        </p:nvSpPr>
+        <p:spPr/>
+      </p:sp>
+      <p:sp>
+        <p:nvSpPr>
+          <p:cNvPr id="3" name="Notes Placeholder 2"/>
+          <p:cNvSpPr>
+            <a:spLocks noGrp="1"/>
+          </p:cNvSpPr>
+          <p:nvPr>
+            <p:ph type="body" idx="1"/>
+          </p:nvPr>
+        </p:nvSpPr>
+        <p:spPr/>
+        <p:txBody>
+          <a:bodyPr/>
+          <a:lstStyle/>
+          <a:p>
+            <a:endParaRPr lang="en-US"/>
+          </a:p>
+        </p:txBody>
+      </p:sp>
+      <p:sp>
+        <p:nvSpPr>
+          <p:cNvPr id="4" name="Slide Number Placeholder 3"/>
+          <p:cNvSpPr>
+            <a:spLocks noGrp="1"/>
+          </p:cNvSpPr>
+          <p:nvPr>
+            <p:ph type="sldNum" sz="quarter" idx="10"/>
+          </p:nvPr>
+        </p:nvSpPr>
+        <p:spPr/>
+        <p:txBody>
+          <a:bodyPr/>
+          <a:lstStyle/>
+          <a:p>
+            <a:fld id="{80E5F7B1-A22B-4383-89B4-FA12AEED286C}" type="slidenum">
+              <a:rPr lang="en-US" smtClean="0"/>
+              <a:t>7</a:t>
+            </a:fld>
+            <a:endParaRPr lang="en-US"/>
+          </a:p>
+        </p:txBody>
+      </p:sp>
+    </p:spTree>
+    <p:extLst>
+      <p:ext uri="{BB962C8B-B14F-4D97-AF65-F5344CB8AC3E}">
+        <p14:creationId xmlns:p14="http://schemas.microsoft.com/office/powerpoint/2010/main" val="915906585"/>
+      </p:ext>
+    </p:extLst>
+  </p:cSld>
+  <p:clrMapOvr>
+    <a:masterClrMapping/>
+  </p:clrMapOvr>
+</p:notes>
+</file>
+
+<file path=ppt/notesSlides/notesSlide8.xml><?xml version="1.0" encoding="utf-8"?>
+<p:notes xmlns:a="http://schemas.openxmlformats.org/drawingml/2006/main" xmlns:r="http://schemas.openxmlformats.org/officeDocument/2006/relationships" xmlns:p="http://schemas.openxmlformats.org/presentationml/2006/main">
+  <p:cSld>
+    <p:spTree>
+      <p:nvGrpSpPr>
+        <p:cNvPr id="1" name=""/>
+        <p:cNvGrpSpPr/>
+        <p:nvPr/>
+      </p:nvGrpSpPr>
+      <p:grpSpPr>
+        <a:xfrm>
+          <a:off x="0" y="0"/>
+          <a:ext cx="0" cy="0"/>
+          <a:chOff x="0" y="0"/>
+          <a:chExt cx="0" cy="0"/>
+        </a:xfrm>
+      </p:grpSpPr>
+      <p:sp>
+        <p:nvSpPr>
+          <p:cNvPr id="2" name="Slide Image Placeholder 1"/>
+          <p:cNvSpPr>
+            <a:spLocks noGrp="1" noRot="1" noChangeAspect="1"/>
+          </p:cNvSpPr>
+          <p:nvPr>
+            <p:ph type="sldImg"/>
+          </p:nvPr>
+        </p:nvSpPr>
+        <p:spPr/>
+      </p:sp>
+      <p:sp>
+        <p:nvSpPr>
+          <p:cNvPr id="3" name="Notes Placeholder 2"/>
+          <p:cNvSpPr>
+            <a:spLocks noGrp="1"/>
+          </p:cNvSpPr>
+          <p:nvPr>
+            <p:ph type="body" idx="1"/>
+          </p:nvPr>
+        </p:nvSpPr>
+        <p:spPr/>
+        <p:txBody>
+          <a:bodyPr/>
+          <a:lstStyle/>
+          <a:p>
+            <a:endParaRPr lang="en-US"/>
+          </a:p>
+        </p:txBody>
+      </p:sp>
+      <p:sp>
+        <p:nvSpPr>
+          <p:cNvPr id="4" name="Slide Number Placeholder 3"/>
+          <p:cNvSpPr>
+            <a:spLocks noGrp="1"/>
+          </p:cNvSpPr>
+          <p:nvPr>
+            <p:ph type="sldNum" sz="quarter" idx="10"/>
+          </p:nvPr>
+        </p:nvSpPr>
+        <p:spPr/>
+        <p:txBody>
+          <a:bodyPr/>
+          <a:lstStyle/>
+          <a:p>
+            <a:fld id="{80E5F7B1-A22B-4383-89B4-FA12AEED286C}" type="slidenum">
+              <a:rPr lang="en-US" smtClean="0"/>
+              <a:t>8</a:t>
+            </a:fld>
+            <a:endParaRPr lang="en-US"/>
+          </a:p>
+        </p:txBody>
+      </p:sp>
+    </p:spTree>
+    <p:extLst>
+      <p:ext uri="{BB962C8B-B14F-4D97-AF65-F5344CB8AC3E}">
+        <p14:creationId xmlns:p14="http://schemas.microsoft.com/office/powerpoint/2010/main" val="670832760"/>
+      </p:ext>
+    </p:extLst>
+  </p:cSld>
+  <p:clrMapOvr>
+    <a:masterClrMapping/>
+  </p:clrMapOvr>
+</p:notes>
+</file>
+
+<file path=ppt/notesSlides/notesSlide9.xml><?xml version="1.0" encoding="utf-8"?>
+<p:notes xmlns:a="http://schemas.openxmlformats.org/drawingml/2006/main" xmlns:r="http://schemas.openxmlformats.org/officeDocument/2006/relationships" xmlns:p="http://schemas.openxmlformats.org/presentationml/2006/main">
+  <p:cSld>
+    <p:spTree>
+      <p:nvGrpSpPr>
+        <p:cNvPr id="1" name=""/>
+        <p:cNvGrpSpPr/>
+        <p:nvPr/>
+      </p:nvGrpSpPr>
+      <p:grpSpPr>
+        <a:xfrm>
+          <a:off x="0" y="0"/>
+          <a:ext cx="0" cy="0"/>
+          <a:chOff x="0" y="0"/>
+          <a:chExt cx="0" cy="0"/>
+        </a:xfrm>
+      </p:grpSpPr>
+      <p:sp>
+        <p:nvSpPr>
+          <p:cNvPr id="2" name="Slide Image Placeholder 1"/>
+          <p:cNvSpPr>
+            <a:spLocks noGrp="1" noRot="1" noChangeAspect="1"/>
+          </p:cNvSpPr>
+          <p:nvPr>
+            <p:ph type="sldImg"/>
+          </p:nvPr>
+        </p:nvSpPr>
+        <p:spPr/>
+      </p:sp>
+      <p:sp>
+        <p:nvSpPr>
+          <p:cNvPr id="3" name="Notes Placeholder 2"/>
+          <p:cNvSpPr>
+            <a:spLocks noGrp="1"/>
+          </p:cNvSpPr>
+          <p:nvPr>
+            <p:ph type="body" idx="1"/>
+          </p:nvPr>
+        </p:nvSpPr>
+        <p:spPr/>
+        <p:txBody>
+          <a:bodyPr/>
+          <a:lstStyle/>
+          <a:p>
+            <a:endParaRPr lang="en-US"/>
+          </a:p>
+        </p:txBody>
+      </p:sp>
+      <p:sp>
+        <p:nvSpPr>
+          <p:cNvPr id="4" name="Slide Number Placeholder 3"/>
+          <p:cNvSpPr>
+            <a:spLocks noGrp="1"/>
+          </p:cNvSpPr>
+          <p:nvPr>
+            <p:ph type="sldNum" sz="quarter" idx="10"/>
+          </p:nvPr>
+        </p:nvSpPr>
+        <p:spPr/>
+        <p:txBody>
+          <a:bodyPr/>
+          <a:lstStyle/>
+          <a:p>
+            <a:fld id="{80E5F7B1-A22B-4383-89B4-FA12AEED286C}" type="slidenum">
+              <a:rPr lang="en-US" smtClean="0"/>
+              <a:t>9</a:t>
+            </a:fld>
+            <a:endParaRPr lang="en-US"/>
+          </a:p>
+        </p:txBody>
+      </p:sp>
+    </p:spTree>
+    <p:extLst>
+      <p:ext uri="{BB962C8B-B14F-4D97-AF65-F5344CB8AC3E}">
+        <p14:creationId xmlns:p14="http://schemas.microsoft.com/office/powerpoint/2010/main" val="2424336866"/>
       </p:ext>
     </p:extLst>
   </p:cSld>
@@ -9590,6 +10270,3157 @@
 </p:sld>
 </file>
 
+<file path=ppt/slides/slide10.xml><?xml version="1.0" encoding="utf-8"?>
+<p:sld xmlns:a="http://schemas.openxmlformats.org/drawingml/2006/main" xmlns:r="http://schemas.openxmlformats.org/officeDocument/2006/relationships" xmlns:p="http://schemas.openxmlformats.org/presentationml/2006/main">
+  <p:cSld>
+    <p:spTree>
+      <p:nvGrpSpPr>
+        <p:cNvPr id="1" name=""/>
+        <p:cNvGrpSpPr/>
+        <p:nvPr/>
+      </p:nvGrpSpPr>
+      <p:grpSpPr>
+        <a:xfrm>
+          <a:off x="0" y="0"/>
+          <a:ext cx="0" cy="0"/>
+          <a:chOff x="0" y="0"/>
+          <a:chExt cx="0" cy="0"/>
+        </a:xfrm>
+      </p:grpSpPr>
+      <mc:AlternateContent xmlns:mc="http://schemas.openxmlformats.org/markup-compatibility/2006">
+        <mc:Choice xmlns:a14="http://schemas.microsoft.com/office/drawing/2010/main" Requires="a14">
+          <p:sp>
+            <p:nvSpPr>
+              <p:cNvPr id="3" name="Text Placeholder 2"/>
+              <p:cNvSpPr>
+                <a:spLocks noGrp="1"/>
+              </p:cNvSpPr>
+              <p:nvPr>
+                <p:ph type="body" sz="quarter" idx="10"/>
+              </p:nvPr>
+            </p:nvSpPr>
+            <p:spPr/>
+            <p:txBody>
+              <a:bodyPr>
+                <a:normAutofit/>
+              </a:bodyPr>
+              <a:lstStyle/>
+              <a:p>
+                <a:pPr>
+                  <a:lnSpc>
+                    <a:spcPct val="100000"/>
+                  </a:lnSpc>
+                </a:pPr>
+                <a:r>
+                  <a:rPr lang="ko-KR" altLang="en-US" b="0" dirty="0">
+                    <a:latin typeface="서울남산체 M" panose="02020603020101020101" pitchFamily="18" charset="-127"/>
+                    <a:ea typeface="서울남산체 M" panose="02020603020101020101" pitchFamily="18" charset="-127"/>
+                  </a:rPr>
+                  <a:t>표면 및 산란에 대해 반무한 판의 경우를 고려</a:t>
+                </a:r>
+                <a:br>
+                  <a:rPr lang="en-US" altLang="ko-KR" b="0" dirty="0">
+                    <a:latin typeface="서울남산체 M" panose="02020603020101020101" pitchFamily="18" charset="-127"/>
+                    <a:ea typeface="서울남산체 M" panose="02020603020101020101" pitchFamily="18" charset="-127"/>
+                  </a:rPr>
+                </a:br>
+                <a:r>
+                  <a:rPr lang="en-US" altLang="ko-KR" b="0" dirty="0">
+                    <a:latin typeface="서울남산체 M" panose="02020603020101020101" pitchFamily="18" charset="-127"/>
+                    <a:ea typeface="서울남산체 M" panose="02020603020101020101" pitchFamily="18" charset="-127"/>
+                  </a:rPr>
+                  <a:t>(</a:t>
+                </a:r>
+                <a:r>
+                  <a:rPr lang="ko-KR" altLang="en-US" b="0" dirty="0">
+                    <a:latin typeface="서울남산체 M" panose="02020603020101020101" pitchFamily="18" charset="-127"/>
+                    <a:ea typeface="서울남산체 M" panose="02020603020101020101" pitchFamily="18" charset="-127"/>
+                  </a:rPr>
+                  <a:t>출처 </a:t>
+                </a:r>
+                <a:r>
+                  <a:rPr lang="en-US" altLang="ko-KR" dirty="0">
+                    <a:latin typeface="서울남산체 M" panose="02020603020101020101" pitchFamily="18" charset="-127"/>
+                    <a:ea typeface="서울남산체 M" panose="02020603020101020101" pitchFamily="18" charset="-127"/>
+                  </a:rPr>
+                  <a:t>: </a:t>
+                </a:r>
+                <a:r>
+                  <a:rPr lang="en-US" altLang="ko-KR" dirty="0">
+                    <a:latin typeface="서울남산체 M" panose="02020603020101020101" pitchFamily="18" charset="-127"/>
+                    <a:ea typeface="서울남산체 M" panose="02020603020101020101" pitchFamily="18" charset="-127"/>
+                    <a:hlinkClick r:id="rId3"/>
+                  </a:rPr>
+                  <a:t>https://graphics.stanford.edu/papers/bssrdf/bssrdf.pdf</a:t>
+                </a:r>
+                <a:r>
+                  <a:rPr lang="en-US" altLang="ko-KR" dirty="0">
+                    <a:latin typeface="서울남산체 M" panose="02020603020101020101" pitchFamily="18" charset="-127"/>
+                    <a:ea typeface="서울남산체 M" panose="02020603020101020101" pitchFamily="18" charset="-127"/>
+                  </a:rPr>
+                  <a:t>)</a:t>
+                </a:r>
+                <a:endParaRPr lang="en-US" altLang="ko-KR" b="0" dirty="0">
+                  <a:latin typeface="서울남산체 M" panose="02020603020101020101" pitchFamily="18" charset="-127"/>
+                  <a:ea typeface="서울남산체 M" panose="02020603020101020101" pitchFamily="18" charset="-127"/>
+                </a:endParaRPr>
+              </a:p>
+              <a:p>
+                <a:pPr lvl="1">
+                  <a:lnSpc>
+                    <a:spcPct val="100000"/>
+                  </a:lnSpc>
+                </a:pPr>
+                <a:r>
+                  <a:rPr lang="ko-KR" altLang="en-US" dirty="0">
+                    <a:latin typeface="서울남산체 M" panose="02020603020101020101" pitchFamily="18" charset="-127"/>
+                    <a:ea typeface="서울남산체 M" panose="02020603020101020101" pitchFamily="18" charset="-127"/>
+                  </a:rPr>
+                  <a:t>산란 매질은 </a:t>
+                </a:r>
+                <a14:m>
+                  <m:oMath xmlns:m="http://schemas.openxmlformats.org/officeDocument/2006/math">
+                    <m:r>
+                      <a:rPr lang="en-US" altLang="ko-KR" b="0" i="1" smtClean="0">
+                        <a:latin typeface="Cambria Math" panose="02040503050406030204" pitchFamily="18" charset="0"/>
+                        <a:ea typeface="서울남산체 M" panose="02020603020101020101" pitchFamily="18" charset="-127"/>
+                      </a:rPr>
+                      <m:t>𝑧</m:t>
+                    </m:r>
+                    <m:r>
+                      <a:rPr lang="en-US" altLang="ko-KR" b="0" i="1" smtClean="0">
+                        <a:latin typeface="Cambria Math" panose="02040503050406030204" pitchFamily="18" charset="0"/>
+                        <a:ea typeface="서울남산체 M" panose="02020603020101020101" pitchFamily="18" charset="-127"/>
+                      </a:rPr>
+                      <m:t>=0</m:t>
+                    </m:r>
+                  </m:oMath>
+                </a14:m>
+                <a:r>
+                  <a:rPr lang="en-US" altLang="ko-KR" b="0" dirty="0">
+                    <a:latin typeface="서울남산체 M" panose="02020603020101020101" pitchFamily="18" charset="-127"/>
+                    <a:ea typeface="서울남산체 M" panose="02020603020101020101" pitchFamily="18" charset="-127"/>
+                  </a:rPr>
+                  <a:t> </a:t>
+                </a:r>
+                <a:r>
+                  <a:rPr lang="ko-KR" altLang="en-US" b="0" dirty="0">
+                    <a:latin typeface="서울남산체 M" panose="02020603020101020101" pitchFamily="18" charset="-127"/>
+                    <a:ea typeface="서울남산체 M" panose="02020603020101020101" pitchFamily="18" charset="-127"/>
+                  </a:rPr>
+                  <a:t>면 아래의 모든 공간</a:t>
+                </a:r>
+                <a:endParaRPr lang="en-US" altLang="ko-KR" b="0" dirty="0">
+                  <a:latin typeface="서울남산체 M" panose="02020603020101020101" pitchFamily="18" charset="-127"/>
+                  <a:ea typeface="서울남산체 M" panose="02020603020101020101" pitchFamily="18" charset="-127"/>
+                </a:endParaRPr>
+              </a:p>
+              <a:p>
+                <a:pPr lvl="1">
+                  <a:lnSpc>
+                    <a:spcPct val="100000"/>
+                  </a:lnSpc>
+                </a:pPr>
+                <a:r>
+                  <a:rPr lang="ko-KR" altLang="en-US" b="0" dirty="0">
+                    <a:latin typeface="서울남산체 M" panose="02020603020101020101" pitchFamily="18" charset="-127"/>
+                    <a:ea typeface="서울남산체 M" panose="02020603020101020101" pitchFamily="18" charset="-127"/>
+                  </a:rPr>
+                  <a:t>이</a:t>
+                </a:r>
+                <a:r>
+                  <a:rPr lang="en-US" altLang="ko-KR" dirty="0">
+                    <a:latin typeface="서울남산체 M" panose="02020603020101020101" pitchFamily="18" charset="-127"/>
+                    <a:ea typeface="서울남산체 M" panose="02020603020101020101" pitchFamily="18" charset="-127"/>
+                  </a:rPr>
+                  <a:t> </a:t>
+                </a:r>
+                <a:r>
+                  <a:rPr lang="ko-KR" altLang="en-US" dirty="0">
+                    <a:latin typeface="서울남산체 M" panose="02020603020101020101" pitchFamily="18" charset="-127"/>
+                    <a:ea typeface="서울남산체 M" panose="02020603020101020101" pitchFamily="18" charset="-127"/>
+                  </a:rPr>
+                  <a:t>경우의 </a:t>
+                </a:r>
+                <a:r>
+                  <a:rPr lang="ko-KR" altLang="en-US" b="0" dirty="0">
+                    <a:latin typeface="서울남산체 M" panose="02020603020101020101" pitchFamily="18" charset="-127"/>
+                    <a:ea typeface="서울남산체 M" panose="02020603020101020101" pitchFamily="18" charset="-127"/>
+                  </a:rPr>
+                  <a:t>확산 방정식을 풀기 위해 적절한 경계 조건을 찾아야 함</a:t>
+                </a:r>
+                <a:endParaRPr lang="en-US" altLang="ko-KR" dirty="0">
+                  <a:latin typeface="서울남산체 M" panose="02020603020101020101" pitchFamily="18" charset="-127"/>
+                  <a:ea typeface="서울남산체 M" panose="02020603020101020101" pitchFamily="18" charset="-127"/>
+                </a:endParaRPr>
+              </a:p>
+              <a:p>
+                <a:pPr lvl="2">
+                  <a:lnSpc>
+                    <a:spcPct val="100000"/>
+                  </a:lnSpc>
+                </a:pPr>
+                <a:r>
+                  <a:rPr lang="ko-KR" altLang="en-US" b="0" dirty="0">
+                    <a:latin typeface="서울남산체 M" panose="02020603020101020101" pitchFamily="18" charset="-127"/>
+                    <a:ea typeface="서울남산체 M" panose="02020603020101020101" pitchFamily="18" charset="-127"/>
+                  </a:rPr>
+                  <a:t>반무한 면 설정에서 판 안에서의 산란으로 인한 방사로 인해 면 위에서의 입사 방사는 없음</a:t>
+                </a:r>
+                <a:endParaRPr lang="en-US" altLang="ko-KR" b="0" dirty="0">
+                  <a:latin typeface="서울남산체 M" panose="02020603020101020101" pitchFamily="18" charset="-127"/>
+                  <a:ea typeface="서울남산체 M" panose="02020603020101020101" pitchFamily="18" charset="-127"/>
+                </a:endParaRPr>
+              </a:p>
+              <a:p>
+                <a:pPr lvl="2">
+                  <a:lnSpc>
+                    <a:spcPct val="100000"/>
+                  </a:lnSpc>
+                </a:pPr>
+                <a:r>
+                  <a:rPr lang="ko-KR" altLang="en-US" b="0" dirty="0">
+                    <a:latin typeface="서울남산체 M" panose="02020603020101020101" pitchFamily="18" charset="-127"/>
+                    <a:ea typeface="서울남산체 M" panose="02020603020101020101" pitchFamily="18" charset="-127"/>
+                  </a:rPr>
+                  <a:t>매질의 경계 위의 각 점 </a:t>
+                </a:r>
+                <a14:m>
+                  <m:oMath xmlns:m="http://schemas.openxmlformats.org/officeDocument/2006/math">
+                    <m:sSub>
+                      <m:sSubPr>
+                        <m:ctrlPr>
+                          <a:rPr lang="en-US" altLang="ko-KR" b="0" i="1" smtClean="0">
+                            <a:latin typeface="Cambria Math" panose="02040503050406030204" pitchFamily="18" charset="0"/>
+                            <a:ea typeface="서울남산체 M" panose="02020603020101020101" pitchFamily="18" charset="-127"/>
+                          </a:rPr>
+                        </m:ctrlPr>
+                      </m:sSubPr>
+                      <m:e>
+                        <m:r>
+                          <a:rPr lang="en-US" altLang="ko-KR" b="0" i="1" smtClean="0">
+                            <a:latin typeface="Cambria Math" panose="02040503050406030204" pitchFamily="18" charset="0"/>
+                            <a:ea typeface="서울남산체 M" panose="02020603020101020101" pitchFamily="18" charset="-127"/>
+                          </a:rPr>
+                          <m:t>𝑥</m:t>
+                        </m:r>
+                      </m:e>
+                      <m:sub>
+                        <m:r>
+                          <a:rPr lang="en-US" altLang="ko-KR" b="0" i="1" smtClean="0">
+                            <a:latin typeface="Cambria Math" panose="02040503050406030204" pitchFamily="18" charset="0"/>
+                            <a:ea typeface="서울남산체 M" panose="02020603020101020101" pitchFamily="18" charset="-127"/>
+                          </a:rPr>
+                          <m:t>𝑠</m:t>
+                        </m:r>
+                      </m:sub>
+                    </m:sSub>
+                  </m:oMath>
+                </a14:m>
+                <a:r>
+                  <a:rPr lang="ko-KR" altLang="en-US" b="0" dirty="0">
+                    <a:latin typeface="서울남산체 M" panose="02020603020101020101" pitchFamily="18" charset="-127"/>
+                    <a:ea typeface="서울남산체 M" panose="02020603020101020101" pitchFamily="18" charset="-127"/>
+                  </a:rPr>
+                  <a:t>에서의 입사 선속이 </a:t>
+                </a:r>
+                <a:r>
+                  <a:rPr lang="en-US" altLang="ko-KR" b="0" dirty="0">
+                    <a:latin typeface="서울남산체 M" panose="02020603020101020101" pitchFamily="18" charset="-127"/>
+                    <a:ea typeface="서울남산체 M" panose="02020603020101020101" pitchFamily="18" charset="-127"/>
+                  </a:rPr>
+                  <a:t>0</a:t>
+                </a:r>
+                <a:r>
+                  <a:rPr lang="ko-KR" altLang="en-US" b="0" dirty="0">
+                    <a:latin typeface="서울남산체 M" panose="02020603020101020101" pitchFamily="18" charset="-127"/>
+                    <a:ea typeface="서울남산체 M" panose="02020603020101020101" pitchFamily="18" charset="-127"/>
+                  </a:rPr>
+                  <a:t>인 경계 조건</a:t>
+                </a:r>
+                <a:endParaRPr lang="en-US" altLang="ko-KR" dirty="0">
+                  <a:latin typeface="서울남산체 M" panose="02020603020101020101" pitchFamily="18" charset="-127"/>
+                  <a:ea typeface="서울남산체 M" panose="02020603020101020101" pitchFamily="18" charset="-127"/>
+                </a:endParaRPr>
+              </a:p>
+              <a:p>
+                <a:pPr marL="284162" lvl="1" indent="0">
+                  <a:lnSpc>
+                    <a:spcPct val="100000"/>
+                  </a:lnSpc>
+                  <a:buNone/>
+                </a:pPr>
+                <a14:m>
+                  <m:oMathPara xmlns:m="http://schemas.openxmlformats.org/officeDocument/2006/math">
+                    <m:oMathParaPr>
+                      <m:jc m:val="centerGroup"/>
+                    </m:oMathParaPr>
+                    <m:oMath xmlns:m="http://schemas.openxmlformats.org/officeDocument/2006/math">
+                      <m:nary>
+                        <m:naryPr>
+                          <m:ctrlPr>
+                            <a:rPr lang="en-US" altLang="ko-KR" b="0" i="1" smtClean="0">
+                              <a:latin typeface="Cambria Math" panose="02040503050406030204" pitchFamily="18" charset="0"/>
+                              <a:ea typeface="서울남산체 M" panose="02020603020101020101" pitchFamily="18" charset="-127"/>
+                            </a:rPr>
+                          </m:ctrlPr>
+                        </m:naryPr>
+                        <m:sub>
+                          <m:r>
+                            <m:rPr>
+                              <m:brk m:alnAt="23"/>
+                            </m:rPr>
+                            <a:rPr lang="en-US" altLang="ko-KR" b="0" i="1" smtClean="0">
+                              <a:latin typeface="Cambria Math" panose="02040503050406030204" pitchFamily="18" charset="0"/>
+                              <a:ea typeface="서울남산체 M" panose="02020603020101020101" pitchFamily="18" charset="-127"/>
+                            </a:rPr>
+                            <m:t>2</m:t>
+                          </m:r>
+                          <m:r>
+                            <a:rPr lang="ko-KR" altLang="en-US" b="0" i="1" smtClean="0">
+                              <a:latin typeface="Cambria Math" panose="02040503050406030204" pitchFamily="18" charset="0"/>
+                              <a:ea typeface="서울남산체 M" panose="02020603020101020101" pitchFamily="18" charset="-127"/>
+                            </a:rPr>
+                            <m:t>𝜋</m:t>
+                          </m:r>
+                          <m:r>
+                            <a:rPr lang="en-US" altLang="ko-KR" b="0" i="1" smtClean="0">
+                              <a:latin typeface="Cambria Math" panose="02040503050406030204" pitchFamily="18" charset="0"/>
+                              <a:ea typeface="서울남산체 M" panose="02020603020101020101" pitchFamily="18" charset="-127"/>
+                            </a:rPr>
+                            <m:t>−</m:t>
+                          </m:r>
+                        </m:sub>
+                        <m:sup/>
+                        <m:e>
+                          <m:r>
+                            <a:rPr lang="en-US" altLang="ko-KR" b="0" i="1" smtClean="0">
+                              <a:latin typeface="Cambria Math" panose="02040503050406030204" pitchFamily="18" charset="0"/>
+                              <a:ea typeface="서울남산체 M" panose="02020603020101020101" pitchFamily="18" charset="-127"/>
+                            </a:rPr>
+                            <m:t>𝐿</m:t>
+                          </m:r>
+                          <m:d>
+                            <m:dPr>
+                              <m:ctrlPr>
+                                <a:rPr lang="en-US" altLang="ko-KR" b="0" i="1" smtClean="0">
+                                  <a:latin typeface="Cambria Math" panose="02040503050406030204" pitchFamily="18" charset="0"/>
+                                  <a:ea typeface="서울남산체 M" panose="02020603020101020101" pitchFamily="18" charset="-127"/>
+                                </a:rPr>
+                              </m:ctrlPr>
+                            </m:dPr>
+                            <m:e>
+                              <m:sSub>
+                                <m:sSubPr>
+                                  <m:ctrlPr>
+                                    <a:rPr lang="en-US" altLang="ko-KR" b="0" i="1" smtClean="0">
+                                      <a:latin typeface="Cambria Math" panose="02040503050406030204" pitchFamily="18" charset="0"/>
+                                      <a:ea typeface="서울남산체 M" panose="02020603020101020101" pitchFamily="18" charset="-127"/>
+                                    </a:rPr>
+                                  </m:ctrlPr>
+                                </m:sSubPr>
+                                <m:e>
+                                  <m:r>
+                                    <a:rPr lang="en-US" altLang="ko-KR" b="0" i="1" smtClean="0">
+                                      <a:latin typeface="Cambria Math" panose="02040503050406030204" pitchFamily="18" charset="0"/>
+                                      <a:ea typeface="서울남산체 M" panose="02020603020101020101" pitchFamily="18" charset="-127"/>
+                                    </a:rPr>
+                                    <m:t>𝑥</m:t>
+                                  </m:r>
+                                </m:e>
+                                <m:sub>
+                                  <m:r>
+                                    <a:rPr lang="en-US" altLang="ko-KR" b="0" i="1" smtClean="0">
+                                      <a:latin typeface="Cambria Math" panose="02040503050406030204" pitchFamily="18" charset="0"/>
+                                      <a:ea typeface="서울남산체 M" panose="02020603020101020101" pitchFamily="18" charset="-127"/>
+                                    </a:rPr>
+                                    <m:t>𝑠</m:t>
+                                  </m:r>
+                                </m:sub>
+                              </m:sSub>
+                              <m:r>
+                                <a:rPr lang="en-US" altLang="ko-KR" b="0" i="1" smtClean="0">
+                                  <a:latin typeface="Cambria Math" panose="02040503050406030204" pitchFamily="18" charset="0"/>
+                                  <a:ea typeface="서울남산체 M" panose="02020603020101020101" pitchFamily="18" charset="-127"/>
+                                </a:rPr>
+                                <m:t>,</m:t>
+                              </m:r>
+                              <m:acc>
+                                <m:accPr>
+                                  <m:chr m:val="⃗"/>
+                                  <m:ctrlPr>
+                                    <a:rPr lang="en-US" altLang="ko-KR" b="0" i="1" smtClean="0">
+                                      <a:latin typeface="Cambria Math" panose="02040503050406030204" pitchFamily="18" charset="0"/>
+                                      <a:ea typeface="서울남산체 M" panose="02020603020101020101" pitchFamily="18" charset="-127"/>
+                                    </a:rPr>
+                                  </m:ctrlPr>
+                                </m:accPr>
+                                <m:e>
+                                  <m:r>
+                                    <a:rPr lang="ko-KR" altLang="en-US" b="0" i="1" smtClean="0">
+                                      <a:latin typeface="Cambria Math" panose="02040503050406030204" pitchFamily="18" charset="0"/>
+                                      <a:ea typeface="서울남산체 M" panose="02020603020101020101" pitchFamily="18" charset="-127"/>
+                                    </a:rPr>
+                                    <m:t>𝜔</m:t>
+                                  </m:r>
+                                </m:e>
+                              </m:acc>
+                            </m:e>
+                          </m:d>
+                          <m:d>
+                            <m:dPr>
+                              <m:ctrlPr>
+                                <a:rPr lang="en-US" altLang="ko-KR" b="0" i="1" smtClean="0">
+                                  <a:latin typeface="Cambria Math" panose="02040503050406030204" pitchFamily="18" charset="0"/>
+                                  <a:ea typeface="서울남산체 M" panose="02020603020101020101" pitchFamily="18" charset="-127"/>
+                                </a:rPr>
+                              </m:ctrlPr>
+                            </m:dPr>
+                            <m:e>
+                              <m:acc>
+                                <m:accPr>
+                                  <m:chr m:val="⃗"/>
+                                  <m:ctrlPr>
+                                    <a:rPr lang="en-US" altLang="ko-KR" i="1">
+                                      <a:latin typeface="Cambria Math" panose="02040503050406030204" pitchFamily="18" charset="0"/>
+                                      <a:ea typeface="서울남산체 M" panose="02020603020101020101" pitchFamily="18" charset="-127"/>
+                                    </a:rPr>
+                                  </m:ctrlPr>
+                                </m:accPr>
+                                <m:e>
+                                  <m:r>
+                                    <a:rPr lang="ko-KR" altLang="en-US" i="1">
+                                      <a:latin typeface="Cambria Math" panose="02040503050406030204" pitchFamily="18" charset="0"/>
+                                      <a:ea typeface="서울남산체 M" panose="02020603020101020101" pitchFamily="18" charset="-127"/>
+                                    </a:rPr>
+                                    <m:t>𝜔</m:t>
+                                  </m:r>
+                                </m:e>
+                              </m:acc>
+                              <m:r>
+                                <a:rPr lang="ko-KR" altLang="en-US" i="1" smtClean="0">
+                                  <a:latin typeface="Cambria Math" panose="02040503050406030204" pitchFamily="18" charset="0"/>
+                                  <a:ea typeface="서울남산체 M" panose="02020603020101020101" pitchFamily="18" charset="-127"/>
+                                </a:rPr>
+                                <m:t>∙</m:t>
+                              </m:r>
+                              <m:acc>
+                                <m:accPr>
+                                  <m:chr m:val="⃗"/>
+                                  <m:ctrlPr>
+                                    <a:rPr lang="en-US" altLang="ko-KR" i="1">
+                                      <a:latin typeface="Cambria Math" panose="02040503050406030204" pitchFamily="18" charset="0"/>
+                                      <a:ea typeface="서울남산체 M" panose="02020603020101020101" pitchFamily="18" charset="-127"/>
+                                    </a:rPr>
+                                  </m:ctrlPr>
+                                </m:accPr>
+                                <m:e>
+                                  <m:r>
+                                    <a:rPr lang="en-US" altLang="ko-KR" b="0" i="1" smtClean="0">
+                                      <a:latin typeface="Cambria Math" panose="02040503050406030204" pitchFamily="18" charset="0"/>
+                                      <a:ea typeface="서울남산체 M" panose="02020603020101020101" pitchFamily="18" charset="-127"/>
+                                    </a:rPr>
+                                    <m:t>𝑛</m:t>
+                                  </m:r>
+                                </m:e>
+                              </m:acc>
+                              <m:d>
+                                <m:dPr>
+                                  <m:ctrlPr>
+                                    <a:rPr lang="en-US" altLang="ko-KR" b="0" i="1" smtClean="0">
+                                      <a:latin typeface="Cambria Math" panose="02040503050406030204" pitchFamily="18" charset="0"/>
+                                      <a:ea typeface="서울남산체 M" panose="02020603020101020101" pitchFamily="18" charset="-127"/>
+                                    </a:rPr>
+                                  </m:ctrlPr>
+                                </m:dPr>
+                                <m:e>
+                                  <m:sSub>
+                                    <m:sSubPr>
+                                      <m:ctrlPr>
+                                        <a:rPr lang="en-US" altLang="ko-KR" b="0" i="1" smtClean="0">
+                                          <a:latin typeface="Cambria Math" panose="02040503050406030204" pitchFamily="18" charset="0"/>
+                                          <a:ea typeface="서울남산체 M" panose="02020603020101020101" pitchFamily="18" charset="-127"/>
+                                        </a:rPr>
+                                      </m:ctrlPr>
+                                    </m:sSubPr>
+                                    <m:e>
+                                      <m:r>
+                                        <a:rPr lang="en-US" altLang="ko-KR" b="0" i="1" smtClean="0">
+                                          <a:latin typeface="Cambria Math" panose="02040503050406030204" pitchFamily="18" charset="0"/>
+                                          <a:ea typeface="서울남산체 M" panose="02020603020101020101" pitchFamily="18" charset="-127"/>
+                                        </a:rPr>
+                                        <m:t>𝑥</m:t>
+                                      </m:r>
+                                    </m:e>
+                                    <m:sub>
+                                      <m:r>
+                                        <a:rPr lang="en-US" altLang="ko-KR" b="0" i="1" smtClean="0">
+                                          <a:latin typeface="Cambria Math" panose="02040503050406030204" pitchFamily="18" charset="0"/>
+                                          <a:ea typeface="서울남산체 M" panose="02020603020101020101" pitchFamily="18" charset="-127"/>
+                                        </a:rPr>
+                                        <m:t>𝑠</m:t>
+                                      </m:r>
+                                    </m:sub>
+                                  </m:sSub>
+                                </m:e>
+                              </m:d>
+                            </m:e>
+                          </m:d>
+                        </m:e>
+                      </m:nary>
+                      <m:r>
+                        <m:rPr>
+                          <m:sty m:val="p"/>
+                        </m:rPr>
+                        <a:rPr lang="en-US" altLang="ko-KR" i="0">
+                          <a:latin typeface="Cambria Math" panose="02040503050406030204" pitchFamily="18" charset="0"/>
+                          <a:ea typeface="서울남산체 M" panose="02020603020101020101" pitchFamily="18" charset="-127"/>
+                        </a:rPr>
+                        <m:t>d</m:t>
+                      </m:r>
+                      <m:r>
+                        <a:rPr lang="ko-KR" altLang="en-US" i="1">
+                          <a:latin typeface="Cambria Math" panose="02040503050406030204" pitchFamily="18" charset="0"/>
+                          <a:ea typeface="서울남산체 M" panose="02020603020101020101" pitchFamily="18" charset="-127"/>
+                        </a:rPr>
+                        <m:t>𝜔</m:t>
+                      </m:r>
+                      <m:r>
+                        <a:rPr lang="en-US" altLang="ko-KR" b="0" i="1" smtClean="0">
+                          <a:latin typeface="Cambria Math" panose="02040503050406030204" pitchFamily="18" charset="0"/>
+                          <a:ea typeface="서울남산체 M" panose="02020603020101020101" pitchFamily="18" charset="-127"/>
+                        </a:rPr>
+                        <m:t>=0</m:t>
+                      </m:r>
+                    </m:oMath>
+                  </m:oMathPara>
+                </a14:m>
+                <a:endParaRPr lang="en-US" altLang="ko-KR" b="0" dirty="0">
+                  <a:latin typeface="서울남산체 M" panose="02020603020101020101" pitchFamily="18" charset="-127"/>
+                  <a:ea typeface="서울남산체 M" panose="02020603020101020101" pitchFamily="18" charset="-127"/>
+                </a:endParaRPr>
+              </a:p>
+              <a:p>
+                <a:pPr lvl="2">
+                  <a:lnSpc>
+                    <a:spcPct val="100000"/>
+                  </a:lnSpc>
+                </a:pPr>
+                <a:r>
+                  <a:rPr lang="en-US" altLang="ko-KR" b="0" dirty="0">
+                    <a:latin typeface="서울남산체 M" panose="02020603020101020101" pitchFamily="18" charset="-127"/>
+                    <a:ea typeface="서울남산체 M" panose="02020603020101020101" pitchFamily="18" charset="-127"/>
+                  </a:rPr>
+                  <a:t>2</a:t>
+                </a:r>
+                <a:r>
+                  <a:rPr lang="ko-KR" altLang="en-US" b="0" dirty="0">
+                    <a:latin typeface="서울남산체 M" panose="02020603020101020101" pitchFamily="18" charset="-127"/>
+                    <a:ea typeface="서울남산체 M" panose="02020603020101020101" pitchFamily="18" charset="-127"/>
+                  </a:rPr>
+                  <a:t>개의 항으로 확장하면</a:t>
+                </a:r>
+                <a:r>
+                  <a:rPr lang="en-US" altLang="ko-KR" b="0" dirty="0">
+                    <a:latin typeface="서울남산체 M" panose="02020603020101020101" pitchFamily="18" charset="-127"/>
+                    <a:ea typeface="서울남산체 M" panose="02020603020101020101" pitchFamily="18" charset="-127"/>
+                  </a:rPr>
+                  <a:t>,</a:t>
+                </a:r>
+              </a:p>
+              <a:p>
+                <a:pPr marL="284162" lvl="1" indent="0">
+                  <a:lnSpc>
+                    <a:spcPct val="100000"/>
+                  </a:lnSpc>
+                  <a:buNone/>
+                </a:pPr>
+                <a14:m>
+                  <m:oMathPara xmlns:m="http://schemas.openxmlformats.org/officeDocument/2006/math">
+                    <m:oMathParaPr>
+                      <m:jc m:val="centerGroup"/>
+                    </m:oMathParaPr>
+                    <m:oMath xmlns:m="http://schemas.openxmlformats.org/officeDocument/2006/math">
+                      <m:r>
+                        <a:rPr lang="ko-KR" altLang="en-US" i="1">
+                          <a:latin typeface="Cambria Math" panose="02040503050406030204" pitchFamily="18" charset="0"/>
+                          <a:ea typeface="서울남산체 M" panose="02020603020101020101" pitchFamily="18" charset="-127"/>
+                        </a:rPr>
+                        <m:t>𝜙</m:t>
+                      </m:r>
+                      <m:d>
+                        <m:dPr>
+                          <m:ctrlPr>
+                            <a:rPr lang="en-US" altLang="ko-KR" b="0" i="1" smtClean="0">
+                              <a:latin typeface="Cambria Math" panose="02040503050406030204" pitchFamily="18" charset="0"/>
+                              <a:ea typeface="서울남산체 M" panose="02020603020101020101" pitchFamily="18" charset="-127"/>
+                            </a:rPr>
+                          </m:ctrlPr>
+                        </m:dPr>
+                        <m:e>
+                          <m:sSub>
+                            <m:sSubPr>
+                              <m:ctrlPr>
+                                <a:rPr lang="en-US" altLang="ko-KR" b="0" i="1" smtClean="0">
+                                  <a:latin typeface="Cambria Math" panose="02040503050406030204" pitchFamily="18" charset="0"/>
+                                  <a:ea typeface="서울남산체 M" panose="02020603020101020101" pitchFamily="18" charset="-127"/>
+                                </a:rPr>
+                              </m:ctrlPr>
+                            </m:sSubPr>
+                            <m:e>
+                              <m:r>
+                                <a:rPr lang="en-US" altLang="ko-KR" b="0" i="1" smtClean="0">
+                                  <a:latin typeface="Cambria Math" panose="02040503050406030204" pitchFamily="18" charset="0"/>
+                                  <a:ea typeface="서울남산체 M" panose="02020603020101020101" pitchFamily="18" charset="-127"/>
+                                </a:rPr>
+                                <m:t>𝑥</m:t>
+                              </m:r>
+                            </m:e>
+                            <m:sub>
+                              <m:r>
+                                <a:rPr lang="en-US" altLang="ko-KR" b="0" i="1" smtClean="0">
+                                  <a:latin typeface="Cambria Math" panose="02040503050406030204" pitchFamily="18" charset="0"/>
+                                  <a:ea typeface="서울남산체 M" panose="02020603020101020101" pitchFamily="18" charset="-127"/>
+                                </a:rPr>
+                                <m:t>𝑠</m:t>
+                              </m:r>
+                            </m:sub>
+                          </m:sSub>
+                        </m:e>
+                      </m:d>
+                      <m:r>
+                        <a:rPr lang="en-US" altLang="ko-KR" b="0" i="1" smtClean="0">
+                          <a:latin typeface="Cambria Math" panose="02040503050406030204" pitchFamily="18" charset="0"/>
+                          <a:ea typeface="서울남산체 M" panose="02020603020101020101" pitchFamily="18" charset="-127"/>
+                        </a:rPr>
+                        <m:t>−2</m:t>
+                      </m:r>
+                      <m:r>
+                        <a:rPr lang="en-US" altLang="ko-KR" b="0" i="1" smtClean="0">
+                          <a:latin typeface="Cambria Math" panose="02040503050406030204" pitchFamily="18" charset="0"/>
+                          <a:ea typeface="서울남산체 M" panose="02020603020101020101" pitchFamily="18" charset="-127"/>
+                        </a:rPr>
+                        <m:t>𝐷</m:t>
+                      </m:r>
+                      <m:d>
+                        <m:dPr>
+                          <m:ctrlPr>
+                            <a:rPr lang="en-US" altLang="ko-KR" b="0" i="1" smtClean="0">
+                              <a:latin typeface="Cambria Math" panose="02040503050406030204" pitchFamily="18" charset="0"/>
+                              <a:ea typeface="서울남산체 M" panose="02020603020101020101" pitchFamily="18" charset="-127"/>
+                            </a:rPr>
+                          </m:ctrlPr>
+                        </m:dPr>
+                        <m:e>
+                          <m:acc>
+                            <m:accPr>
+                              <m:chr m:val="⃗"/>
+                              <m:ctrlPr>
+                                <a:rPr lang="en-US" altLang="ko-KR" i="1">
+                                  <a:latin typeface="Cambria Math" panose="02040503050406030204" pitchFamily="18" charset="0"/>
+                                  <a:ea typeface="서울남산체 M" panose="02020603020101020101" pitchFamily="18" charset="-127"/>
+                                </a:rPr>
+                              </m:ctrlPr>
+                            </m:accPr>
+                            <m:e>
+                              <m:r>
+                                <a:rPr lang="en-US" altLang="ko-KR" i="1">
+                                  <a:latin typeface="Cambria Math" panose="02040503050406030204" pitchFamily="18" charset="0"/>
+                                  <a:ea typeface="서울남산체 M" panose="02020603020101020101" pitchFamily="18" charset="-127"/>
+                                </a:rPr>
+                                <m:t>𝑛</m:t>
+                              </m:r>
+                            </m:e>
+                          </m:acc>
+                          <m:r>
+                            <a:rPr lang="en-US" altLang="ko-KR" i="1" smtClean="0">
+                              <a:latin typeface="Cambria Math" panose="02040503050406030204" pitchFamily="18" charset="0"/>
+                              <a:ea typeface="Cambria Math" panose="02040503050406030204" pitchFamily="18" charset="0"/>
+                            </a:rPr>
+                            <m:t>∙</m:t>
+                          </m:r>
+                          <m:acc>
+                            <m:accPr>
+                              <m:chr m:val="⃗"/>
+                              <m:ctrlPr>
+                                <a:rPr lang="en-US" altLang="ko-KR" i="1" smtClean="0">
+                                  <a:latin typeface="Cambria Math" panose="02040503050406030204" pitchFamily="18" charset="0"/>
+                                  <a:ea typeface="Cambria Math" panose="02040503050406030204" pitchFamily="18" charset="0"/>
+                                </a:rPr>
+                              </m:ctrlPr>
+                            </m:accPr>
+                            <m:e>
+                              <m:r>
+                                <a:rPr lang="en-US" altLang="ko-KR" i="1" smtClean="0">
+                                  <a:latin typeface="Cambria Math" panose="02040503050406030204" pitchFamily="18" charset="0"/>
+                                  <a:ea typeface="Cambria Math" panose="02040503050406030204" pitchFamily="18" charset="0"/>
+                                </a:rPr>
+                                <m:t>𝛻</m:t>
+                              </m:r>
+                            </m:e>
+                          </m:acc>
+                        </m:e>
+                      </m:d>
+                      <m:r>
+                        <a:rPr lang="ko-KR" altLang="en-US" i="1">
+                          <a:latin typeface="Cambria Math" panose="02040503050406030204" pitchFamily="18" charset="0"/>
+                          <a:ea typeface="서울남산체 M" panose="02020603020101020101" pitchFamily="18" charset="-127"/>
+                        </a:rPr>
+                        <m:t>𝜙</m:t>
+                      </m:r>
+                      <m:d>
+                        <m:dPr>
+                          <m:ctrlPr>
+                            <a:rPr lang="en-US" altLang="ko-KR" i="1">
+                              <a:latin typeface="Cambria Math" panose="02040503050406030204" pitchFamily="18" charset="0"/>
+                              <a:ea typeface="서울남산체 M" panose="02020603020101020101" pitchFamily="18" charset="-127"/>
+                            </a:rPr>
+                          </m:ctrlPr>
+                        </m:dPr>
+                        <m:e>
+                          <m:sSub>
+                            <m:sSubPr>
+                              <m:ctrlPr>
+                                <a:rPr lang="en-US" altLang="ko-KR" i="1">
+                                  <a:latin typeface="Cambria Math" panose="02040503050406030204" pitchFamily="18" charset="0"/>
+                                  <a:ea typeface="서울남산체 M" panose="02020603020101020101" pitchFamily="18" charset="-127"/>
+                                </a:rPr>
+                              </m:ctrlPr>
+                            </m:sSubPr>
+                            <m:e>
+                              <m:r>
+                                <a:rPr lang="en-US" altLang="ko-KR" i="1">
+                                  <a:latin typeface="Cambria Math" panose="02040503050406030204" pitchFamily="18" charset="0"/>
+                                  <a:ea typeface="서울남산체 M" panose="02020603020101020101" pitchFamily="18" charset="-127"/>
+                                </a:rPr>
+                                <m:t>𝑥</m:t>
+                              </m:r>
+                            </m:e>
+                            <m:sub>
+                              <m:r>
+                                <a:rPr lang="en-US" altLang="ko-KR" i="1">
+                                  <a:latin typeface="Cambria Math" panose="02040503050406030204" pitchFamily="18" charset="0"/>
+                                  <a:ea typeface="서울남산체 M" panose="02020603020101020101" pitchFamily="18" charset="-127"/>
+                                </a:rPr>
+                                <m:t>𝑠</m:t>
+                              </m:r>
+                            </m:sub>
+                          </m:sSub>
+                        </m:e>
+                      </m:d>
+                      <m:r>
+                        <a:rPr lang="en-US" altLang="ko-KR" b="0" i="0" smtClean="0">
+                          <a:latin typeface="Cambria Math" panose="02040503050406030204" pitchFamily="18" charset="0"/>
+                          <a:ea typeface="서울남산체 M" panose="02020603020101020101" pitchFamily="18" charset="-127"/>
+                        </a:rPr>
+                        <m:t>=0</m:t>
+                      </m:r>
+                    </m:oMath>
+                  </m:oMathPara>
+                </a14:m>
+                <a:endParaRPr lang="en-US" altLang="ko-KR" b="0" dirty="0">
+                  <a:latin typeface="서울남산체 M" panose="02020603020101020101" pitchFamily="18" charset="-127"/>
+                  <a:ea typeface="서울남산체 M" panose="02020603020101020101" pitchFamily="18" charset="-127"/>
+                </a:endParaRPr>
+              </a:p>
+            </p:txBody>
+          </p:sp>
+        </mc:Choice>
+        <mc:Fallback>
+          <p:sp>
+            <p:nvSpPr>
+              <p:cNvPr id="3" name="Text Placeholder 2"/>
+              <p:cNvSpPr>
+                <a:spLocks noGrp="1" noRot="1" noChangeAspect="1" noMove="1" noResize="1" noEditPoints="1" noAdjustHandles="1" noChangeArrowheads="1" noChangeShapeType="1" noTextEdit="1"/>
+              </p:cNvSpPr>
+              <p:nvPr>
+                <p:ph type="body" sz="quarter" idx="10"/>
+              </p:nvPr>
+            </p:nvSpPr>
+            <p:spPr>
+              <a:blipFill>
+                <a:blip r:embed="rId4"/>
+                <a:stretch>
+                  <a:fillRect l="-1639" t="-2219"/>
+                </a:stretch>
+              </a:blipFill>
+            </p:spPr>
+            <p:txBody>
+              <a:bodyPr/>
+              <a:lstStyle/>
+              <a:p>
+                <a:r>
+                  <a:rPr lang="ko-KR" altLang="en-US">
+                    <a:noFill/>
+                  </a:rPr>
+                  <a:t> </a:t>
+                </a:r>
+              </a:p>
+            </p:txBody>
+          </p:sp>
+        </mc:Fallback>
+      </mc:AlternateContent>
+      <p:sp>
+        <p:nvSpPr>
+          <p:cNvPr id="2" name="Title 1"/>
+          <p:cNvSpPr>
+            <a:spLocks noGrp="1"/>
+          </p:cNvSpPr>
+          <p:nvPr>
+            <p:ph type="title"/>
+          </p:nvPr>
+        </p:nvSpPr>
+        <p:spPr>
+          <a:xfrm>
+            <a:off x="519248" y="543951"/>
+            <a:ext cx="11151917" cy="747897"/>
+          </a:xfrm>
+        </p:spPr>
+        <p:txBody>
+          <a:bodyPr/>
+          <a:lstStyle/>
+          <a:p>
+            <a:r>
+              <a:rPr lang="en-US" dirty="0"/>
+              <a:t>The Dipole Diffusion Approximation</a:t>
+            </a:r>
+          </a:p>
+        </p:txBody>
+      </p:sp>
+      <p:sp>
+        <p:nvSpPr>
+          <p:cNvPr id="4" name="Slide Number Placeholder 3"/>
+          <p:cNvSpPr>
+            <a:spLocks noGrp="1"/>
+          </p:cNvSpPr>
+          <p:nvPr>
+            <p:ph type="sldNum" sz="quarter" idx="4"/>
+          </p:nvPr>
+        </p:nvSpPr>
+        <p:spPr/>
+        <p:txBody>
+          <a:bodyPr/>
+          <a:lstStyle/>
+          <a:p>
+            <a:fld id="{6B5C536E-FA7B-40DC-A296-D7EC18490057}" type="slidenum">
+              <a:rPr lang="ko-KR" altLang="en-US" smtClean="0"/>
+              <a:pPr/>
+              <a:t>10</a:t>
+            </a:fld>
+            <a:endParaRPr lang="ko-KR" altLang="en-US"/>
+          </a:p>
+        </p:txBody>
+      </p:sp>
+    </p:spTree>
+    <p:extLst>
+      <p:ext uri="{BB962C8B-B14F-4D97-AF65-F5344CB8AC3E}">
+        <p14:creationId xmlns:p14="http://schemas.microsoft.com/office/powerpoint/2010/main" val="3778082228"/>
+      </p:ext>
+    </p:extLst>
+  </p:cSld>
+  <p:clrMapOvr>
+    <a:masterClrMapping/>
+  </p:clrMapOvr>
+  <mc:AlternateContent xmlns:mc="http://schemas.openxmlformats.org/markup-compatibility/2006" xmlns:p14="http://schemas.microsoft.com/office/powerpoint/2010/main">
+    <mc:Choice Requires="p14">
+      <p:transition p14:dur="0"/>
+    </mc:Choice>
+    <mc:Fallback xmlns="">
+      <p:transition/>
+    </mc:Fallback>
+  </mc:AlternateContent>
+</p:sld>
+</file>
+
+<file path=ppt/slides/slide11.xml><?xml version="1.0" encoding="utf-8"?>
+<p:sld xmlns:a="http://schemas.openxmlformats.org/drawingml/2006/main" xmlns:r="http://schemas.openxmlformats.org/officeDocument/2006/relationships" xmlns:p="http://schemas.openxmlformats.org/presentationml/2006/main">
+  <p:cSld>
+    <p:spTree>
+      <p:nvGrpSpPr>
+        <p:cNvPr id="1" name=""/>
+        <p:cNvGrpSpPr/>
+        <p:nvPr/>
+      </p:nvGrpSpPr>
+      <p:grpSpPr>
+        <a:xfrm>
+          <a:off x="0" y="0"/>
+          <a:ext cx="0" cy="0"/>
+          <a:chOff x="0" y="0"/>
+          <a:chExt cx="0" cy="0"/>
+        </a:xfrm>
+      </p:grpSpPr>
+      <mc:AlternateContent xmlns:mc="http://schemas.openxmlformats.org/markup-compatibility/2006">
+        <mc:Choice xmlns:a14="http://schemas.microsoft.com/office/drawing/2010/main" Requires="a14">
+          <p:sp>
+            <p:nvSpPr>
+              <p:cNvPr id="3" name="Text Placeholder 2"/>
+              <p:cNvSpPr>
+                <a:spLocks noGrp="1"/>
+              </p:cNvSpPr>
+              <p:nvPr>
+                <p:ph type="body" sz="quarter" idx="10"/>
+              </p:nvPr>
+            </p:nvSpPr>
+            <p:spPr/>
+            <p:txBody>
+              <a:bodyPr>
+                <a:normAutofit/>
+              </a:bodyPr>
+              <a:lstStyle/>
+              <a:p>
+                <a:pPr>
+                  <a:lnSpc>
+                    <a:spcPct val="100000"/>
+                  </a:lnSpc>
+                </a:pPr>
+                <a:r>
+                  <a:rPr lang="ko-KR" altLang="en-US" b="0" dirty="0">
+                    <a:latin typeface="서울남산체 M" panose="02020603020101020101" pitchFamily="18" charset="-127"/>
+                    <a:ea typeface="서울남산체 M" panose="02020603020101020101" pitchFamily="18" charset="-127"/>
+                  </a:rPr>
+                  <a:t>표면 및 산란에 대해 반무한 판의 경우를 고려</a:t>
+                </a:r>
+                <a:endParaRPr lang="en-US" altLang="ko-KR" b="0" dirty="0">
+                  <a:latin typeface="서울남산체 M" panose="02020603020101020101" pitchFamily="18" charset="-127"/>
+                  <a:ea typeface="서울남산체 M" panose="02020603020101020101" pitchFamily="18" charset="-127"/>
+                </a:endParaRPr>
+              </a:p>
+              <a:p>
+                <a:pPr lvl="1">
+                  <a:lnSpc>
+                    <a:spcPct val="100000"/>
+                  </a:lnSpc>
+                </a:pPr>
+                <a:r>
+                  <a:rPr lang="ko-KR" altLang="en-US" b="0" dirty="0">
+                    <a:latin typeface="서울남산체 M" panose="02020603020101020101" pitchFamily="18" charset="-127"/>
+                    <a:ea typeface="서울남산체 M" panose="02020603020101020101" pitchFamily="18" charset="-127"/>
+                  </a:rPr>
+                  <a:t>굴절률이 다른 두 매질 사이에 경계면이 존재한다면</a:t>
+                </a:r>
+                <a:r>
+                  <a:rPr lang="en-US" altLang="ko-KR" b="0" dirty="0">
+                    <a:latin typeface="서울남산체 M" panose="02020603020101020101" pitchFamily="18" charset="-127"/>
+                    <a:ea typeface="서울남산체 M" panose="02020603020101020101" pitchFamily="18" charset="-127"/>
+                  </a:rPr>
+                  <a:t>, </a:t>
+                </a:r>
+                <a:r>
+                  <a:rPr lang="ko-KR" altLang="en-US" b="0" dirty="0">
+                    <a:latin typeface="서울남산체 M" panose="02020603020101020101" pitchFamily="18" charset="-127"/>
+                    <a:ea typeface="서울남산체 M" panose="02020603020101020101" pitchFamily="18" charset="-127"/>
+                  </a:rPr>
+                  <a:t>반사가 일어남</a:t>
+                </a:r>
+                <a:endParaRPr lang="en-US" altLang="ko-KR" b="0" dirty="0">
+                  <a:latin typeface="서울남산체 M" panose="02020603020101020101" pitchFamily="18" charset="-127"/>
+                  <a:ea typeface="서울남산체 M" panose="02020603020101020101" pitchFamily="18" charset="-127"/>
+                </a:endParaRPr>
+              </a:p>
+              <a:p>
+                <a:pPr lvl="1">
+                  <a:lnSpc>
+                    <a:spcPct val="100000"/>
+                  </a:lnSpc>
+                </a:pPr>
+                <a14:m>
+                  <m:oMath xmlns:m="http://schemas.openxmlformats.org/officeDocument/2006/math">
+                    <m:sSub>
+                      <m:sSubPr>
+                        <m:ctrlPr>
+                          <a:rPr lang="en-US" altLang="ko-KR" i="1">
+                            <a:latin typeface="Cambria Math" panose="02040503050406030204" pitchFamily="18" charset="0"/>
+                            <a:ea typeface="서울남산체 M" panose="02020603020101020101" pitchFamily="18" charset="-127"/>
+                          </a:rPr>
+                        </m:ctrlPr>
+                      </m:sSubPr>
+                      <m:e>
+                        <m:r>
+                          <a:rPr lang="en-US" altLang="ko-KR" i="1">
+                            <a:latin typeface="Cambria Math" panose="02040503050406030204" pitchFamily="18" charset="0"/>
+                            <a:ea typeface="서울남산체 M" panose="02020603020101020101" pitchFamily="18" charset="-127"/>
+                          </a:rPr>
+                          <m:t>𝐹</m:t>
+                        </m:r>
+                      </m:e>
+                      <m:sub>
+                        <m:r>
+                          <a:rPr lang="en-US" altLang="ko-KR" i="1">
+                            <a:latin typeface="Cambria Math" panose="02040503050406030204" pitchFamily="18" charset="0"/>
+                            <a:ea typeface="서울남산체 M" panose="02020603020101020101" pitchFamily="18" charset="-127"/>
+                          </a:rPr>
+                          <m:t>𝑟</m:t>
+                        </m:r>
+                      </m:sub>
+                    </m:sSub>
+                  </m:oMath>
+                </a14:m>
+                <a:r>
+                  <a:rPr lang="en-US" altLang="ko-KR" b="0" dirty="0">
+                    <a:latin typeface="서울남산체 M" panose="02020603020101020101" pitchFamily="18" charset="-127"/>
+                    <a:ea typeface="서울남산체 M" panose="02020603020101020101" pitchFamily="18" charset="-127"/>
+                  </a:rPr>
+                  <a:t> : </a:t>
+                </a:r>
+                <a:r>
+                  <a:rPr lang="ko-KR" altLang="en-US" b="0" dirty="0">
+                    <a:latin typeface="서울남산체 M" panose="02020603020101020101" pitchFamily="18" charset="-127"/>
+                    <a:ea typeface="서울남산체 M" panose="02020603020101020101" pitchFamily="18" charset="-127"/>
+                  </a:rPr>
+                  <a:t>절연체 경계면에서의 프레넬 반사 식</a:t>
+                </a:r>
+                <a:br>
+                  <a:rPr lang="en-US" altLang="ko-KR" b="0" dirty="0">
+                    <a:latin typeface="서울남산체 M" panose="02020603020101020101" pitchFamily="18" charset="-127"/>
+                    <a:ea typeface="서울남산체 M" panose="02020603020101020101" pitchFamily="18" charset="-127"/>
+                  </a:rPr>
+                </a:br>
+                <a:r>
+                  <a:rPr lang="ko-KR" altLang="en-US" b="0" dirty="0">
+                    <a:latin typeface="서울남산체 M" panose="02020603020101020101" pitchFamily="18" charset="-127"/>
+                    <a:ea typeface="서울남산체 M" panose="02020603020101020101" pitchFamily="18" charset="-127"/>
+                  </a:rPr>
+                  <a:t>이 때</a:t>
+                </a:r>
+                <a:r>
+                  <a:rPr lang="en-US" altLang="ko-KR" b="0" dirty="0">
+                    <a:latin typeface="서울남산체 M" panose="02020603020101020101" pitchFamily="18" charset="-127"/>
+                    <a:ea typeface="서울남산체 M" panose="02020603020101020101" pitchFamily="18" charset="-127"/>
+                  </a:rPr>
+                  <a:t>, </a:t>
+                </a:r>
+                <a:r>
+                  <a:rPr lang="ko-KR" altLang="en-US" b="0" dirty="0">
+                    <a:latin typeface="서울남산체 M" panose="02020603020101020101" pitchFamily="18" charset="-127"/>
+                    <a:ea typeface="서울남산체 M" panose="02020603020101020101" pitchFamily="18" charset="-127"/>
+                  </a:rPr>
+                  <a:t>평균 확산 프레넬 반사는 다음과 같음 </a:t>
+                </a:r>
+                <a:r>
+                  <a:rPr lang="en-US" altLang="ko-KR" b="0" dirty="0">
+                    <a:latin typeface="서울남산체 M" panose="02020603020101020101" pitchFamily="18" charset="-127"/>
+                    <a:ea typeface="서울남산체 M" panose="02020603020101020101" pitchFamily="18" charset="-127"/>
+                  </a:rPr>
+                  <a:t>(</a:t>
+                </a:r>
+                <a14:m>
+                  <m:oMath xmlns:m="http://schemas.openxmlformats.org/officeDocument/2006/math">
+                    <m:r>
+                      <a:rPr lang="ko-KR" altLang="en-US" i="1">
+                        <a:latin typeface="Cambria Math" panose="02040503050406030204" pitchFamily="18" charset="0"/>
+                        <a:ea typeface="서울남산체 M" panose="02020603020101020101" pitchFamily="18" charset="-127"/>
+                      </a:rPr>
+                      <m:t>𝜂</m:t>
+                    </m:r>
+                  </m:oMath>
+                </a14:m>
+                <a:r>
+                  <a:rPr lang="en-US" altLang="ko-KR" b="0" dirty="0">
+                    <a:latin typeface="서울남산체 M" panose="02020603020101020101" pitchFamily="18" charset="-127"/>
+                    <a:ea typeface="서울남산체 M" panose="02020603020101020101" pitchFamily="18" charset="-127"/>
+                  </a:rPr>
+                  <a:t> : </a:t>
+                </a:r>
+                <a:r>
+                  <a:rPr lang="ko-KR" altLang="en-US" b="0" dirty="0">
+                    <a:latin typeface="서울남산체 M" panose="02020603020101020101" pitchFamily="18" charset="-127"/>
+                    <a:ea typeface="서울남산체 M" panose="02020603020101020101" pitchFamily="18" charset="-127"/>
+                  </a:rPr>
+                  <a:t>상대 굴절률</a:t>
+                </a:r>
+                <a:r>
+                  <a:rPr lang="en-US" altLang="ko-KR" b="0" dirty="0">
+                    <a:latin typeface="서울남산체 M" panose="02020603020101020101" pitchFamily="18" charset="-127"/>
+                    <a:ea typeface="서울남산체 M" panose="02020603020101020101" pitchFamily="18" charset="-127"/>
+                  </a:rPr>
+                  <a:t>)</a:t>
+                </a:r>
+              </a:p>
+              <a:p>
+                <a:pPr marL="284162" lvl="1" indent="0">
+                  <a:lnSpc>
+                    <a:spcPct val="100000"/>
+                  </a:lnSpc>
+                  <a:buNone/>
+                </a:pPr>
+                <a14:m>
+                  <m:oMathPara xmlns:m="http://schemas.openxmlformats.org/officeDocument/2006/math">
+                    <m:oMathParaPr>
+                      <m:jc m:val="centerGroup"/>
+                    </m:oMathParaPr>
+                    <m:oMath xmlns:m="http://schemas.openxmlformats.org/officeDocument/2006/math">
+                      <m:sSub>
+                        <m:sSubPr>
+                          <m:ctrlPr>
+                            <a:rPr lang="en-US" altLang="ko-KR" i="1">
+                              <a:latin typeface="Cambria Math" panose="02040503050406030204" pitchFamily="18" charset="0"/>
+                              <a:ea typeface="서울남산체 M" panose="02020603020101020101" pitchFamily="18" charset="-127"/>
+                            </a:rPr>
+                          </m:ctrlPr>
+                        </m:sSubPr>
+                        <m:e>
+                          <m:r>
+                            <a:rPr lang="en-US" altLang="ko-KR" i="1">
+                              <a:latin typeface="Cambria Math" panose="02040503050406030204" pitchFamily="18" charset="0"/>
+                              <a:ea typeface="서울남산체 M" panose="02020603020101020101" pitchFamily="18" charset="-127"/>
+                            </a:rPr>
+                            <m:t>𝐹</m:t>
+                          </m:r>
+                        </m:e>
+                        <m:sub>
+                          <m:r>
+                            <a:rPr lang="en-US" altLang="ko-KR" i="1">
+                              <a:latin typeface="Cambria Math" panose="02040503050406030204" pitchFamily="18" charset="0"/>
+                              <a:ea typeface="서울남산체 M" panose="02020603020101020101" pitchFamily="18" charset="-127"/>
+                            </a:rPr>
+                            <m:t>𝑑𝑟</m:t>
+                          </m:r>
+                        </m:sub>
+                      </m:sSub>
+                      <m:r>
+                        <a:rPr lang="en-US" altLang="ko-KR" i="1">
+                          <a:latin typeface="Cambria Math" panose="02040503050406030204" pitchFamily="18" charset="0"/>
+                          <a:ea typeface="서울남산체 M" panose="02020603020101020101" pitchFamily="18" charset="-127"/>
+                        </a:rPr>
+                        <m:t>=</m:t>
+                      </m:r>
+                      <m:nary>
+                        <m:naryPr>
+                          <m:ctrlPr>
+                            <a:rPr lang="en-US" altLang="ko-KR" i="1">
+                              <a:latin typeface="Cambria Math" panose="02040503050406030204" pitchFamily="18" charset="0"/>
+                              <a:ea typeface="서울남산체 M" panose="02020603020101020101" pitchFamily="18" charset="-127"/>
+                            </a:rPr>
+                          </m:ctrlPr>
+                        </m:naryPr>
+                        <m:sub>
+                          <m:r>
+                            <m:rPr>
+                              <m:brk m:alnAt="23"/>
+                            </m:rPr>
+                            <a:rPr lang="en-US" altLang="ko-KR" i="1">
+                              <a:latin typeface="Cambria Math" panose="02040503050406030204" pitchFamily="18" charset="0"/>
+                              <a:ea typeface="서울남산체 M" panose="02020603020101020101" pitchFamily="18" charset="-127"/>
+                            </a:rPr>
+                            <m:t>2</m:t>
+                          </m:r>
+                          <m:r>
+                            <a:rPr lang="ko-KR" altLang="en-US" i="1">
+                              <a:latin typeface="Cambria Math" panose="02040503050406030204" pitchFamily="18" charset="0"/>
+                              <a:ea typeface="서울남산체 M" panose="02020603020101020101" pitchFamily="18" charset="-127"/>
+                            </a:rPr>
+                            <m:t>𝜋</m:t>
+                          </m:r>
+                        </m:sub>
+                        <m:sup/>
+                        <m:e>
+                          <m:sSub>
+                            <m:sSubPr>
+                              <m:ctrlPr>
+                                <a:rPr lang="en-US" altLang="ko-KR" i="1">
+                                  <a:latin typeface="Cambria Math" panose="02040503050406030204" pitchFamily="18" charset="0"/>
+                                  <a:ea typeface="서울남산체 M" panose="02020603020101020101" pitchFamily="18" charset="-127"/>
+                                </a:rPr>
+                              </m:ctrlPr>
+                            </m:sSubPr>
+                            <m:e>
+                              <m:r>
+                                <a:rPr lang="en-US" altLang="ko-KR" i="1">
+                                  <a:latin typeface="Cambria Math" panose="02040503050406030204" pitchFamily="18" charset="0"/>
+                                  <a:ea typeface="서울남산체 M" panose="02020603020101020101" pitchFamily="18" charset="-127"/>
+                                </a:rPr>
+                                <m:t>𝐹</m:t>
+                              </m:r>
+                            </m:e>
+                            <m:sub>
+                              <m:r>
+                                <a:rPr lang="en-US" altLang="ko-KR" i="1">
+                                  <a:latin typeface="Cambria Math" panose="02040503050406030204" pitchFamily="18" charset="0"/>
+                                  <a:ea typeface="서울남산체 M" panose="02020603020101020101" pitchFamily="18" charset="-127"/>
+                                </a:rPr>
+                                <m:t>𝑟</m:t>
+                              </m:r>
+                            </m:sub>
+                          </m:sSub>
+                          <m:d>
+                            <m:dPr>
+                              <m:ctrlPr>
+                                <a:rPr lang="en-US" altLang="ko-KR" i="1">
+                                  <a:latin typeface="Cambria Math" panose="02040503050406030204" pitchFamily="18" charset="0"/>
+                                  <a:ea typeface="서울남산체 M" panose="02020603020101020101" pitchFamily="18" charset="-127"/>
+                                </a:rPr>
+                              </m:ctrlPr>
+                            </m:dPr>
+                            <m:e>
+                              <m:r>
+                                <a:rPr lang="ko-KR" altLang="en-US" i="1">
+                                  <a:latin typeface="Cambria Math" panose="02040503050406030204" pitchFamily="18" charset="0"/>
+                                  <a:ea typeface="서울남산체 M" panose="02020603020101020101" pitchFamily="18" charset="-127"/>
+                                </a:rPr>
+                                <m:t>𝜂</m:t>
+                              </m:r>
+                              <m:r>
+                                <a:rPr lang="en-US" altLang="ko-KR" i="1">
+                                  <a:latin typeface="Cambria Math" panose="02040503050406030204" pitchFamily="18" charset="0"/>
+                                  <a:ea typeface="서울남산체 M" panose="02020603020101020101" pitchFamily="18" charset="-127"/>
+                                </a:rPr>
+                                <m:t>, </m:t>
+                              </m:r>
+                              <m:acc>
+                                <m:accPr>
+                                  <m:chr m:val="⃗"/>
+                                  <m:ctrlPr>
+                                    <a:rPr lang="en-US" altLang="ko-KR" i="1">
+                                      <a:latin typeface="Cambria Math" panose="02040503050406030204" pitchFamily="18" charset="0"/>
+                                      <a:ea typeface="서울남산체 M" panose="02020603020101020101" pitchFamily="18" charset="-127"/>
+                                    </a:rPr>
+                                  </m:ctrlPr>
+                                </m:accPr>
+                                <m:e>
+                                  <m:r>
+                                    <a:rPr lang="en-US" altLang="ko-KR" i="1">
+                                      <a:latin typeface="Cambria Math" panose="02040503050406030204" pitchFamily="18" charset="0"/>
+                                      <a:ea typeface="서울남산체 M" panose="02020603020101020101" pitchFamily="18" charset="-127"/>
+                                    </a:rPr>
+                                    <m:t>𝑛</m:t>
+                                  </m:r>
+                                </m:e>
+                              </m:acc>
+                              <m:r>
+                                <a:rPr lang="en-US" altLang="ko-KR" i="1">
+                                  <a:latin typeface="Cambria Math" panose="02040503050406030204" pitchFamily="18" charset="0"/>
+                                  <a:ea typeface="서울남산체 M" panose="02020603020101020101" pitchFamily="18" charset="-127"/>
+                                </a:rPr>
+                                <m:t>∙</m:t>
+                              </m:r>
+                              <m:sSup>
+                                <m:sSupPr>
+                                  <m:ctrlPr>
+                                    <a:rPr lang="en-US" altLang="ko-KR" i="1">
+                                      <a:latin typeface="Cambria Math" panose="02040503050406030204" pitchFamily="18" charset="0"/>
+                                      <a:ea typeface="서울남산체 M" panose="02020603020101020101" pitchFamily="18" charset="-127"/>
+                                    </a:rPr>
+                                  </m:ctrlPr>
+                                </m:sSupPr>
+                                <m:e>
+                                  <m:acc>
+                                    <m:accPr>
+                                      <m:chr m:val="⃗"/>
+                                      <m:ctrlPr>
+                                        <a:rPr lang="en-US" altLang="ko-KR" i="1">
+                                          <a:latin typeface="Cambria Math" panose="02040503050406030204" pitchFamily="18" charset="0"/>
+                                          <a:ea typeface="서울남산체 M" panose="02020603020101020101" pitchFamily="18" charset="-127"/>
+                                        </a:rPr>
+                                      </m:ctrlPr>
+                                    </m:accPr>
+                                    <m:e>
+                                      <m:r>
+                                        <a:rPr lang="ko-KR" altLang="en-US" i="1">
+                                          <a:latin typeface="Cambria Math" panose="02040503050406030204" pitchFamily="18" charset="0"/>
+                                          <a:ea typeface="서울남산체 M" panose="02020603020101020101" pitchFamily="18" charset="-127"/>
+                                        </a:rPr>
+                                        <m:t>𝜔</m:t>
+                                      </m:r>
+                                    </m:e>
+                                  </m:acc>
+                                </m:e>
+                                <m:sup>
+                                  <m:r>
+                                    <a:rPr lang="en-US" altLang="ko-KR" i="1">
+                                      <a:latin typeface="Cambria Math" panose="02040503050406030204" pitchFamily="18" charset="0"/>
+                                      <a:ea typeface="서울남산체 M" panose="02020603020101020101" pitchFamily="18" charset="-127"/>
+                                    </a:rPr>
+                                    <m:t>′</m:t>
+                                  </m:r>
+                                </m:sup>
+                              </m:sSup>
+                            </m:e>
+                          </m:d>
+                          <m:d>
+                            <m:dPr>
+                              <m:ctrlPr>
+                                <a:rPr lang="en-US" altLang="ko-KR" i="1">
+                                  <a:latin typeface="Cambria Math" panose="02040503050406030204" pitchFamily="18" charset="0"/>
+                                  <a:ea typeface="서울남산체 M" panose="02020603020101020101" pitchFamily="18" charset="-127"/>
+                                </a:rPr>
+                              </m:ctrlPr>
+                            </m:dPr>
+                            <m:e>
+                              <m:acc>
+                                <m:accPr>
+                                  <m:chr m:val="⃗"/>
+                                  <m:ctrlPr>
+                                    <a:rPr lang="en-US" altLang="ko-KR" i="1">
+                                      <a:latin typeface="Cambria Math" panose="02040503050406030204" pitchFamily="18" charset="0"/>
+                                      <a:ea typeface="서울남산체 M" panose="02020603020101020101" pitchFamily="18" charset="-127"/>
+                                    </a:rPr>
+                                  </m:ctrlPr>
+                                </m:accPr>
+                                <m:e>
+                                  <m:r>
+                                    <a:rPr lang="en-US" altLang="ko-KR" i="1">
+                                      <a:latin typeface="Cambria Math" panose="02040503050406030204" pitchFamily="18" charset="0"/>
+                                      <a:ea typeface="서울남산체 M" panose="02020603020101020101" pitchFamily="18" charset="-127"/>
+                                    </a:rPr>
+                                    <m:t>𝑛</m:t>
+                                  </m:r>
+                                </m:e>
+                              </m:acc>
+                              <m:r>
+                                <a:rPr lang="en-US" altLang="ko-KR" i="1">
+                                  <a:latin typeface="Cambria Math" panose="02040503050406030204" pitchFamily="18" charset="0"/>
+                                  <a:ea typeface="서울남산체 M" panose="02020603020101020101" pitchFamily="18" charset="-127"/>
+                                </a:rPr>
+                                <m:t>∙</m:t>
+                              </m:r>
+                              <m:sSup>
+                                <m:sSupPr>
+                                  <m:ctrlPr>
+                                    <a:rPr lang="en-US" altLang="ko-KR" i="1">
+                                      <a:latin typeface="Cambria Math" panose="02040503050406030204" pitchFamily="18" charset="0"/>
+                                      <a:ea typeface="서울남산체 M" panose="02020603020101020101" pitchFamily="18" charset="-127"/>
+                                    </a:rPr>
+                                  </m:ctrlPr>
+                                </m:sSupPr>
+                                <m:e>
+                                  <m:acc>
+                                    <m:accPr>
+                                      <m:chr m:val="⃗"/>
+                                      <m:ctrlPr>
+                                        <a:rPr lang="en-US" altLang="ko-KR" i="1">
+                                          <a:latin typeface="Cambria Math" panose="02040503050406030204" pitchFamily="18" charset="0"/>
+                                          <a:ea typeface="서울남산체 M" panose="02020603020101020101" pitchFamily="18" charset="-127"/>
+                                        </a:rPr>
+                                      </m:ctrlPr>
+                                    </m:accPr>
+                                    <m:e>
+                                      <m:r>
+                                        <a:rPr lang="ko-KR" altLang="en-US" i="1">
+                                          <a:latin typeface="Cambria Math" panose="02040503050406030204" pitchFamily="18" charset="0"/>
+                                          <a:ea typeface="서울남산체 M" panose="02020603020101020101" pitchFamily="18" charset="-127"/>
+                                        </a:rPr>
+                                        <m:t>𝜔</m:t>
+                                      </m:r>
+                                    </m:e>
+                                  </m:acc>
+                                </m:e>
+                                <m:sup>
+                                  <m:r>
+                                    <a:rPr lang="en-US" altLang="ko-KR" i="1">
+                                      <a:latin typeface="Cambria Math" panose="02040503050406030204" pitchFamily="18" charset="0"/>
+                                      <a:ea typeface="서울남산체 M" panose="02020603020101020101" pitchFamily="18" charset="-127"/>
+                                    </a:rPr>
+                                    <m:t>′</m:t>
+                                  </m:r>
+                                </m:sup>
+                              </m:sSup>
+                            </m:e>
+                          </m:d>
+                          <m:r>
+                            <m:rPr>
+                              <m:sty m:val="p"/>
+                            </m:rPr>
+                            <a:rPr lang="en-US" altLang="ko-KR">
+                              <a:latin typeface="Cambria Math" panose="02040503050406030204" pitchFamily="18" charset="0"/>
+                              <a:ea typeface="서울남산체 M" panose="02020603020101020101" pitchFamily="18" charset="-127"/>
+                            </a:rPr>
+                            <m:t>d</m:t>
+                          </m:r>
+                          <m:r>
+                            <a:rPr lang="ko-KR" altLang="en-US" i="1">
+                              <a:latin typeface="Cambria Math" panose="02040503050406030204" pitchFamily="18" charset="0"/>
+                              <a:ea typeface="서울남산체 M" panose="02020603020101020101" pitchFamily="18" charset="-127"/>
+                            </a:rPr>
+                            <m:t>𝜔</m:t>
+                          </m:r>
+                          <m:r>
+                            <a:rPr lang="en-US" altLang="ko-KR" i="1">
+                              <a:latin typeface="Cambria Math" panose="02040503050406030204" pitchFamily="18" charset="0"/>
+                              <a:ea typeface="서울남산체 M" panose="02020603020101020101" pitchFamily="18" charset="-127"/>
+                            </a:rPr>
+                            <m:t>′</m:t>
+                          </m:r>
+                        </m:e>
+                      </m:nary>
+                    </m:oMath>
+                  </m:oMathPara>
+                </a14:m>
+                <a:endParaRPr lang="en-US" altLang="ko-KR" b="0" dirty="0">
+                  <a:latin typeface="서울남산체 M" panose="02020603020101020101" pitchFamily="18" charset="-127"/>
+                  <a:ea typeface="서울남산체 M" panose="02020603020101020101" pitchFamily="18" charset="-127"/>
+                </a:endParaRPr>
+              </a:p>
+              <a:p>
+                <a:pPr lvl="1">
+                  <a:lnSpc>
+                    <a:spcPct val="100000"/>
+                  </a:lnSpc>
+                </a:pPr>
+                <a:r>
+                  <a:rPr lang="ko-KR" altLang="en-US" dirty="0">
+                    <a:latin typeface="서울남산체 M" panose="02020603020101020101" pitchFamily="18" charset="-127"/>
+                    <a:ea typeface="서울남산체 M" panose="02020603020101020101" pitchFamily="18" charset="-127"/>
+                  </a:rPr>
+                  <a:t>보통 평균 확산 프레넬 반사의 비례 근사를 사용해 계산함</a:t>
+                </a:r>
+                <a:br>
+                  <a:rPr lang="en-US" altLang="ko-KR" b="0" dirty="0">
+                    <a:latin typeface="서울남산체 M" panose="02020603020101020101" pitchFamily="18" charset="-127"/>
+                    <a:ea typeface="서울남산체 M" panose="02020603020101020101" pitchFamily="18" charset="-127"/>
+                  </a:rPr>
+                </a:br>
+                <a14:m>
+                  <m:oMath xmlns:m="http://schemas.openxmlformats.org/officeDocument/2006/math">
+                    <m:sSub>
+                      <m:sSubPr>
+                        <m:ctrlPr>
+                          <a:rPr lang="en-US" altLang="ko-KR" b="0" i="1" smtClean="0">
+                            <a:latin typeface="Cambria Math" panose="02040503050406030204" pitchFamily="18" charset="0"/>
+                            <a:ea typeface="서울남산체 M" panose="02020603020101020101" pitchFamily="18" charset="-127"/>
+                          </a:rPr>
+                        </m:ctrlPr>
+                      </m:sSubPr>
+                      <m:e>
+                        <m:r>
+                          <a:rPr lang="en-US" altLang="ko-KR" b="0" i="1" smtClean="0">
+                            <a:latin typeface="Cambria Math" panose="02040503050406030204" pitchFamily="18" charset="0"/>
+                            <a:ea typeface="서울남산체 M" panose="02020603020101020101" pitchFamily="18" charset="-127"/>
+                          </a:rPr>
+                          <m:t>𝐹</m:t>
+                        </m:r>
+                      </m:e>
+                      <m:sub>
+                        <m:r>
+                          <a:rPr lang="en-US" altLang="ko-KR" b="0" i="1" smtClean="0">
+                            <a:latin typeface="Cambria Math" panose="02040503050406030204" pitchFamily="18" charset="0"/>
+                            <a:ea typeface="서울남산체 M" panose="02020603020101020101" pitchFamily="18" charset="-127"/>
+                          </a:rPr>
+                          <m:t>𝑑𝑟</m:t>
+                        </m:r>
+                      </m:sub>
+                    </m:sSub>
+                    <m:r>
+                      <a:rPr lang="en-US" altLang="ko-KR" b="0" i="1" smtClean="0">
+                        <a:latin typeface="Cambria Math" panose="02040503050406030204" pitchFamily="18" charset="0"/>
+                        <a:ea typeface="서울남산체 M" panose="02020603020101020101" pitchFamily="18" charset="-127"/>
+                      </a:rPr>
+                      <m:t>=−</m:t>
+                    </m:r>
+                    <m:f>
+                      <m:fPr>
+                        <m:ctrlPr>
+                          <a:rPr lang="en-US" altLang="ko-KR" b="0" i="1" smtClean="0">
+                            <a:latin typeface="Cambria Math" panose="02040503050406030204" pitchFamily="18" charset="0"/>
+                            <a:ea typeface="서울남산체 M" panose="02020603020101020101" pitchFamily="18" charset="-127"/>
+                          </a:rPr>
+                        </m:ctrlPr>
+                      </m:fPr>
+                      <m:num>
+                        <m:r>
+                          <a:rPr lang="en-US" altLang="ko-KR" b="0" i="1" smtClean="0">
+                            <a:latin typeface="Cambria Math" panose="02040503050406030204" pitchFamily="18" charset="0"/>
+                            <a:ea typeface="서울남산체 M" panose="02020603020101020101" pitchFamily="18" charset="-127"/>
+                          </a:rPr>
+                          <m:t>1.440</m:t>
+                        </m:r>
+                      </m:num>
+                      <m:den>
+                        <m:sSup>
+                          <m:sSupPr>
+                            <m:ctrlPr>
+                              <a:rPr lang="en-US" altLang="ko-KR" b="0" i="1" smtClean="0">
+                                <a:latin typeface="Cambria Math" panose="02040503050406030204" pitchFamily="18" charset="0"/>
+                                <a:ea typeface="서울남산체 M" panose="02020603020101020101" pitchFamily="18" charset="-127"/>
+                              </a:rPr>
+                            </m:ctrlPr>
+                          </m:sSupPr>
+                          <m:e>
+                            <m:r>
+                              <a:rPr lang="ko-KR" altLang="en-US" i="1">
+                                <a:latin typeface="Cambria Math" panose="02040503050406030204" pitchFamily="18" charset="0"/>
+                                <a:ea typeface="서울남산체 M" panose="02020603020101020101" pitchFamily="18" charset="-127"/>
+                              </a:rPr>
+                              <m:t>𝜂</m:t>
+                            </m:r>
+                          </m:e>
+                          <m:sup>
+                            <m:r>
+                              <a:rPr lang="en-US" altLang="ko-KR" b="0" i="1" smtClean="0">
+                                <a:latin typeface="Cambria Math" panose="02040503050406030204" pitchFamily="18" charset="0"/>
+                                <a:ea typeface="서울남산체 M" panose="02020603020101020101" pitchFamily="18" charset="-127"/>
+                              </a:rPr>
+                              <m:t>2</m:t>
+                            </m:r>
+                          </m:sup>
+                        </m:sSup>
+                      </m:den>
+                    </m:f>
+                    <m:r>
+                      <a:rPr lang="en-US" altLang="ko-KR" b="0" i="1" smtClean="0">
+                        <a:latin typeface="Cambria Math" panose="02040503050406030204" pitchFamily="18" charset="0"/>
+                        <a:ea typeface="서울남산체 M" panose="02020603020101020101" pitchFamily="18" charset="-127"/>
+                      </a:rPr>
+                      <m:t>+</m:t>
+                    </m:r>
+                    <m:f>
+                      <m:fPr>
+                        <m:ctrlPr>
+                          <a:rPr lang="en-US" altLang="ko-KR" b="0" i="1" smtClean="0">
+                            <a:latin typeface="Cambria Math" panose="02040503050406030204" pitchFamily="18" charset="0"/>
+                            <a:ea typeface="서울남산체 M" panose="02020603020101020101" pitchFamily="18" charset="-127"/>
+                          </a:rPr>
+                        </m:ctrlPr>
+                      </m:fPr>
+                      <m:num>
+                        <m:r>
+                          <a:rPr lang="en-US" altLang="ko-KR" b="0" i="1" smtClean="0">
+                            <a:latin typeface="Cambria Math" panose="02040503050406030204" pitchFamily="18" charset="0"/>
+                            <a:ea typeface="서울남산체 M" panose="02020603020101020101" pitchFamily="18" charset="-127"/>
+                          </a:rPr>
+                          <m:t>0.710</m:t>
+                        </m:r>
+                      </m:num>
+                      <m:den>
+                        <m:r>
+                          <a:rPr lang="ko-KR" altLang="en-US" i="1">
+                            <a:latin typeface="Cambria Math" panose="02040503050406030204" pitchFamily="18" charset="0"/>
+                            <a:ea typeface="서울남산체 M" panose="02020603020101020101" pitchFamily="18" charset="-127"/>
+                          </a:rPr>
+                          <m:t>𝜂</m:t>
+                        </m:r>
+                      </m:den>
+                    </m:f>
+                    <m:r>
+                      <a:rPr lang="en-US" altLang="ko-KR" b="0" i="1" smtClean="0">
+                        <a:latin typeface="Cambria Math" panose="02040503050406030204" pitchFamily="18" charset="0"/>
+                        <a:ea typeface="서울남산체 M" panose="02020603020101020101" pitchFamily="18" charset="-127"/>
+                      </a:rPr>
+                      <m:t>+0.668+0.0636</m:t>
+                    </m:r>
+                    <m:r>
+                      <a:rPr lang="ko-KR" altLang="en-US" i="1">
+                        <a:latin typeface="Cambria Math" panose="02040503050406030204" pitchFamily="18" charset="0"/>
+                        <a:ea typeface="서울남산체 M" panose="02020603020101020101" pitchFamily="18" charset="-127"/>
+                      </a:rPr>
+                      <m:t>𝜂</m:t>
+                    </m:r>
+                  </m:oMath>
+                </a14:m>
+                <a:endParaRPr lang="en-US" altLang="ko-KR" b="0" dirty="0">
+                  <a:latin typeface="서울남산체 M" panose="02020603020101020101" pitchFamily="18" charset="-127"/>
+                  <a:ea typeface="서울남산체 M" panose="02020603020101020101" pitchFamily="18" charset="-127"/>
+                </a:endParaRPr>
+              </a:p>
+            </p:txBody>
+          </p:sp>
+        </mc:Choice>
+        <mc:Fallback>
+          <p:sp>
+            <p:nvSpPr>
+              <p:cNvPr id="3" name="Text Placeholder 2"/>
+              <p:cNvSpPr>
+                <a:spLocks noGrp="1" noRot="1" noChangeAspect="1" noMove="1" noResize="1" noEditPoints="1" noAdjustHandles="1" noChangeArrowheads="1" noChangeShapeType="1" noTextEdit="1"/>
+              </p:cNvSpPr>
+              <p:nvPr>
+                <p:ph type="body" sz="quarter" idx="10"/>
+              </p:nvPr>
+            </p:nvSpPr>
+            <p:spPr>
+              <a:blipFill>
+                <a:blip r:embed="rId3"/>
+                <a:stretch>
+                  <a:fillRect l="-1639" t="-2219"/>
+                </a:stretch>
+              </a:blipFill>
+            </p:spPr>
+            <p:txBody>
+              <a:bodyPr/>
+              <a:lstStyle/>
+              <a:p>
+                <a:r>
+                  <a:rPr lang="ko-KR" altLang="en-US">
+                    <a:noFill/>
+                  </a:rPr>
+                  <a:t> </a:t>
+                </a:r>
+              </a:p>
+            </p:txBody>
+          </p:sp>
+        </mc:Fallback>
+      </mc:AlternateContent>
+      <p:sp>
+        <p:nvSpPr>
+          <p:cNvPr id="2" name="Title 1"/>
+          <p:cNvSpPr>
+            <a:spLocks noGrp="1"/>
+          </p:cNvSpPr>
+          <p:nvPr>
+            <p:ph type="title"/>
+          </p:nvPr>
+        </p:nvSpPr>
+        <p:spPr>
+          <a:xfrm>
+            <a:off x="519248" y="543951"/>
+            <a:ext cx="11151917" cy="747897"/>
+          </a:xfrm>
+        </p:spPr>
+        <p:txBody>
+          <a:bodyPr/>
+          <a:lstStyle/>
+          <a:p>
+            <a:r>
+              <a:rPr lang="en-US" dirty="0"/>
+              <a:t>The Dipole Diffusion Approximation</a:t>
+            </a:r>
+          </a:p>
+        </p:txBody>
+      </p:sp>
+      <p:sp>
+        <p:nvSpPr>
+          <p:cNvPr id="4" name="Slide Number Placeholder 3"/>
+          <p:cNvSpPr>
+            <a:spLocks noGrp="1"/>
+          </p:cNvSpPr>
+          <p:nvPr>
+            <p:ph type="sldNum" sz="quarter" idx="4"/>
+          </p:nvPr>
+        </p:nvSpPr>
+        <p:spPr/>
+        <p:txBody>
+          <a:bodyPr/>
+          <a:lstStyle/>
+          <a:p>
+            <a:fld id="{6B5C536E-FA7B-40DC-A296-D7EC18490057}" type="slidenum">
+              <a:rPr lang="ko-KR" altLang="en-US" smtClean="0"/>
+              <a:pPr/>
+              <a:t>11</a:t>
+            </a:fld>
+            <a:endParaRPr lang="ko-KR" altLang="en-US"/>
+          </a:p>
+        </p:txBody>
+      </p:sp>
+    </p:spTree>
+    <p:extLst>
+      <p:ext uri="{BB962C8B-B14F-4D97-AF65-F5344CB8AC3E}">
+        <p14:creationId xmlns:p14="http://schemas.microsoft.com/office/powerpoint/2010/main" val="2494035177"/>
+      </p:ext>
+    </p:extLst>
+  </p:cSld>
+  <p:clrMapOvr>
+    <a:masterClrMapping/>
+  </p:clrMapOvr>
+  <mc:AlternateContent xmlns:mc="http://schemas.openxmlformats.org/markup-compatibility/2006" xmlns:p14="http://schemas.microsoft.com/office/powerpoint/2010/main">
+    <mc:Choice Requires="p14">
+      <p:transition p14:dur="0"/>
+    </mc:Choice>
+    <mc:Fallback xmlns="">
+      <p:transition/>
+    </mc:Fallback>
+  </mc:AlternateContent>
+</p:sld>
+</file>
+
+<file path=ppt/slides/slide12.xml><?xml version="1.0" encoding="utf-8"?>
+<p:sld xmlns:a="http://schemas.openxmlformats.org/drawingml/2006/main" xmlns:r="http://schemas.openxmlformats.org/officeDocument/2006/relationships" xmlns:p="http://schemas.openxmlformats.org/presentationml/2006/main">
+  <p:cSld>
+    <p:spTree>
+      <p:nvGrpSpPr>
+        <p:cNvPr id="1" name=""/>
+        <p:cNvGrpSpPr/>
+        <p:nvPr/>
+      </p:nvGrpSpPr>
+      <p:grpSpPr>
+        <a:xfrm>
+          <a:off x="0" y="0"/>
+          <a:ext cx="0" cy="0"/>
+          <a:chOff x="0" y="0"/>
+          <a:chExt cx="0" cy="0"/>
+        </a:xfrm>
+      </p:grpSpPr>
+      <mc:AlternateContent xmlns:mc="http://schemas.openxmlformats.org/markup-compatibility/2006">
+        <mc:Choice xmlns:a14="http://schemas.microsoft.com/office/drawing/2010/main" Requires="a14">
+          <p:sp>
+            <p:nvSpPr>
+              <p:cNvPr id="3" name="Text Placeholder 2"/>
+              <p:cNvSpPr>
+                <a:spLocks noGrp="1"/>
+              </p:cNvSpPr>
+              <p:nvPr>
+                <p:ph type="body" sz="quarter" idx="10"/>
+              </p:nvPr>
+            </p:nvSpPr>
+            <p:spPr/>
+            <p:txBody>
+              <a:bodyPr>
+                <a:normAutofit/>
+              </a:bodyPr>
+              <a:lstStyle/>
+              <a:p>
+                <a:pPr>
+                  <a:lnSpc>
+                    <a:spcPct val="100000"/>
+                  </a:lnSpc>
+                </a:pPr>
+                <a:r>
+                  <a:rPr lang="ko-KR" altLang="en-US" b="0" dirty="0">
+                    <a:latin typeface="서울남산체 M" panose="02020603020101020101" pitchFamily="18" charset="-127"/>
+                    <a:ea typeface="서울남산체 M" panose="02020603020101020101" pitchFamily="18" charset="-127"/>
+                  </a:rPr>
+                  <a:t>표면 및 산란에 대해 반무한 판의 경우를 고려</a:t>
+                </a:r>
+                <a:endParaRPr lang="en-US" altLang="ko-KR" b="0" dirty="0">
+                  <a:latin typeface="서울남산체 M" panose="02020603020101020101" pitchFamily="18" charset="-127"/>
+                  <a:ea typeface="서울남산체 M" panose="02020603020101020101" pitchFamily="18" charset="-127"/>
+                </a:endParaRPr>
+              </a:p>
+              <a:p>
+                <a:pPr lvl="1">
+                  <a:lnSpc>
+                    <a:spcPct val="100000"/>
+                  </a:lnSpc>
+                </a:pPr>
+                <a:r>
+                  <a:rPr lang="ko-KR" altLang="en-US" b="0" dirty="0">
+                    <a:latin typeface="서울남산체 M" panose="02020603020101020101" pitchFamily="18" charset="-127"/>
+                    <a:ea typeface="서울남산체 M" panose="02020603020101020101" pitchFamily="18" charset="-127"/>
+                  </a:rPr>
+                  <a:t>서로 다른 굴절률을 갖는 두 매질 사이의 경계 조건은 다음과 같음</a:t>
+                </a:r>
+                <a:endParaRPr lang="en-US" altLang="ko-KR" b="0" dirty="0">
+                  <a:latin typeface="서울남산체 M" panose="02020603020101020101" pitchFamily="18" charset="-127"/>
+                  <a:ea typeface="서울남산체 M" panose="02020603020101020101" pitchFamily="18" charset="-127"/>
+                </a:endParaRPr>
+              </a:p>
+              <a:p>
+                <a:pPr marL="284162" lvl="1" indent="0">
+                  <a:lnSpc>
+                    <a:spcPct val="100000"/>
+                  </a:lnSpc>
+                  <a:buNone/>
+                </a:pPr>
+                <a14:m>
+                  <m:oMathPara xmlns:m="http://schemas.openxmlformats.org/officeDocument/2006/math">
+                    <m:oMathParaPr>
+                      <m:jc m:val="centerGroup"/>
+                    </m:oMathParaPr>
+                    <m:oMath xmlns:m="http://schemas.openxmlformats.org/officeDocument/2006/math">
+                      <m:nary>
+                        <m:naryPr>
+                          <m:ctrlPr>
+                            <a:rPr lang="en-US" altLang="ko-KR" i="1">
+                              <a:latin typeface="Cambria Math" panose="02040503050406030204" pitchFamily="18" charset="0"/>
+                              <a:ea typeface="서울남산체 M" panose="02020603020101020101" pitchFamily="18" charset="-127"/>
+                            </a:rPr>
+                          </m:ctrlPr>
+                        </m:naryPr>
+                        <m:sub>
+                          <m:r>
+                            <m:rPr>
+                              <m:brk m:alnAt="23"/>
+                            </m:rPr>
+                            <a:rPr lang="en-US" altLang="ko-KR" i="1">
+                              <a:latin typeface="Cambria Math" panose="02040503050406030204" pitchFamily="18" charset="0"/>
+                              <a:ea typeface="서울남산체 M" panose="02020603020101020101" pitchFamily="18" charset="-127"/>
+                            </a:rPr>
+                            <m:t>2</m:t>
+                          </m:r>
+                          <m:r>
+                            <a:rPr lang="ko-KR" altLang="en-US" i="1">
+                              <a:latin typeface="Cambria Math" panose="02040503050406030204" pitchFamily="18" charset="0"/>
+                              <a:ea typeface="서울남산체 M" panose="02020603020101020101" pitchFamily="18" charset="-127"/>
+                            </a:rPr>
+                            <m:t>𝜋</m:t>
+                          </m:r>
+                          <m:r>
+                            <a:rPr lang="en-US" altLang="ko-KR" i="1">
+                              <a:latin typeface="Cambria Math" panose="02040503050406030204" pitchFamily="18" charset="0"/>
+                              <a:ea typeface="서울남산체 M" panose="02020603020101020101" pitchFamily="18" charset="-127"/>
+                            </a:rPr>
+                            <m:t>−</m:t>
+                          </m:r>
+                        </m:sub>
+                        <m:sup/>
+                        <m:e>
+                          <m:r>
+                            <a:rPr lang="en-US" altLang="ko-KR" i="1">
+                              <a:latin typeface="Cambria Math" panose="02040503050406030204" pitchFamily="18" charset="0"/>
+                              <a:ea typeface="서울남산체 M" panose="02020603020101020101" pitchFamily="18" charset="-127"/>
+                            </a:rPr>
+                            <m:t>𝐿</m:t>
+                          </m:r>
+                          <m:d>
+                            <m:dPr>
+                              <m:ctrlPr>
+                                <a:rPr lang="en-US" altLang="ko-KR" i="1">
+                                  <a:latin typeface="Cambria Math" panose="02040503050406030204" pitchFamily="18" charset="0"/>
+                                  <a:ea typeface="서울남산체 M" panose="02020603020101020101" pitchFamily="18" charset="-127"/>
+                                </a:rPr>
+                              </m:ctrlPr>
+                            </m:dPr>
+                            <m:e>
+                              <m:r>
+                                <a:rPr lang="en-US" altLang="ko-KR" b="0" i="1" smtClean="0">
+                                  <a:latin typeface="Cambria Math" panose="02040503050406030204" pitchFamily="18" charset="0"/>
+                                  <a:ea typeface="서울남산체 M" panose="02020603020101020101" pitchFamily="18" charset="-127"/>
+                                </a:rPr>
+                                <m:t>𝑥</m:t>
+                              </m:r>
+                              <m:r>
+                                <a:rPr lang="en-US" altLang="ko-KR" i="1">
+                                  <a:latin typeface="Cambria Math" panose="02040503050406030204" pitchFamily="18" charset="0"/>
+                                  <a:ea typeface="서울남산체 M" panose="02020603020101020101" pitchFamily="18" charset="-127"/>
+                                </a:rPr>
+                                <m:t>,</m:t>
+                              </m:r>
+                              <m:acc>
+                                <m:accPr>
+                                  <m:chr m:val="⃗"/>
+                                  <m:ctrlPr>
+                                    <a:rPr lang="en-US" altLang="ko-KR" i="1">
+                                      <a:latin typeface="Cambria Math" panose="02040503050406030204" pitchFamily="18" charset="0"/>
+                                      <a:ea typeface="서울남산체 M" panose="02020603020101020101" pitchFamily="18" charset="-127"/>
+                                    </a:rPr>
+                                  </m:ctrlPr>
+                                </m:accPr>
+                                <m:e>
+                                  <m:r>
+                                    <a:rPr lang="ko-KR" altLang="en-US" i="1">
+                                      <a:latin typeface="Cambria Math" panose="02040503050406030204" pitchFamily="18" charset="0"/>
+                                      <a:ea typeface="서울남산체 M" panose="02020603020101020101" pitchFamily="18" charset="-127"/>
+                                    </a:rPr>
+                                    <m:t>𝜔</m:t>
+                                  </m:r>
+                                </m:e>
+                              </m:acc>
+                            </m:e>
+                          </m:d>
+                          <m:d>
+                            <m:dPr>
+                              <m:ctrlPr>
+                                <a:rPr lang="en-US" altLang="ko-KR" i="1">
+                                  <a:latin typeface="Cambria Math" panose="02040503050406030204" pitchFamily="18" charset="0"/>
+                                  <a:ea typeface="서울남산체 M" panose="02020603020101020101" pitchFamily="18" charset="-127"/>
+                                </a:rPr>
+                              </m:ctrlPr>
+                            </m:dPr>
+                            <m:e>
+                              <m:acc>
+                                <m:accPr>
+                                  <m:chr m:val="⃗"/>
+                                  <m:ctrlPr>
+                                    <a:rPr lang="en-US" altLang="ko-KR" i="1">
+                                      <a:latin typeface="Cambria Math" panose="02040503050406030204" pitchFamily="18" charset="0"/>
+                                      <a:ea typeface="서울남산체 M" panose="02020603020101020101" pitchFamily="18" charset="-127"/>
+                                    </a:rPr>
+                                  </m:ctrlPr>
+                                </m:accPr>
+                                <m:e>
+                                  <m:r>
+                                    <a:rPr lang="ko-KR" altLang="en-US" i="1">
+                                      <a:latin typeface="Cambria Math" panose="02040503050406030204" pitchFamily="18" charset="0"/>
+                                      <a:ea typeface="서울남산체 M" panose="02020603020101020101" pitchFamily="18" charset="-127"/>
+                                    </a:rPr>
+                                    <m:t>𝜔</m:t>
+                                  </m:r>
+                                </m:e>
+                              </m:acc>
+                              <m:r>
+                                <a:rPr lang="ko-KR" altLang="en-US" i="1">
+                                  <a:latin typeface="Cambria Math" panose="02040503050406030204" pitchFamily="18" charset="0"/>
+                                  <a:ea typeface="서울남산체 M" panose="02020603020101020101" pitchFamily="18" charset="-127"/>
+                                </a:rPr>
+                                <m:t>∙</m:t>
+                              </m:r>
+                              <m:sSub>
+                                <m:sSubPr>
+                                  <m:ctrlPr>
+                                    <a:rPr lang="en-US" altLang="ko-KR" b="0" i="1" smtClean="0">
+                                      <a:latin typeface="Cambria Math" panose="02040503050406030204" pitchFamily="18" charset="0"/>
+                                      <a:ea typeface="서울남산체 M" panose="02020603020101020101" pitchFamily="18" charset="-127"/>
+                                    </a:rPr>
+                                  </m:ctrlPr>
+                                </m:sSubPr>
+                                <m:e>
+                                  <m:acc>
+                                    <m:accPr>
+                                      <m:chr m:val="⃗"/>
+                                      <m:ctrlPr>
+                                        <a:rPr lang="en-US" altLang="ko-KR" i="1">
+                                          <a:latin typeface="Cambria Math" panose="02040503050406030204" pitchFamily="18" charset="0"/>
+                                          <a:ea typeface="서울남산체 M" panose="02020603020101020101" pitchFamily="18" charset="-127"/>
+                                        </a:rPr>
+                                      </m:ctrlPr>
+                                    </m:accPr>
+                                    <m:e>
+                                      <m:r>
+                                        <a:rPr lang="en-US" altLang="ko-KR" i="1">
+                                          <a:latin typeface="Cambria Math" panose="02040503050406030204" pitchFamily="18" charset="0"/>
+                                          <a:ea typeface="서울남산체 M" panose="02020603020101020101" pitchFamily="18" charset="-127"/>
+                                        </a:rPr>
+                                        <m:t>𝑛</m:t>
+                                      </m:r>
+                                    </m:e>
+                                  </m:acc>
+                                </m:e>
+                                <m:sub>
+                                  <m:r>
+                                    <a:rPr lang="en-US" altLang="ko-KR" b="0" i="1" smtClean="0">
+                                      <a:latin typeface="Cambria Math" panose="02040503050406030204" pitchFamily="18" charset="0"/>
+                                      <a:ea typeface="서울남산체 M" panose="02020603020101020101" pitchFamily="18" charset="-127"/>
+                                    </a:rPr>
+                                    <m:t>−</m:t>
+                                  </m:r>
+                                </m:sub>
+                              </m:sSub>
+                            </m:e>
+                          </m:d>
+                          <m:r>
+                            <m:rPr>
+                              <m:sty m:val="p"/>
+                            </m:rPr>
+                            <a:rPr lang="en-US" altLang="ko-KR" b="0" i="0" smtClean="0">
+                              <a:latin typeface="Cambria Math" panose="02040503050406030204" pitchFamily="18" charset="0"/>
+                              <a:ea typeface="서울남산체 M" panose="02020603020101020101" pitchFamily="18" charset="-127"/>
+                            </a:rPr>
+                            <m:t>d</m:t>
+                          </m:r>
+                          <m:r>
+                            <a:rPr lang="ko-KR" altLang="en-US" i="1">
+                              <a:latin typeface="Cambria Math" panose="02040503050406030204" pitchFamily="18" charset="0"/>
+                              <a:ea typeface="서울남산체 M" panose="02020603020101020101" pitchFamily="18" charset="-127"/>
+                            </a:rPr>
+                            <m:t>𝜔</m:t>
+                          </m:r>
+                        </m:e>
+                      </m:nary>
+                      <m:r>
+                        <a:rPr lang="en-US" altLang="ko-KR" b="0" i="1" smtClean="0">
+                          <a:latin typeface="Cambria Math" panose="02040503050406030204" pitchFamily="18" charset="0"/>
+                          <a:ea typeface="서울남산체 M" panose="02020603020101020101" pitchFamily="18" charset="-127"/>
+                        </a:rPr>
+                        <m:t>=</m:t>
+                      </m:r>
+                      <m:sSub>
+                        <m:sSubPr>
+                          <m:ctrlPr>
+                            <a:rPr lang="en-US" altLang="ko-KR" b="0" i="1" smtClean="0">
+                              <a:latin typeface="Cambria Math" panose="02040503050406030204" pitchFamily="18" charset="0"/>
+                              <a:ea typeface="서울남산체 M" panose="02020603020101020101" pitchFamily="18" charset="-127"/>
+                            </a:rPr>
+                          </m:ctrlPr>
+                        </m:sSubPr>
+                        <m:e>
+                          <m:r>
+                            <a:rPr lang="en-US" altLang="ko-KR" b="0" i="1" smtClean="0">
+                              <a:latin typeface="Cambria Math" panose="02040503050406030204" pitchFamily="18" charset="0"/>
+                              <a:ea typeface="서울남산체 M" panose="02020603020101020101" pitchFamily="18" charset="-127"/>
+                            </a:rPr>
+                            <m:t>𝐹</m:t>
+                          </m:r>
+                        </m:e>
+                        <m:sub>
+                          <m:r>
+                            <a:rPr lang="en-US" altLang="ko-KR" b="0" i="1" smtClean="0">
+                              <a:latin typeface="Cambria Math" panose="02040503050406030204" pitchFamily="18" charset="0"/>
+                              <a:ea typeface="서울남산체 M" panose="02020603020101020101" pitchFamily="18" charset="-127"/>
+                            </a:rPr>
+                            <m:t>𝑑𝑟</m:t>
+                          </m:r>
+                        </m:sub>
+                      </m:sSub>
+                      <m:nary>
+                        <m:naryPr>
+                          <m:ctrlPr>
+                            <a:rPr lang="en-US" altLang="ko-KR" i="1">
+                              <a:latin typeface="Cambria Math" panose="02040503050406030204" pitchFamily="18" charset="0"/>
+                              <a:ea typeface="서울남산체 M" panose="02020603020101020101" pitchFamily="18" charset="-127"/>
+                            </a:rPr>
+                          </m:ctrlPr>
+                        </m:naryPr>
+                        <m:sub>
+                          <m:r>
+                            <m:rPr>
+                              <m:brk m:alnAt="23"/>
+                            </m:rPr>
+                            <a:rPr lang="en-US" altLang="ko-KR" i="1">
+                              <a:latin typeface="Cambria Math" panose="02040503050406030204" pitchFamily="18" charset="0"/>
+                              <a:ea typeface="서울남산체 M" panose="02020603020101020101" pitchFamily="18" charset="-127"/>
+                            </a:rPr>
+                            <m:t>2</m:t>
+                          </m:r>
+                          <m:r>
+                            <a:rPr lang="ko-KR" altLang="en-US" i="1">
+                              <a:latin typeface="Cambria Math" panose="02040503050406030204" pitchFamily="18" charset="0"/>
+                              <a:ea typeface="서울남산체 M" panose="02020603020101020101" pitchFamily="18" charset="-127"/>
+                            </a:rPr>
+                            <m:t>𝜋</m:t>
+                          </m:r>
+                          <m:r>
+                            <a:rPr lang="en-US" altLang="ko-KR" b="0" i="1" smtClean="0">
+                              <a:latin typeface="Cambria Math" panose="02040503050406030204" pitchFamily="18" charset="0"/>
+                              <a:ea typeface="서울남산체 M" panose="02020603020101020101" pitchFamily="18" charset="-127"/>
+                            </a:rPr>
+                            <m:t>+</m:t>
+                          </m:r>
+                        </m:sub>
+                        <m:sup/>
+                        <m:e>
+                          <m:r>
+                            <a:rPr lang="en-US" altLang="ko-KR" i="1">
+                              <a:latin typeface="Cambria Math" panose="02040503050406030204" pitchFamily="18" charset="0"/>
+                              <a:ea typeface="서울남산체 M" panose="02020603020101020101" pitchFamily="18" charset="-127"/>
+                            </a:rPr>
+                            <m:t>𝐿</m:t>
+                          </m:r>
+                          <m:d>
+                            <m:dPr>
+                              <m:ctrlPr>
+                                <a:rPr lang="en-US" altLang="ko-KR" i="1">
+                                  <a:latin typeface="Cambria Math" panose="02040503050406030204" pitchFamily="18" charset="0"/>
+                                  <a:ea typeface="서울남산체 M" panose="02020603020101020101" pitchFamily="18" charset="-127"/>
+                                </a:rPr>
+                              </m:ctrlPr>
+                            </m:dPr>
+                            <m:e>
+                              <m:r>
+                                <a:rPr lang="en-US" altLang="ko-KR" i="1">
+                                  <a:latin typeface="Cambria Math" panose="02040503050406030204" pitchFamily="18" charset="0"/>
+                                  <a:ea typeface="서울남산체 M" panose="02020603020101020101" pitchFamily="18" charset="-127"/>
+                                </a:rPr>
+                                <m:t>𝑥</m:t>
+                              </m:r>
+                              <m:r>
+                                <a:rPr lang="en-US" altLang="ko-KR" i="1">
+                                  <a:latin typeface="Cambria Math" panose="02040503050406030204" pitchFamily="18" charset="0"/>
+                                  <a:ea typeface="서울남산체 M" panose="02020603020101020101" pitchFamily="18" charset="-127"/>
+                                </a:rPr>
+                                <m:t>,</m:t>
+                              </m:r>
+                              <m:acc>
+                                <m:accPr>
+                                  <m:chr m:val="⃗"/>
+                                  <m:ctrlPr>
+                                    <a:rPr lang="en-US" altLang="ko-KR" i="1">
+                                      <a:latin typeface="Cambria Math" panose="02040503050406030204" pitchFamily="18" charset="0"/>
+                                      <a:ea typeface="서울남산체 M" panose="02020603020101020101" pitchFamily="18" charset="-127"/>
+                                    </a:rPr>
+                                  </m:ctrlPr>
+                                </m:accPr>
+                                <m:e>
+                                  <m:r>
+                                    <a:rPr lang="ko-KR" altLang="en-US" i="1">
+                                      <a:latin typeface="Cambria Math" panose="02040503050406030204" pitchFamily="18" charset="0"/>
+                                      <a:ea typeface="서울남산체 M" panose="02020603020101020101" pitchFamily="18" charset="-127"/>
+                                    </a:rPr>
+                                    <m:t>𝜔</m:t>
+                                  </m:r>
+                                </m:e>
+                              </m:acc>
+                            </m:e>
+                          </m:d>
+                          <m:d>
+                            <m:dPr>
+                              <m:ctrlPr>
+                                <a:rPr lang="en-US" altLang="ko-KR" i="1">
+                                  <a:latin typeface="Cambria Math" panose="02040503050406030204" pitchFamily="18" charset="0"/>
+                                  <a:ea typeface="서울남산체 M" panose="02020603020101020101" pitchFamily="18" charset="-127"/>
+                                </a:rPr>
+                              </m:ctrlPr>
+                            </m:dPr>
+                            <m:e>
+                              <m:acc>
+                                <m:accPr>
+                                  <m:chr m:val="⃗"/>
+                                  <m:ctrlPr>
+                                    <a:rPr lang="en-US" altLang="ko-KR" i="1">
+                                      <a:latin typeface="Cambria Math" panose="02040503050406030204" pitchFamily="18" charset="0"/>
+                                      <a:ea typeface="서울남산체 M" panose="02020603020101020101" pitchFamily="18" charset="-127"/>
+                                    </a:rPr>
+                                  </m:ctrlPr>
+                                </m:accPr>
+                                <m:e>
+                                  <m:r>
+                                    <a:rPr lang="ko-KR" altLang="en-US" i="1">
+                                      <a:latin typeface="Cambria Math" panose="02040503050406030204" pitchFamily="18" charset="0"/>
+                                      <a:ea typeface="서울남산체 M" panose="02020603020101020101" pitchFamily="18" charset="-127"/>
+                                    </a:rPr>
+                                    <m:t>𝜔</m:t>
+                                  </m:r>
+                                </m:e>
+                              </m:acc>
+                              <m:r>
+                                <a:rPr lang="ko-KR" altLang="en-US" i="1">
+                                  <a:latin typeface="Cambria Math" panose="02040503050406030204" pitchFamily="18" charset="0"/>
+                                  <a:ea typeface="서울남산체 M" panose="02020603020101020101" pitchFamily="18" charset="-127"/>
+                                </a:rPr>
+                                <m:t>∙</m:t>
+                              </m:r>
+                              <m:sSub>
+                                <m:sSubPr>
+                                  <m:ctrlPr>
+                                    <a:rPr lang="en-US" altLang="ko-KR" i="1">
+                                      <a:latin typeface="Cambria Math" panose="02040503050406030204" pitchFamily="18" charset="0"/>
+                                      <a:ea typeface="서울남산체 M" panose="02020603020101020101" pitchFamily="18" charset="-127"/>
+                                    </a:rPr>
+                                  </m:ctrlPr>
+                                </m:sSubPr>
+                                <m:e>
+                                  <m:acc>
+                                    <m:accPr>
+                                      <m:chr m:val="⃗"/>
+                                      <m:ctrlPr>
+                                        <a:rPr lang="en-US" altLang="ko-KR" i="1">
+                                          <a:latin typeface="Cambria Math" panose="02040503050406030204" pitchFamily="18" charset="0"/>
+                                          <a:ea typeface="서울남산체 M" panose="02020603020101020101" pitchFamily="18" charset="-127"/>
+                                        </a:rPr>
+                                      </m:ctrlPr>
+                                    </m:accPr>
+                                    <m:e>
+                                      <m:r>
+                                        <a:rPr lang="en-US" altLang="ko-KR" i="1">
+                                          <a:latin typeface="Cambria Math" panose="02040503050406030204" pitchFamily="18" charset="0"/>
+                                          <a:ea typeface="서울남산체 M" panose="02020603020101020101" pitchFamily="18" charset="-127"/>
+                                        </a:rPr>
+                                        <m:t>𝑛</m:t>
+                                      </m:r>
+                                    </m:e>
+                                  </m:acc>
+                                </m:e>
+                                <m:sub>
+                                  <m:r>
+                                    <a:rPr lang="en-US" altLang="ko-KR" b="0" i="1" smtClean="0">
+                                      <a:latin typeface="Cambria Math" panose="02040503050406030204" pitchFamily="18" charset="0"/>
+                                      <a:ea typeface="서울남산체 M" panose="02020603020101020101" pitchFamily="18" charset="-127"/>
+                                    </a:rPr>
+                                    <m:t>+</m:t>
+                                  </m:r>
+                                </m:sub>
+                              </m:sSub>
+                            </m:e>
+                          </m:d>
+                          <m:r>
+                            <m:rPr>
+                              <m:sty m:val="p"/>
+                            </m:rPr>
+                            <a:rPr lang="en-US" altLang="ko-KR">
+                              <a:latin typeface="Cambria Math" panose="02040503050406030204" pitchFamily="18" charset="0"/>
+                              <a:ea typeface="서울남산체 M" panose="02020603020101020101" pitchFamily="18" charset="-127"/>
+                            </a:rPr>
+                            <m:t>d</m:t>
+                          </m:r>
+                          <m:r>
+                            <a:rPr lang="ko-KR" altLang="en-US" i="1">
+                              <a:latin typeface="Cambria Math" panose="02040503050406030204" pitchFamily="18" charset="0"/>
+                              <a:ea typeface="서울남산체 M" panose="02020603020101020101" pitchFamily="18" charset="-127"/>
+                            </a:rPr>
+                            <m:t>𝜔</m:t>
+                          </m:r>
+                        </m:e>
+                      </m:nary>
+                    </m:oMath>
+                  </m:oMathPara>
+                </a14:m>
+                <a:endParaRPr lang="en-US" altLang="ko-KR" dirty="0">
+                  <a:latin typeface="서울남산체 M" panose="02020603020101020101" pitchFamily="18" charset="-127"/>
+                  <a:ea typeface="서울남산체 M" panose="02020603020101020101" pitchFamily="18" charset="-127"/>
+                </a:endParaRPr>
+              </a:p>
+              <a:p>
+                <a:pPr lvl="1">
+                  <a:lnSpc>
+                    <a:spcPct val="100000"/>
+                  </a:lnSpc>
+                </a:pPr>
+                <a:r>
+                  <a:rPr lang="ko-KR" altLang="en-US" b="0" dirty="0">
+                    <a:latin typeface="서울남산체 M" panose="02020603020101020101" pitchFamily="18" charset="-127"/>
+                    <a:ea typeface="서울남산체 M" panose="02020603020101020101" pitchFamily="18" charset="-127"/>
+                  </a:rPr>
+                  <a:t>즉</a:t>
+                </a:r>
+                <a:r>
+                  <a:rPr lang="en-US" altLang="ko-KR" b="0" dirty="0">
+                    <a:latin typeface="서울남산체 M" panose="02020603020101020101" pitchFamily="18" charset="-127"/>
+                    <a:ea typeface="서울남산체 M" panose="02020603020101020101" pitchFamily="18" charset="-127"/>
+                  </a:rPr>
+                  <a:t>, (0, 0, -1) </a:t>
+                </a:r>
+                <a:r>
+                  <a:rPr lang="ko-KR" altLang="en-US" b="0" dirty="0">
+                    <a:latin typeface="서울남산체 M" panose="02020603020101020101" pitchFamily="18" charset="-127"/>
+                    <a:ea typeface="서울남산체 M" panose="02020603020101020101" pitchFamily="18" charset="-127"/>
+                  </a:rPr>
+                  <a:t>주변 반구의 경계에서 입사 방사는 프레넬 현상으로 인해</a:t>
+                </a:r>
+                <a:br>
+                  <a:rPr lang="en-US" altLang="ko-KR" b="0" dirty="0">
+                    <a:latin typeface="서울남산체 M" panose="02020603020101020101" pitchFamily="18" charset="-127"/>
+                    <a:ea typeface="서울남산체 M" panose="02020603020101020101" pitchFamily="18" charset="-127"/>
+                  </a:rPr>
+                </a:br>
+                <a:r>
+                  <a:rPr lang="ko-KR" altLang="en-US" b="0" dirty="0">
+                    <a:latin typeface="서울남산체 M" panose="02020603020101020101" pitchFamily="18" charset="-127"/>
+                    <a:ea typeface="서울남산체 M" panose="02020603020101020101" pitchFamily="18" charset="-127"/>
+                  </a:rPr>
+                  <a:t>매질로 다시 돌아가 경계에서 반사돼 도착하는 매질 안 산란의 입사 방사와 같음</a:t>
+                </a:r>
+                <a:endParaRPr lang="en-US" altLang="ko-KR" b="0" dirty="0">
+                  <a:latin typeface="서울남산체 M" panose="02020603020101020101" pitchFamily="18" charset="-127"/>
+                  <a:ea typeface="서울남산체 M" panose="02020603020101020101" pitchFamily="18" charset="-127"/>
+                </a:endParaRPr>
+              </a:p>
+              <a:p>
+                <a:pPr lvl="1">
+                  <a:lnSpc>
+                    <a:spcPct val="100000"/>
+                  </a:lnSpc>
+                </a:pPr>
+                <a:r>
+                  <a:rPr lang="ko-KR" altLang="en-US" dirty="0">
+                    <a:latin typeface="서울남산체 M" panose="02020603020101020101" pitchFamily="18" charset="-127"/>
+                    <a:ea typeface="서울남산체 M" panose="02020603020101020101" pitchFamily="18" charset="-127"/>
+                  </a:rPr>
+                  <a:t>위 식을 정리하면</a:t>
+                </a:r>
+                <a:r>
+                  <a:rPr lang="en-US" altLang="ko-KR" dirty="0">
+                    <a:latin typeface="서울남산체 M" panose="02020603020101020101" pitchFamily="18" charset="-127"/>
+                    <a:ea typeface="서울남산체 M" panose="02020603020101020101" pitchFamily="18" charset="-127"/>
+                  </a:rPr>
+                  <a:t>,</a:t>
+                </a:r>
+              </a:p>
+              <a:p>
+                <a:pPr marL="284162" lvl="1" indent="0">
+                  <a:lnSpc>
+                    <a:spcPct val="100000"/>
+                  </a:lnSpc>
+                  <a:buNone/>
+                </a:pPr>
+                <a14:m>
+                  <m:oMathPara xmlns:m="http://schemas.openxmlformats.org/officeDocument/2006/math">
+                    <m:oMathParaPr>
+                      <m:jc m:val="centerGroup"/>
+                    </m:oMathParaPr>
+                    <m:oMath xmlns:m="http://schemas.openxmlformats.org/officeDocument/2006/math">
+                      <m:r>
+                        <a:rPr lang="ko-KR" altLang="en-US" i="1">
+                          <a:latin typeface="Cambria Math" panose="02040503050406030204" pitchFamily="18" charset="0"/>
+                          <a:ea typeface="서울남산체 M" panose="02020603020101020101" pitchFamily="18" charset="-127"/>
+                        </a:rPr>
+                        <m:t>𝜙</m:t>
+                      </m:r>
+                      <m:d>
+                        <m:dPr>
+                          <m:ctrlPr>
+                            <a:rPr lang="en-US" altLang="ko-KR" i="1">
+                              <a:latin typeface="Cambria Math" panose="02040503050406030204" pitchFamily="18" charset="0"/>
+                              <a:ea typeface="서울남산체 M" panose="02020603020101020101" pitchFamily="18" charset="-127"/>
+                            </a:rPr>
+                          </m:ctrlPr>
+                        </m:dPr>
+                        <m:e>
+                          <m:sSub>
+                            <m:sSubPr>
+                              <m:ctrlPr>
+                                <a:rPr lang="en-US" altLang="ko-KR" i="1">
+                                  <a:latin typeface="Cambria Math" panose="02040503050406030204" pitchFamily="18" charset="0"/>
+                                  <a:ea typeface="서울남산체 M" panose="02020603020101020101" pitchFamily="18" charset="-127"/>
+                                </a:rPr>
+                              </m:ctrlPr>
+                            </m:sSubPr>
+                            <m:e>
+                              <m:r>
+                                <a:rPr lang="en-US" altLang="ko-KR" i="1">
+                                  <a:latin typeface="Cambria Math" panose="02040503050406030204" pitchFamily="18" charset="0"/>
+                                  <a:ea typeface="서울남산체 M" panose="02020603020101020101" pitchFamily="18" charset="-127"/>
+                                </a:rPr>
+                                <m:t>𝑥</m:t>
+                              </m:r>
+                            </m:e>
+                            <m:sub>
+                              <m:r>
+                                <a:rPr lang="en-US" altLang="ko-KR" i="1">
+                                  <a:latin typeface="Cambria Math" panose="02040503050406030204" pitchFamily="18" charset="0"/>
+                                  <a:ea typeface="서울남산체 M" panose="02020603020101020101" pitchFamily="18" charset="-127"/>
+                                </a:rPr>
+                                <m:t>𝑠</m:t>
+                              </m:r>
+                            </m:sub>
+                          </m:sSub>
+                        </m:e>
+                      </m:d>
+                      <m:r>
+                        <a:rPr lang="en-US" altLang="ko-KR" i="1">
+                          <a:latin typeface="Cambria Math" panose="02040503050406030204" pitchFamily="18" charset="0"/>
+                          <a:ea typeface="서울남산체 M" panose="02020603020101020101" pitchFamily="18" charset="-127"/>
+                        </a:rPr>
+                        <m:t>−2</m:t>
+                      </m:r>
+                      <m:r>
+                        <a:rPr lang="en-US" altLang="ko-KR" i="1">
+                          <a:latin typeface="Cambria Math" panose="02040503050406030204" pitchFamily="18" charset="0"/>
+                          <a:ea typeface="서울남산체 M" panose="02020603020101020101" pitchFamily="18" charset="-127"/>
+                        </a:rPr>
+                        <m:t>𝐷</m:t>
+                      </m:r>
+                      <m:d>
+                        <m:dPr>
+                          <m:ctrlPr>
+                            <a:rPr lang="en-US" altLang="ko-KR" i="1">
+                              <a:latin typeface="Cambria Math" panose="02040503050406030204" pitchFamily="18" charset="0"/>
+                              <a:ea typeface="서울남산체 M" panose="02020603020101020101" pitchFamily="18" charset="-127"/>
+                            </a:rPr>
+                          </m:ctrlPr>
+                        </m:dPr>
+                        <m:e>
+                          <m:acc>
+                            <m:accPr>
+                              <m:chr m:val="⃗"/>
+                              <m:ctrlPr>
+                                <a:rPr lang="en-US" altLang="ko-KR" i="1">
+                                  <a:latin typeface="Cambria Math" panose="02040503050406030204" pitchFamily="18" charset="0"/>
+                                  <a:ea typeface="서울남산체 M" panose="02020603020101020101" pitchFamily="18" charset="-127"/>
+                                </a:rPr>
+                              </m:ctrlPr>
+                            </m:accPr>
+                            <m:e>
+                              <m:r>
+                                <a:rPr lang="en-US" altLang="ko-KR" i="1">
+                                  <a:latin typeface="Cambria Math" panose="02040503050406030204" pitchFamily="18" charset="0"/>
+                                  <a:ea typeface="서울남산체 M" panose="02020603020101020101" pitchFamily="18" charset="-127"/>
+                                </a:rPr>
+                                <m:t>𝑛</m:t>
+                              </m:r>
+                            </m:e>
+                          </m:acc>
+                          <m:r>
+                            <a:rPr lang="en-US" altLang="ko-KR" i="1">
+                              <a:latin typeface="Cambria Math" panose="02040503050406030204" pitchFamily="18" charset="0"/>
+                              <a:ea typeface="Cambria Math" panose="02040503050406030204" pitchFamily="18" charset="0"/>
+                            </a:rPr>
+                            <m:t>∙</m:t>
+                          </m:r>
+                          <m:acc>
+                            <m:accPr>
+                              <m:chr m:val="⃗"/>
+                              <m:ctrlPr>
+                                <a:rPr lang="en-US" altLang="ko-KR" i="1">
+                                  <a:latin typeface="Cambria Math" panose="02040503050406030204" pitchFamily="18" charset="0"/>
+                                  <a:ea typeface="Cambria Math" panose="02040503050406030204" pitchFamily="18" charset="0"/>
+                                </a:rPr>
+                              </m:ctrlPr>
+                            </m:accPr>
+                            <m:e>
+                              <m:r>
+                                <a:rPr lang="en-US" altLang="ko-KR" i="1">
+                                  <a:latin typeface="Cambria Math" panose="02040503050406030204" pitchFamily="18" charset="0"/>
+                                  <a:ea typeface="Cambria Math" panose="02040503050406030204" pitchFamily="18" charset="0"/>
+                                </a:rPr>
+                                <m:t>𝛻</m:t>
+                              </m:r>
+                            </m:e>
+                          </m:acc>
+                        </m:e>
+                      </m:d>
+                      <m:r>
+                        <a:rPr lang="ko-KR" altLang="en-US" i="1">
+                          <a:latin typeface="Cambria Math" panose="02040503050406030204" pitchFamily="18" charset="0"/>
+                          <a:ea typeface="서울남산체 M" panose="02020603020101020101" pitchFamily="18" charset="-127"/>
+                        </a:rPr>
+                        <m:t>𝜙</m:t>
+                      </m:r>
+                      <m:d>
+                        <m:dPr>
+                          <m:ctrlPr>
+                            <a:rPr lang="en-US" altLang="ko-KR" i="1">
+                              <a:latin typeface="Cambria Math" panose="02040503050406030204" pitchFamily="18" charset="0"/>
+                              <a:ea typeface="서울남산체 M" panose="02020603020101020101" pitchFamily="18" charset="-127"/>
+                            </a:rPr>
+                          </m:ctrlPr>
+                        </m:dPr>
+                        <m:e>
+                          <m:sSub>
+                            <m:sSubPr>
+                              <m:ctrlPr>
+                                <a:rPr lang="en-US" altLang="ko-KR" i="1">
+                                  <a:latin typeface="Cambria Math" panose="02040503050406030204" pitchFamily="18" charset="0"/>
+                                  <a:ea typeface="서울남산체 M" panose="02020603020101020101" pitchFamily="18" charset="-127"/>
+                                </a:rPr>
+                              </m:ctrlPr>
+                            </m:sSubPr>
+                            <m:e>
+                              <m:r>
+                                <a:rPr lang="en-US" altLang="ko-KR" i="1">
+                                  <a:latin typeface="Cambria Math" panose="02040503050406030204" pitchFamily="18" charset="0"/>
+                                  <a:ea typeface="서울남산체 M" panose="02020603020101020101" pitchFamily="18" charset="-127"/>
+                                </a:rPr>
+                                <m:t>𝑥</m:t>
+                              </m:r>
+                            </m:e>
+                            <m:sub>
+                              <m:r>
+                                <a:rPr lang="en-US" altLang="ko-KR" i="1">
+                                  <a:latin typeface="Cambria Math" panose="02040503050406030204" pitchFamily="18" charset="0"/>
+                                  <a:ea typeface="서울남산체 M" panose="02020603020101020101" pitchFamily="18" charset="-127"/>
+                                </a:rPr>
+                                <m:t>𝑠</m:t>
+                              </m:r>
+                            </m:sub>
+                          </m:sSub>
+                        </m:e>
+                      </m:d>
+                      <m:r>
+                        <a:rPr lang="en-US" altLang="ko-KR" b="0" i="1" smtClean="0">
+                          <a:latin typeface="Cambria Math" panose="02040503050406030204" pitchFamily="18" charset="0"/>
+                          <a:ea typeface="서울남산체 M" panose="02020603020101020101" pitchFamily="18" charset="-127"/>
+                        </a:rPr>
+                        <m:t>=</m:t>
+                      </m:r>
+                      <m:sSub>
+                        <m:sSubPr>
+                          <m:ctrlPr>
+                            <a:rPr lang="en-US" altLang="ko-KR" b="0" i="1" smtClean="0">
+                              <a:latin typeface="Cambria Math" panose="02040503050406030204" pitchFamily="18" charset="0"/>
+                              <a:ea typeface="서울남산체 M" panose="02020603020101020101" pitchFamily="18" charset="-127"/>
+                            </a:rPr>
+                          </m:ctrlPr>
+                        </m:sSubPr>
+                        <m:e>
+                          <m:r>
+                            <a:rPr lang="en-US" altLang="ko-KR" b="0" i="1" smtClean="0">
+                              <a:latin typeface="Cambria Math" panose="02040503050406030204" pitchFamily="18" charset="0"/>
+                              <a:ea typeface="서울남산체 M" panose="02020603020101020101" pitchFamily="18" charset="-127"/>
+                            </a:rPr>
+                            <m:t>𝐹</m:t>
+                          </m:r>
+                        </m:e>
+                        <m:sub>
+                          <m:r>
+                            <a:rPr lang="en-US" altLang="ko-KR" b="0" i="1" smtClean="0">
+                              <a:latin typeface="Cambria Math" panose="02040503050406030204" pitchFamily="18" charset="0"/>
+                              <a:ea typeface="서울남산체 M" panose="02020603020101020101" pitchFamily="18" charset="-127"/>
+                            </a:rPr>
+                            <m:t>𝑑𝑟</m:t>
+                          </m:r>
+                        </m:sub>
+                      </m:sSub>
+                      <m:d>
+                        <m:dPr>
+                          <m:begChr m:val="["/>
+                          <m:endChr m:val="]"/>
+                          <m:ctrlPr>
+                            <a:rPr lang="en-US" altLang="ko-KR" b="0" i="1" smtClean="0">
+                              <a:latin typeface="Cambria Math" panose="02040503050406030204" pitchFamily="18" charset="0"/>
+                              <a:ea typeface="서울남산체 M" panose="02020603020101020101" pitchFamily="18" charset="-127"/>
+                            </a:rPr>
+                          </m:ctrlPr>
+                        </m:dPr>
+                        <m:e>
+                          <m:r>
+                            <a:rPr lang="ko-KR" altLang="en-US" i="1">
+                              <a:latin typeface="Cambria Math" panose="02040503050406030204" pitchFamily="18" charset="0"/>
+                              <a:ea typeface="서울남산체 M" panose="02020603020101020101" pitchFamily="18" charset="-127"/>
+                            </a:rPr>
+                            <m:t>𝜙</m:t>
+                          </m:r>
+                          <m:d>
+                            <m:dPr>
+                              <m:ctrlPr>
+                                <a:rPr lang="en-US" altLang="ko-KR" i="1">
+                                  <a:latin typeface="Cambria Math" panose="02040503050406030204" pitchFamily="18" charset="0"/>
+                                  <a:ea typeface="서울남산체 M" panose="02020603020101020101" pitchFamily="18" charset="-127"/>
+                                </a:rPr>
+                              </m:ctrlPr>
+                            </m:dPr>
+                            <m:e>
+                              <m:sSub>
+                                <m:sSubPr>
+                                  <m:ctrlPr>
+                                    <a:rPr lang="en-US" altLang="ko-KR" i="1">
+                                      <a:latin typeface="Cambria Math" panose="02040503050406030204" pitchFamily="18" charset="0"/>
+                                      <a:ea typeface="서울남산체 M" panose="02020603020101020101" pitchFamily="18" charset="-127"/>
+                                    </a:rPr>
+                                  </m:ctrlPr>
+                                </m:sSubPr>
+                                <m:e>
+                                  <m:r>
+                                    <a:rPr lang="en-US" altLang="ko-KR" i="1">
+                                      <a:latin typeface="Cambria Math" panose="02040503050406030204" pitchFamily="18" charset="0"/>
+                                      <a:ea typeface="서울남산체 M" panose="02020603020101020101" pitchFamily="18" charset="-127"/>
+                                    </a:rPr>
+                                    <m:t>𝑥</m:t>
+                                  </m:r>
+                                </m:e>
+                                <m:sub>
+                                  <m:r>
+                                    <a:rPr lang="en-US" altLang="ko-KR" i="1">
+                                      <a:latin typeface="Cambria Math" panose="02040503050406030204" pitchFamily="18" charset="0"/>
+                                      <a:ea typeface="서울남산체 M" panose="02020603020101020101" pitchFamily="18" charset="-127"/>
+                                    </a:rPr>
+                                    <m:t>𝑠</m:t>
+                                  </m:r>
+                                </m:sub>
+                              </m:sSub>
+                            </m:e>
+                          </m:d>
+                          <m:r>
+                            <a:rPr lang="en-US" altLang="ko-KR" b="0" i="1" smtClean="0">
+                              <a:latin typeface="Cambria Math" panose="02040503050406030204" pitchFamily="18" charset="0"/>
+                              <a:ea typeface="서울남산체 M" panose="02020603020101020101" pitchFamily="18" charset="-127"/>
+                            </a:rPr>
+                            <m:t>+</m:t>
+                          </m:r>
+                          <m:r>
+                            <a:rPr lang="en-US" altLang="ko-KR" i="1">
+                              <a:latin typeface="Cambria Math" panose="02040503050406030204" pitchFamily="18" charset="0"/>
+                              <a:ea typeface="서울남산체 M" panose="02020603020101020101" pitchFamily="18" charset="-127"/>
+                            </a:rPr>
+                            <m:t>2</m:t>
+                          </m:r>
+                          <m:r>
+                            <a:rPr lang="en-US" altLang="ko-KR" i="1">
+                              <a:latin typeface="Cambria Math" panose="02040503050406030204" pitchFamily="18" charset="0"/>
+                              <a:ea typeface="서울남산체 M" panose="02020603020101020101" pitchFamily="18" charset="-127"/>
+                            </a:rPr>
+                            <m:t>𝐷</m:t>
+                          </m:r>
+                          <m:d>
+                            <m:dPr>
+                              <m:ctrlPr>
+                                <a:rPr lang="en-US" altLang="ko-KR" i="1">
+                                  <a:latin typeface="Cambria Math" panose="02040503050406030204" pitchFamily="18" charset="0"/>
+                                  <a:ea typeface="서울남산체 M" panose="02020603020101020101" pitchFamily="18" charset="-127"/>
+                                </a:rPr>
+                              </m:ctrlPr>
+                            </m:dPr>
+                            <m:e>
+                              <m:acc>
+                                <m:accPr>
+                                  <m:chr m:val="⃗"/>
+                                  <m:ctrlPr>
+                                    <a:rPr lang="en-US" altLang="ko-KR" i="1">
+                                      <a:latin typeface="Cambria Math" panose="02040503050406030204" pitchFamily="18" charset="0"/>
+                                      <a:ea typeface="서울남산체 M" panose="02020603020101020101" pitchFamily="18" charset="-127"/>
+                                    </a:rPr>
+                                  </m:ctrlPr>
+                                </m:accPr>
+                                <m:e>
+                                  <m:r>
+                                    <a:rPr lang="en-US" altLang="ko-KR" i="1">
+                                      <a:latin typeface="Cambria Math" panose="02040503050406030204" pitchFamily="18" charset="0"/>
+                                      <a:ea typeface="서울남산체 M" panose="02020603020101020101" pitchFamily="18" charset="-127"/>
+                                    </a:rPr>
+                                    <m:t>𝑛</m:t>
+                                  </m:r>
+                                </m:e>
+                              </m:acc>
+                              <m:r>
+                                <a:rPr lang="en-US" altLang="ko-KR" i="1">
+                                  <a:latin typeface="Cambria Math" panose="02040503050406030204" pitchFamily="18" charset="0"/>
+                                  <a:ea typeface="Cambria Math" panose="02040503050406030204" pitchFamily="18" charset="0"/>
+                                </a:rPr>
+                                <m:t>∙</m:t>
+                              </m:r>
+                              <m:acc>
+                                <m:accPr>
+                                  <m:chr m:val="⃗"/>
+                                  <m:ctrlPr>
+                                    <a:rPr lang="en-US" altLang="ko-KR" i="1">
+                                      <a:latin typeface="Cambria Math" panose="02040503050406030204" pitchFamily="18" charset="0"/>
+                                      <a:ea typeface="Cambria Math" panose="02040503050406030204" pitchFamily="18" charset="0"/>
+                                    </a:rPr>
+                                  </m:ctrlPr>
+                                </m:accPr>
+                                <m:e>
+                                  <m:r>
+                                    <a:rPr lang="en-US" altLang="ko-KR" i="1">
+                                      <a:latin typeface="Cambria Math" panose="02040503050406030204" pitchFamily="18" charset="0"/>
+                                      <a:ea typeface="Cambria Math" panose="02040503050406030204" pitchFamily="18" charset="0"/>
+                                    </a:rPr>
+                                    <m:t>𝛻</m:t>
+                                  </m:r>
+                                </m:e>
+                              </m:acc>
+                            </m:e>
+                          </m:d>
+                          <m:r>
+                            <a:rPr lang="ko-KR" altLang="en-US" i="1">
+                              <a:latin typeface="Cambria Math" panose="02040503050406030204" pitchFamily="18" charset="0"/>
+                              <a:ea typeface="서울남산체 M" panose="02020603020101020101" pitchFamily="18" charset="-127"/>
+                            </a:rPr>
+                            <m:t>𝜙</m:t>
+                          </m:r>
+                          <m:d>
+                            <m:dPr>
+                              <m:ctrlPr>
+                                <a:rPr lang="en-US" altLang="ko-KR" i="1">
+                                  <a:latin typeface="Cambria Math" panose="02040503050406030204" pitchFamily="18" charset="0"/>
+                                  <a:ea typeface="서울남산체 M" panose="02020603020101020101" pitchFamily="18" charset="-127"/>
+                                </a:rPr>
+                              </m:ctrlPr>
+                            </m:dPr>
+                            <m:e>
+                              <m:sSub>
+                                <m:sSubPr>
+                                  <m:ctrlPr>
+                                    <a:rPr lang="en-US" altLang="ko-KR" i="1">
+                                      <a:latin typeface="Cambria Math" panose="02040503050406030204" pitchFamily="18" charset="0"/>
+                                      <a:ea typeface="서울남산체 M" panose="02020603020101020101" pitchFamily="18" charset="-127"/>
+                                    </a:rPr>
+                                  </m:ctrlPr>
+                                </m:sSubPr>
+                                <m:e>
+                                  <m:r>
+                                    <a:rPr lang="en-US" altLang="ko-KR" i="1">
+                                      <a:latin typeface="Cambria Math" panose="02040503050406030204" pitchFamily="18" charset="0"/>
+                                      <a:ea typeface="서울남산체 M" panose="02020603020101020101" pitchFamily="18" charset="-127"/>
+                                    </a:rPr>
+                                    <m:t>𝑥</m:t>
+                                  </m:r>
+                                </m:e>
+                                <m:sub>
+                                  <m:r>
+                                    <a:rPr lang="en-US" altLang="ko-KR" i="1">
+                                      <a:latin typeface="Cambria Math" panose="02040503050406030204" pitchFamily="18" charset="0"/>
+                                      <a:ea typeface="서울남산체 M" panose="02020603020101020101" pitchFamily="18" charset="-127"/>
+                                    </a:rPr>
+                                    <m:t>𝑠</m:t>
+                                  </m:r>
+                                </m:sub>
+                              </m:sSub>
+                            </m:e>
+                          </m:d>
+                        </m:e>
+                      </m:d>
+                    </m:oMath>
+                    <m:oMath xmlns:m="http://schemas.openxmlformats.org/officeDocument/2006/math">
+                      <m:r>
+                        <a:rPr lang="ko-KR" altLang="en-US" i="1">
+                          <a:latin typeface="Cambria Math" panose="02040503050406030204" pitchFamily="18" charset="0"/>
+                          <a:ea typeface="서울남산체 M" panose="02020603020101020101" pitchFamily="18" charset="-127"/>
+                        </a:rPr>
+                        <m:t>𝜙</m:t>
+                      </m:r>
+                      <m:d>
+                        <m:dPr>
+                          <m:ctrlPr>
+                            <a:rPr lang="en-US" altLang="ko-KR" i="1">
+                              <a:latin typeface="Cambria Math" panose="02040503050406030204" pitchFamily="18" charset="0"/>
+                              <a:ea typeface="서울남산체 M" panose="02020603020101020101" pitchFamily="18" charset="-127"/>
+                            </a:rPr>
+                          </m:ctrlPr>
+                        </m:dPr>
+                        <m:e>
+                          <m:sSub>
+                            <m:sSubPr>
+                              <m:ctrlPr>
+                                <a:rPr lang="en-US" altLang="ko-KR" i="1">
+                                  <a:latin typeface="Cambria Math" panose="02040503050406030204" pitchFamily="18" charset="0"/>
+                                  <a:ea typeface="서울남산체 M" panose="02020603020101020101" pitchFamily="18" charset="-127"/>
+                                </a:rPr>
+                              </m:ctrlPr>
+                            </m:sSubPr>
+                            <m:e>
+                              <m:r>
+                                <a:rPr lang="en-US" altLang="ko-KR" i="1">
+                                  <a:latin typeface="Cambria Math" panose="02040503050406030204" pitchFamily="18" charset="0"/>
+                                  <a:ea typeface="서울남산체 M" panose="02020603020101020101" pitchFamily="18" charset="-127"/>
+                                </a:rPr>
+                                <m:t>𝑥</m:t>
+                              </m:r>
+                            </m:e>
+                            <m:sub>
+                              <m:r>
+                                <a:rPr lang="en-US" altLang="ko-KR" i="1">
+                                  <a:latin typeface="Cambria Math" panose="02040503050406030204" pitchFamily="18" charset="0"/>
+                                  <a:ea typeface="서울남산체 M" panose="02020603020101020101" pitchFamily="18" charset="-127"/>
+                                </a:rPr>
+                                <m:t>𝑠</m:t>
+                              </m:r>
+                            </m:sub>
+                          </m:sSub>
+                        </m:e>
+                      </m:d>
+                      <m:r>
+                        <a:rPr lang="en-US" altLang="ko-KR" i="1">
+                          <a:latin typeface="Cambria Math" panose="02040503050406030204" pitchFamily="18" charset="0"/>
+                          <a:ea typeface="서울남산체 M" panose="02020603020101020101" pitchFamily="18" charset="-127"/>
+                        </a:rPr>
+                        <m:t>−2</m:t>
+                      </m:r>
+                      <m:r>
+                        <a:rPr lang="en-US" altLang="ko-KR" b="0" i="1" smtClean="0">
+                          <a:latin typeface="Cambria Math" panose="02040503050406030204" pitchFamily="18" charset="0"/>
+                          <a:ea typeface="서울남산체 M" panose="02020603020101020101" pitchFamily="18" charset="-127"/>
+                        </a:rPr>
+                        <m:t>𝐴</m:t>
+                      </m:r>
+                      <m:r>
+                        <a:rPr lang="en-US" altLang="ko-KR" i="1">
+                          <a:latin typeface="Cambria Math" panose="02040503050406030204" pitchFamily="18" charset="0"/>
+                          <a:ea typeface="서울남산체 M" panose="02020603020101020101" pitchFamily="18" charset="-127"/>
+                        </a:rPr>
+                        <m:t>𝐷</m:t>
+                      </m:r>
+                      <m:d>
+                        <m:dPr>
+                          <m:ctrlPr>
+                            <a:rPr lang="en-US" altLang="ko-KR" i="1">
+                              <a:latin typeface="Cambria Math" panose="02040503050406030204" pitchFamily="18" charset="0"/>
+                              <a:ea typeface="서울남산체 M" panose="02020603020101020101" pitchFamily="18" charset="-127"/>
+                            </a:rPr>
+                          </m:ctrlPr>
+                        </m:dPr>
+                        <m:e>
+                          <m:acc>
+                            <m:accPr>
+                              <m:chr m:val="⃗"/>
+                              <m:ctrlPr>
+                                <a:rPr lang="en-US" altLang="ko-KR" i="1">
+                                  <a:latin typeface="Cambria Math" panose="02040503050406030204" pitchFamily="18" charset="0"/>
+                                  <a:ea typeface="서울남산체 M" panose="02020603020101020101" pitchFamily="18" charset="-127"/>
+                                </a:rPr>
+                              </m:ctrlPr>
+                            </m:accPr>
+                            <m:e>
+                              <m:r>
+                                <a:rPr lang="en-US" altLang="ko-KR" i="1">
+                                  <a:latin typeface="Cambria Math" panose="02040503050406030204" pitchFamily="18" charset="0"/>
+                                  <a:ea typeface="서울남산체 M" panose="02020603020101020101" pitchFamily="18" charset="-127"/>
+                                </a:rPr>
+                                <m:t>𝑛</m:t>
+                              </m:r>
+                            </m:e>
+                          </m:acc>
+                          <m:r>
+                            <a:rPr lang="en-US" altLang="ko-KR" i="1">
+                              <a:latin typeface="Cambria Math" panose="02040503050406030204" pitchFamily="18" charset="0"/>
+                              <a:ea typeface="Cambria Math" panose="02040503050406030204" pitchFamily="18" charset="0"/>
+                            </a:rPr>
+                            <m:t>∙</m:t>
+                          </m:r>
+                          <m:acc>
+                            <m:accPr>
+                              <m:chr m:val="⃗"/>
+                              <m:ctrlPr>
+                                <a:rPr lang="en-US" altLang="ko-KR" i="1">
+                                  <a:latin typeface="Cambria Math" panose="02040503050406030204" pitchFamily="18" charset="0"/>
+                                  <a:ea typeface="Cambria Math" panose="02040503050406030204" pitchFamily="18" charset="0"/>
+                                </a:rPr>
+                              </m:ctrlPr>
+                            </m:accPr>
+                            <m:e>
+                              <m:r>
+                                <a:rPr lang="en-US" altLang="ko-KR" i="1">
+                                  <a:latin typeface="Cambria Math" panose="02040503050406030204" pitchFamily="18" charset="0"/>
+                                  <a:ea typeface="Cambria Math" panose="02040503050406030204" pitchFamily="18" charset="0"/>
+                                </a:rPr>
+                                <m:t>𝛻</m:t>
+                              </m:r>
+                            </m:e>
+                          </m:acc>
+                        </m:e>
+                      </m:d>
+                      <m:r>
+                        <a:rPr lang="ko-KR" altLang="en-US" i="1">
+                          <a:latin typeface="Cambria Math" panose="02040503050406030204" pitchFamily="18" charset="0"/>
+                          <a:ea typeface="서울남산체 M" panose="02020603020101020101" pitchFamily="18" charset="-127"/>
+                        </a:rPr>
+                        <m:t>𝜙</m:t>
+                      </m:r>
+                      <m:d>
+                        <m:dPr>
+                          <m:ctrlPr>
+                            <a:rPr lang="en-US" altLang="ko-KR" i="1">
+                              <a:latin typeface="Cambria Math" panose="02040503050406030204" pitchFamily="18" charset="0"/>
+                              <a:ea typeface="서울남산체 M" panose="02020603020101020101" pitchFamily="18" charset="-127"/>
+                            </a:rPr>
+                          </m:ctrlPr>
+                        </m:dPr>
+                        <m:e>
+                          <m:sSub>
+                            <m:sSubPr>
+                              <m:ctrlPr>
+                                <a:rPr lang="en-US" altLang="ko-KR" i="1">
+                                  <a:latin typeface="Cambria Math" panose="02040503050406030204" pitchFamily="18" charset="0"/>
+                                  <a:ea typeface="서울남산체 M" panose="02020603020101020101" pitchFamily="18" charset="-127"/>
+                                </a:rPr>
+                              </m:ctrlPr>
+                            </m:sSubPr>
+                            <m:e>
+                              <m:r>
+                                <a:rPr lang="en-US" altLang="ko-KR" i="1">
+                                  <a:latin typeface="Cambria Math" panose="02040503050406030204" pitchFamily="18" charset="0"/>
+                                  <a:ea typeface="서울남산체 M" panose="02020603020101020101" pitchFamily="18" charset="-127"/>
+                                </a:rPr>
+                                <m:t>𝑥</m:t>
+                              </m:r>
+                            </m:e>
+                            <m:sub>
+                              <m:r>
+                                <a:rPr lang="en-US" altLang="ko-KR" i="1">
+                                  <a:latin typeface="Cambria Math" panose="02040503050406030204" pitchFamily="18" charset="0"/>
+                                  <a:ea typeface="서울남산체 M" panose="02020603020101020101" pitchFamily="18" charset="-127"/>
+                                </a:rPr>
+                                <m:t>𝑠</m:t>
+                              </m:r>
+                            </m:sub>
+                          </m:sSub>
+                        </m:e>
+                      </m:d>
+                      <m:r>
+                        <a:rPr lang="en-US" altLang="ko-KR" b="0" i="1" smtClean="0">
+                          <a:latin typeface="Cambria Math" panose="02040503050406030204" pitchFamily="18" charset="0"/>
+                          <a:ea typeface="서울남산체 M" panose="02020603020101020101" pitchFamily="18" charset="-127"/>
+                        </a:rPr>
+                        <m:t>=0</m:t>
+                      </m:r>
+                    </m:oMath>
+                  </m:oMathPara>
+                </a14:m>
+                <a:endParaRPr lang="en-US" altLang="ko-KR" dirty="0">
+                  <a:latin typeface="서울남산체 M" panose="02020603020101020101" pitchFamily="18" charset="-127"/>
+                  <a:ea typeface="서울남산체 M" panose="02020603020101020101" pitchFamily="18" charset="-127"/>
+                </a:endParaRPr>
+              </a:p>
+              <a:p>
+                <a:pPr lvl="1">
+                  <a:lnSpc>
+                    <a:spcPct val="100000"/>
+                  </a:lnSpc>
+                </a:pPr>
+                <a:r>
+                  <a:rPr lang="ko-KR" altLang="en-US" dirty="0">
+                    <a:latin typeface="서울남산체 M" panose="02020603020101020101" pitchFamily="18" charset="-127"/>
+                    <a:ea typeface="서울남산체 M" panose="02020603020101020101" pitchFamily="18" charset="-127"/>
+                  </a:rPr>
+                  <a:t>따라서 경계 조건은 </a:t>
+                </a:r>
+                <a14:m>
+                  <m:oMath xmlns:m="http://schemas.openxmlformats.org/officeDocument/2006/math">
+                    <m:r>
+                      <a:rPr lang="ko-KR" altLang="en-US" i="1">
+                        <a:latin typeface="Cambria Math" panose="02040503050406030204" pitchFamily="18" charset="0"/>
+                        <a:ea typeface="서울남산체 M" panose="02020603020101020101" pitchFamily="18" charset="-127"/>
+                      </a:rPr>
+                      <m:t>𝜙</m:t>
+                    </m:r>
+                    <m:d>
+                      <m:dPr>
+                        <m:ctrlPr>
+                          <a:rPr lang="en-US" altLang="ko-KR" b="0" i="1" smtClean="0">
+                            <a:latin typeface="Cambria Math" panose="02040503050406030204" pitchFamily="18" charset="0"/>
+                            <a:ea typeface="서울남산체 M" panose="02020603020101020101" pitchFamily="18" charset="-127"/>
+                          </a:rPr>
+                        </m:ctrlPr>
+                      </m:dPr>
+                      <m:e>
+                        <m:r>
+                          <a:rPr lang="en-US" altLang="ko-KR" b="0" i="1" smtClean="0">
+                            <a:latin typeface="Cambria Math" panose="02040503050406030204" pitchFamily="18" charset="0"/>
+                            <a:ea typeface="서울남산체 M" panose="02020603020101020101" pitchFamily="18" charset="-127"/>
+                          </a:rPr>
+                          <m:t>2</m:t>
+                        </m:r>
+                        <m:r>
+                          <a:rPr lang="en-US" altLang="ko-KR" b="0" i="1" smtClean="0">
+                            <a:latin typeface="Cambria Math" panose="02040503050406030204" pitchFamily="18" charset="0"/>
+                            <a:ea typeface="서울남산체 M" panose="02020603020101020101" pitchFamily="18" charset="-127"/>
+                          </a:rPr>
+                          <m:t>𝐴𝐷</m:t>
+                        </m:r>
+                      </m:e>
+                    </m:d>
+                    <m:r>
+                      <a:rPr lang="en-US" altLang="ko-KR" b="0" i="0" smtClean="0">
+                        <a:latin typeface="Cambria Math" panose="02040503050406030204" pitchFamily="18" charset="0"/>
+                        <a:ea typeface="서울남산체 M" panose="02020603020101020101" pitchFamily="18" charset="-127"/>
+                      </a:rPr>
+                      <m:t>=0</m:t>
+                    </m:r>
+                  </m:oMath>
+                </a14:m>
+                <a:r>
+                  <a:rPr lang="ko-KR" altLang="en-US" b="0" dirty="0">
+                    <a:latin typeface="서울남산체 M" panose="02020603020101020101" pitchFamily="18" charset="-127"/>
+                    <a:ea typeface="서울남산체 M" panose="02020603020101020101" pitchFamily="18" charset="-127"/>
+                  </a:rPr>
+                  <a:t>으로 근사</a:t>
+                </a:r>
+                <a:r>
+                  <a:rPr lang="en-US" altLang="ko-KR" b="0" dirty="0">
+                    <a:latin typeface="서울남산체 M" panose="02020603020101020101" pitchFamily="18" charset="-127"/>
+                    <a:ea typeface="서울남산체 M" panose="02020603020101020101" pitchFamily="18" charset="-127"/>
+                  </a:rPr>
+                  <a:t>, </a:t>
+                </a:r>
+                <a14:m>
+                  <m:oMath xmlns:m="http://schemas.openxmlformats.org/officeDocument/2006/math">
+                    <m:r>
+                      <a:rPr lang="en-US" altLang="ko-KR" b="0" i="1" smtClean="0">
+                        <a:latin typeface="Cambria Math" panose="02040503050406030204" pitchFamily="18" charset="0"/>
+                        <a:ea typeface="서울남산체 M" panose="02020603020101020101" pitchFamily="18" charset="-127"/>
+                      </a:rPr>
+                      <m:t>𝐴</m:t>
+                    </m:r>
+                    <m:r>
+                      <a:rPr lang="en-US" altLang="ko-KR" b="0" i="1" smtClean="0">
+                        <a:latin typeface="Cambria Math" panose="02040503050406030204" pitchFamily="18" charset="0"/>
+                        <a:ea typeface="서울남산체 M" panose="02020603020101020101" pitchFamily="18" charset="-127"/>
+                      </a:rPr>
+                      <m:t>=</m:t>
+                    </m:r>
+                    <m:f>
+                      <m:fPr>
+                        <m:ctrlPr>
+                          <a:rPr lang="en-US" altLang="ko-KR" b="0" i="1" smtClean="0">
+                            <a:latin typeface="Cambria Math" panose="02040503050406030204" pitchFamily="18" charset="0"/>
+                            <a:ea typeface="서울남산체 M" panose="02020603020101020101" pitchFamily="18" charset="-127"/>
+                          </a:rPr>
+                        </m:ctrlPr>
+                      </m:fPr>
+                      <m:num>
+                        <m:r>
+                          <a:rPr lang="en-US" altLang="ko-KR" b="0" i="1" smtClean="0">
+                            <a:latin typeface="Cambria Math" panose="02040503050406030204" pitchFamily="18" charset="0"/>
+                            <a:ea typeface="서울남산체 M" panose="02020603020101020101" pitchFamily="18" charset="-127"/>
+                          </a:rPr>
+                          <m:t>1+</m:t>
+                        </m:r>
+                        <m:sSub>
+                          <m:sSubPr>
+                            <m:ctrlPr>
+                              <a:rPr lang="en-US" altLang="ko-KR" b="0" i="1" smtClean="0">
+                                <a:latin typeface="Cambria Math" panose="02040503050406030204" pitchFamily="18" charset="0"/>
+                                <a:ea typeface="서울남산체 M" panose="02020603020101020101" pitchFamily="18" charset="-127"/>
+                              </a:rPr>
+                            </m:ctrlPr>
+                          </m:sSubPr>
+                          <m:e>
+                            <m:r>
+                              <a:rPr lang="en-US" altLang="ko-KR" b="0" i="1" smtClean="0">
+                                <a:latin typeface="Cambria Math" panose="02040503050406030204" pitchFamily="18" charset="0"/>
+                                <a:ea typeface="서울남산체 M" panose="02020603020101020101" pitchFamily="18" charset="-127"/>
+                              </a:rPr>
+                              <m:t>𝐹</m:t>
+                            </m:r>
+                          </m:e>
+                          <m:sub>
+                            <m:r>
+                              <a:rPr lang="en-US" altLang="ko-KR" b="0" i="1" smtClean="0">
+                                <a:latin typeface="Cambria Math" panose="02040503050406030204" pitchFamily="18" charset="0"/>
+                                <a:ea typeface="서울남산체 M" panose="02020603020101020101" pitchFamily="18" charset="-127"/>
+                              </a:rPr>
+                              <m:t>𝑑𝑟</m:t>
+                            </m:r>
+                          </m:sub>
+                        </m:sSub>
+                        <m:r>
+                          <a:rPr lang="en-US" altLang="ko-KR" b="0" i="1" smtClean="0">
+                            <a:latin typeface="Cambria Math" panose="02040503050406030204" pitchFamily="18" charset="0"/>
+                            <a:ea typeface="서울남산체 M" panose="02020603020101020101" pitchFamily="18" charset="-127"/>
+                          </a:rPr>
+                          <m:t>(</m:t>
+                        </m:r>
+                        <m:r>
+                          <a:rPr lang="ko-KR" altLang="en-US" i="1">
+                            <a:latin typeface="Cambria Math" panose="02040503050406030204" pitchFamily="18" charset="0"/>
+                            <a:ea typeface="서울남산체 M" panose="02020603020101020101" pitchFamily="18" charset="-127"/>
+                          </a:rPr>
+                          <m:t>𝜂</m:t>
+                        </m:r>
+                        <m:r>
+                          <a:rPr lang="en-US" altLang="ko-KR" b="0" i="1" smtClean="0">
+                            <a:latin typeface="Cambria Math" panose="02040503050406030204" pitchFamily="18" charset="0"/>
+                            <a:ea typeface="서울남산체 M" panose="02020603020101020101" pitchFamily="18" charset="-127"/>
+                          </a:rPr>
+                          <m:t>)</m:t>
+                        </m:r>
+                      </m:num>
+                      <m:den>
+                        <m:r>
+                          <a:rPr lang="en-US" altLang="ko-KR" i="1">
+                            <a:latin typeface="Cambria Math" panose="02040503050406030204" pitchFamily="18" charset="0"/>
+                            <a:ea typeface="서울남산체 M" panose="02020603020101020101" pitchFamily="18" charset="-127"/>
+                          </a:rPr>
+                          <m:t>1</m:t>
+                        </m:r>
+                        <m:r>
+                          <a:rPr lang="en-US" altLang="ko-KR" b="0" i="1" smtClean="0">
+                            <a:latin typeface="Cambria Math" panose="02040503050406030204" pitchFamily="18" charset="0"/>
+                            <a:ea typeface="서울남산체 M" panose="02020603020101020101" pitchFamily="18" charset="-127"/>
+                          </a:rPr>
+                          <m:t>−</m:t>
+                        </m:r>
+                        <m:sSub>
+                          <m:sSubPr>
+                            <m:ctrlPr>
+                              <a:rPr lang="en-US" altLang="ko-KR" i="1">
+                                <a:latin typeface="Cambria Math" panose="02040503050406030204" pitchFamily="18" charset="0"/>
+                                <a:ea typeface="서울남산체 M" panose="02020603020101020101" pitchFamily="18" charset="-127"/>
+                              </a:rPr>
+                            </m:ctrlPr>
+                          </m:sSubPr>
+                          <m:e>
+                            <m:r>
+                              <a:rPr lang="en-US" altLang="ko-KR" i="1">
+                                <a:latin typeface="Cambria Math" panose="02040503050406030204" pitchFamily="18" charset="0"/>
+                                <a:ea typeface="서울남산체 M" panose="02020603020101020101" pitchFamily="18" charset="-127"/>
+                              </a:rPr>
+                              <m:t>𝐹</m:t>
+                            </m:r>
+                          </m:e>
+                          <m:sub>
+                            <m:r>
+                              <a:rPr lang="en-US" altLang="ko-KR" i="1">
+                                <a:latin typeface="Cambria Math" panose="02040503050406030204" pitchFamily="18" charset="0"/>
+                                <a:ea typeface="서울남산체 M" panose="02020603020101020101" pitchFamily="18" charset="-127"/>
+                              </a:rPr>
+                              <m:t>𝑑𝑟</m:t>
+                            </m:r>
+                          </m:sub>
+                        </m:sSub>
+                        <m:r>
+                          <a:rPr lang="en-US" altLang="ko-KR" i="1">
+                            <a:latin typeface="Cambria Math" panose="02040503050406030204" pitchFamily="18" charset="0"/>
+                            <a:ea typeface="서울남산체 M" panose="02020603020101020101" pitchFamily="18" charset="-127"/>
+                          </a:rPr>
+                          <m:t>(</m:t>
+                        </m:r>
+                        <m:r>
+                          <a:rPr lang="ko-KR" altLang="en-US" i="1">
+                            <a:latin typeface="Cambria Math" panose="02040503050406030204" pitchFamily="18" charset="0"/>
+                            <a:ea typeface="서울남산체 M" panose="02020603020101020101" pitchFamily="18" charset="-127"/>
+                          </a:rPr>
+                          <m:t>𝜂</m:t>
+                        </m:r>
+                        <m:r>
+                          <a:rPr lang="en-US" altLang="ko-KR" i="1">
+                            <a:latin typeface="Cambria Math" panose="02040503050406030204" pitchFamily="18" charset="0"/>
+                            <a:ea typeface="서울남산체 M" panose="02020603020101020101" pitchFamily="18" charset="-127"/>
+                          </a:rPr>
+                          <m:t>)</m:t>
+                        </m:r>
+                      </m:den>
+                    </m:f>
+                  </m:oMath>
+                </a14:m>
+                <a:endParaRPr lang="en-US" altLang="ko-KR" b="0" dirty="0">
+                  <a:latin typeface="서울남산체 M" panose="02020603020101020101" pitchFamily="18" charset="-127"/>
+                  <a:ea typeface="서울남산체 M" panose="02020603020101020101" pitchFamily="18" charset="-127"/>
+                </a:endParaRPr>
+              </a:p>
+            </p:txBody>
+          </p:sp>
+        </mc:Choice>
+        <mc:Fallback>
+          <p:sp>
+            <p:nvSpPr>
+              <p:cNvPr id="3" name="Text Placeholder 2"/>
+              <p:cNvSpPr>
+                <a:spLocks noGrp="1" noRot="1" noChangeAspect="1" noMove="1" noResize="1" noEditPoints="1" noAdjustHandles="1" noChangeArrowheads="1" noChangeShapeType="1" noTextEdit="1"/>
+              </p:cNvSpPr>
+              <p:nvPr>
+                <p:ph type="body" sz="quarter" idx="10"/>
+              </p:nvPr>
+            </p:nvSpPr>
+            <p:spPr>
+              <a:blipFill>
+                <a:blip r:embed="rId3"/>
+                <a:stretch>
+                  <a:fillRect l="-1639" t="-2219"/>
+                </a:stretch>
+              </a:blipFill>
+            </p:spPr>
+            <p:txBody>
+              <a:bodyPr/>
+              <a:lstStyle/>
+              <a:p>
+                <a:r>
+                  <a:rPr lang="ko-KR" altLang="en-US">
+                    <a:noFill/>
+                  </a:rPr>
+                  <a:t> </a:t>
+                </a:r>
+              </a:p>
+            </p:txBody>
+          </p:sp>
+        </mc:Fallback>
+      </mc:AlternateContent>
+      <p:sp>
+        <p:nvSpPr>
+          <p:cNvPr id="2" name="Title 1"/>
+          <p:cNvSpPr>
+            <a:spLocks noGrp="1"/>
+          </p:cNvSpPr>
+          <p:nvPr>
+            <p:ph type="title"/>
+          </p:nvPr>
+        </p:nvSpPr>
+        <p:spPr>
+          <a:xfrm>
+            <a:off x="519248" y="543951"/>
+            <a:ext cx="11151917" cy="747897"/>
+          </a:xfrm>
+        </p:spPr>
+        <p:txBody>
+          <a:bodyPr/>
+          <a:lstStyle/>
+          <a:p>
+            <a:r>
+              <a:rPr lang="en-US" dirty="0"/>
+              <a:t>The Dipole Diffusion Approximation</a:t>
+            </a:r>
+          </a:p>
+        </p:txBody>
+      </p:sp>
+      <p:sp>
+        <p:nvSpPr>
+          <p:cNvPr id="4" name="Slide Number Placeholder 3"/>
+          <p:cNvSpPr>
+            <a:spLocks noGrp="1"/>
+          </p:cNvSpPr>
+          <p:nvPr>
+            <p:ph type="sldNum" sz="quarter" idx="4"/>
+          </p:nvPr>
+        </p:nvSpPr>
+        <p:spPr/>
+        <p:txBody>
+          <a:bodyPr/>
+          <a:lstStyle/>
+          <a:p>
+            <a:fld id="{6B5C536E-FA7B-40DC-A296-D7EC18490057}" type="slidenum">
+              <a:rPr lang="ko-KR" altLang="en-US" smtClean="0"/>
+              <a:pPr/>
+              <a:t>12</a:t>
+            </a:fld>
+            <a:endParaRPr lang="ko-KR" altLang="en-US"/>
+          </a:p>
+        </p:txBody>
+      </p:sp>
+    </p:spTree>
+    <p:extLst>
+      <p:ext uri="{BB962C8B-B14F-4D97-AF65-F5344CB8AC3E}">
+        <p14:creationId xmlns:p14="http://schemas.microsoft.com/office/powerpoint/2010/main" val="4271412387"/>
+      </p:ext>
+    </p:extLst>
+  </p:cSld>
+  <p:clrMapOvr>
+    <a:masterClrMapping/>
+  </p:clrMapOvr>
+  <mc:AlternateContent xmlns:mc="http://schemas.openxmlformats.org/markup-compatibility/2006" xmlns:p14="http://schemas.microsoft.com/office/powerpoint/2010/main">
+    <mc:Choice Requires="p14">
+      <p:transition p14:dur="0"/>
+    </mc:Choice>
+    <mc:Fallback xmlns="">
+      <p:transition/>
+    </mc:Fallback>
+  </mc:AlternateContent>
+</p:sld>
+</file>
+
 <file path=ppt/slides/slide2.xml><?xml version="1.0" encoding="utf-8"?>
 <p:sld xmlns:a="http://schemas.openxmlformats.org/drawingml/2006/main" xmlns:r="http://schemas.openxmlformats.org/officeDocument/2006/relationships" xmlns:p="http://schemas.openxmlformats.org/presentationml/2006/main">
   <p:cSld>
@@ -9838,8 +13669,8 @@
           <a:chExt cx="0" cy="0"/>
         </a:xfrm>
       </p:grpSpPr>
-      <mc:AlternateContent xmlns:mc="http://schemas.openxmlformats.org/markup-compatibility/2006">
-        <mc:Choice xmlns:a14="http://schemas.microsoft.com/office/drawing/2010/main" Requires="a14">
+      <mc:AlternateContent xmlns:mc="http://schemas.openxmlformats.org/markup-compatibility/2006" xmlns:a14="http://schemas.microsoft.com/office/drawing/2010/main">
+        <mc:Choice Requires="a14">
           <p:sp>
             <p:nvSpPr>
               <p:cNvPr id="3" name="Text Placeholder 2"/>
@@ -10629,7 +14460,7 @@
             </p:txBody>
           </p:sp>
         </mc:Choice>
-        <mc:Fallback>
+        <mc:Fallback xmlns="">
           <p:sp>
             <p:nvSpPr>
               <p:cNvPr id="3" name="Text Placeholder 2"/>
@@ -10833,8 +14664,8 @@
           </a:prstGeom>
         </p:spPr>
       </p:pic>
-      <mc:AlternateContent xmlns:mc="http://schemas.openxmlformats.org/markup-compatibility/2006">
-        <mc:Choice xmlns:a14="http://schemas.microsoft.com/office/drawing/2010/main" Requires="a14">
+      <mc:AlternateContent xmlns:mc="http://schemas.openxmlformats.org/markup-compatibility/2006" xmlns:a14="http://schemas.microsoft.com/office/drawing/2010/main">
+        <mc:Choice Requires="a14">
           <p:sp>
             <p:nvSpPr>
               <p:cNvPr id="6" name="TextBox 5">
@@ -10999,7 +14830,7 @@
             </p:txBody>
           </p:sp>
         </mc:Choice>
-        <mc:Fallback>
+        <mc:Fallback xmlns="">
           <p:sp>
             <p:nvSpPr>
               <p:cNvPr id="6" name="TextBox 5">
@@ -11048,6 +14879,2669 @@
     <p:extLst>
       <p:ext uri="{BB962C8B-B14F-4D97-AF65-F5344CB8AC3E}">
         <p14:creationId xmlns:p14="http://schemas.microsoft.com/office/powerpoint/2010/main" val="2574751422"/>
+      </p:ext>
+    </p:extLst>
+  </p:cSld>
+  <p:clrMapOvr>
+    <a:masterClrMapping/>
+  </p:clrMapOvr>
+  <mc:AlternateContent xmlns:mc="http://schemas.openxmlformats.org/markup-compatibility/2006" xmlns:p14="http://schemas.microsoft.com/office/powerpoint/2010/main">
+    <mc:Choice Requires="p14">
+      <p:transition p14:dur="0"/>
+    </mc:Choice>
+    <mc:Fallback xmlns="">
+      <p:transition/>
+    </mc:Fallback>
+  </mc:AlternateContent>
+</p:sld>
+</file>
+
+<file path=ppt/slides/slide5.xml><?xml version="1.0" encoding="utf-8"?>
+<p:sld xmlns:a="http://schemas.openxmlformats.org/drawingml/2006/main" xmlns:r="http://schemas.openxmlformats.org/officeDocument/2006/relationships" xmlns:p="http://schemas.openxmlformats.org/presentationml/2006/main">
+  <p:cSld>
+    <p:spTree>
+      <p:nvGrpSpPr>
+        <p:cNvPr id="1" name=""/>
+        <p:cNvGrpSpPr/>
+        <p:nvPr/>
+      </p:nvGrpSpPr>
+      <p:grpSpPr>
+        <a:xfrm>
+          <a:off x="0" y="0"/>
+          <a:ext cx="0" cy="0"/>
+          <a:chOff x="0" y="0"/>
+          <a:chExt cx="0" cy="0"/>
+        </a:xfrm>
+      </p:grpSpPr>
+      <mc:AlternateContent xmlns:mc="http://schemas.openxmlformats.org/markup-compatibility/2006">
+        <mc:Choice xmlns:a14="http://schemas.microsoft.com/office/drawing/2010/main" Requires="a14">
+          <p:sp>
+            <p:nvSpPr>
+              <p:cNvPr id="3" name="Text Placeholder 2"/>
+              <p:cNvSpPr>
+                <a:spLocks noGrp="1"/>
+              </p:cNvSpPr>
+              <p:nvPr>
+                <p:ph type="body" sz="quarter" idx="10"/>
+              </p:nvPr>
+            </p:nvSpPr>
+            <p:spPr/>
+            <p:txBody>
+              <a:bodyPr>
+                <a:normAutofit/>
+              </a:bodyPr>
+              <a:lstStyle/>
+              <a:p>
+                <a:pPr>
+                  <a:lnSpc>
+                    <a:spcPct val="100000"/>
+                  </a:lnSpc>
+                </a:pPr>
+                <a:r>
+                  <a:rPr lang="ko-KR" altLang="en-US" dirty="0">
+                    <a:latin typeface="서울남산체 M" panose="02020603020101020101" pitchFamily="18" charset="-127"/>
+                    <a:ea typeface="서울남산체 M" panose="02020603020101020101" pitchFamily="18" charset="-127"/>
+                  </a:rPr>
+                  <a:t>감소된 산란 계수 </a:t>
+                </a:r>
+                <a14:m>
+                  <m:oMath xmlns:m="http://schemas.openxmlformats.org/officeDocument/2006/math">
+                    <m:sSubSup>
+                      <m:sSubSupPr>
+                        <m:ctrlPr>
+                          <a:rPr lang="en-US" altLang="ko-KR" b="0" i="1" smtClean="0">
+                            <a:latin typeface="Cambria Math" panose="02040503050406030204" pitchFamily="18" charset="0"/>
+                            <a:ea typeface="서울남산체 M" panose="02020603020101020101" pitchFamily="18" charset="-127"/>
+                          </a:rPr>
+                        </m:ctrlPr>
+                      </m:sSubSupPr>
+                      <m:e>
+                        <m:r>
+                          <a:rPr lang="ko-KR" altLang="en-US" i="1" smtClean="0">
+                            <a:latin typeface="Cambria Math" panose="02040503050406030204" pitchFamily="18" charset="0"/>
+                            <a:ea typeface="서울남산체 M" panose="02020603020101020101" pitchFamily="18" charset="-127"/>
+                          </a:rPr>
+                          <m:t>𝜎</m:t>
+                        </m:r>
+                      </m:e>
+                      <m:sub>
+                        <m:r>
+                          <a:rPr lang="en-US" altLang="ko-KR" b="0" i="1" smtClean="0">
+                            <a:latin typeface="Cambria Math" panose="02040503050406030204" pitchFamily="18" charset="0"/>
+                            <a:ea typeface="서울남산체 M" panose="02020603020101020101" pitchFamily="18" charset="-127"/>
+                          </a:rPr>
+                          <m:t>𝑠</m:t>
+                        </m:r>
+                      </m:sub>
+                      <m:sup>
+                        <m:r>
+                          <a:rPr lang="en-US" altLang="ko-KR" b="0" i="1" smtClean="0">
+                            <a:latin typeface="Cambria Math" panose="02040503050406030204" pitchFamily="18" charset="0"/>
+                            <a:ea typeface="서울남산체 M" panose="02020603020101020101" pitchFamily="18" charset="-127"/>
+                          </a:rPr>
+                          <m:t>′</m:t>
+                        </m:r>
+                      </m:sup>
+                    </m:sSubSup>
+                    <m:r>
+                      <a:rPr lang="en-US" altLang="ko-KR" b="0" i="1" smtClean="0">
+                        <a:latin typeface="Cambria Math" panose="02040503050406030204" pitchFamily="18" charset="0"/>
+                        <a:ea typeface="서울남산체 M" panose="02020603020101020101" pitchFamily="18" charset="-127"/>
+                      </a:rPr>
+                      <m:t>=</m:t>
+                    </m:r>
+                    <m:d>
+                      <m:dPr>
+                        <m:ctrlPr>
+                          <a:rPr lang="en-US" altLang="ko-KR" b="0" i="1" smtClean="0">
+                            <a:latin typeface="Cambria Math" panose="02040503050406030204" pitchFamily="18" charset="0"/>
+                            <a:ea typeface="서울남산체 M" panose="02020603020101020101" pitchFamily="18" charset="-127"/>
+                          </a:rPr>
+                        </m:ctrlPr>
+                      </m:dPr>
+                      <m:e>
+                        <m:r>
+                          <a:rPr lang="en-US" altLang="ko-KR" b="0" i="1" smtClean="0">
+                            <a:latin typeface="Cambria Math" panose="02040503050406030204" pitchFamily="18" charset="0"/>
+                            <a:ea typeface="서울남산체 M" panose="02020603020101020101" pitchFamily="18" charset="-127"/>
+                          </a:rPr>
+                          <m:t>1−</m:t>
+                        </m:r>
+                        <m:r>
+                          <a:rPr lang="en-US" altLang="ko-KR" b="0" i="1" smtClean="0">
+                            <a:latin typeface="Cambria Math" panose="02040503050406030204" pitchFamily="18" charset="0"/>
+                            <a:ea typeface="서울남산체 M" panose="02020603020101020101" pitchFamily="18" charset="-127"/>
+                          </a:rPr>
+                          <m:t>𝑔</m:t>
+                        </m:r>
+                      </m:e>
+                    </m:d>
+                    <m:sSub>
+                      <m:sSubPr>
+                        <m:ctrlPr>
+                          <a:rPr lang="en-US" altLang="ko-KR" b="0" i="1" smtClean="0">
+                            <a:latin typeface="Cambria Math" panose="02040503050406030204" pitchFamily="18" charset="0"/>
+                            <a:ea typeface="서울남산체 M" panose="02020603020101020101" pitchFamily="18" charset="-127"/>
+                          </a:rPr>
+                        </m:ctrlPr>
+                      </m:sSubPr>
+                      <m:e>
+                        <m:r>
+                          <a:rPr lang="ko-KR" altLang="en-US" b="0" i="1" smtClean="0">
+                            <a:latin typeface="Cambria Math" panose="02040503050406030204" pitchFamily="18" charset="0"/>
+                            <a:ea typeface="서울남산체 M" panose="02020603020101020101" pitchFamily="18" charset="-127"/>
+                          </a:rPr>
+                          <m:t>𝜎</m:t>
+                        </m:r>
+                      </m:e>
+                      <m:sub>
+                        <m:r>
+                          <a:rPr lang="en-US" altLang="ko-KR" b="0" i="1" smtClean="0">
+                            <a:latin typeface="Cambria Math" panose="02040503050406030204" pitchFamily="18" charset="0"/>
+                            <a:ea typeface="서울남산체 M" panose="02020603020101020101" pitchFamily="18" charset="-127"/>
+                          </a:rPr>
+                          <m:t>𝑠</m:t>
+                        </m:r>
+                      </m:sub>
+                    </m:sSub>
+                  </m:oMath>
+                </a14:m>
+                <a:r>
+                  <a:rPr lang="en-US" altLang="ko-KR" dirty="0">
+                    <a:latin typeface="서울남산체 M" panose="02020603020101020101" pitchFamily="18" charset="-127"/>
+                    <a:ea typeface="서울남산체 M" panose="02020603020101020101" pitchFamily="18" charset="-127"/>
+                  </a:rPr>
+                  <a:t>, </a:t>
+                </a:r>
+                <a:r>
+                  <a:rPr lang="ko-KR" altLang="en-US" dirty="0">
+                    <a:latin typeface="서울남산체 M" panose="02020603020101020101" pitchFamily="18" charset="-127"/>
+                    <a:ea typeface="서울남산체 M" panose="02020603020101020101" pitchFamily="18" charset="-127"/>
+                  </a:rPr>
+                  <a:t>감소된 소멸 계수 </a:t>
+                </a:r>
+                <a14:m>
+                  <m:oMath xmlns:m="http://schemas.openxmlformats.org/officeDocument/2006/math">
+                    <m:sSubSup>
+                      <m:sSubSupPr>
+                        <m:ctrlPr>
+                          <a:rPr lang="en-US" altLang="ko-KR" i="1">
+                            <a:latin typeface="Cambria Math" panose="02040503050406030204" pitchFamily="18" charset="0"/>
+                            <a:ea typeface="서울남산체 M" panose="02020603020101020101" pitchFamily="18" charset="-127"/>
+                          </a:rPr>
+                        </m:ctrlPr>
+                      </m:sSubSupPr>
+                      <m:e>
+                        <m:r>
+                          <a:rPr lang="ko-KR" altLang="en-US" i="1">
+                            <a:latin typeface="Cambria Math" panose="02040503050406030204" pitchFamily="18" charset="0"/>
+                            <a:ea typeface="서울남산체 M" panose="02020603020101020101" pitchFamily="18" charset="-127"/>
+                          </a:rPr>
+                          <m:t>𝜎</m:t>
+                        </m:r>
+                      </m:e>
+                      <m:sub>
+                        <m:r>
+                          <a:rPr lang="en-US" altLang="ko-KR" b="0" i="1" smtClean="0">
+                            <a:latin typeface="Cambria Math" panose="02040503050406030204" pitchFamily="18" charset="0"/>
+                            <a:ea typeface="서울남산체 M" panose="02020603020101020101" pitchFamily="18" charset="-127"/>
+                          </a:rPr>
+                          <m:t>𝑡</m:t>
+                        </m:r>
+                      </m:sub>
+                      <m:sup>
+                        <m:r>
+                          <a:rPr lang="en-US" altLang="ko-KR" i="1">
+                            <a:latin typeface="Cambria Math" panose="02040503050406030204" pitchFamily="18" charset="0"/>
+                            <a:ea typeface="서울남산체 M" panose="02020603020101020101" pitchFamily="18" charset="-127"/>
+                          </a:rPr>
+                          <m:t>′</m:t>
+                        </m:r>
+                      </m:sup>
+                    </m:sSubSup>
+                    <m:r>
+                      <a:rPr lang="en-US" altLang="ko-KR" i="1">
+                        <a:latin typeface="Cambria Math" panose="02040503050406030204" pitchFamily="18" charset="0"/>
+                        <a:ea typeface="서울남산체 M" panose="02020603020101020101" pitchFamily="18" charset="-127"/>
+                      </a:rPr>
+                      <m:t>=</m:t>
+                    </m:r>
+                    <m:sSub>
+                      <m:sSubPr>
+                        <m:ctrlPr>
+                          <a:rPr lang="en-US" altLang="ko-KR" b="0" i="1" smtClean="0">
+                            <a:latin typeface="Cambria Math" panose="02040503050406030204" pitchFamily="18" charset="0"/>
+                            <a:ea typeface="서울남산체 M" panose="02020603020101020101" pitchFamily="18" charset="-127"/>
+                          </a:rPr>
+                        </m:ctrlPr>
+                      </m:sSubPr>
+                      <m:e>
+                        <m:r>
+                          <a:rPr lang="ko-KR" altLang="en-US" i="1" smtClean="0">
+                            <a:latin typeface="Cambria Math" panose="02040503050406030204" pitchFamily="18" charset="0"/>
+                            <a:ea typeface="서울남산체 M" panose="02020603020101020101" pitchFamily="18" charset="-127"/>
+                          </a:rPr>
+                          <m:t>𝜎</m:t>
+                        </m:r>
+                      </m:e>
+                      <m:sub>
+                        <m:r>
+                          <a:rPr lang="en-US" altLang="ko-KR" b="0" i="1" smtClean="0">
+                            <a:latin typeface="Cambria Math" panose="02040503050406030204" pitchFamily="18" charset="0"/>
+                            <a:ea typeface="서울남산체 M" panose="02020603020101020101" pitchFamily="18" charset="-127"/>
+                          </a:rPr>
+                          <m:t>𝑎</m:t>
+                        </m:r>
+                      </m:sub>
+                    </m:sSub>
+                    <m:r>
+                      <a:rPr lang="en-US" altLang="ko-KR" b="0" i="1" smtClean="0">
+                        <a:latin typeface="Cambria Math" panose="02040503050406030204" pitchFamily="18" charset="0"/>
+                        <a:ea typeface="서울남산체 M" panose="02020603020101020101" pitchFamily="18" charset="-127"/>
+                      </a:rPr>
+                      <m:t>+</m:t>
+                    </m:r>
+                    <m:sSubSup>
+                      <m:sSubSupPr>
+                        <m:ctrlPr>
+                          <a:rPr lang="en-US" altLang="ko-KR" b="0" i="1" smtClean="0">
+                            <a:latin typeface="Cambria Math" panose="02040503050406030204" pitchFamily="18" charset="0"/>
+                            <a:ea typeface="서울남산체 M" panose="02020603020101020101" pitchFamily="18" charset="-127"/>
+                          </a:rPr>
+                        </m:ctrlPr>
+                      </m:sSubSupPr>
+                      <m:e>
+                        <m:r>
+                          <a:rPr lang="ko-KR" altLang="en-US" i="1">
+                            <a:latin typeface="Cambria Math" panose="02040503050406030204" pitchFamily="18" charset="0"/>
+                            <a:ea typeface="서울남산체 M" panose="02020603020101020101" pitchFamily="18" charset="-127"/>
+                          </a:rPr>
+                          <m:t>𝜎</m:t>
+                        </m:r>
+                      </m:e>
+                      <m:sub>
+                        <m:r>
+                          <a:rPr lang="en-US" altLang="ko-KR" i="1">
+                            <a:latin typeface="Cambria Math" panose="02040503050406030204" pitchFamily="18" charset="0"/>
+                            <a:ea typeface="서울남산체 M" panose="02020603020101020101" pitchFamily="18" charset="-127"/>
+                          </a:rPr>
+                          <m:t>𝑠</m:t>
+                        </m:r>
+                      </m:sub>
+                      <m:sup>
+                        <m:r>
+                          <a:rPr lang="en-US" altLang="ko-KR" b="0" i="1" smtClean="0">
+                            <a:latin typeface="Cambria Math" panose="02040503050406030204" pitchFamily="18" charset="0"/>
+                            <a:ea typeface="서울남산체 M" panose="02020603020101020101" pitchFamily="18" charset="-127"/>
+                          </a:rPr>
+                          <m:t>′</m:t>
+                        </m:r>
+                      </m:sup>
+                    </m:sSubSup>
+                  </m:oMath>
+                </a14:m>
+                <a:endParaRPr lang="en-US" altLang="ko-KR" dirty="0">
+                  <a:latin typeface="서울남산체 M" panose="02020603020101020101" pitchFamily="18" charset="-127"/>
+                  <a:ea typeface="서울남산체 M" panose="02020603020101020101" pitchFamily="18" charset="-127"/>
+                </a:endParaRPr>
+              </a:p>
+              <a:p>
+                <a:pPr>
+                  <a:lnSpc>
+                    <a:spcPct val="100000"/>
+                  </a:lnSpc>
+                </a:pPr>
+                <a:r>
+                  <a:rPr lang="ko-KR" altLang="en-US" dirty="0">
+                    <a:latin typeface="서울남산체 M" panose="02020603020101020101" pitchFamily="18" charset="-127"/>
+                    <a:ea typeface="서울남산체 M" panose="02020603020101020101" pitchFamily="18" charset="-127"/>
+                  </a:rPr>
+                  <a:t>강하게 전방 산란하는 상 함수 </a:t>
+                </a:r>
+                <a14:m>
+                  <m:oMath xmlns:m="http://schemas.openxmlformats.org/officeDocument/2006/math">
+                    <m:r>
+                      <a:rPr lang="en-US" altLang="ko-KR" b="0" i="1" smtClean="0">
+                        <a:latin typeface="Cambria Math" panose="02040503050406030204" pitchFamily="18" charset="0"/>
+                        <a:ea typeface="서울남산체 M" panose="02020603020101020101" pitchFamily="18" charset="-127"/>
+                      </a:rPr>
+                      <m:t>𝑔</m:t>
+                    </m:r>
+                    <m:r>
+                      <a:rPr lang="en-US" altLang="ko-KR" b="0" i="1" smtClean="0">
+                        <a:latin typeface="Cambria Math" panose="02040503050406030204" pitchFamily="18" charset="0"/>
+                        <a:ea typeface="서울남산체 M" panose="02020603020101020101" pitchFamily="18" charset="-127"/>
+                      </a:rPr>
+                      <m:t>→1</m:t>
+                    </m:r>
+                  </m:oMath>
+                </a14:m>
+                <a:r>
+                  <a:rPr lang="ko-KR" altLang="en-US" dirty="0">
+                    <a:latin typeface="서울남산체 M" panose="02020603020101020101" pitchFamily="18" charset="-127"/>
+                    <a:ea typeface="서울남산체 M" panose="02020603020101020101" pitchFamily="18" charset="-127"/>
+                  </a:rPr>
+                  <a:t>을 고려</a:t>
+                </a:r>
+                <a:endParaRPr lang="en-US" altLang="ko-KR" dirty="0">
+                  <a:latin typeface="서울남산체 M" panose="02020603020101020101" pitchFamily="18" charset="-127"/>
+                  <a:ea typeface="서울남산체 M" panose="02020603020101020101" pitchFamily="18" charset="-127"/>
+                </a:endParaRPr>
+              </a:p>
+              <a:p>
+                <a:pPr lvl="1">
+                  <a:lnSpc>
+                    <a:spcPct val="100000"/>
+                  </a:lnSpc>
+                </a:pPr>
+                <a:r>
+                  <a:rPr lang="ko-KR" altLang="en-US" dirty="0">
+                    <a:latin typeface="서울남산체 M" panose="02020603020101020101" pitchFamily="18" charset="-127"/>
+                    <a:ea typeface="서울남산체 M" panose="02020603020101020101" pitchFamily="18" charset="-127"/>
+                  </a:rPr>
+                  <a:t>각 산란 현상에서 빛은 대부분 같은 방향 안의 다음 산란 이벤트로 넘어감</a:t>
+                </a:r>
+                <a:endParaRPr lang="en-US" altLang="ko-KR" dirty="0">
+                  <a:latin typeface="서울남산체 M" panose="02020603020101020101" pitchFamily="18" charset="-127"/>
+                  <a:ea typeface="서울남산체 M" panose="02020603020101020101" pitchFamily="18" charset="-127"/>
+                </a:endParaRPr>
+              </a:p>
+              <a:p>
+                <a:pPr lvl="1">
+                  <a:lnSpc>
+                    <a:spcPct val="100000"/>
+                  </a:lnSpc>
+                </a:pPr>
+                <a:r>
+                  <a:rPr lang="ko-KR" altLang="en-US" dirty="0">
+                    <a:latin typeface="서울남산체 M" panose="02020603020101020101" pitchFamily="18" charset="-127"/>
+                    <a:ea typeface="서울남산체 M" panose="02020603020101020101" pitchFamily="18" charset="-127"/>
+                  </a:rPr>
+                  <a:t>이 경우 감소된 산란 계수 </a:t>
+                </a:r>
+                <a14:m>
+                  <m:oMath xmlns:m="http://schemas.openxmlformats.org/officeDocument/2006/math">
+                    <m:sSubSup>
+                      <m:sSubSupPr>
+                        <m:ctrlPr>
+                          <a:rPr lang="en-US" altLang="ko-KR" i="1">
+                            <a:latin typeface="Cambria Math" panose="02040503050406030204" pitchFamily="18" charset="0"/>
+                            <a:ea typeface="서울남산체 M" panose="02020603020101020101" pitchFamily="18" charset="-127"/>
+                          </a:rPr>
+                        </m:ctrlPr>
+                      </m:sSubSupPr>
+                      <m:e>
+                        <m:r>
+                          <a:rPr lang="ko-KR" altLang="en-US" i="1">
+                            <a:latin typeface="Cambria Math" panose="02040503050406030204" pitchFamily="18" charset="0"/>
+                            <a:ea typeface="서울남산체 M" panose="02020603020101020101" pitchFamily="18" charset="-127"/>
+                          </a:rPr>
+                          <m:t>𝜎</m:t>
+                        </m:r>
+                      </m:e>
+                      <m:sub>
+                        <m:r>
+                          <a:rPr lang="en-US" altLang="ko-KR" i="1">
+                            <a:latin typeface="Cambria Math" panose="02040503050406030204" pitchFamily="18" charset="0"/>
+                            <a:ea typeface="서울남산체 M" panose="02020603020101020101" pitchFamily="18" charset="-127"/>
+                          </a:rPr>
+                          <m:t>𝑠</m:t>
+                        </m:r>
+                      </m:sub>
+                      <m:sup>
+                        <m:r>
+                          <a:rPr lang="en-US" altLang="ko-KR" i="1">
+                            <a:latin typeface="Cambria Math" panose="02040503050406030204" pitchFamily="18" charset="0"/>
+                            <a:ea typeface="서울남산체 M" panose="02020603020101020101" pitchFamily="18" charset="-127"/>
+                          </a:rPr>
+                          <m:t>′</m:t>
+                        </m:r>
+                      </m:sup>
+                    </m:sSubSup>
+                  </m:oMath>
+                </a14:m>
+                <a:r>
+                  <a:rPr lang="ko-KR" altLang="en-US" dirty="0">
+                    <a:latin typeface="서울남산체 M" panose="02020603020101020101" pitchFamily="18" charset="-127"/>
+                    <a:ea typeface="서울남산체 M" panose="02020603020101020101" pitchFamily="18" charset="-127"/>
+                  </a:rPr>
+                  <a:t>는 </a:t>
+                </a:r>
+                <a14:m>
+                  <m:oMath xmlns:m="http://schemas.openxmlformats.org/officeDocument/2006/math">
+                    <m:sSub>
+                      <m:sSubPr>
+                        <m:ctrlPr>
+                          <a:rPr lang="en-US" altLang="ko-KR" i="1">
+                            <a:latin typeface="Cambria Math" panose="02040503050406030204" pitchFamily="18" charset="0"/>
+                            <a:ea typeface="서울남산체 M" panose="02020603020101020101" pitchFamily="18" charset="-127"/>
+                          </a:rPr>
+                        </m:ctrlPr>
+                      </m:sSubPr>
+                      <m:e>
+                        <m:r>
+                          <a:rPr lang="ko-KR" altLang="en-US" i="1">
+                            <a:latin typeface="Cambria Math" panose="02040503050406030204" pitchFamily="18" charset="0"/>
+                            <a:ea typeface="서울남산체 M" panose="02020603020101020101" pitchFamily="18" charset="-127"/>
+                          </a:rPr>
+                          <m:t>𝜎</m:t>
+                        </m:r>
+                      </m:e>
+                      <m:sub>
+                        <m:r>
+                          <a:rPr lang="en-US" altLang="ko-KR" i="1">
+                            <a:latin typeface="Cambria Math" panose="02040503050406030204" pitchFamily="18" charset="0"/>
+                            <a:ea typeface="서울남산체 M" panose="02020603020101020101" pitchFamily="18" charset="-127"/>
+                          </a:rPr>
+                          <m:t>𝑠</m:t>
+                        </m:r>
+                      </m:sub>
+                    </m:sSub>
+                  </m:oMath>
+                </a14:m>
+                <a:r>
+                  <a:rPr lang="ko-KR" altLang="en-US" dirty="0">
+                    <a:latin typeface="서울남산체 M" panose="02020603020101020101" pitchFamily="18" charset="-127"/>
+                    <a:ea typeface="서울남산체 M" panose="02020603020101020101" pitchFamily="18" charset="-127"/>
+                  </a:rPr>
+                  <a:t>보다 훨씬 작으며</a:t>
+                </a:r>
+                <a:r>
+                  <a:rPr lang="en-US" altLang="ko-KR" dirty="0">
+                    <a:latin typeface="서울남산체 M" panose="02020603020101020101" pitchFamily="18" charset="-127"/>
+                    <a:ea typeface="서울남산체 M" panose="02020603020101020101" pitchFamily="18" charset="-127"/>
+                  </a:rPr>
+                  <a:t>, </a:t>
+                </a:r>
+                <a:r>
+                  <a:rPr lang="ko-KR" altLang="en-US" dirty="0">
+                    <a:latin typeface="서울남산체 M" panose="02020603020101020101" pitchFamily="18" charset="-127"/>
+                    <a:ea typeface="서울남산체 M" panose="02020603020101020101" pitchFamily="18" charset="-127"/>
+                  </a:rPr>
+                  <a:t>빛이 산란 전에 매질에서</a:t>
+                </a:r>
+                <a:br>
+                  <a:rPr lang="en-US" altLang="ko-KR" dirty="0">
+                    <a:latin typeface="서울남산체 M" panose="02020603020101020101" pitchFamily="18" charset="-127"/>
+                    <a:ea typeface="서울남산체 M" panose="02020603020101020101" pitchFamily="18" charset="-127"/>
+                  </a:rPr>
+                </a:br>
+                <a:r>
+                  <a:rPr lang="ko-KR" altLang="en-US" dirty="0">
+                    <a:latin typeface="서울남산체 M" panose="02020603020101020101" pitchFamily="18" charset="-127"/>
+                    <a:ea typeface="서울남산체 M" panose="02020603020101020101" pitchFamily="18" charset="-127"/>
+                  </a:rPr>
+                  <a:t>더 긴 거리를 진행한다는 것을 의미</a:t>
+                </a:r>
+                <a:endParaRPr lang="en-US" altLang="ko-KR" dirty="0">
+                  <a:latin typeface="서울남산체 M" panose="02020603020101020101" pitchFamily="18" charset="-127"/>
+                  <a:ea typeface="서울남산체 M" panose="02020603020101020101" pitchFamily="18" charset="-127"/>
+                </a:endParaRPr>
+              </a:p>
+              <a:p>
+                <a:pPr lvl="1">
+                  <a:lnSpc>
+                    <a:spcPct val="100000"/>
+                  </a:lnSpc>
+                </a:pPr>
+                <a:r>
+                  <a:rPr lang="ko-KR" altLang="en-US" dirty="0">
+                    <a:latin typeface="서울남산체 M" panose="02020603020101020101" pitchFamily="18" charset="-127"/>
+                    <a:ea typeface="서울남산체 M" panose="02020603020101020101" pitchFamily="18" charset="-127"/>
+                  </a:rPr>
+                  <a:t>매질은 효과적으로 더 얇게 근사될 수 있어</a:t>
+                </a:r>
+                <a:r>
+                  <a:rPr lang="en-US" altLang="ko-KR" dirty="0">
+                    <a:latin typeface="서울남산체 M" panose="02020603020101020101" pitchFamily="18" charset="-127"/>
+                    <a:ea typeface="서울남산체 M" panose="02020603020101020101" pitchFamily="18" charset="-127"/>
+                  </a:rPr>
+                  <a:t>, </a:t>
+                </a:r>
+                <a:r>
+                  <a:rPr lang="ko-KR" altLang="en-US" dirty="0">
+                    <a:latin typeface="서울남산체 M" panose="02020603020101020101" pitchFamily="18" charset="-127"/>
+                    <a:ea typeface="서울남산체 M" panose="02020603020101020101" pitchFamily="18" charset="-127"/>
+                  </a:rPr>
+                  <a:t>빛이 더 진행하도록 허용하고</a:t>
+                </a:r>
+                <a:br>
+                  <a:rPr lang="en-US" altLang="ko-KR" dirty="0">
+                    <a:latin typeface="서울남산체 M" panose="02020603020101020101" pitchFamily="18" charset="-127"/>
+                    <a:ea typeface="서울남산체 M" panose="02020603020101020101" pitchFamily="18" charset="-127"/>
+                  </a:rPr>
+                </a:br>
+                <a:r>
+                  <a:rPr lang="ko-KR" altLang="en-US" dirty="0">
+                    <a:latin typeface="서울남산체 M" panose="02020603020101020101" pitchFamily="18" charset="-127"/>
+                    <a:ea typeface="서울남산체 M" panose="02020603020101020101" pitchFamily="18" charset="-127"/>
+                  </a:rPr>
+                  <a:t>높은 전방 산란 상 함수와 같은 효과를 가짐</a:t>
+                </a:r>
+                <a:endParaRPr lang="en-US" altLang="ko-KR" dirty="0">
+                  <a:latin typeface="서울남산체 M" panose="02020603020101020101" pitchFamily="18" charset="-127"/>
+                  <a:ea typeface="서울남산체 M" panose="02020603020101020101" pitchFamily="18" charset="-127"/>
+                </a:endParaRPr>
+              </a:p>
+            </p:txBody>
+          </p:sp>
+        </mc:Choice>
+        <mc:Fallback>
+          <p:sp>
+            <p:nvSpPr>
+              <p:cNvPr id="3" name="Text Placeholder 2"/>
+              <p:cNvSpPr>
+                <a:spLocks noGrp="1" noRot="1" noChangeAspect="1" noMove="1" noResize="1" noEditPoints="1" noAdjustHandles="1" noChangeArrowheads="1" noChangeShapeType="1" noTextEdit="1"/>
+              </p:cNvSpPr>
+              <p:nvPr>
+                <p:ph type="body" sz="quarter" idx="10"/>
+              </p:nvPr>
+            </p:nvSpPr>
+            <p:spPr>
+              <a:blipFill>
+                <a:blip r:embed="rId3"/>
+                <a:stretch>
+                  <a:fillRect l="-1639" t="-2219"/>
+                </a:stretch>
+              </a:blipFill>
+            </p:spPr>
+            <p:txBody>
+              <a:bodyPr/>
+              <a:lstStyle/>
+              <a:p>
+                <a:r>
+                  <a:rPr lang="ko-KR" altLang="en-US">
+                    <a:noFill/>
+                  </a:rPr>
+                  <a:t> </a:t>
+                </a:r>
+              </a:p>
+            </p:txBody>
+          </p:sp>
+        </mc:Fallback>
+      </mc:AlternateContent>
+      <p:sp>
+        <p:nvSpPr>
+          <p:cNvPr id="2" name="Title 1"/>
+          <p:cNvSpPr>
+            <a:spLocks noGrp="1"/>
+          </p:cNvSpPr>
+          <p:nvPr>
+            <p:ph type="title"/>
+          </p:nvPr>
+        </p:nvSpPr>
+        <p:spPr>
+          <a:xfrm>
+            <a:off x="519248" y="543951"/>
+            <a:ext cx="11151917" cy="747897"/>
+          </a:xfrm>
+        </p:spPr>
+        <p:txBody>
+          <a:bodyPr/>
+          <a:lstStyle/>
+          <a:p>
+            <a:r>
+              <a:rPr lang="en-US" dirty="0"/>
+              <a:t>The Dipole Diffusion Approximation</a:t>
+            </a:r>
+          </a:p>
+        </p:txBody>
+      </p:sp>
+      <p:sp>
+        <p:nvSpPr>
+          <p:cNvPr id="4" name="Slide Number Placeholder 3"/>
+          <p:cNvSpPr>
+            <a:spLocks noGrp="1"/>
+          </p:cNvSpPr>
+          <p:nvPr>
+            <p:ph type="sldNum" sz="quarter" idx="4"/>
+          </p:nvPr>
+        </p:nvSpPr>
+        <p:spPr/>
+        <p:txBody>
+          <a:bodyPr/>
+          <a:lstStyle/>
+          <a:p>
+            <a:fld id="{6B5C536E-FA7B-40DC-A296-D7EC18490057}" type="slidenum">
+              <a:rPr lang="ko-KR" altLang="en-US" smtClean="0"/>
+              <a:pPr/>
+              <a:t>5</a:t>
+            </a:fld>
+            <a:endParaRPr lang="ko-KR" altLang="en-US"/>
+          </a:p>
+        </p:txBody>
+      </p:sp>
+    </p:spTree>
+    <p:extLst>
+      <p:ext uri="{BB962C8B-B14F-4D97-AF65-F5344CB8AC3E}">
+        <p14:creationId xmlns:p14="http://schemas.microsoft.com/office/powerpoint/2010/main" val="301571280"/>
+      </p:ext>
+    </p:extLst>
+  </p:cSld>
+  <p:clrMapOvr>
+    <a:masterClrMapping/>
+  </p:clrMapOvr>
+  <mc:AlternateContent xmlns:mc="http://schemas.openxmlformats.org/markup-compatibility/2006" xmlns:p14="http://schemas.microsoft.com/office/powerpoint/2010/main">
+    <mc:Choice Requires="p14">
+      <p:transition p14:dur="0"/>
+    </mc:Choice>
+    <mc:Fallback xmlns="">
+      <p:transition/>
+    </mc:Fallback>
+  </mc:AlternateContent>
+</p:sld>
+</file>
+
+<file path=ppt/slides/slide6.xml><?xml version="1.0" encoding="utf-8"?>
+<p:sld xmlns:a="http://schemas.openxmlformats.org/drawingml/2006/main" xmlns:r="http://schemas.openxmlformats.org/officeDocument/2006/relationships" xmlns:p="http://schemas.openxmlformats.org/presentationml/2006/main">
+  <p:cSld>
+    <p:spTree>
+      <p:nvGrpSpPr>
+        <p:cNvPr id="1" name=""/>
+        <p:cNvGrpSpPr/>
+        <p:nvPr/>
+      </p:nvGrpSpPr>
+      <p:grpSpPr>
+        <a:xfrm>
+          <a:off x="0" y="0"/>
+          <a:ext cx="0" cy="0"/>
+          <a:chOff x="0" y="0"/>
+          <a:chExt cx="0" cy="0"/>
+        </a:xfrm>
+      </p:grpSpPr>
+      <mc:AlternateContent xmlns:mc="http://schemas.openxmlformats.org/markup-compatibility/2006">
+        <mc:Choice xmlns:a14="http://schemas.microsoft.com/office/drawing/2010/main" Requires="a14">
+          <p:sp>
+            <p:nvSpPr>
+              <p:cNvPr id="3" name="Text Placeholder 2"/>
+              <p:cNvSpPr>
+                <a:spLocks noGrp="1"/>
+              </p:cNvSpPr>
+              <p:nvPr>
+                <p:ph type="body" sz="quarter" idx="10"/>
+              </p:nvPr>
+            </p:nvSpPr>
+            <p:spPr/>
+            <p:txBody>
+              <a:bodyPr>
+                <a:normAutofit/>
+              </a:bodyPr>
+              <a:lstStyle/>
+              <a:p>
+                <a:pPr>
+                  <a:lnSpc>
+                    <a:spcPct val="100000"/>
+                  </a:lnSpc>
+                </a:pPr>
+                <a14:m>
+                  <m:oMath xmlns:m="http://schemas.openxmlformats.org/officeDocument/2006/math">
+                    <m:r>
+                      <a:rPr lang="en-US" altLang="ko-KR" i="1">
+                        <a:latin typeface="Cambria Math" panose="02040503050406030204" pitchFamily="18" charset="0"/>
+                        <a:ea typeface="서울남산체 M" panose="02020603020101020101" pitchFamily="18" charset="-127"/>
+                      </a:rPr>
+                      <m:t>𝑔</m:t>
+                    </m:r>
+                    <m:r>
+                      <a:rPr lang="en-US" altLang="ko-KR" i="1">
+                        <a:latin typeface="Cambria Math" panose="02040503050406030204" pitchFamily="18" charset="0"/>
+                        <a:ea typeface="서울남산체 M" panose="02020603020101020101" pitchFamily="18" charset="-127"/>
+                      </a:rPr>
+                      <m:t>→−1</m:t>
+                    </m:r>
+                  </m:oMath>
+                </a14:m>
+                <a:r>
+                  <a:rPr lang="ko-KR" altLang="en-US" dirty="0">
+                    <a:latin typeface="서울남산체 M" panose="02020603020101020101" pitchFamily="18" charset="-127"/>
+                    <a:ea typeface="서울남산체 M" panose="02020603020101020101" pitchFamily="18" charset="-127"/>
+                  </a:rPr>
+                  <a:t>인 경우를 고려</a:t>
+                </a:r>
+                <a:endParaRPr lang="en-US" altLang="ko-KR" dirty="0">
+                  <a:latin typeface="서울남산체 M" panose="02020603020101020101" pitchFamily="18" charset="-127"/>
+                  <a:ea typeface="서울남산체 M" panose="02020603020101020101" pitchFamily="18" charset="-127"/>
+                </a:endParaRPr>
+              </a:p>
+              <a:p>
+                <a:pPr lvl="1">
+                  <a:lnSpc>
+                    <a:spcPct val="100000"/>
+                  </a:lnSpc>
+                </a:pPr>
+                <a:r>
+                  <a:rPr lang="ko-KR" altLang="en-US" dirty="0">
+                    <a:latin typeface="서울남산체 M" panose="02020603020101020101" pitchFamily="18" charset="-127"/>
+                    <a:ea typeface="서울남산체 M" panose="02020603020101020101" pitchFamily="18" charset="-127"/>
+                  </a:rPr>
+                  <a:t>산란 이벤트에서 빛이 들어온 방향으로 산란해서 돌아감</a:t>
+                </a:r>
+                <a:endParaRPr lang="en-US" altLang="ko-KR" dirty="0">
+                  <a:latin typeface="서울남산체 M" panose="02020603020101020101" pitchFamily="18" charset="-127"/>
+                  <a:ea typeface="서울남산체 M" panose="02020603020101020101" pitchFamily="18" charset="-127"/>
+                </a:endParaRPr>
+              </a:p>
+              <a:p>
+                <a:pPr lvl="1">
+                  <a:lnSpc>
+                    <a:spcPct val="100000"/>
+                  </a:lnSpc>
+                </a:pPr>
+                <a:r>
+                  <a:rPr lang="ko-KR" altLang="en-US" dirty="0">
+                    <a:latin typeface="서울남산체 M" panose="02020603020101020101" pitchFamily="18" charset="-127"/>
+                    <a:ea typeface="서울남산체 M" panose="02020603020101020101" pitchFamily="18" charset="-127"/>
+                  </a:rPr>
+                  <a:t>하지만 그 뒤 다음번에 산란 시 일반적으로 다시 역방향으로 진행</a:t>
+                </a:r>
+                <a:endParaRPr lang="en-US" altLang="ko-KR" dirty="0">
+                  <a:latin typeface="서울남산체 M" panose="02020603020101020101" pitchFamily="18" charset="-127"/>
+                  <a:ea typeface="서울남산체 M" panose="02020603020101020101" pitchFamily="18" charset="-127"/>
+                </a:endParaRPr>
+              </a:p>
+              <a:p>
+                <a:pPr lvl="1">
+                  <a:lnSpc>
+                    <a:spcPct val="100000"/>
+                  </a:lnSpc>
+                </a:pPr>
+                <a:r>
+                  <a:rPr lang="ko-KR" altLang="en-US" dirty="0">
+                    <a:latin typeface="서울남산체 M" panose="02020603020101020101" pitchFamily="18" charset="-127"/>
+                    <a:ea typeface="서울남산체 M" panose="02020603020101020101" pitchFamily="18" charset="-127"/>
+                  </a:rPr>
+                  <a:t>계속 앞뒤로 반사되면서 실제로 전방 진행은 거의 하지 못함</a:t>
+                </a:r>
+                <a:endParaRPr lang="en-US" altLang="ko-KR" dirty="0">
+                  <a:latin typeface="서울남산체 M" panose="02020603020101020101" pitchFamily="18" charset="-127"/>
+                  <a:ea typeface="서울남산체 M" panose="02020603020101020101" pitchFamily="18" charset="-127"/>
+                </a:endParaRPr>
+              </a:p>
+              <a:p>
+                <a:pPr lvl="1">
+                  <a:lnSpc>
+                    <a:spcPct val="100000"/>
+                  </a:lnSpc>
+                </a:pPr>
+                <a:r>
+                  <a:rPr lang="ko-KR" altLang="en-US" dirty="0">
+                    <a:latin typeface="서울남산체 M" panose="02020603020101020101" pitchFamily="18" charset="-127"/>
+                    <a:ea typeface="서울남산체 M" panose="02020603020101020101" pitchFamily="18" charset="-127"/>
+                  </a:rPr>
+                  <a:t>감소된 산란 계수는 원래 산란 계수보다 크며</a:t>
+                </a:r>
+                <a:r>
+                  <a:rPr lang="en-US" altLang="ko-KR" dirty="0">
+                    <a:latin typeface="서울남산체 M" panose="02020603020101020101" pitchFamily="18" charset="-127"/>
+                    <a:ea typeface="서울남산체 M" panose="02020603020101020101" pitchFamily="18" charset="-127"/>
+                  </a:rPr>
+                  <a:t>, </a:t>
+                </a:r>
+                <a:r>
+                  <a:rPr lang="ko-KR" altLang="en-US" dirty="0">
+                    <a:latin typeface="서울남산체 M" panose="02020603020101020101" pitchFamily="18" charset="-127"/>
+                    <a:ea typeface="서울남산체 M" panose="02020603020101020101" pitchFamily="18" charset="-127"/>
+                  </a:rPr>
+                  <a:t>산란 상호 작용의 더 큰 확률을 가리킴</a:t>
+                </a:r>
+                <a:endParaRPr lang="en-US" altLang="ko-KR" dirty="0">
+                  <a:latin typeface="서울남산체 M" panose="02020603020101020101" pitchFamily="18" charset="-127"/>
+                  <a:ea typeface="서울남산체 M" panose="02020603020101020101" pitchFamily="18" charset="-127"/>
+                </a:endParaRPr>
+              </a:p>
+              <a:p>
+                <a:pPr lvl="1">
+                  <a:lnSpc>
+                    <a:spcPct val="100000"/>
+                  </a:lnSpc>
+                </a:pPr>
+                <a:r>
+                  <a:rPr lang="ko-KR" altLang="en-US" dirty="0">
+                    <a:latin typeface="서울남산체 M" panose="02020603020101020101" pitchFamily="18" charset="-127"/>
+                    <a:ea typeface="서울남산체 M" panose="02020603020101020101" pitchFamily="18" charset="-127"/>
+                  </a:rPr>
+                  <a:t>다른 말로</a:t>
+                </a:r>
+                <a:r>
+                  <a:rPr lang="en-US" altLang="ko-KR" dirty="0">
+                    <a:latin typeface="서울남산체 M" panose="02020603020101020101" pitchFamily="18" charset="-127"/>
+                    <a:ea typeface="서울남산체 M" panose="02020603020101020101" pitchFamily="18" charset="-127"/>
+                  </a:rPr>
+                  <a:t>, </a:t>
+                </a:r>
+                <a:r>
+                  <a:rPr lang="ko-KR" altLang="en-US" dirty="0">
+                    <a:latin typeface="서울남산체 M" panose="02020603020101020101" pitchFamily="18" charset="-127"/>
+                    <a:ea typeface="서울남산체 M" panose="02020603020101020101" pitchFamily="18" charset="-127"/>
+                  </a:rPr>
+                  <a:t>매질을 실제보다 더 두껍게 간주하며</a:t>
+                </a:r>
+                <a:r>
+                  <a:rPr lang="en-US" altLang="ko-KR" dirty="0">
+                    <a:latin typeface="서울남산체 M" panose="02020603020101020101" pitchFamily="18" charset="-127"/>
+                    <a:ea typeface="서울남산체 M" panose="02020603020101020101" pitchFamily="18" charset="-127"/>
+                  </a:rPr>
+                  <a:t> </a:t>
+                </a:r>
+                <a:r>
+                  <a:rPr lang="ko-KR" altLang="en-US" dirty="0">
+                    <a:latin typeface="서울남산체 M" panose="02020603020101020101" pitchFamily="18" charset="-127"/>
+                    <a:ea typeface="서울남산체 M" panose="02020603020101020101" pitchFamily="18" charset="-127"/>
+                  </a:rPr>
+                  <a:t>빛이 진행할 때</a:t>
+                </a:r>
+                <a:br>
+                  <a:rPr lang="en-US" altLang="ko-KR" dirty="0">
+                    <a:latin typeface="서울남산체 M" panose="02020603020101020101" pitchFamily="18" charset="-127"/>
+                    <a:ea typeface="서울남산체 M" panose="02020603020101020101" pitchFamily="18" charset="-127"/>
+                  </a:rPr>
+                </a:br>
+                <a:r>
+                  <a:rPr lang="ko-KR" altLang="en-US" dirty="0">
+                    <a:latin typeface="서울남산체 M" panose="02020603020101020101" pitchFamily="18" charset="-127"/>
+                    <a:ea typeface="서울남산체 M" panose="02020603020101020101" pitchFamily="18" charset="-127"/>
+                  </a:rPr>
+                  <a:t>상대적으로 더 문제를 겪는 경우를 근사함</a:t>
+                </a:r>
+                <a:endParaRPr lang="en-US" altLang="ko-KR" dirty="0">
+                  <a:latin typeface="서울남산체 M" panose="02020603020101020101" pitchFamily="18" charset="-127"/>
+                  <a:ea typeface="서울남산체 M" panose="02020603020101020101" pitchFamily="18" charset="-127"/>
+                </a:endParaRPr>
+              </a:p>
+            </p:txBody>
+          </p:sp>
+        </mc:Choice>
+        <mc:Fallback>
+          <p:sp>
+            <p:nvSpPr>
+              <p:cNvPr id="3" name="Text Placeholder 2"/>
+              <p:cNvSpPr>
+                <a:spLocks noGrp="1" noRot="1" noChangeAspect="1" noMove="1" noResize="1" noEditPoints="1" noAdjustHandles="1" noChangeArrowheads="1" noChangeShapeType="1" noTextEdit="1"/>
+              </p:cNvSpPr>
+              <p:nvPr>
+                <p:ph type="body" sz="quarter" idx="10"/>
+              </p:nvPr>
+            </p:nvSpPr>
+            <p:spPr>
+              <a:blipFill>
+                <a:blip r:embed="rId3"/>
+                <a:stretch>
+                  <a:fillRect t="-2219"/>
+                </a:stretch>
+              </a:blipFill>
+            </p:spPr>
+            <p:txBody>
+              <a:bodyPr/>
+              <a:lstStyle/>
+              <a:p>
+                <a:r>
+                  <a:rPr lang="ko-KR" altLang="en-US">
+                    <a:noFill/>
+                  </a:rPr>
+                  <a:t> </a:t>
+                </a:r>
+              </a:p>
+            </p:txBody>
+          </p:sp>
+        </mc:Fallback>
+      </mc:AlternateContent>
+      <p:sp>
+        <p:nvSpPr>
+          <p:cNvPr id="2" name="Title 1"/>
+          <p:cNvSpPr>
+            <a:spLocks noGrp="1"/>
+          </p:cNvSpPr>
+          <p:nvPr>
+            <p:ph type="title"/>
+          </p:nvPr>
+        </p:nvSpPr>
+        <p:spPr>
+          <a:xfrm>
+            <a:off x="519248" y="543951"/>
+            <a:ext cx="11151917" cy="747897"/>
+          </a:xfrm>
+        </p:spPr>
+        <p:txBody>
+          <a:bodyPr/>
+          <a:lstStyle/>
+          <a:p>
+            <a:r>
+              <a:rPr lang="en-US" dirty="0"/>
+              <a:t>The Dipole Diffusion Approximation</a:t>
+            </a:r>
+          </a:p>
+        </p:txBody>
+      </p:sp>
+      <p:sp>
+        <p:nvSpPr>
+          <p:cNvPr id="4" name="Slide Number Placeholder 3"/>
+          <p:cNvSpPr>
+            <a:spLocks noGrp="1"/>
+          </p:cNvSpPr>
+          <p:nvPr>
+            <p:ph type="sldNum" sz="quarter" idx="4"/>
+          </p:nvPr>
+        </p:nvSpPr>
+        <p:spPr/>
+        <p:txBody>
+          <a:bodyPr/>
+          <a:lstStyle/>
+          <a:p>
+            <a:fld id="{6B5C536E-FA7B-40DC-A296-D7EC18490057}" type="slidenum">
+              <a:rPr lang="ko-KR" altLang="en-US" smtClean="0"/>
+              <a:pPr/>
+              <a:t>6</a:t>
+            </a:fld>
+            <a:endParaRPr lang="ko-KR" altLang="en-US"/>
+          </a:p>
+        </p:txBody>
+      </p:sp>
+    </p:spTree>
+    <p:extLst>
+      <p:ext uri="{BB962C8B-B14F-4D97-AF65-F5344CB8AC3E}">
+        <p14:creationId xmlns:p14="http://schemas.microsoft.com/office/powerpoint/2010/main" val="830753026"/>
+      </p:ext>
+    </p:extLst>
+  </p:cSld>
+  <p:clrMapOvr>
+    <a:masterClrMapping/>
+  </p:clrMapOvr>
+  <mc:AlternateContent xmlns:mc="http://schemas.openxmlformats.org/markup-compatibility/2006" xmlns:p14="http://schemas.microsoft.com/office/powerpoint/2010/main">
+    <mc:Choice Requires="p14">
+      <p:transition p14:dur="0"/>
+    </mc:Choice>
+    <mc:Fallback xmlns="">
+      <p:transition/>
+    </mc:Fallback>
+  </mc:AlternateContent>
+</p:sld>
+</file>
+
+<file path=ppt/slides/slide7.xml><?xml version="1.0" encoding="utf-8"?>
+<p:sld xmlns:a="http://schemas.openxmlformats.org/drawingml/2006/main" xmlns:r="http://schemas.openxmlformats.org/officeDocument/2006/relationships" xmlns:p="http://schemas.openxmlformats.org/presentationml/2006/main">
+  <p:cSld>
+    <p:spTree>
+      <p:nvGrpSpPr>
+        <p:cNvPr id="1" name=""/>
+        <p:cNvGrpSpPr/>
+        <p:nvPr/>
+      </p:nvGrpSpPr>
+      <p:grpSpPr>
+        <a:xfrm>
+          <a:off x="0" y="0"/>
+          <a:ext cx="0" cy="0"/>
+          <a:chOff x="0" y="0"/>
+          <a:chExt cx="0" cy="0"/>
+        </a:xfrm>
+      </p:grpSpPr>
+      <p:sp>
+        <p:nvSpPr>
+          <p:cNvPr id="2" name="Title 1"/>
+          <p:cNvSpPr>
+            <a:spLocks noGrp="1"/>
+          </p:cNvSpPr>
+          <p:nvPr>
+            <p:ph type="title"/>
+          </p:nvPr>
+        </p:nvSpPr>
+        <p:spPr>
+          <a:xfrm>
+            <a:off x="519248" y="543951"/>
+            <a:ext cx="11151917" cy="747897"/>
+          </a:xfrm>
+        </p:spPr>
+        <p:txBody>
+          <a:bodyPr/>
+          <a:lstStyle/>
+          <a:p>
+            <a:r>
+              <a:rPr lang="en-US" dirty="0"/>
+              <a:t>The Dipole Diffusion Approximation</a:t>
+            </a:r>
+          </a:p>
+        </p:txBody>
+      </p:sp>
+      <p:sp>
+        <p:nvSpPr>
+          <p:cNvPr id="4" name="Slide Number Placeholder 3"/>
+          <p:cNvSpPr>
+            <a:spLocks noGrp="1"/>
+          </p:cNvSpPr>
+          <p:nvPr>
+            <p:ph type="sldNum" sz="quarter" idx="4"/>
+          </p:nvPr>
+        </p:nvSpPr>
+        <p:spPr/>
+        <p:txBody>
+          <a:bodyPr/>
+          <a:lstStyle/>
+          <a:p>
+            <a:fld id="{6B5C536E-FA7B-40DC-A296-D7EC18490057}" type="slidenum">
+              <a:rPr lang="ko-KR" altLang="en-US" smtClean="0"/>
+              <a:pPr/>
+              <a:t>7</a:t>
+            </a:fld>
+            <a:endParaRPr lang="ko-KR" altLang="en-US"/>
+          </a:p>
+        </p:txBody>
+      </p:sp>
+      <p:pic>
+        <p:nvPicPr>
+          <p:cNvPr id="7" name="Picture 6">
+            <a:extLst>
+              <a:ext uri="{FF2B5EF4-FFF2-40B4-BE49-F238E27FC236}">
+                <a16:creationId xmlns:a16="http://schemas.microsoft.com/office/drawing/2014/main" id="{B23B0EB4-BABF-4898-B34B-CA60B8840720}"/>
+              </a:ext>
+            </a:extLst>
+          </p:cNvPr>
+          <p:cNvPicPr>
+            <a:picLocks noChangeAspect="1"/>
+          </p:cNvPicPr>
+          <p:nvPr/>
+        </p:nvPicPr>
+        <p:blipFill>
+          <a:blip r:embed="rId3"/>
+          <a:stretch>
+            <a:fillRect/>
+          </a:stretch>
+        </p:blipFill>
+        <p:spPr>
+          <a:xfrm>
+            <a:off x="3027446" y="1291848"/>
+            <a:ext cx="6137108" cy="5086907"/>
+          </a:xfrm>
+          <a:prstGeom prst="rect">
+            <a:avLst/>
+          </a:prstGeom>
+        </p:spPr>
+      </p:pic>
+    </p:spTree>
+    <p:extLst>
+      <p:ext uri="{BB962C8B-B14F-4D97-AF65-F5344CB8AC3E}">
+        <p14:creationId xmlns:p14="http://schemas.microsoft.com/office/powerpoint/2010/main" val="358393318"/>
+      </p:ext>
+    </p:extLst>
+  </p:cSld>
+  <p:clrMapOvr>
+    <a:masterClrMapping/>
+  </p:clrMapOvr>
+  <mc:AlternateContent xmlns:mc="http://schemas.openxmlformats.org/markup-compatibility/2006" xmlns:p14="http://schemas.microsoft.com/office/powerpoint/2010/main">
+    <mc:Choice Requires="p14">
+      <p:transition p14:dur="0"/>
+    </mc:Choice>
+    <mc:Fallback xmlns="">
+      <p:transition/>
+    </mc:Fallback>
+  </mc:AlternateContent>
+</p:sld>
+</file>
+
+<file path=ppt/slides/slide8.xml><?xml version="1.0" encoding="utf-8"?>
+<p:sld xmlns:a="http://schemas.openxmlformats.org/drawingml/2006/main" xmlns:r="http://schemas.openxmlformats.org/officeDocument/2006/relationships" xmlns:p="http://schemas.openxmlformats.org/presentationml/2006/main">
+  <p:cSld>
+    <p:spTree>
+      <p:nvGrpSpPr>
+        <p:cNvPr id="1" name=""/>
+        <p:cNvGrpSpPr/>
+        <p:nvPr/>
+      </p:nvGrpSpPr>
+      <p:grpSpPr>
+        <a:xfrm>
+          <a:off x="0" y="0"/>
+          <a:ext cx="0" cy="0"/>
+          <a:chOff x="0" y="0"/>
+          <a:chExt cx="0" cy="0"/>
+        </a:xfrm>
+      </p:grpSpPr>
+      <mc:AlternateContent xmlns:mc="http://schemas.openxmlformats.org/markup-compatibility/2006">
+        <mc:Choice xmlns:a14="http://schemas.microsoft.com/office/drawing/2010/main" Requires="a14">
+          <p:sp>
+            <p:nvSpPr>
+              <p:cNvPr id="3" name="Text Placeholder 2"/>
+              <p:cNvSpPr>
+                <a:spLocks noGrp="1"/>
+              </p:cNvSpPr>
+              <p:nvPr>
+                <p:ph type="body" sz="quarter" idx="10"/>
+              </p:nvPr>
+            </p:nvSpPr>
+            <p:spPr/>
+            <p:txBody>
+              <a:bodyPr>
+                <a:normAutofit/>
+              </a:bodyPr>
+              <a:lstStyle/>
+              <a:p>
+                <a:pPr>
+                  <a:lnSpc>
+                    <a:spcPct val="100000"/>
+                  </a:lnSpc>
+                </a:pPr>
+                <a:r>
+                  <a:rPr lang="ko-KR" altLang="en-US" dirty="0">
+                    <a:latin typeface="서울남산체 M" panose="02020603020101020101" pitchFamily="18" charset="-127"/>
+                    <a:ea typeface="서울남산체 M" panose="02020603020101020101" pitchFamily="18" charset="-127"/>
+                  </a:rPr>
+                  <a:t>전송 방정식으로부터 확산 방정식을 유도할 수 있음 </a:t>
+                </a:r>
+                <a:r>
+                  <a:rPr lang="en-US" altLang="ko-KR" dirty="0">
+                    <a:latin typeface="서울남산체 M" panose="02020603020101020101" pitchFamily="18" charset="-127"/>
+                    <a:ea typeface="서울남산체 M" panose="02020603020101020101" pitchFamily="18" charset="-127"/>
+                  </a:rPr>
+                  <a:t>(</a:t>
+                </a:r>
+                <a14:m>
+                  <m:oMath xmlns:m="http://schemas.openxmlformats.org/officeDocument/2006/math">
+                    <m:r>
+                      <a:rPr lang="ko-KR" altLang="en-US" i="1">
+                        <a:latin typeface="Cambria Math" panose="02040503050406030204" pitchFamily="18" charset="0"/>
+                        <a:ea typeface="Cambria Math" panose="02040503050406030204" pitchFamily="18" charset="0"/>
+                      </a:rPr>
+                      <m:t>𝜙</m:t>
+                    </m:r>
+                  </m:oMath>
+                </a14:m>
+                <a:r>
+                  <a:rPr lang="en-US" altLang="ko-KR" dirty="0">
+                    <a:latin typeface="서울남산체 M" panose="02020603020101020101" pitchFamily="18" charset="-127"/>
+                    <a:ea typeface="서울남산체 M" panose="02020603020101020101" pitchFamily="18" charset="-127"/>
+                  </a:rPr>
+                  <a:t> : </a:t>
+                </a:r>
+                <a:r>
+                  <a:rPr lang="ko-KR" altLang="en-US" dirty="0">
+                    <a:latin typeface="서울남산체 M" panose="02020603020101020101" pitchFamily="18" charset="-127"/>
+                    <a:ea typeface="서울남산체 M" panose="02020603020101020101" pitchFamily="18" charset="-127"/>
+                  </a:rPr>
+                  <a:t>선속</a:t>
+                </a:r>
+                <a:r>
+                  <a:rPr lang="en-US" altLang="ko-KR" dirty="0">
+                    <a:latin typeface="서울남산체 M" panose="02020603020101020101" pitchFamily="18" charset="-127"/>
+                    <a:ea typeface="서울남산체 M" panose="02020603020101020101" pitchFamily="18" charset="-127"/>
+                  </a:rPr>
+                  <a:t>)</a:t>
+                </a:r>
+                <a:br>
+                  <a:rPr lang="en-US" altLang="ko-KR" dirty="0">
+                    <a:latin typeface="서울남산체 M" panose="02020603020101020101" pitchFamily="18" charset="-127"/>
+                    <a:ea typeface="서울남산체 M" panose="02020603020101020101" pitchFamily="18" charset="-127"/>
+                  </a:rPr>
+                </a:br>
+                <a:r>
+                  <a:rPr lang="en-US" altLang="ko-KR" dirty="0">
+                    <a:latin typeface="서울남산체 M" panose="02020603020101020101" pitchFamily="18" charset="-127"/>
+                    <a:ea typeface="서울남산체 M" panose="02020603020101020101" pitchFamily="18" charset="-127"/>
+                  </a:rPr>
+                  <a:t>(</a:t>
+                </a:r>
+                <a:r>
+                  <a:rPr lang="ko-KR" altLang="en-US" dirty="0">
+                    <a:latin typeface="서울남산체 M" panose="02020603020101020101" pitchFamily="18" charset="-127"/>
+                    <a:ea typeface="서울남산체 M" panose="02020603020101020101" pitchFamily="18" charset="-127"/>
+                  </a:rPr>
+                  <a:t>출처 </a:t>
+                </a:r>
+                <a:r>
+                  <a:rPr lang="en-US" altLang="ko-KR" dirty="0">
+                    <a:latin typeface="서울남산체 M" panose="02020603020101020101" pitchFamily="18" charset="-127"/>
+                    <a:ea typeface="서울남산체 M" panose="02020603020101020101" pitchFamily="18" charset="-127"/>
+                  </a:rPr>
+                  <a:t>: </a:t>
+                </a:r>
+                <a:r>
+                  <a:rPr lang="en-US" altLang="ko-KR" sz="2200" dirty="0">
+                    <a:latin typeface="서울남산체 M" panose="02020603020101020101" pitchFamily="18" charset="-127"/>
+                    <a:ea typeface="서울남산체 M" panose="02020603020101020101" pitchFamily="18" charset="-127"/>
+                    <a:hlinkClick r:id="rId3"/>
+                  </a:rPr>
+                  <a:t>https://graphics.pixar.com/library/PhotonBeamDiffusion/supplemental-theory.pdf</a:t>
+                </a:r>
+                <a:r>
+                  <a:rPr lang="en-US" altLang="ko-KR" dirty="0">
+                    <a:latin typeface="서울남산체 M" panose="02020603020101020101" pitchFamily="18" charset="-127"/>
+                    <a:ea typeface="서울남산체 M" panose="02020603020101020101" pitchFamily="18" charset="-127"/>
+                  </a:rPr>
+                  <a:t>)</a:t>
+                </a:r>
+              </a:p>
+              <a:p>
+                <a:pPr marL="0" indent="0">
+                  <a:lnSpc>
+                    <a:spcPct val="100000"/>
+                  </a:lnSpc>
+                  <a:buNone/>
+                </a:pPr>
+                <a:endParaRPr lang="en-US" altLang="ko-KR" dirty="0">
+                  <a:latin typeface="서울남산체 M" panose="02020603020101020101" pitchFamily="18" charset="-127"/>
+                  <a:ea typeface="서울남산체 M" panose="02020603020101020101" pitchFamily="18" charset="-127"/>
+                </a:endParaRPr>
+              </a:p>
+            </p:txBody>
+          </p:sp>
+        </mc:Choice>
+        <mc:Fallback>
+          <p:sp>
+            <p:nvSpPr>
+              <p:cNvPr id="3" name="Text Placeholder 2"/>
+              <p:cNvSpPr>
+                <a:spLocks noGrp="1" noRot="1" noChangeAspect="1" noMove="1" noResize="1" noEditPoints="1" noAdjustHandles="1" noChangeArrowheads="1" noChangeShapeType="1" noTextEdit="1"/>
+              </p:cNvSpPr>
+              <p:nvPr>
+                <p:ph type="body" sz="quarter" idx="10"/>
+              </p:nvPr>
+            </p:nvSpPr>
+            <p:spPr>
+              <a:blipFill>
+                <a:blip r:embed="rId4"/>
+                <a:stretch>
+                  <a:fillRect l="-1639" t="-2219"/>
+                </a:stretch>
+              </a:blipFill>
+            </p:spPr>
+            <p:txBody>
+              <a:bodyPr/>
+              <a:lstStyle/>
+              <a:p>
+                <a:r>
+                  <a:rPr lang="ko-KR" altLang="en-US">
+                    <a:noFill/>
+                  </a:rPr>
+                  <a:t> </a:t>
+                </a:r>
+              </a:p>
+            </p:txBody>
+          </p:sp>
+        </mc:Fallback>
+      </mc:AlternateContent>
+      <p:sp>
+        <p:nvSpPr>
+          <p:cNvPr id="2" name="Title 1"/>
+          <p:cNvSpPr>
+            <a:spLocks noGrp="1"/>
+          </p:cNvSpPr>
+          <p:nvPr>
+            <p:ph type="title"/>
+          </p:nvPr>
+        </p:nvSpPr>
+        <p:spPr>
+          <a:xfrm>
+            <a:off x="519248" y="543951"/>
+            <a:ext cx="11151917" cy="747897"/>
+          </a:xfrm>
+        </p:spPr>
+        <p:txBody>
+          <a:bodyPr/>
+          <a:lstStyle/>
+          <a:p>
+            <a:r>
+              <a:rPr lang="en-US" dirty="0"/>
+              <a:t>The Dipole Diffusion Approximation</a:t>
+            </a:r>
+          </a:p>
+        </p:txBody>
+      </p:sp>
+      <p:sp>
+        <p:nvSpPr>
+          <p:cNvPr id="4" name="Slide Number Placeholder 3"/>
+          <p:cNvSpPr>
+            <a:spLocks noGrp="1"/>
+          </p:cNvSpPr>
+          <p:nvPr>
+            <p:ph type="sldNum" sz="quarter" idx="4"/>
+          </p:nvPr>
+        </p:nvSpPr>
+        <p:spPr/>
+        <p:txBody>
+          <a:bodyPr/>
+          <a:lstStyle/>
+          <a:p>
+            <a:fld id="{6B5C536E-FA7B-40DC-A296-D7EC18490057}" type="slidenum">
+              <a:rPr lang="ko-KR" altLang="en-US" smtClean="0"/>
+              <a:pPr/>
+              <a:t>8</a:t>
+            </a:fld>
+            <a:endParaRPr lang="ko-KR" altLang="en-US"/>
+          </a:p>
+        </p:txBody>
+      </p:sp>
+      <mc:AlternateContent xmlns:mc="http://schemas.openxmlformats.org/markup-compatibility/2006">
+        <mc:Choice xmlns:a14="http://schemas.microsoft.com/office/drawing/2010/main" Requires="a14">
+          <p:sp>
+            <p:nvSpPr>
+              <p:cNvPr id="5" name="Rectangle 4">
+                <a:extLst>
+                  <a:ext uri="{FF2B5EF4-FFF2-40B4-BE49-F238E27FC236}">
+                    <a16:creationId xmlns:a16="http://schemas.microsoft.com/office/drawing/2014/main" id="{4230C637-88E8-4123-A892-5BFF1D674A08}"/>
+                  </a:ext>
+                </a:extLst>
+              </p:cNvPr>
+              <p:cNvSpPr/>
+              <p:nvPr/>
+            </p:nvSpPr>
+            <p:spPr>
+              <a:xfrm>
+                <a:off x="855568" y="2536319"/>
+                <a:ext cx="4732421" cy="2067554"/>
+              </a:xfrm>
+              <a:prstGeom prst="rect">
+                <a:avLst/>
+              </a:prstGeom>
+            </p:spPr>
+            <p:txBody>
+              <a:bodyPr wrap="square">
+                <a:spAutoFit/>
+              </a:bodyPr>
+              <a:lstStyle/>
+              <a:p>
+                <a14:m>
+                  <m:oMathPara xmlns:m="http://schemas.openxmlformats.org/officeDocument/2006/math">
+                    <m:oMathParaPr>
+                      <m:jc m:val="centerGroup"/>
+                    </m:oMathParaPr>
+                    <m:oMath xmlns:m="http://schemas.openxmlformats.org/officeDocument/2006/math">
+                      <m:r>
+                        <a:rPr lang="en-US" altLang="ko-KR" sz="2800" i="1" smtClean="0">
+                          <a:solidFill>
+                            <a:schemeClr val="bg1"/>
+                          </a:solidFill>
+                          <a:latin typeface="Cambria Math" panose="02040503050406030204" pitchFamily="18" charset="0"/>
+                          <a:ea typeface="Cambria Math" panose="02040503050406030204" pitchFamily="18" charset="0"/>
+                        </a:rPr>
+                        <m:t>𝛻</m:t>
+                      </m:r>
+                      <m:r>
+                        <a:rPr lang="en-US" altLang="ko-KR" sz="2800" i="1" smtClean="0">
+                          <a:solidFill>
+                            <a:schemeClr val="bg1"/>
+                          </a:solidFill>
+                          <a:latin typeface="Cambria Math" panose="02040503050406030204" pitchFamily="18" charset="0"/>
+                          <a:ea typeface="Cambria Math" panose="02040503050406030204" pitchFamily="18" charset="0"/>
+                        </a:rPr>
+                        <m:t>∙</m:t>
+                      </m:r>
+                      <m:d>
+                        <m:dPr>
+                          <m:ctrlPr>
+                            <a:rPr lang="en-US" altLang="ko-KR" sz="2800" i="1">
+                              <a:solidFill>
+                                <a:schemeClr val="bg1"/>
+                              </a:solidFill>
+                              <a:latin typeface="Cambria Math" panose="02040503050406030204" pitchFamily="18" charset="0"/>
+                              <a:ea typeface="Cambria Math" panose="02040503050406030204" pitchFamily="18" charset="0"/>
+                            </a:rPr>
+                          </m:ctrlPr>
+                        </m:dPr>
+                        <m:e>
+                          <m:f>
+                            <m:fPr>
+                              <m:ctrlPr>
+                                <a:rPr lang="en-US" altLang="ko-KR" sz="2800" i="1">
+                                  <a:solidFill>
+                                    <a:schemeClr val="bg1"/>
+                                  </a:solidFill>
+                                  <a:latin typeface="Cambria Math" panose="02040503050406030204" pitchFamily="18" charset="0"/>
+                                  <a:ea typeface="Cambria Math" panose="02040503050406030204" pitchFamily="18" charset="0"/>
+                                </a:rPr>
+                              </m:ctrlPr>
+                            </m:fPr>
+                            <m:num>
+                              <m:r>
+                                <a:rPr lang="en-US" altLang="ko-KR" sz="2800">
+                                  <a:solidFill>
+                                    <a:schemeClr val="bg1"/>
+                                  </a:solidFill>
+                                  <a:latin typeface="Cambria Math" panose="02040503050406030204" pitchFamily="18" charset="0"/>
+                                  <a:ea typeface="Cambria Math" panose="02040503050406030204" pitchFamily="18" charset="0"/>
+                                </a:rPr>
+                                <m:t>𝛻</m:t>
+                              </m:r>
+                              <m:r>
+                                <a:rPr lang="ko-KR" altLang="en-US" sz="2800" i="1">
+                                  <a:solidFill>
+                                    <a:schemeClr val="bg1"/>
+                                  </a:solidFill>
+                                  <a:latin typeface="Cambria Math" panose="02040503050406030204" pitchFamily="18" charset="0"/>
+                                  <a:ea typeface="Cambria Math" panose="02040503050406030204" pitchFamily="18" charset="0"/>
+                                </a:rPr>
+                                <m:t>𝜙</m:t>
+                              </m:r>
+                              <m:d>
+                                <m:dPr>
+                                  <m:ctrlPr>
+                                    <a:rPr lang="en-US" altLang="ko-KR" sz="2800" i="1">
+                                      <a:solidFill>
+                                        <a:schemeClr val="bg1"/>
+                                      </a:solidFill>
+                                      <a:latin typeface="Cambria Math" panose="02040503050406030204" pitchFamily="18" charset="0"/>
+                                      <a:ea typeface="Cambria Math" panose="02040503050406030204" pitchFamily="18" charset="0"/>
+                                    </a:rPr>
+                                  </m:ctrlPr>
+                                </m:dPr>
+                                <m:e>
+                                  <m:r>
+                                    <a:rPr lang="en-US" altLang="ko-KR" sz="2800" i="1">
+                                      <a:solidFill>
+                                        <a:schemeClr val="bg1"/>
+                                      </a:solidFill>
+                                      <a:latin typeface="Cambria Math" panose="02040503050406030204" pitchFamily="18" charset="0"/>
+                                      <a:ea typeface="Cambria Math" panose="02040503050406030204" pitchFamily="18" charset="0"/>
+                                    </a:rPr>
+                                    <m:t>𝑝</m:t>
+                                  </m:r>
+                                </m:e>
+                              </m:d>
+                            </m:num>
+                            <m:den>
+                              <m:sSub>
+                                <m:sSubPr>
+                                  <m:ctrlPr>
+                                    <a:rPr lang="en-US" altLang="ko-KR" sz="2800" i="1">
+                                      <a:solidFill>
+                                        <a:schemeClr val="bg1"/>
+                                      </a:solidFill>
+                                      <a:latin typeface="Cambria Math" panose="02040503050406030204" pitchFamily="18" charset="0"/>
+                                      <a:ea typeface="Cambria Math" panose="02040503050406030204" pitchFamily="18" charset="0"/>
+                                    </a:rPr>
+                                  </m:ctrlPr>
+                                </m:sSubPr>
+                                <m:e>
+                                  <m:r>
+                                    <a:rPr lang="ko-KR" altLang="en-US" sz="2800" i="1">
+                                      <a:solidFill>
+                                        <a:schemeClr val="bg1"/>
+                                      </a:solidFill>
+                                      <a:latin typeface="Cambria Math" panose="02040503050406030204" pitchFamily="18" charset="0"/>
+                                      <a:ea typeface="Cambria Math" panose="02040503050406030204" pitchFamily="18" charset="0"/>
+                                    </a:rPr>
+                                    <m:t>𝜎</m:t>
+                                  </m:r>
+                                </m:e>
+                                <m:sub>
+                                  <m:r>
+                                    <a:rPr lang="en-US" altLang="ko-KR" sz="2800" i="1">
+                                      <a:solidFill>
+                                        <a:schemeClr val="bg1"/>
+                                      </a:solidFill>
+                                      <a:latin typeface="Cambria Math" panose="02040503050406030204" pitchFamily="18" charset="0"/>
+                                      <a:ea typeface="Cambria Math" panose="02040503050406030204" pitchFamily="18" charset="0"/>
+                                    </a:rPr>
+                                    <m:t>𝑡</m:t>
+                                  </m:r>
+                                </m:sub>
+                              </m:sSub>
+                              <m:r>
+                                <a:rPr lang="en-US" altLang="ko-KR" sz="2800" i="1">
+                                  <a:solidFill>
+                                    <a:schemeClr val="bg1"/>
+                                  </a:solidFill>
+                                  <a:latin typeface="Cambria Math" panose="02040503050406030204" pitchFamily="18" charset="0"/>
+                                  <a:ea typeface="Cambria Math" panose="02040503050406030204" pitchFamily="18" charset="0"/>
+                                </a:rPr>
+                                <m:t>′</m:t>
+                              </m:r>
+                            </m:den>
+                          </m:f>
+                        </m:e>
+                      </m:d>
+                      <m:r>
+                        <a:rPr lang="en-US" altLang="ko-KR" sz="2800" i="1">
+                          <a:solidFill>
+                            <a:schemeClr val="bg1"/>
+                          </a:solidFill>
+                          <a:latin typeface="Cambria Math" panose="02040503050406030204" pitchFamily="18" charset="0"/>
+                          <a:ea typeface="Cambria Math" panose="02040503050406030204" pitchFamily="18" charset="0"/>
+                        </a:rPr>
+                        <m:t>−3</m:t>
+                      </m:r>
+                      <m:sSub>
+                        <m:sSubPr>
+                          <m:ctrlPr>
+                            <a:rPr lang="en-US" altLang="ko-KR" sz="2800" i="1">
+                              <a:solidFill>
+                                <a:schemeClr val="bg1"/>
+                              </a:solidFill>
+                              <a:latin typeface="Cambria Math" panose="02040503050406030204" pitchFamily="18" charset="0"/>
+                              <a:ea typeface="Cambria Math" panose="02040503050406030204" pitchFamily="18" charset="0"/>
+                            </a:rPr>
+                          </m:ctrlPr>
+                        </m:sSubPr>
+                        <m:e>
+                          <m:r>
+                            <a:rPr lang="ko-KR" altLang="en-US" sz="2800" i="1">
+                              <a:solidFill>
+                                <a:schemeClr val="bg1"/>
+                              </a:solidFill>
+                              <a:latin typeface="Cambria Math" panose="02040503050406030204" pitchFamily="18" charset="0"/>
+                              <a:ea typeface="Cambria Math" panose="02040503050406030204" pitchFamily="18" charset="0"/>
+                            </a:rPr>
+                            <m:t>𝜎</m:t>
+                          </m:r>
+                        </m:e>
+                        <m:sub>
+                          <m:r>
+                            <a:rPr lang="en-US" altLang="ko-KR" sz="2800" i="1">
+                              <a:solidFill>
+                                <a:schemeClr val="bg1"/>
+                              </a:solidFill>
+                              <a:latin typeface="Cambria Math" panose="02040503050406030204" pitchFamily="18" charset="0"/>
+                              <a:ea typeface="Cambria Math" panose="02040503050406030204" pitchFamily="18" charset="0"/>
+                            </a:rPr>
+                            <m:t>𝑎</m:t>
+                          </m:r>
+                        </m:sub>
+                      </m:sSub>
+                      <m:r>
+                        <a:rPr lang="ko-KR" altLang="en-US" sz="2800" i="1">
+                          <a:solidFill>
+                            <a:schemeClr val="bg1"/>
+                          </a:solidFill>
+                          <a:latin typeface="Cambria Math" panose="02040503050406030204" pitchFamily="18" charset="0"/>
+                          <a:ea typeface="Cambria Math" panose="02040503050406030204" pitchFamily="18" charset="0"/>
+                        </a:rPr>
+                        <m:t>𝜙</m:t>
+                      </m:r>
+                      <m:d>
+                        <m:dPr>
+                          <m:ctrlPr>
+                            <a:rPr lang="en-US" altLang="ko-KR" sz="2800" i="1">
+                              <a:solidFill>
+                                <a:schemeClr val="bg1"/>
+                              </a:solidFill>
+                              <a:latin typeface="Cambria Math" panose="02040503050406030204" pitchFamily="18" charset="0"/>
+                              <a:ea typeface="Cambria Math" panose="02040503050406030204" pitchFamily="18" charset="0"/>
+                            </a:rPr>
+                          </m:ctrlPr>
+                        </m:dPr>
+                        <m:e>
+                          <m:r>
+                            <a:rPr lang="en-US" altLang="ko-KR" sz="2800" i="1">
+                              <a:solidFill>
+                                <a:schemeClr val="bg1"/>
+                              </a:solidFill>
+                              <a:latin typeface="Cambria Math" panose="02040503050406030204" pitchFamily="18" charset="0"/>
+                              <a:ea typeface="Cambria Math" panose="02040503050406030204" pitchFamily="18" charset="0"/>
+                            </a:rPr>
+                            <m:t>𝑝</m:t>
+                          </m:r>
+                        </m:e>
+                      </m:d>
+                      <m:r>
+                        <a:rPr lang="en-US" altLang="ko-KR" sz="2800" i="1">
+                          <a:solidFill>
+                            <a:schemeClr val="bg1"/>
+                          </a:solidFill>
+                          <a:latin typeface="Cambria Math" panose="02040503050406030204" pitchFamily="18" charset="0"/>
+                          <a:ea typeface="Cambria Math" panose="02040503050406030204" pitchFamily="18" charset="0"/>
+                        </a:rPr>
+                        <m:t>=0</m:t>
+                      </m:r>
+                    </m:oMath>
+                    <m:oMath xmlns:m="http://schemas.openxmlformats.org/officeDocument/2006/math">
+                      <m:r>
+                        <a:rPr lang="ko-KR" altLang="en-US" sz="2800" i="1">
+                          <a:solidFill>
+                            <a:schemeClr val="bg1"/>
+                          </a:solidFill>
+                          <a:latin typeface="Cambria Math" panose="02040503050406030204" pitchFamily="18" charset="0"/>
+                          <a:ea typeface="Cambria Math" panose="02040503050406030204" pitchFamily="18" charset="0"/>
+                        </a:rPr>
+                        <m:t>𝜙</m:t>
+                      </m:r>
+                      <m:d>
+                        <m:dPr>
+                          <m:ctrlPr>
+                            <a:rPr lang="en-US" altLang="ko-KR" sz="2800" i="1">
+                              <a:solidFill>
+                                <a:schemeClr val="bg1"/>
+                              </a:solidFill>
+                              <a:latin typeface="Cambria Math" panose="02040503050406030204" pitchFamily="18" charset="0"/>
+                              <a:ea typeface="Cambria Math" panose="02040503050406030204" pitchFamily="18" charset="0"/>
+                            </a:rPr>
+                          </m:ctrlPr>
+                        </m:dPr>
+                        <m:e>
+                          <m:r>
+                            <a:rPr lang="en-US" altLang="ko-KR" sz="2800" i="1">
+                              <a:solidFill>
+                                <a:schemeClr val="bg1"/>
+                              </a:solidFill>
+                              <a:latin typeface="Cambria Math" panose="02040503050406030204" pitchFamily="18" charset="0"/>
+                              <a:ea typeface="Cambria Math" panose="02040503050406030204" pitchFamily="18" charset="0"/>
+                            </a:rPr>
+                            <m:t>𝑝</m:t>
+                          </m:r>
+                        </m:e>
+                      </m:d>
+                      <m:r>
+                        <a:rPr lang="en-US" altLang="ko-KR" sz="2800" i="1">
+                          <a:solidFill>
+                            <a:schemeClr val="bg1"/>
+                          </a:solidFill>
+                          <a:latin typeface="Cambria Math" panose="02040503050406030204" pitchFamily="18" charset="0"/>
+                          <a:ea typeface="Cambria Math" panose="02040503050406030204" pitchFamily="18" charset="0"/>
+                        </a:rPr>
+                        <m:t>=</m:t>
+                      </m:r>
+                      <m:nary>
+                        <m:naryPr>
+                          <m:ctrlPr>
+                            <a:rPr lang="en-US" altLang="ko-KR" sz="2800" i="1">
+                              <a:solidFill>
+                                <a:schemeClr val="bg1"/>
+                              </a:solidFill>
+                              <a:latin typeface="Cambria Math" panose="02040503050406030204" pitchFamily="18" charset="0"/>
+                              <a:ea typeface="Cambria Math" panose="02040503050406030204" pitchFamily="18" charset="0"/>
+                            </a:rPr>
+                          </m:ctrlPr>
+                        </m:naryPr>
+                        <m:sub>
+                          <m:sSup>
+                            <m:sSupPr>
+                              <m:ctrlPr>
+                                <a:rPr lang="en-US" altLang="ko-KR" sz="2800" i="1">
+                                  <a:solidFill>
+                                    <a:schemeClr val="bg1"/>
+                                  </a:solidFill>
+                                  <a:latin typeface="Cambria Math" panose="02040503050406030204" pitchFamily="18" charset="0"/>
+                                  <a:ea typeface="Cambria Math" panose="02040503050406030204" pitchFamily="18" charset="0"/>
+                                </a:rPr>
+                              </m:ctrlPr>
+                            </m:sSupPr>
+                            <m:e>
+                              <m:r>
+                                <m:rPr>
+                                  <m:brk m:alnAt="23"/>
+                                </m:rPr>
+                                <a:rPr lang="en-US" altLang="ko-KR" sz="2800" i="1">
+                                  <a:solidFill>
+                                    <a:schemeClr val="bg1"/>
+                                  </a:solidFill>
+                                  <a:latin typeface="Cambria Math" panose="02040503050406030204" pitchFamily="18" charset="0"/>
+                                  <a:ea typeface="Cambria Math" panose="02040503050406030204" pitchFamily="18" charset="0"/>
+                                </a:rPr>
+                                <m:t>𝑆</m:t>
+                              </m:r>
+                            </m:e>
+                            <m:sup>
+                              <m:r>
+                                <m:rPr>
+                                  <m:brk m:alnAt="23"/>
+                                </m:rPr>
+                                <a:rPr lang="en-US" altLang="ko-KR" sz="2800" i="1">
+                                  <a:solidFill>
+                                    <a:schemeClr val="bg1"/>
+                                  </a:solidFill>
+                                  <a:latin typeface="Cambria Math" panose="02040503050406030204" pitchFamily="18" charset="0"/>
+                                  <a:ea typeface="Cambria Math" panose="02040503050406030204" pitchFamily="18" charset="0"/>
+                                </a:rPr>
+                                <m:t>2</m:t>
+                              </m:r>
+                            </m:sup>
+                          </m:sSup>
+                        </m:sub>
+                        <m:sup/>
+                        <m:e>
+                          <m:sSub>
+                            <m:sSubPr>
+                              <m:ctrlPr>
+                                <a:rPr lang="en-US" altLang="ko-KR" sz="2800" i="1">
+                                  <a:solidFill>
+                                    <a:schemeClr val="bg1"/>
+                                  </a:solidFill>
+                                  <a:latin typeface="Cambria Math" panose="02040503050406030204" pitchFamily="18" charset="0"/>
+                                  <a:ea typeface="Cambria Math" panose="02040503050406030204" pitchFamily="18" charset="0"/>
+                                </a:rPr>
+                              </m:ctrlPr>
+                            </m:sSubPr>
+                            <m:e>
+                              <m:r>
+                                <a:rPr lang="en-US" altLang="ko-KR" sz="2800" i="1">
+                                  <a:solidFill>
+                                    <a:schemeClr val="bg1"/>
+                                  </a:solidFill>
+                                  <a:latin typeface="Cambria Math" panose="02040503050406030204" pitchFamily="18" charset="0"/>
+                                  <a:ea typeface="Cambria Math" panose="02040503050406030204" pitchFamily="18" charset="0"/>
+                                </a:rPr>
+                                <m:t>𝐿</m:t>
+                              </m:r>
+                            </m:e>
+                            <m:sub>
+                              <m:r>
+                                <a:rPr lang="en-US" altLang="ko-KR" sz="2800" i="1">
+                                  <a:solidFill>
+                                    <a:schemeClr val="bg1"/>
+                                  </a:solidFill>
+                                  <a:latin typeface="Cambria Math" panose="02040503050406030204" pitchFamily="18" charset="0"/>
+                                  <a:ea typeface="Cambria Math" panose="02040503050406030204" pitchFamily="18" charset="0"/>
+                                </a:rPr>
+                                <m:t>𝑖</m:t>
+                              </m:r>
+                            </m:sub>
+                          </m:sSub>
+                          <m:d>
+                            <m:dPr>
+                              <m:ctrlPr>
+                                <a:rPr lang="en-US" altLang="ko-KR" sz="2800" i="1">
+                                  <a:solidFill>
+                                    <a:schemeClr val="bg1"/>
+                                  </a:solidFill>
+                                  <a:latin typeface="Cambria Math" panose="02040503050406030204" pitchFamily="18" charset="0"/>
+                                  <a:ea typeface="Cambria Math" panose="02040503050406030204" pitchFamily="18" charset="0"/>
+                                </a:rPr>
+                              </m:ctrlPr>
+                            </m:dPr>
+                            <m:e>
+                              <m:r>
+                                <a:rPr lang="en-US" altLang="ko-KR" sz="2800" i="1">
+                                  <a:solidFill>
+                                    <a:schemeClr val="bg1"/>
+                                  </a:solidFill>
+                                  <a:latin typeface="Cambria Math" panose="02040503050406030204" pitchFamily="18" charset="0"/>
+                                  <a:ea typeface="Cambria Math" panose="02040503050406030204" pitchFamily="18" charset="0"/>
+                                </a:rPr>
+                                <m:t>𝑝</m:t>
+                              </m:r>
+                              <m:r>
+                                <a:rPr lang="en-US" altLang="ko-KR" sz="2800" i="1">
+                                  <a:solidFill>
+                                    <a:schemeClr val="bg1"/>
+                                  </a:solidFill>
+                                  <a:latin typeface="Cambria Math" panose="02040503050406030204" pitchFamily="18" charset="0"/>
+                                  <a:ea typeface="Cambria Math" panose="02040503050406030204" pitchFamily="18" charset="0"/>
+                                </a:rPr>
+                                <m:t>, </m:t>
+                              </m:r>
+                              <m:r>
+                                <a:rPr lang="ko-KR" altLang="en-US" sz="2800" i="1">
+                                  <a:solidFill>
+                                    <a:schemeClr val="bg1"/>
+                                  </a:solidFill>
+                                  <a:latin typeface="Cambria Math" panose="02040503050406030204" pitchFamily="18" charset="0"/>
+                                  <a:ea typeface="Cambria Math" panose="02040503050406030204" pitchFamily="18" charset="0"/>
+                                </a:rPr>
+                                <m:t>𝜔</m:t>
+                              </m:r>
+                            </m:e>
+                          </m:d>
+                          <m:r>
+                            <m:rPr>
+                              <m:sty m:val="p"/>
+                            </m:rPr>
+                            <a:rPr lang="en-US" altLang="ko-KR" sz="2800">
+                              <a:solidFill>
+                                <a:schemeClr val="bg1"/>
+                              </a:solidFill>
+                              <a:latin typeface="Cambria Math" panose="02040503050406030204" pitchFamily="18" charset="0"/>
+                              <a:ea typeface="Cambria Math" panose="02040503050406030204" pitchFamily="18" charset="0"/>
+                            </a:rPr>
+                            <m:t>d</m:t>
+                          </m:r>
+                          <m:r>
+                            <a:rPr lang="ko-KR" altLang="en-US" sz="2800" i="1">
+                              <a:solidFill>
+                                <a:schemeClr val="bg1"/>
+                              </a:solidFill>
+                              <a:latin typeface="Cambria Math" panose="02040503050406030204" pitchFamily="18" charset="0"/>
+                              <a:ea typeface="Cambria Math" panose="02040503050406030204" pitchFamily="18" charset="0"/>
+                            </a:rPr>
+                            <m:t>𝜔</m:t>
+                          </m:r>
+                        </m:e>
+                      </m:nary>
+                    </m:oMath>
+                  </m:oMathPara>
+                </a14:m>
+                <a:endParaRPr lang="ko-KR" altLang="en-US" sz="2800" dirty="0">
+                  <a:solidFill>
+                    <a:schemeClr val="bg1"/>
+                  </a:solidFill>
+                </a:endParaRPr>
+              </a:p>
+            </p:txBody>
+          </p:sp>
+        </mc:Choice>
+        <mc:Fallback>
+          <p:sp>
+            <p:nvSpPr>
+              <p:cNvPr id="5" name="Rectangle 4">
+                <a:extLst>
+                  <a:ext uri="{FF2B5EF4-FFF2-40B4-BE49-F238E27FC236}">
+                    <a16:creationId xmlns:a16="http://schemas.microsoft.com/office/drawing/2014/main" id="{4230C637-88E8-4123-A892-5BFF1D674A08}"/>
+                  </a:ext>
+                </a:extLst>
+              </p:cNvPr>
+              <p:cNvSpPr>
+                <a:spLocks noRot="1" noChangeAspect="1" noMove="1" noResize="1" noEditPoints="1" noAdjustHandles="1" noChangeArrowheads="1" noChangeShapeType="1" noTextEdit="1"/>
+              </p:cNvSpPr>
+              <p:nvPr/>
+            </p:nvSpPr>
+            <p:spPr>
+              <a:xfrm>
+                <a:off x="855568" y="2536319"/>
+                <a:ext cx="4732421" cy="2067554"/>
+              </a:xfrm>
+              <a:prstGeom prst="rect">
+                <a:avLst/>
+              </a:prstGeom>
+              <a:blipFill>
+                <a:blip r:embed="rId5"/>
+                <a:stretch>
+                  <a:fillRect/>
+                </a:stretch>
+              </a:blipFill>
+            </p:spPr>
+            <p:txBody>
+              <a:bodyPr/>
+              <a:lstStyle/>
+              <a:p>
+                <a:r>
+                  <a:rPr lang="ko-KR" altLang="en-US">
+                    <a:noFill/>
+                  </a:rPr>
+                  <a:t> </a:t>
+                </a:r>
+              </a:p>
+            </p:txBody>
+          </p:sp>
+        </mc:Fallback>
+      </mc:AlternateContent>
+      <p:pic>
+        <p:nvPicPr>
+          <p:cNvPr id="6" name="Picture 5">
+            <a:extLst>
+              <a:ext uri="{FF2B5EF4-FFF2-40B4-BE49-F238E27FC236}">
+                <a16:creationId xmlns:a16="http://schemas.microsoft.com/office/drawing/2014/main" id="{0F962C48-CD02-4AAA-9FBE-2C08A092CC5B}"/>
+              </a:ext>
+            </a:extLst>
+          </p:cNvPr>
+          <p:cNvPicPr>
+            <a:picLocks noChangeAspect="1"/>
+          </p:cNvPicPr>
+          <p:nvPr/>
+        </p:nvPicPr>
+        <p:blipFill rotWithShape="1">
+          <a:blip r:embed="rId6"/>
+          <a:srcRect t="8214"/>
+          <a:stretch/>
+        </p:blipFill>
+        <p:spPr>
+          <a:xfrm>
+            <a:off x="6898106" y="2311673"/>
+            <a:ext cx="4412112" cy="4080660"/>
+          </a:xfrm>
+          <a:prstGeom prst="rect">
+            <a:avLst/>
+          </a:prstGeom>
+        </p:spPr>
+      </p:pic>
+    </p:spTree>
+    <p:extLst>
+      <p:ext uri="{BB962C8B-B14F-4D97-AF65-F5344CB8AC3E}">
+        <p14:creationId xmlns:p14="http://schemas.microsoft.com/office/powerpoint/2010/main" val="2051350752"/>
+      </p:ext>
+    </p:extLst>
+  </p:cSld>
+  <p:clrMapOvr>
+    <a:masterClrMapping/>
+  </p:clrMapOvr>
+  <mc:AlternateContent xmlns:mc="http://schemas.openxmlformats.org/markup-compatibility/2006" xmlns:p14="http://schemas.microsoft.com/office/powerpoint/2010/main">
+    <mc:Choice Requires="p14">
+      <p:transition p14:dur="0"/>
+    </mc:Choice>
+    <mc:Fallback xmlns="">
+      <p:transition/>
+    </mc:Fallback>
+  </mc:AlternateContent>
+</p:sld>
+</file>
+
+<file path=ppt/slides/slide9.xml><?xml version="1.0" encoding="utf-8"?>
+<p:sld xmlns:a="http://schemas.openxmlformats.org/drawingml/2006/main" xmlns:r="http://schemas.openxmlformats.org/officeDocument/2006/relationships" xmlns:p="http://schemas.openxmlformats.org/presentationml/2006/main">
+  <p:cSld>
+    <p:spTree>
+      <p:nvGrpSpPr>
+        <p:cNvPr id="1" name=""/>
+        <p:cNvGrpSpPr/>
+        <p:nvPr/>
+      </p:nvGrpSpPr>
+      <p:grpSpPr>
+        <a:xfrm>
+          <a:off x="0" y="0"/>
+          <a:ext cx="0" cy="0"/>
+          <a:chOff x="0" y="0"/>
+          <a:chExt cx="0" cy="0"/>
+        </a:xfrm>
+      </p:grpSpPr>
+      <mc:AlternateContent xmlns:mc="http://schemas.openxmlformats.org/markup-compatibility/2006">
+        <mc:Choice xmlns:a14="http://schemas.microsoft.com/office/drawing/2010/main" Requires="a14">
+          <p:sp>
+            <p:nvSpPr>
+              <p:cNvPr id="3" name="Text Placeholder 2"/>
+              <p:cNvSpPr>
+                <a:spLocks noGrp="1"/>
+              </p:cNvSpPr>
+              <p:nvPr>
+                <p:ph type="body" sz="quarter" idx="10"/>
+              </p:nvPr>
+            </p:nvSpPr>
+            <p:spPr/>
+            <p:txBody>
+              <a:bodyPr>
+                <a:normAutofit/>
+              </a:bodyPr>
+              <a:lstStyle/>
+              <a:p>
+                <a:pPr>
+                  <a:lnSpc>
+                    <a:spcPct val="100000"/>
+                  </a:lnSpc>
+                </a:pPr>
+                <a:r>
+                  <a:rPr lang="ko-KR" altLang="en-US" dirty="0">
+                    <a:latin typeface="서울남산체 M" panose="02020603020101020101" pitchFamily="18" charset="-127"/>
+                    <a:ea typeface="서울남산체 M" panose="02020603020101020101" pitchFamily="18" charset="-127"/>
+                  </a:rPr>
+                  <a:t>확장 방정식은 특정 조건에서 풀 수 있음</a:t>
+                </a:r>
+                <a:endParaRPr lang="en-US" altLang="ko-KR" dirty="0">
+                  <a:latin typeface="서울남산체 M" panose="02020603020101020101" pitchFamily="18" charset="-127"/>
+                  <a:ea typeface="서울남산체 M" panose="02020603020101020101" pitchFamily="18" charset="-127"/>
+                </a:endParaRPr>
+              </a:p>
+              <a:p>
+                <a:pPr lvl="1">
+                  <a:lnSpc>
+                    <a:spcPct val="100000"/>
+                  </a:lnSpc>
+                </a:pPr>
+                <a:r>
+                  <a:rPr lang="ko-KR" altLang="en-US" dirty="0">
+                    <a:latin typeface="서울남산체 M" panose="02020603020101020101" pitchFamily="18" charset="-127"/>
+                    <a:ea typeface="서울남산체 M" panose="02020603020101020101" pitchFamily="18" charset="-127"/>
+                  </a:rPr>
+                  <a:t>점 </a:t>
+                </a:r>
+                <a14:m>
+                  <m:oMath xmlns:m="http://schemas.openxmlformats.org/officeDocument/2006/math">
+                    <m:sSub>
+                      <m:sSubPr>
+                        <m:ctrlPr>
+                          <a:rPr lang="en-US" altLang="ko-KR" b="0" i="1" smtClean="0">
+                            <a:latin typeface="Cambria Math" panose="02040503050406030204" pitchFamily="18" charset="0"/>
+                            <a:ea typeface="서울남산체 M" panose="02020603020101020101" pitchFamily="18" charset="-127"/>
+                          </a:rPr>
+                        </m:ctrlPr>
+                      </m:sSubPr>
+                      <m:e>
+                        <m:r>
+                          <a:rPr lang="en-US" altLang="ko-KR" b="0" i="1" smtClean="0">
+                            <a:latin typeface="Cambria Math" panose="02040503050406030204" pitchFamily="18" charset="0"/>
+                            <a:ea typeface="서울남산체 M" panose="02020603020101020101" pitchFamily="18" charset="-127"/>
+                          </a:rPr>
+                          <m:t>𝑝</m:t>
+                        </m:r>
+                      </m:e>
+                      <m:sub>
+                        <m:r>
+                          <a:rPr lang="en-US" altLang="ko-KR" b="0" i="1" smtClean="0">
+                            <a:latin typeface="Cambria Math" panose="02040503050406030204" pitchFamily="18" charset="0"/>
+                            <a:ea typeface="서울남산체 M" panose="02020603020101020101" pitchFamily="18" charset="-127"/>
+                          </a:rPr>
+                          <m:t>𝑖</m:t>
+                        </m:r>
+                      </m:sub>
+                    </m:sSub>
+                  </m:oMath>
+                </a14:m>
+                <a:r>
+                  <a:rPr lang="ko-KR" altLang="en-US" dirty="0">
+                    <a:latin typeface="서울남산체 M" panose="02020603020101020101" pitchFamily="18" charset="-127"/>
+                    <a:ea typeface="서울남산체 M" panose="02020603020101020101" pitchFamily="18" charset="-127"/>
+                  </a:rPr>
+                  <a:t>에서 점 </a:t>
+                </a:r>
+                <a14:m>
+                  <m:oMath xmlns:m="http://schemas.openxmlformats.org/officeDocument/2006/math">
+                    <m:r>
+                      <a:rPr lang="en-US" altLang="ko-KR" b="0" i="1" smtClean="0">
+                        <a:latin typeface="Cambria Math" panose="02040503050406030204" pitchFamily="18" charset="0"/>
+                        <a:ea typeface="서울남산체 M" panose="02020603020101020101" pitchFamily="18" charset="-127"/>
+                      </a:rPr>
+                      <m:t>𝑝</m:t>
+                    </m:r>
+                  </m:oMath>
+                </a14:m>
+                <a:r>
+                  <a:rPr lang="ko-KR" altLang="en-US" dirty="0">
+                    <a:latin typeface="서울남산체 M" panose="02020603020101020101" pitchFamily="18" charset="-127"/>
+                    <a:ea typeface="서울남산체 M" panose="02020603020101020101" pitchFamily="18" charset="-127"/>
+                  </a:rPr>
+                  <a:t>에 에너지 </a:t>
+                </a:r>
+                <a14:m>
+                  <m:oMath xmlns:m="http://schemas.openxmlformats.org/officeDocument/2006/math">
+                    <m:r>
+                      <a:rPr lang="ko-KR" altLang="en-US" i="1" smtClean="0">
+                        <a:latin typeface="Cambria Math" panose="02040503050406030204" pitchFamily="18" charset="0"/>
+                        <a:ea typeface="서울남산체 M" panose="02020603020101020101" pitchFamily="18" charset="-127"/>
+                      </a:rPr>
+                      <m:t>𝜙</m:t>
+                    </m:r>
+                  </m:oMath>
+                </a14:m>
+                <a:r>
+                  <a:rPr lang="ko-KR" altLang="en-US" dirty="0">
+                    <a:latin typeface="서울남산체 M" panose="02020603020101020101" pitchFamily="18" charset="-127"/>
+                    <a:ea typeface="서울남산체 M" panose="02020603020101020101" pitchFamily="18" charset="-127"/>
+                  </a:rPr>
+                  <a:t>를 갖고 무한 매질 안에 있는 점광원에 대한 선속은</a:t>
+                </a:r>
+                <a:endParaRPr lang="en-US" altLang="ko-KR" dirty="0">
+                  <a:latin typeface="서울남산체 M" panose="02020603020101020101" pitchFamily="18" charset="-127"/>
+                  <a:ea typeface="서울남산체 M" panose="02020603020101020101" pitchFamily="18" charset="-127"/>
+                </a:endParaRPr>
+              </a:p>
+              <a:p>
+                <a:pPr marL="284162" lvl="1" indent="0">
+                  <a:lnSpc>
+                    <a:spcPct val="100000"/>
+                  </a:lnSpc>
+                  <a:buNone/>
+                </a:pPr>
+                <a14:m>
+                  <m:oMathPara xmlns:m="http://schemas.openxmlformats.org/officeDocument/2006/math">
+                    <m:oMathParaPr>
+                      <m:jc m:val="centerGroup"/>
+                    </m:oMathParaPr>
+                    <m:oMath xmlns:m="http://schemas.openxmlformats.org/officeDocument/2006/math">
+                      <m:r>
+                        <a:rPr lang="ko-KR" altLang="en-US" i="1" smtClean="0">
+                          <a:latin typeface="Cambria Math" panose="02040503050406030204" pitchFamily="18" charset="0"/>
+                          <a:ea typeface="서울남산체 M" panose="02020603020101020101" pitchFamily="18" charset="-127"/>
+                        </a:rPr>
+                        <m:t>𝜙</m:t>
+                      </m:r>
+                      <m:d>
+                        <m:dPr>
+                          <m:ctrlPr>
+                            <a:rPr lang="en-US" altLang="ko-KR" b="0" i="1" smtClean="0">
+                              <a:latin typeface="Cambria Math" panose="02040503050406030204" pitchFamily="18" charset="0"/>
+                              <a:ea typeface="서울남산체 M" panose="02020603020101020101" pitchFamily="18" charset="-127"/>
+                            </a:rPr>
+                          </m:ctrlPr>
+                        </m:dPr>
+                        <m:e>
+                          <m:r>
+                            <a:rPr lang="en-US" altLang="ko-KR" b="0" i="1" smtClean="0">
+                              <a:latin typeface="Cambria Math" panose="02040503050406030204" pitchFamily="18" charset="0"/>
+                              <a:ea typeface="서울남산체 M" panose="02020603020101020101" pitchFamily="18" charset="-127"/>
+                            </a:rPr>
+                            <m:t>𝑝</m:t>
+                          </m:r>
+                          <m:r>
+                            <a:rPr lang="en-US" altLang="ko-KR" b="0" i="1" smtClean="0">
+                              <a:latin typeface="Cambria Math" panose="02040503050406030204" pitchFamily="18" charset="0"/>
+                              <a:ea typeface="서울남산체 M" panose="02020603020101020101" pitchFamily="18" charset="-127"/>
+                            </a:rPr>
+                            <m:t>, </m:t>
+                          </m:r>
+                          <m:sSub>
+                            <m:sSubPr>
+                              <m:ctrlPr>
+                                <a:rPr lang="en-US" altLang="ko-KR" b="0" i="1" smtClean="0">
+                                  <a:latin typeface="Cambria Math" panose="02040503050406030204" pitchFamily="18" charset="0"/>
+                                  <a:ea typeface="서울남산체 M" panose="02020603020101020101" pitchFamily="18" charset="-127"/>
+                                </a:rPr>
+                              </m:ctrlPr>
+                            </m:sSubPr>
+                            <m:e>
+                              <m:r>
+                                <a:rPr lang="en-US" altLang="ko-KR" b="0" i="1" smtClean="0">
+                                  <a:latin typeface="Cambria Math" panose="02040503050406030204" pitchFamily="18" charset="0"/>
+                                  <a:ea typeface="서울남산체 M" panose="02020603020101020101" pitchFamily="18" charset="-127"/>
+                                </a:rPr>
+                                <m:t>𝑝</m:t>
+                              </m:r>
+                            </m:e>
+                            <m:sub>
+                              <m:r>
+                                <a:rPr lang="en-US" altLang="ko-KR" b="0" i="1" smtClean="0">
+                                  <a:latin typeface="Cambria Math" panose="02040503050406030204" pitchFamily="18" charset="0"/>
+                                  <a:ea typeface="서울남산체 M" panose="02020603020101020101" pitchFamily="18" charset="-127"/>
+                                </a:rPr>
+                                <m:t>𝑖</m:t>
+                              </m:r>
+                            </m:sub>
+                          </m:sSub>
+                        </m:e>
+                      </m:d>
+                      <m:r>
+                        <a:rPr lang="en-US" altLang="ko-KR" b="0" i="1" smtClean="0">
+                          <a:latin typeface="Cambria Math" panose="02040503050406030204" pitchFamily="18" charset="0"/>
+                          <a:ea typeface="서울남산체 M" panose="02020603020101020101" pitchFamily="18" charset="-127"/>
+                        </a:rPr>
+                        <m:t>=</m:t>
+                      </m:r>
+                      <m:f>
+                        <m:fPr>
+                          <m:ctrlPr>
+                            <a:rPr lang="en-US" altLang="ko-KR" b="0" i="1" smtClean="0">
+                              <a:latin typeface="Cambria Math" panose="02040503050406030204" pitchFamily="18" charset="0"/>
+                              <a:ea typeface="서울남산체 M" panose="02020603020101020101" pitchFamily="18" charset="-127"/>
+                            </a:rPr>
+                          </m:ctrlPr>
+                        </m:fPr>
+                        <m:num>
+                          <m:r>
+                            <a:rPr lang="ko-KR" altLang="en-US" b="0" i="1" smtClean="0">
+                              <a:latin typeface="Cambria Math" panose="02040503050406030204" pitchFamily="18" charset="0"/>
+                              <a:ea typeface="서울남산체 M" panose="02020603020101020101" pitchFamily="18" charset="-127"/>
+                            </a:rPr>
+                            <m:t>𝜙</m:t>
+                          </m:r>
+                        </m:num>
+                        <m:den>
+                          <m:r>
+                            <a:rPr lang="en-US" altLang="ko-KR" b="0" i="1" smtClean="0">
+                              <a:latin typeface="Cambria Math" panose="02040503050406030204" pitchFamily="18" charset="0"/>
+                              <a:ea typeface="서울남산체 M" panose="02020603020101020101" pitchFamily="18" charset="-127"/>
+                            </a:rPr>
+                            <m:t>4</m:t>
+                          </m:r>
+                          <m:r>
+                            <a:rPr lang="ko-KR" altLang="en-US" b="0" i="1" smtClean="0">
+                              <a:latin typeface="Cambria Math" panose="02040503050406030204" pitchFamily="18" charset="0"/>
+                              <a:ea typeface="서울남산체 M" panose="02020603020101020101" pitchFamily="18" charset="-127"/>
+                            </a:rPr>
+                            <m:t>𝜋</m:t>
+                          </m:r>
+                          <m:r>
+                            <a:rPr lang="en-US" altLang="ko-KR" b="0" i="1" smtClean="0">
+                              <a:latin typeface="Cambria Math" panose="02040503050406030204" pitchFamily="18" charset="0"/>
+                              <a:ea typeface="서울남산체 M" panose="02020603020101020101" pitchFamily="18" charset="-127"/>
+                            </a:rPr>
+                            <m:t>𝐷</m:t>
+                          </m:r>
+                        </m:den>
+                      </m:f>
+                      <m:f>
+                        <m:fPr>
+                          <m:ctrlPr>
+                            <a:rPr lang="en-US" altLang="ko-KR" b="0" i="1" smtClean="0">
+                              <a:latin typeface="Cambria Math" panose="02040503050406030204" pitchFamily="18" charset="0"/>
+                              <a:ea typeface="서울남산체 M" panose="02020603020101020101" pitchFamily="18" charset="-127"/>
+                            </a:rPr>
+                          </m:ctrlPr>
+                        </m:fPr>
+                        <m:num>
+                          <m:sSup>
+                            <m:sSupPr>
+                              <m:ctrlPr>
+                                <a:rPr lang="en-US" altLang="ko-KR" b="0" i="1" smtClean="0">
+                                  <a:latin typeface="Cambria Math" panose="02040503050406030204" pitchFamily="18" charset="0"/>
+                                  <a:ea typeface="서울남산체 M" panose="02020603020101020101" pitchFamily="18" charset="-127"/>
+                                </a:rPr>
+                              </m:ctrlPr>
+                            </m:sSupPr>
+                            <m:e>
+                              <m:r>
+                                <a:rPr lang="en-US" altLang="ko-KR" b="0" i="1" smtClean="0">
+                                  <a:latin typeface="Cambria Math" panose="02040503050406030204" pitchFamily="18" charset="0"/>
+                                  <a:ea typeface="서울남산체 M" panose="02020603020101020101" pitchFamily="18" charset="-127"/>
+                                </a:rPr>
+                                <m:t>𝑒</m:t>
+                              </m:r>
+                            </m:e>
+                            <m:sup>
+                              <m:r>
+                                <a:rPr lang="en-US" altLang="ko-KR" b="0" i="1" smtClean="0">
+                                  <a:latin typeface="Cambria Math" panose="02040503050406030204" pitchFamily="18" charset="0"/>
+                                  <a:ea typeface="서울남산체 M" panose="02020603020101020101" pitchFamily="18" charset="-127"/>
+                                </a:rPr>
+                                <m:t>−</m:t>
+                              </m:r>
+                              <m:sSub>
+                                <m:sSubPr>
+                                  <m:ctrlPr>
+                                    <a:rPr lang="en-US" altLang="ko-KR" b="0" i="1" smtClean="0">
+                                      <a:latin typeface="Cambria Math" panose="02040503050406030204" pitchFamily="18" charset="0"/>
+                                      <a:ea typeface="서울남산체 M" panose="02020603020101020101" pitchFamily="18" charset="-127"/>
+                                    </a:rPr>
+                                  </m:ctrlPr>
+                                </m:sSubPr>
+                                <m:e>
+                                  <m:r>
+                                    <a:rPr lang="ko-KR" altLang="en-US" b="0" i="1" smtClean="0">
+                                      <a:latin typeface="Cambria Math" panose="02040503050406030204" pitchFamily="18" charset="0"/>
+                                      <a:ea typeface="서울남산체 M" panose="02020603020101020101" pitchFamily="18" charset="-127"/>
+                                    </a:rPr>
+                                    <m:t>𝜎</m:t>
+                                  </m:r>
+                                </m:e>
+                                <m:sub>
+                                  <m:r>
+                                    <m:rPr>
+                                      <m:sty m:val="p"/>
+                                    </m:rPr>
+                                    <a:rPr lang="en-US" altLang="ko-KR" b="0" i="0" smtClean="0">
+                                      <a:latin typeface="Cambria Math" panose="02040503050406030204" pitchFamily="18" charset="0"/>
+                                      <a:ea typeface="서울남산체 M" panose="02020603020101020101" pitchFamily="18" charset="-127"/>
+                                    </a:rPr>
+                                    <m:t>tr</m:t>
+                                  </m:r>
+                                </m:sub>
+                              </m:sSub>
+                              <m:d>
+                                <m:dPr>
+                                  <m:begChr m:val="‖"/>
+                                  <m:endChr m:val="‖"/>
+                                  <m:ctrlPr>
+                                    <a:rPr lang="en-US" altLang="ko-KR" i="1">
+                                      <a:latin typeface="Cambria Math" panose="02040503050406030204" pitchFamily="18" charset="0"/>
+                                      <a:ea typeface="서울남산체 M" panose="02020603020101020101" pitchFamily="18" charset="-127"/>
+                                    </a:rPr>
+                                  </m:ctrlPr>
+                                </m:dPr>
+                                <m:e>
+                                  <m:r>
+                                    <a:rPr lang="en-US" altLang="ko-KR" i="1">
+                                      <a:latin typeface="Cambria Math" panose="02040503050406030204" pitchFamily="18" charset="0"/>
+                                      <a:ea typeface="서울남산체 M" panose="02020603020101020101" pitchFamily="18" charset="-127"/>
+                                    </a:rPr>
+                                    <m:t>𝑝</m:t>
+                                  </m:r>
+                                  <m:r>
+                                    <a:rPr lang="en-US" altLang="ko-KR" i="1">
+                                      <a:latin typeface="Cambria Math" panose="02040503050406030204" pitchFamily="18" charset="0"/>
+                                      <a:ea typeface="서울남산체 M" panose="02020603020101020101" pitchFamily="18" charset="-127"/>
+                                    </a:rPr>
+                                    <m:t>−</m:t>
+                                  </m:r>
+                                  <m:sSub>
+                                    <m:sSubPr>
+                                      <m:ctrlPr>
+                                        <a:rPr lang="en-US" altLang="ko-KR" i="1">
+                                          <a:latin typeface="Cambria Math" panose="02040503050406030204" pitchFamily="18" charset="0"/>
+                                          <a:ea typeface="서울남산체 M" panose="02020603020101020101" pitchFamily="18" charset="-127"/>
+                                        </a:rPr>
+                                      </m:ctrlPr>
+                                    </m:sSubPr>
+                                    <m:e>
+                                      <m:r>
+                                        <a:rPr lang="en-US" altLang="ko-KR" i="1">
+                                          <a:latin typeface="Cambria Math" panose="02040503050406030204" pitchFamily="18" charset="0"/>
+                                          <a:ea typeface="서울남산체 M" panose="02020603020101020101" pitchFamily="18" charset="-127"/>
+                                        </a:rPr>
+                                        <m:t>𝑝</m:t>
+                                      </m:r>
+                                    </m:e>
+                                    <m:sub>
+                                      <m:r>
+                                        <a:rPr lang="en-US" altLang="ko-KR" i="1">
+                                          <a:latin typeface="Cambria Math" panose="02040503050406030204" pitchFamily="18" charset="0"/>
+                                          <a:ea typeface="서울남산체 M" panose="02020603020101020101" pitchFamily="18" charset="-127"/>
+                                        </a:rPr>
+                                        <m:t>𝑖</m:t>
+                                      </m:r>
+                                    </m:sub>
+                                  </m:sSub>
+                                </m:e>
+                              </m:d>
+                            </m:sup>
+                          </m:sSup>
+                        </m:num>
+                        <m:den>
+                          <m:d>
+                            <m:dPr>
+                              <m:begChr m:val="‖"/>
+                              <m:endChr m:val="‖"/>
+                              <m:ctrlPr>
+                                <a:rPr lang="en-US" altLang="ko-KR" i="1">
+                                  <a:latin typeface="Cambria Math" panose="02040503050406030204" pitchFamily="18" charset="0"/>
+                                  <a:ea typeface="서울남산체 M" panose="02020603020101020101" pitchFamily="18" charset="-127"/>
+                                </a:rPr>
+                              </m:ctrlPr>
+                            </m:dPr>
+                            <m:e>
+                              <m:r>
+                                <a:rPr lang="en-US" altLang="ko-KR" i="1">
+                                  <a:latin typeface="Cambria Math" panose="02040503050406030204" pitchFamily="18" charset="0"/>
+                                  <a:ea typeface="서울남산체 M" panose="02020603020101020101" pitchFamily="18" charset="-127"/>
+                                </a:rPr>
+                                <m:t>𝑝</m:t>
+                              </m:r>
+                              <m:r>
+                                <a:rPr lang="en-US" altLang="ko-KR" i="1">
+                                  <a:latin typeface="Cambria Math" panose="02040503050406030204" pitchFamily="18" charset="0"/>
+                                  <a:ea typeface="서울남산체 M" panose="02020603020101020101" pitchFamily="18" charset="-127"/>
+                                </a:rPr>
+                                <m:t>−</m:t>
+                              </m:r>
+                              <m:sSub>
+                                <m:sSubPr>
+                                  <m:ctrlPr>
+                                    <a:rPr lang="en-US" altLang="ko-KR" i="1">
+                                      <a:latin typeface="Cambria Math" panose="02040503050406030204" pitchFamily="18" charset="0"/>
+                                      <a:ea typeface="서울남산체 M" panose="02020603020101020101" pitchFamily="18" charset="-127"/>
+                                    </a:rPr>
+                                  </m:ctrlPr>
+                                </m:sSubPr>
+                                <m:e>
+                                  <m:r>
+                                    <a:rPr lang="en-US" altLang="ko-KR" i="1">
+                                      <a:latin typeface="Cambria Math" panose="02040503050406030204" pitchFamily="18" charset="0"/>
+                                      <a:ea typeface="서울남산체 M" panose="02020603020101020101" pitchFamily="18" charset="-127"/>
+                                    </a:rPr>
+                                    <m:t>𝑝</m:t>
+                                  </m:r>
+                                </m:e>
+                                <m:sub>
+                                  <m:r>
+                                    <a:rPr lang="en-US" altLang="ko-KR" i="1">
+                                      <a:latin typeface="Cambria Math" panose="02040503050406030204" pitchFamily="18" charset="0"/>
+                                      <a:ea typeface="서울남산체 M" panose="02020603020101020101" pitchFamily="18" charset="-127"/>
+                                    </a:rPr>
+                                    <m:t>𝑖</m:t>
+                                  </m:r>
+                                </m:sub>
+                              </m:sSub>
+                            </m:e>
+                          </m:d>
+                        </m:den>
+                      </m:f>
+                    </m:oMath>
+                    <m:oMath xmlns:m="http://schemas.openxmlformats.org/officeDocument/2006/math">
+                      <m:sSub>
+                        <m:sSubPr>
+                          <m:ctrlPr>
+                            <a:rPr lang="en-US" altLang="ko-KR" i="1">
+                              <a:latin typeface="Cambria Math" panose="02040503050406030204" pitchFamily="18" charset="0"/>
+                              <a:ea typeface="서울남산체 M" panose="02020603020101020101" pitchFamily="18" charset="-127"/>
+                            </a:rPr>
+                          </m:ctrlPr>
+                        </m:sSubPr>
+                        <m:e>
+                          <m:r>
+                            <a:rPr lang="ko-KR" altLang="en-US" i="1">
+                              <a:latin typeface="Cambria Math" panose="02040503050406030204" pitchFamily="18" charset="0"/>
+                              <a:ea typeface="서울남산체 M" panose="02020603020101020101" pitchFamily="18" charset="-127"/>
+                            </a:rPr>
+                            <m:t>𝜎</m:t>
+                          </m:r>
+                        </m:e>
+                        <m:sub>
+                          <m:r>
+                            <m:rPr>
+                              <m:sty m:val="p"/>
+                            </m:rPr>
+                            <a:rPr lang="en-US" altLang="ko-KR">
+                              <a:latin typeface="Cambria Math" panose="02040503050406030204" pitchFamily="18" charset="0"/>
+                              <a:ea typeface="서울남산체 M" panose="02020603020101020101" pitchFamily="18" charset="-127"/>
+                            </a:rPr>
+                            <m:t>tr</m:t>
+                          </m:r>
+                        </m:sub>
+                      </m:sSub>
+                      <m:r>
+                        <a:rPr lang="en-US" altLang="ko-KR" b="0" i="1" smtClean="0">
+                          <a:latin typeface="Cambria Math" panose="02040503050406030204" pitchFamily="18" charset="0"/>
+                          <a:ea typeface="서울남산체 M" panose="02020603020101020101" pitchFamily="18" charset="-127"/>
+                        </a:rPr>
+                        <m:t>=</m:t>
+                      </m:r>
+                      <m:rad>
+                        <m:radPr>
+                          <m:degHide m:val="on"/>
+                          <m:ctrlPr>
+                            <a:rPr lang="en-US" altLang="ko-KR" b="0" i="1" smtClean="0">
+                              <a:latin typeface="Cambria Math" panose="02040503050406030204" pitchFamily="18" charset="0"/>
+                              <a:ea typeface="서울남산체 M" panose="02020603020101020101" pitchFamily="18" charset="-127"/>
+                            </a:rPr>
+                          </m:ctrlPr>
+                        </m:radPr>
+                        <m:deg/>
+                        <m:e>
+                          <m:r>
+                            <a:rPr lang="en-US" altLang="ko-KR" b="0" i="1" smtClean="0">
+                              <a:latin typeface="Cambria Math" panose="02040503050406030204" pitchFamily="18" charset="0"/>
+                              <a:ea typeface="서울남산체 M" panose="02020603020101020101" pitchFamily="18" charset="-127"/>
+                            </a:rPr>
+                            <m:t>3</m:t>
+                          </m:r>
+                          <m:sSubSup>
+                            <m:sSubSupPr>
+                              <m:ctrlPr>
+                                <a:rPr lang="en-US" altLang="ko-KR" b="0" i="1" smtClean="0">
+                                  <a:latin typeface="Cambria Math" panose="02040503050406030204" pitchFamily="18" charset="0"/>
+                                  <a:ea typeface="서울남산체 M" panose="02020603020101020101" pitchFamily="18" charset="-127"/>
+                                </a:rPr>
+                              </m:ctrlPr>
+                            </m:sSubSupPr>
+                            <m:e>
+                              <m:r>
+                                <a:rPr lang="ko-KR" altLang="en-US" b="0" i="1" smtClean="0">
+                                  <a:latin typeface="Cambria Math" panose="02040503050406030204" pitchFamily="18" charset="0"/>
+                                  <a:ea typeface="서울남산체 M" panose="02020603020101020101" pitchFamily="18" charset="-127"/>
+                                </a:rPr>
+                                <m:t>𝜎</m:t>
+                              </m:r>
+                            </m:e>
+                            <m:sub>
+                              <m:r>
+                                <a:rPr lang="en-US" altLang="ko-KR" b="0" i="1" smtClean="0">
+                                  <a:latin typeface="Cambria Math" panose="02040503050406030204" pitchFamily="18" charset="0"/>
+                                  <a:ea typeface="서울남산체 M" panose="02020603020101020101" pitchFamily="18" charset="-127"/>
+                                </a:rPr>
+                                <m:t>𝑡</m:t>
+                              </m:r>
+                            </m:sub>
+                            <m:sup>
+                              <m:r>
+                                <a:rPr lang="en-US" altLang="ko-KR" b="0" i="1" smtClean="0">
+                                  <a:latin typeface="Cambria Math" panose="02040503050406030204" pitchFamily="18" charset="0"/>
+                                  <a:ea typeface="서울남산체 M" panose="02020603020101020101" pitchFamily="18" charset="-127"/>
+                                </a:rPr>
+                                <m:t>′</m:t>
+                              </m:r>
+                            </m:sup>
+                          </m:sSubSup>
+                          <m:sSub>
+                            <m:sSubPr>
+                              <m:ctrlPr>
+                                <a:rPr lang="en-US" altLang="ko-KR" b="0" i="1" smtClean="0">
+                                  <a:latin typeface="Cambria Math" panose="02040503050406030204" pitchFamily="18" charset="0"/>
+                                  <a:ea typeface="서울남산체 M" panose="02020603020101020101" pitchFamily="18" charset="-127"/>
+                                </a:rPr>
+                              </m:ctrlPr>
+                            </m:sSubPr>
+                            <m:e>
+                              <m:r>
+                                <a:rPr lang="ko-KR" altLang="en-US" b="0" i="1" smtClean="0">
+                                  <a:latin typeface="Cambria Math" panose="02040503050406030204" pitchFamily="18" charset="0"/>
+                                  <a:ea typeface="서울남산체 M" panose="02020603020101020101" pitchFamily="18" charset="-127"/>
+                                </a:rPr>
+                                <m:t>𝜎</m:t>
+                              </m:r>
+                            </m:e>
+                            <m:sub>
+                              <m:r>
+                                <a:rPr lang="en-US" altLang="ko-KR" b="0" i="1" smtClean="0">
+                                  <a:latin typeface="Cambria Math" panose="02040503050406030204" pitchFamily="18" charset="0"/>
+                                  <a:ea typeface="서울남산체 M" panose="02020603020101020101" pitchFamily="18" charset="-127"/>
+                                </a:rPr>
+                                <m:t>𝑎</m:t>
+                              </m:r>
+                            </m:sub>
+                          </m:sSub>
+                        </m:e>
+                      </m:rad>
+                      <m:r>
+                        <a:rPr lang="en-US" altLang="ko-KR" b="0" i="1" smtClean="0">
+                          <a:latin typeface="Cambria Math" panose="02040503050406030204" pitchFamily="18" charset="0"/>
+                          <a:ea typeface="서울남산체 M" panose="02020603020101020101" pitchFamily="18" charset="-127"/>
+                        </a:rPr>
+                        <m:t>, </m:t>
+                      </m:r>
+                      <m:r>
+                        <a:rPr lang="en-US" altLang="ko-KR" b="0" i="1" smtClean="0">
+                          <a:latin typeface="Cambria Math" panose="02040503050406030204" pitchFamily="18" charset="0"/>
+                          <a:ea typeface="서울남산체 M" panose="02020603020101020101" pitchFamily="18" charset="-127"/>
+                        </a:rPr>
+                        <m:t>𝐷</m:t>
+                      </m:r>
+                      <m:r>
+                        <a:rPr lang="en-US" altLang="ko-KR" b="0" i="1" smtClean="0">
+                          <a:latin typeface="Cambria Math" panose="02040503050406030204" pitchFamily="18" charset="0"/>
+                          <a:ea typeface="서울남산체 M" panose="02020603020101020101" pitchFamily="18" charset="-127"/>
+                        </a:rPr>
+                        <m:t>=1/(3</m:t>
+                      </m:r>
+                      <m:sSubSup>
+                        <m:sSubSupPr>
+                          <m:ctrlPr>
+                            <a:rPr lang="en-US" altLang="ko-KR" b="0" i="1" smtClean="0">
+                              <a:latin typeface="Cambria Math" panose="02040503050406030204" pitchFamily="18" charset="0"/>
+                              <a:ea typeface="서울남산체 M" panose="02020603020101020101" pitchFamily="18" charset="-127"/>
+                            </a:rPr>
+                          </m:ctrlPr>
+                        </m:sSubSupPr>
+                        <m:e>
+                          <m:r>
+                            <a:rPr lang="ko-KR" altLang="en-US" b="0" i="1" smtClean="0">
+                              <a:latin typeface="Cambria Math" panose="02040503050406030204" pitchFamily="18" charset="0"/>
+                              <a:ea typeface="서울남산체 M" panose="02020603020101020101" pitchFamily="18" charset="-127"/>
+                            </a:rPr>
+                            <m:t>𝜎</m:t>
+                          </m:r>
+                        </m:e>
+                        <m:sub>
+                          <m:r>
+                            <a:rPr lang="en-US" altLang="ko-KR" b="0" i="1" smtClean="0">
+                              <a:latin typeface="Cambria Math" panose="02040503050406030204" pitchFamily="18" charset="0"/>
+                              <a:ea typeface="서울남산체 M" panose="02020603020101020101" pitchFamily="18" charset="-127"/>
+                            </a:rPr>
+                            <m:t>𝑡</m:t>
+                          </m:r>
+                        </m:sub>
+                        <m:sup>
+                          <m:r>
+                            <a:rPr lang="en-US" altLang="ko-KR" b="0" i="1" smtClean="0">
+                              <a:latin typeface="Cambria Math" panose="02040503050406030204" pitchFamily="18" charset="0"/>
+                              <a:ea typeface="서울남산체 M" panose="02020603020101020101" pitchFamily="18" charset="-127"/>
+                            </a:rPr>
+                            <m:t>′</m:t>
+                          </m:r>
+                        </m:sup>
+                      </m:sSubSup>
+                      <m:r>
+                        <a:rPr lang="en-US" altLang="ko-KR" b="0" i="1" smtClean="0">
+                          <a:latin typeface="Cambria Math" panose="02040503050406030204" pitchFamily="18" charset="0"/>
+                          <a:ea typeface="서울남산체 M" panose="02020603020101020101" pitchFamily="18" charset="-127"/>
+                        </a:rPr>
+                        <m:t>)</m:t>
+                      </m:r>
+                    </m:oMath>
+                  </m:oMathPara>
+                </a14:m>
+                <a:endParaRPr lang="en-US" altLang="ko-KR" b="0" dirty="0">
+                  <a:latin typeface="서울남산체 M" panose="02020603020101020101" pitchFamily="18" charset="-127"/>
+                  <a:ea typeface="서울남산체 M" panose="02020603020101020101" pitchFamily="18" charset="-127"/>
+                </a:endParaRPr>
+              </a:p>
+            </p:txBody>
+          </p:sp>
+        </mc:Choice>
+        <mc:Fallback>
+          <p:sp>
+            <p:nvSpPr>
+              <p:cNvPr id="3" name="Text Placeholder 2"/>
+              <p:cNvSpPr>
+                <a:spLocks noGrp="1" noRot="1" noChangeAspect="1" noMove="1" noResize="1" noEditPoints="1" noAdjustHandles="1" noChangeArrowheads="1" noChangeShapeType="1" noTextEdit="1"/>
+              </p:cNvSpPr>
+              <p:nvPr>
+                <p:ph type="body" sz="quarter" idx="10"/>
+              </p:nvPr>
+            </p:nvSpPr>
+            <p:spPr>
+              <a:blipFill>
+                <a:blip r:embed="rId3"/>
+                <a:stretch>
+                  <a:fillRect l="-1639" t="-2219"/>
+                </a:stretch>
+              </a:blipFill>
+            </p:spPr>
+            <p:txBody>
+              <a:bodyPr/>
+              <a:lstStyle/>
+              <a:p>
+                <a:r>
+                  <a:rPr lang="ko-KR" altLang="en-US">
+                    <a:noFill/>
+                  </a:rPr>
+                  <a:t> </a:t>
+                </a:r>
+              </a:p>
+            </p:txBody>
+          </p:sp>
+        </mc:Fallback>
+      </mc:AlternateContent>
+      <p:sp>
+        <p:nvSpPr>
+          <p:cNvPr id="2" name="Title 1"/>
+          <p:cNvSpPr>
+            <a:spLocks noGrp="1"/>
+          </p:cNvSpPr>
+          <p:nvPr>
+            <p:ph type="title"/>
+          </p:nvPr>
+        </p:nvSpPr>
+        <p:spPr>
+          <a:xfrm>
+            <a:off x="519248" y="543951"/>
+            <a:ext cx="11151917" cy="747897"/>
+          </a:xfrm>
+        </p:spPr>
+        <p:txBody>
+          <a:bodyPr/>
+          <a:lstStyle/>
+          <a:p>
+            <a:r>
+              <a:rPr lang="en-US" dirty="0"/>
+              <a:t>The Dipole Diffusion Approximation</a:t>
+            </a:r>
+          </a:p>
+        </p:txBody>
+      </p:sp>
+      <p:sp>
+        <p:nvSpPr>
+          <p:cNvPr id="4" name="Slide Number Placeholder 3"/>
+          <p:cNvSpPr>
+            <a:spLocks noGrp="1"/>
+          </p:cNvSpPr>
+          <p:nvPr>
+            <p:ph type="sldNum" sz="quarter" idx="4"/>
+          </p:nvPr>
+        </p:nvSpPr>
+        <p:spPr/>
+        <p:txBody>
+          <a:bodyPr/>
+          <a:lstStyle/>
+          <a:p>
+            <a:fld id="{6B5C536E-FA7B-40DC-A296-D7EC18490057}" type="slidenum">
+              <a:rPr lang="ko-KR" altLang="en-US" smtClean="0"/>
+              <a:pPr/>
+              <a:t>9</a:t>
+            </a:fld>
+            <a:endParaRPr lang="ko-KR" altLang="en-US"/>
+          </a:p>
+        </p:txBody>
+      </p:sp>
+    </p:spTree>
+    <p:extLst>
+      <p:ext uri="{BB962C8B-B14F-4D97-AF65-F5344CB8AC3E}">
+        <p14:creationId xmlns:p14="http://schemas.microsoft.com/office/powerpoint/2010/main" val="253727043"/>
       </p:ext>
     </p:extLst>
   </p:cSld>

--- a/Physically Based Rendering - Chapter 16, Part 3.pptx
+++ b/Physically Based Rendering - Chapter 16, Part 3.pptx
@@ -5,10 +5,10 @@
     <p:sldMasterId id="2147483672" r:id="rId1"/>
   </p:sldMasterIdLst>
   <p:notesMasterIdLst>
-    <p:notesMasterId r:id="rId14"/>
+    <p:notesMasterId r:id="rId21"/>
   </p:notesMasterIdLst>
   <p:handoutMasterIdLst>
-    <p:handoutMasterId r:id="rId15"/>
+    <p:handoutMasterId r:id="rId22"/>
   </p:handoutMasterIdLst>
   <p:sldIdLst>
     <p:sldId id="329" r:id="rId2"/>
@@ -23,41 +23,48 @@
     <p:sldId id="386" r:id="rId11"/>
     <p:sldId id="385" r:id="rId12"/>
     <p:sldId id="387" r:id="rId13"/>
+    <p:sldId id="388" r:id="rId14"/>
+    <p:sldId id="389" r:id="rId15"/>
+    <p:sldId id="390" r:id="rId16"/>
+    <p:sldId id="391" r:id="rId17"/>
+    <p:sldId id="392" r:id="rId18"/>
+    <p:sldId id="393" r:id="rId19"/>
+    <p:sldId id="394" r:id="rId20"/>
   </p:sldIdLst>
   <p:sldSz cx="12192000" cy="6858000"/>
   <p:notesSz cx="6858000" cy="9144000"/>
   <p:embeddedFontLst>
     <p:embeddedFont>
+      <p:font typeface="Segoe UI Light" panose="020B0502040204020203" pitchFamily="34" charset="0"/>
+      <p:regular r:id="rId23"/>
+      <p:italic r:id="rId24"/>
+    </p:embeddedFont>
+    <p:embeddedFont>
+      <p:font typeface="맑은 고딕" panose="020B0503020000020004" pitchFamily="34" charset="-127"/>
+      <p:regular r:id="rId25"/>
+      <p:bold r:id="rId26"/>
+    </p:embeddedFont>
+    <p:embeddedFont>
       <p:font typeface="Calibri" panose="020F0502020204030204" pitchFamily="34" charset="0"/>
-      <p:regular r:id="rId16"/>
-      <p:bold r:id="rId17"/>
-      <p:italic r:id="rId18"/>
-      <p:boldItalic r:id="rId19"/>
+      <p:regular r:id="rId27"/>
+      <p:bold r:id="rId28"/>
+      <p:italic r:id="rId29"/>
+      <p:boldItalic r:id="rId30"/>
+    </p:embeddedFont>
+    <p:embeddedFont>
+      <p:font typeface="서울남산체 M" panose="02020503020101020101" pitchFamily="18" charset="-127"/>
+      <p:regular r:id="rId31"/>
     </p:embeddedFont>
     <p:embeddedFont>
       <p:font typeface="Segoe UI" panose="020B0502040204020203" pitchFamily="34" charset="0"/>
-      <p:regular r:id="rId20"/>
-      <p:bold r:id="rId21"/>
-      <p:italic r:id="rId22"/>
-      <p:boldItalic r:id="rId23"/>
+      <p:regular r:id="rId32"/>
+      <p:bold r:id="rId33"/>
+      <p:italic r:id="rId34"/>
+      <p:boldItalic r:id="rId35"/>
     </p:embeddedFont>
     <p:embeddedFont>
       <p:font typeface="Cambria Math" panose="02040503050406030204" pitchFamily="18" charset="0"/>
-      <p:regular r:id="rId24"/>
-    </p:embeddedFont>
-    <p:embeddedFont>
-      <p:font typeface="서울남산체 M" panose="02020603020101020101" pitchFamily="18" charset="-127"/>
-      <p:regular r:id="rId25"/>
-    </p:embeddedFont>
-    <p:embeddedFont>
-      <p:font typeface="Segoe UI Light" panose="020B0502040204020203" pitchFamily="34" charset="0"/>
-      <p:regular r:id="rId26"/>
-      <p:italic r:id="rId27"/>
-    </p:embeddedFont>
-    <p:embeddedFont>
-      <p:font typeface="맑은 고딕" panose="020B0503020000020004" pitchFamily="50" charset="-127"/>
-      <p:regular r:id="rId28"/>
-      <p:bold r:id="rId29"/>
+      <p:regular r:id="rId36"/>
     </p:embeddedFont>
   </p:embeddedFontLst>
   <p:defaultTextStyle>
@@ -263,7 +270,7 @@
           <a:p>
             <a:fld id="{9476D1C5-1084-402D-85B0-DF3E2A452BD1}" type="datetimeFigureOut">
               <a:rPr lang="ko-KR" altLang="en-US" smtClean="0"/>
-              <a:t>2017-12-13</a:t>
+              <a:t>2017-12-14</a:t>
             </a:fld>
             <a:endParaRPr lang="ko-KR" altLang="en-US"/>
           </a:p>
@@ -428,7 +435,7 @@
           <a:p>
             <a:fld id="{931411E2-7637-42C8-8B47-ACDEF4E701D2}" type="datetimeFigureOut">
               <a:rPr lang="en-US" smtClean="0"/>
-              <a:t>12/13/2017</a:t>
+              <a:t>12/14/2017</a:t>
             </a:fld>
             <a:endParaRPr lang="en-US"/>
           </a:p>
@@ -1022,6 +1029,594 @@
     <p:extLst>
       <p:ext uri="{BB962C8B-B14F-4D97-AF65-F5344CB8AC3E}">
         <p14:creationId xmlns:p14="http://schemas.microsoft.com/office/powerpoint/2010/main" val="764724645"/>
+      </p:ext>
+    </p:extLst>
+  </p:cSld>
+  <p:clrMapOvr>
+    <a:masterClrMapping/>
+  </p:clrMapOvr>
+</p:notes>
+</file>
+
+<file path=ppt/notesSlides/notesSlide13.xml><?xml version="1.0" encoding="utf-8"?>
+<p:notes xmlns:a="http://schemas.openxmlformats.org/drawingml/2006/main" xmlns:r="http://schemas.openxmlformats.org/officeDocument/2006/relationships" xmlns:p="http://schemas.openxmlformats.org/presentationml/2006/main">
+  <p:cSld>
+    <p:spTree>
+      <p:nvGrpSpPr>
+        <p:cNvPr id="1" name=""/>
+        <p:cNvGrpSpPr/>
+        <p:nvPr/>
+      </p:nvGrpSpPr>
+      <p:grpSpPr>
+        <a:xfrm>
+          <a:off x="0" y="0"/>
+          <a:ext cx="0" cy="0"/>
+          <a:chOff x="0" y="0"/>
+          <a:chExt cx="0" cy="0"/>
+        </a:xfrm>
+      </p:grpSpPr>
+      <p:sp>
+        <p:nvSpPr>
+          <p:cNvPr id="2" name="Slide Image Placeholder 1"/>
+          <p:cNvSpPr>
+            <a:spLocks noGrp="1" noRot="1" noChangeAspect="1"/>
+          </p:cNvSpPr>
+          <p:nvPr>
+            <p:ph type="sldImg"/>
+          </p:nvPr>
+        </p:nvSpPr>
+        <p:spPr/>
+      </p:sp>
+      <p:sp>
+        <p:nvSpPr>
+          <p:cNvPr id="3" name="Notes Placeholder 2"/>
+          <p:cNvSpPr>
+            <a:spLocks noGrp="1"/>
+          </p:cNvSpPr>
+          <p:nvPr>
+            <p:ph type="body" idx="1"/>
+          </p:nvPr>
+        </p:nvSpPr>
+        <p:spPr/>
+        <p:txBody>
+          <a:bodyPr/>
+          <a:lstStyle/>
+          <a:p>
+            <a:endParaRPr lang="en-US"/>
+          </a:p>
+        </p:txBody>
+      </p:sp>
+      <p:sp>
+        <p:nvSpPr>
+          <p:cNvPr id="4" name="Slide Number Placeholder 3"/>
+          <p:cNvSpPr>
+            <a:spLocks noGrp="1"/>
+          </p:cNvSpPr>
+          <p:nvPr>
+            <p:ph type="sldNum" sz="quarter" idx="10"/>
+          </p:nvPr>
+        </p:nvSpPr>
+        <p:spPr/>
+        <p:txBody>
+          <a:bodyPr/>
+          <a:lstStyle/>
+          <a:p>
+            <a:fld id="{80E5F7B1-A22B-4383-89B4-FA12AEED286C}" type="slidenum">
+              <a:rPr lang="en-US" smtClean="0"/>
+              <a:t>13</a:t>
+            </a:fld>
+            <a:endParaRPr lang="en-US"/>
+          </a:p>
+        </p:txBody>
+      </p:sp>
+    </p:spTree>
+    <p:extLst>
+      <p:ext uri="{BB962C8B-B14F-4D97-AF65-F5344CB8AC3E}">
+        <p14:creationId xmlns:p14="http://schemas.microsoft.com/office/powerpoint/2010/main" val="2774526070"/>
+      </p:ext>
+    </p:extLst>
+  </p:cSld>
+  <p:clrMapOvr>
+    <a:masterClrMapping/>
+  </p:clrMapOvr>
+</p:notes>
+</file>
+
+<file path=ppt/notesSlides/notesSlide14.xml><?xml version="1.0" encoding="utf-8"?>
+<p:notes xmlns:a="http://schemas.openxmlformats.org/drawingml/2006/main" xmlns:r="http://schemas.openxmlformats.org/officeDocument/2006/relationships" xmlns:p="http://schemas.openxmlformats.org/presentationml/2006/main">
+  <p:cSld>
+    <p:spTree>
+      <p:nvGrpSpPr>
+        <p:cNvPr id="1" name=""/>
+        <p:cNvGrpSpPr/>
+        <p:nvPr/>
+      </p:nvGrpSpPr>
+      <p:grpSpPr>
+        <a:xfrm>
+          <a:off x="0" y="0"/>
+          <a:ext cx="0" cy="0"/>
+          <a:chOff x="0" y="0"/>
+          <a:chExt cx="0" cy="0"/>
+        </a:xfrm>
+      </p:grpSpPr>
+      <p:sp>
+        <p:nvSpPr>
+          <p:cNvPr id="2" name="Slide Image Placeholder 1"/>
+          <p:cNvSpPr>
+            <a:spLocks noGrp="1" noRot="1" noChangeAspect="1"/>
+          </p:cNvSpPr>
+          <p:nvPr>
+            <p:ph type="sldImg"/>
+          </p:nvPr>
+        </p:nvSpPr>
+        <p:spPr/>
+      </p:sp>
+      <p:sp>
+        <p:nvSpPr>
+          <p:cNvPr id="3" name="Notes Placeholder 2"/>
+          <p:cNvSpPr>
+            <a:spLocks noGrp="1"/>
+          </p:cNvSpPr>
+          <p:nvPr>
+            <p:ph type="body" idx="1"/>
+          </p:nvPr>
+        </p:nvSpPr>
+        <p:spPr/>
+        <p:txBody>
+          <a:bodyPr/>
+          <a:lstStyle/>
+          <a:p>
+            <a:endParaRPr lang="en-US"/>
+          </a:p>
+        </p:txBody>
+      </p:sp>
+      <p:sp>
+        <p:nvSpPr>
+          <p:cNvPr id="4" name="Slide Number Placeholder 3"/>
+          <p:cNvSpPr>
+            <a:spLocks noGrp="1"/>
+          </p:cNvSpPr>
+          <p:nvPr>
+            <p:ph type="sldNum" sz="quarter" idx="10"/>
+          </p:nvPr>
+        </p:nvSpPr>
+        <p:spPr/>
+        <p:txBody>
+          <a:bodyPr/>
+          <a:lstStyle/>
+          <a:p>
+            <a:fld id="{80E5F7B1-A22B-4383-89B4-FA12AEED286C}" type="slidenum">
+              <a:rPr lang="en-US" smtClean="0"/>
+              <a:t>14</a:t>
+            </a:fld>
+            <a:endParaRPr lang="en-US"/>
+          </a:p>
+        </p:txBody>
+      </p:sp>
+    </p:spTree>
+    <p:extLst>
+      <p:ext uri="{BB962C8B-B14F-4D97-AF65-F5344CB8AC3E}">
+        <p14:creationId xmlns:p14="http://schemas.microsoft.com/office/powerpoint/2010/main" val="2408965447"/>
+      </p:ext>
+    </p:extLst>
+  </p:cSld>
+  <p:clrMapOvr>
+    <a:masterClrMapping/>
+  </p:clrMapOvr>
+</p:notes>
+</file>
+
+<file path=ppt/notesSlides/notesSlide15.xml><?xml version="1.0" encoding="utf-8"?>
+<p:notes xmlns:a="http://schemas.openxmlformats.org/drawingml/2006/main" xmlns:r="http://schemas.openxmlformats.org/officeDocument/2006/relationships" xmlns:p="http://schemas.openxmlformats.org/presentationml/2006/main">
+  <p:cSld>
+    <p:spTree>
+      <p:nvGrpSpPr>
+        <p:cNvPr id="1" name=""/>
+        <p:cNvGrpSpPr/>
+        <p:nvPr/>
+      </p:nvGrpSpPr>
+      <p:grpSpPr>
+        <a:xfrm>
+          <a:off x="0" y="0"/>
+          <a:ext cx="0" cy="0"/>
+          <a:chOff x="0" y="0"/>
+          <a:chExt cx="0" cy="0"/>
+        </a:xfrm>
+      </p:grpSpPr>
+      <p:sp>
+        <p:nvSpPr>
+          <p:cNvPr id="2" name="Slide Image Placeholder 1"/>
+          <p:cNvSpPr>
+            <a:spLocks noGrp="1" noRot="1" noChangeAspect="1"/>
+          </p:cNvSpPr>
+          <p:nvPr>
+            <p:ph type="sldImg"/>
+          </p:nvPr>
+        </p:nvSpPr>
+        <p:spPr/>
+      </p:sp>
+      <p:sp>
+        <p:nvSpPr>
+          <p:cNvPr id="3" name="Notes Placeholder 2"/>
+          <p:cNvSpPr>
+            <a:spLocks noGrp="1"/>
+          </p:cNvSpPr>
+          <p:nvPr>
+            <p:ph type="body" idx="1"/>
+          </p:nvPr>
+        </p:nvSpPr>
+        <p:spPr/>
+        <p:txBody>
+          <a:bodyPr/>
+          <a:lstStyle/>
+          <a:p>
+            <a:endParaRPr lang="en-US"/>
+          </a:p>
+        </p:txBody>
+      </p:sp>
+      <p:sp>
+        <p:nvSpPr>
+          <p:cNvPr id="4" name="Slide Number Placeholder 3"/>
+          <p:cNvSpPr>
+            <a:spLocks noGrp="1"/>
+          </p:cNvSpPr>
+          <p:nvPr>
+            <p:ph type="sldNum" sz="quarter" idx="10"/>
+          </p:nvPr>
+        </p:nvSpPr>
+        <p:spPr/>
+        <p:txBody>
+          <a:bodyPr/>
+          <a:lstStyle/>
+          <a:p>
+            <a:fld id="{80E5F7B1-A22B-4383-89B4-FA12AEED286C}" type="slidenum">
+              <a:rPr lang="en-US" smtClean="0"/>
+              <a:t>15</a:t>
+            </a:fld>
+            <a:endParaRPr lang="en-US"/>
+          </a:p>
+        </p:txBody>
+      </p:sp>
+    </p:spTree>
+    <p:extLst>
+      <p:ext uri="{BB962C8B-B14F-4D97-AF65-F5344CB8AC3E}">
+        <p14:creationId xmlns:p14="http://schemas.microsoft.com/office/powerpoint/2010/main" val="2682995723"/>
+      </p:ext>
+    </p:extLst>
+  </p:cSld>
+  <p:clrMapOvr>
+    <a:masterClrMapping/>
+  </p:clrMapOvr>
+</p:notes>
+</file>
+
+<file path=ppt/notesSlides/notesSlide16.xml><?xml version="1.0" encoding="utf-8"?>
+<p:notes xmlns:a="http://schemas.openxmlformats.org/drawingml/2006/main" xmlns:r="http://schemas.openxmlformats.org/officeDocument/2006/relationships" xmlns:p="http://schemas.openxmlformats.org/presentationml/2006/main">
+  <p:cSld>
+    <p:spTree>
+      <p:nvGrpSpPr>
+        <p:cNvPr id="1" name=""/>
+        <p:cNvGrpSpPr/>
+        <p:nvPr/>
+      </p:nvGrpSpPr>
+      <p:grpSpPr>
+        <a:xfrm>
+          <a:off x="0" y="0"/>
+          <a:ext cx="0" cy="0"/>
+          <a:chOff x="0" y="0"/>
+          <a:chExt cx="0" cy="0"/>
+        </a:xfrm>
+      </p:grpSpPr>
+      <p:sp>
+        <p:nvSpPr>
+          <p:cNvPr id="2" name="Slide Image Placeholder 1"/>
+          <p:cNvSpPr>
+            <a:spLocks noGrp="1" noRot="1" noChangeAspect="1"/>
+          </p:cNvSpPr>
+          <p:nvPr>
+            <p:ph type="sldImg"/>
+          </p:nvPr>
+        </p:nvSpPr>
+        <p:spPr/>
+      </p:sp>
+      <p:sp>
+        <p:nvSpPr>
+          <p:cNvPr id="3" name="Notes Placeholder 2"/>
+          <p:cNvSpPr>
+            <a:spLocks noGrp="1"/>
+          </p:cNvSpPr>
+          <p:nvPr>
+            <p:ph type="body" idx="1"/>
+          </p:nvPr>
+        </p:nvSpPr>
+        <p:spPr/>
+        <p:txBody>
+          <a:bodyPr/>
+          <a:lstStyle/>
+          <a:p>
+            <a:endParaRPr lang="en-US"/>
+          </a:p>
+        </p:txBody>
+      </p:sp>
+      <p:sp>
+        <p:nvSpPr>
+          <p:cNvPr id="4" name="Slide Number Placeholder 3"/>
+          <p:cNvSpPr>
+            <a:spLocks noGrp="1"/>
+          </p:cNvSpPr>
+          <p:nvPr>
+            <p:ph type="sldNum" sz="quarter" idx="10"/>
+          </p:nvPr>
+        </p:nvSpPr>
+        <p:spPr/>
+        <p:txBody>
+          <a:bodyPr/>
+          <a:lstStyle/>
+          <a:p>
+            <a:fld id="{80E5F7B1-A22B-4383-89B4-FA12AEED286C}" type="slidenum">
+              <a:rPr lang="en-US" smtClean="0"/>
+              <a:t>16</a:t>
+            </a:fld>
+            <a:endParaRPr lang="en-US"/>
+          </a:p>
+        </p:txBody>
+      </p:sp>
+    </p:spTree>
+    <p:extLst>
+      <p:ext uri="{BB962C8B-B14F-4D97-AF65-F5344CB8AC3E}">
+        <p14:creationId xmlns:p14="http://schemas.microsoft.com/office/powerpoint/2010/main" val="1236017042"/>
+      </p:ext>
+    </p:extLst>
+  </p:cSld>
+  <p:clrMapOvr>
+    <a:masterClrMapping/>
+  </p:clrMapOvr>
+</p:notes>
+</file>
+
+<file path=ppt/notesSlides/notesSlide17.xml><?xml version="1.0" encoding="utf-8"?>
+<p:notes xmlns:a="http://schemas.openxmlformats.org/drawingml/2006/main" xmlns:r="http://schemas.openxmlformats.org/officeDocument/2006/relationships" xmlns:p="http://schemas.openxmlformats.org/presentationml/2006/main">
+  <p:cSld>
+    <p:spTree>
+      <p:nvGrpSpPr>
+        <p:cNvPr id="1" name=""/>
+        <p:cNvGrpSpPr/>
+        <p:nvPr/>
+      </p:nvGrpSpPr>
+      <p:grpSpPr>
+        <a:xfrm>
+          <a:off x="0" y="0"/>
+          <a:ext cx="0" cy="0"/>
+          <a:chOff x="0" y="0"/>
+          <a:chExt cx="0" cy="0"/>
+        </a:xfrm>
+      </p:grpSpPr>
+      <p:sp>
+        <p:nvSpPr>
+          <p:cNvPr id="2" name="Slide Image Placeholder 1"/>
+          <p:cNvSpPr>
+            <a:spLocks noGrp="1" noRot="1" noChangeAspect="1"/>
+          </p:cNvSpPr>
+          <p:nvPr>
+            <p:ph type="sldImg"/>
+          </p:nvPr>
+        </p:nvSpPr>
+        <p:spPr/>
+      </p:sp>
+      <p:sp>
+        <p:nvSpPr>
+          <p:cNvPr id="3" name="Notes Placeholder 2"/>
+          <p:cNvSpPr>
+            <a:spLocks noGrp="1"/>
+          </p:cNvSpPr>
+          <p:nvPr>
+            <p:ph type="body" idx="1"/>
+          </p:nvPr>
+        </p:nvSpPr>
+        <p:spPr/>
+        <p:txBody>
+          <a:bodyPr/>
+          <a:lstStyle/>
+          <a:p>
+            <a:endParaRPr lang="en-US"/>
+          </a:p>
+        </p:txBody>
+      </p:sp>
+      <p:sp>
+        <p:nvSpPr>
+          <p:cNvPr id="4" name="Slide Number Placeholder 3"/>
+          <p:cNvSpPr>
+            <a:spLocks noGrp="1"/>
+          </p:cNvSpPr>
+          <p:nvPr>
+            <p:ph type="sldNum" sz="quarter" idx="10"/>
+          </p:nvPr>
+        </p:nvSpPr>
+        <p:spPr/>
+        <p:txBody>
+          <a:bodyPr/>
+          <a:lstStyle/>
+          <a:p>
+            <a:fld id="{80E5F7B1-A22B-4383-89B4-FA12AEED286C}" type="slidenum">
+              <a:rPr lang="en-US" smtClean="0"/>
+              <a:t>17</a:t>
+            </a:fld>
+            <a:endParaRPr lang="en-US"/>
+          </a:p>
+        </p:txBody>
+      </p:sp>
+    </p:spTree>
+    <p:extLst>
+      <p:ext uri="{BB962C8B-B14F-4D97-AF65-F5344CB8AC3E}">
+        <p14:creationId xmlns:p14="http://schemas.microsoft.com/office/powerpoint/2010/main" val="2218878953"/>
+      </p:ext>
+    </p:extLst>
+  </p:cSld>
+  <p:clrMapOvr>
+    <a:masterClrMapping/>
+  </p:clrMapOvr>
+</p:notes>
+</file>
+
+<file path=ppt/notesSlides/notesSlide18.xml><?xml version="1.0" encoding="utf-8"?>
+<p:notes xmlns:a="http://schemas.openxmlformats.org/drawingml/2006/main" xmlns:r="http://schemas.openxmlformats.org/officeDocument/2006/relationships" xmlns:p="http://schemas.openxmlformats.org/presentationml/2006/main">
+  <p:cSld>
+    <p:spTree>
+      <p:nvGrpSpPr>
+        <p:cNvPr id="1" name=""/>
+        <p:cNvGrpSpPr/>
+        <p:nvPr/>
+      </p:nvGrpSpPr>
+      <p:grpSpPr>
+        <a:xfrm>
+          <a:off x="0" y="0"/>
+          <a:ext cx="0" cy="0"/>
+          <a:chOff x="0" y="0"/>
+          <a:chExt cx="0" cy="0"/>
+        </a:xfrm>
+      </p:grpSpPr>
+      <p:sp>
+        <p:nvSpPr>
+          <p:cNvPr id="2" name="Slide Image Placeholder 1"/>
+          <p:cNvSpPr>
+            <a:spLocks noGrp="1" noRot="1" noChangeAspect="1"/>
+          </p:cNvSpPr>
+          <p:nvPr>
+            <p:ph type="sldImg"/>
+          </p:nvPr>
+        </p:nvSpPr>
+        <p:spPr/>
+      </p:sp>
+      <p:sp>
+        <p:nvSpPr>
+          <p:cNvPr id="3" name="Notes Placeholder 2"/>
+          <p:cNvSpPr>
+            <a:spLocks noGrp="1"/>
+          </p:cNvSpPr>
+          <p:nvPr>
+            <p:ph type="body" idx="1"/>
+          </p:nvPr>
+        </p:nvSpPr>
+        <p:spPr/>
+        <p:txBody>
+          <a:bodyPr/>
+          <a:lstStyle/>
+          <a:p>
+            <a:endParaRPr lang="en-US"/>
+          </a:p>
+        </p:txBody>
+      </p:sp>
+      <p:sp>
+        <p:nvSpPr>
+          <p:cNvPr id="4" name="Slide Number Placeholder 3"/>
+          <p:cNvSpPr>
+            <a:spLocks noGrp="1"/>
+          </p:cNvSpPr>
+          <p:nvPr>
+            <p:ph type="sldNum" sz="quarter" idx="10"/>
+          </p:nvPr>
+        </p:nvSpPr>
+        <p:spPr/>
+        <p:txBody>
+          <a:bodyPr/>
+          <a:lstStyle/>
+          <a:p>
+            <a:fld id="{80E5F7B1-A22B-4383-89B4-FA12AEED286C}" type="slidenum">
+              <a:rPr lang="en-US" smtClean="0"/>
+              <a:t>18</a:t>
+            </a:fld>
+            <a:endParaRPr lang="en-US"/>
+          </a:p>
+        </p:txBody>
+      </p:sp>
+    </p:spTree>
+    <p:extLst>
+      <p:ext uri="{BB962C8B-B14F-4D97-AF65-F5344CB8AC3E}">
+        <p14:creationId xmlns:p14="http://schemas.microsoft.com/office/powerpoint/2010/main" val="954881000"/>
+      </p:ext>
+    </p:extLst>
+  </p:cSld>
+  <p:clrMapOvr>
+    <a:masterClrMapping/>
+  </p:clrMapOvr>
+</p:notes>
+</file>
+
+<file path=ppt/notesSlides/notesSlide19.xml><?xml version="1.0" encoding="utf-8"?>
+<p:notes xmlns:a="http://schemas.openxmlformats.org/drawingml/2006/main" xmlns:r="http://schemas.openxmlformats.org/officeDocument/2006/relationships" xmlns:p="http://schemas.openxmlformats.org/presentationml/2006/main">
+  <p:cSld>
+    <p:spTree>
+      <p:nvGrpSpPr>
+        <p:cNvPr id="1" name=""/>
+        <p:cNvGrpSpPr/>
+        <p:nvPr/>
+      </p:nvGrpSpPr>
+      <p:grpSpPr>
+        <a:xfrm>
+          <a:off x="0" y="0"/>
+          <a:ext cx="0" cy="0"/>
+          <a:chOff x="0" y="0"/>
+          <a:chExt cx="0" cy="0"/>
+        </a:xfrm>
+      </p:grpSpPr>
+      <p:sp>
+        <p:nvSpPr>
+          <p:cNvPr id="2" name="Slide Image Placeholder 1"/>
+          <p:cNvSpPr>
+            <a:spLocks noGrp="1" noRot="1" noChangeAspect="1"/>
+          </p:cNvSpPr>
+          <p:nvPr>
+            <p:ph type="sldImg"/>
+          </p:nvPr>
+        </p:nvSpPr>
+        <p:spPr/>
+      </p:sp>
+      <p:sp>
+        <p:nvSpPr>
+          <p:cNvPr id="3" name="Notes Placeholder 2"/>
+          <p:cNvSpPr>
+            <a:spLocks noGrp="1"/>
+          </p:cNvSpPr>
+          <p:nvPr>
+            <p:ph type="body" idx="1"/>
+          </p:nvPr>
+        </p:nvSpPr>
+        <p:spPr/>
+        <p:txBody>
+          <a:bodyPr/>
+          <a:lstStyle/>
+          <a:p>
+            <a:endParaRPr lang="en-US"/>
+          </a:p>
+        </p:txBody>
+      </p:sp>
+      <p:sp>
+        <p:nvSpPr>
+          <p:cNvPr id="4" name="Slide Number Placeholder 3"/>
+          <p:cNvSpPr>
+            <a:spLocks noGrp="1"/>
+          </p:cNvSpPr>
+          <p:nvPr>
+            <p:ph type="sldNum" sz="quarter" idx="10"/>
+          </p:nvPr>
+        </p:nvSpPr>
+        <p:spPr/>
+        <p:txBody>
+          <a:bodyPr/>
+          <a:lstStyle/>
+          <a:p>
+            <a:fld id="{80E5F7B1-A22B-4383-89B4-FA12AEED286C}" type="slidenum">
+              <a:rPr lang="en-US" smtClean="0"/>
+              <a:t>19</a:t>
+            </a:fld>
+            <a:endParaRPr lang="en-US"/>
+          </a:p>
+        </p:txBody>
+      </p:sp>
+    </p:spTree>
+    <p:extLst>
+      <p:ext uri="{BB962C8B-B14F-4D97-AF65-F5344CB8AC3E}">
+        <p14:creationId xmlns:p14="http://schemas.microsoft.com/office/powerpoint/2010/main" val="3218351800"/>
       </p:ext>
     </p:extLst>
   </p:cSld>
@@ -10287,8 +10882,8 @@
           <a:chExt cx="0" cy="0"/>
         </a:xfrm>
       </p:grpSpPr>
-      <mc:AlternateContent xmlns:mc="http://schemas.openxmlformats.org/markup-compatibility/2006">
-        <mc:Choice xmlns:a14="http://schemas.microsoft.com/office/drawing/2010/main" Requires="a14">
+      <mc:AlternateContent xmlns:mc="http://schemas.openxmlformats.org/markup-compatibility/2006" xmlns:a14="http://schemas.microsoft.com/office/drawing/2010/main">
+        <mc:Choice Requires="a14">
           <p:sp>
             <p:nvSpPr>
               <p:cNvPr id="3" name="Text Placeholder 2"/>
@@ -11026,7 +11621,7 @@
             </p:txBody>
           </p:sp>
         </mc:Choice>
-        <mc:Fallback>
+        <mc:Fallback xmlns="">
           <p:sp>
             <p:nvSpPr>
               <p:cNvPr id="3" name="Text Placeholder 2"/>
@@ -11149,8 +11744,8 @@
           <a:chExt cx="0" cy="0"/>
         </a:xfrm>
       </p:grpSpPr>
-      <mc:AlternateContent xmlns:mc="http://schemas.openxmlformats.org/markup-compatibility/2006">
-        <mc:Choice xmlns:a14="http://schemas.microsoft.com/office/drawing/2010/main" Requires="a14">
+      <mc:AlternateContent xmlns:mc="http://schemas.openxmlformats.org/markup-compatibility/2006" xmlns:a14="http://schemas.microsoft.com/office/drawing/2010/main">
+        <mc:Choice Requires="a14">
           <p:sp>
             <p:nvSpPr>
               <p:cNvPr id="3" name="Text Placeholder 2"/>
@@ -11814,7 +12409,7 @@
             </p:txBody>
           </p:sp>
         </mc:Choice>
-        <mc:Fallback>
+        <mc:Fallback xmlns="">
           <p:sp>
             <p:nvSpPr>
               <p:cNvPr id="3" name="Text Placeholder 2"/>
@@ -11937,8 +12532,8 @@
           <a:chExt cx="0" cy="0"/>
         </a:xfrm>
       </p:grpSpPr>
-      <mc:AlternateContent xmlns:mc="http://schemas.openxmlformats.org/markup-compatibility/2006">
-        <mc:Choice xmlns:a14="http://schemas.microsoft.com/office/drawing/2010/main" Requires="a14">
+      <mc:AlternateContent xmlns:mc="http://schemas.openxmlformats.org/markup-compatibility/2006" xmlns:a14="http://schemas.microsoft.com/office/drawing/2010/main">
+        <mc:Choice Requires="a14">
           <p:sp>
             <p:nvSpPr>
               <p:cNvPr id="3" name="Text Placeholder 2"/>
@@ -13315,7 +13910,7 @@
             </p:txBody>
           </p:sp>
         </mc:Choice>
-        <mc:Fallback>
+        <mc:Fallback xmlns="">
           <p:sp>
             <p:nvSpPr>
               <p:cNvPr id="3" name="Text Placeholder 2"/>
@@ -13404,6 +13999,5717 @@
     <p:extLst>
       <p:ext uri="{BB962C8B-B14F-4D97-AF65-F5344CB8AC3E}">
         <p14:creationId xmlns:p14="http://schemas.microsoft.com/office/powerpoint/2010/main" val="4271412387"/>
+      </p:ext>
+    </p:extLst>
+  </p:cSld>
+  <p:clrMapOvr>
+    <a:masterClrMapping/>
+  </p:clrMapOvr>
+  <mc:AlternateContent xmlns:mc="http://schemas.openxmlformats.org/markup-compatibility/2006" xmlns:p14="http://schemas.microsoft.com/office/powerpoint/2010/main">
+    <mc:Choice Requires="p14">
+      <p:transition p14:dur="0"/>
+    </mc:Choice>
+    <mc:Fallback xmlns="">
+      <p:transition/>
+    </mc:Fallback>
+  </mc:AlternateContent>
+</p:sld>
+</file>
+
+<file path=ppt/slides/slide13.xml><?xml version="1.0" encoding="utf-8"?>
+<p:sld xmlns:a="http://schemas.openxmlformats.org/drawingml/2006/main" xmlns:r="http://schemas.openxmlformats.org/officeDocument/2006/relationships" xmlns:p="http://schemas.openxmlformats.org/presentationml/2006/main">
+  <p:cSld>
+    <p:spTree>
+      <p:nvGrpSpPr>
+        <p:cNvPr id="1" name=""/>
+        <p:cNvGrpSpPr/>
+        <p:nvPr/>
+      </p:nvGrpSpPr>
+      <p:grpSpPr>
+        <a:xfrm>
+          <a:off x="0" y="0"/>
+          <a:ext cx="0" cy="0"/>
+          <a:chOff x="0" y="0"/>
+          <a:chExt cx="0" cy="0"/>
+        </a:xfrm>
+      </p:grpSpPr>
+      <mc:AlternateContent xmlns:mc="http://schemas.openxmlformats.org/markup-compatibility/2006">
+        <mc:Choice xmlns:a14="http://schemas.microsoft.com/office/drawing/2010/main" Requires="a14">
+          <p:sp>
+            <p:nvSpPr>
+              <p:cNvPr id="3" name="Text Placeholder 2"/>
+              <p:cNvSpPr>
+                <a:spLocks noGrp="1"/>
+              </p:cNvSpPr>
+              <p:nvPr>
+                <p:ph type="body" sz="quarter" idx="10"/>
+              </p:nvPr>
+            </p:nvSpPr>
+            <p:spPr/>
+            <p:txBody>
+              <a:bodyPr>
+                <a:normAutofit/>
+              </a:bodyPr>
+              <a:lstStyle/>
+              <a:p>
+                <a:pPr>
+                  <a:lnSpc>
+                    <a:spcPct val="100000"/>
+                  </a:lnSpc>
+                </a:pPr>
+                <a:r>
+                  <a:rPr lang="ko-KR" altLang="en-US" dirty="0">
+                    <a:latin typeface="서울남산체 M" panose="02020603020101020101" pitchFamily="18" charset="-127"/>
+                    <a:ea typeface="서울남산체 M" panose="02020603020101020101" pitchFamily="18" charset="-127"/>
+                  </a:rPr>
+                  <a:t>보통 평균 확산 프레넬 반사의 비례 근사를 사용해 계산함</a:t>
+                </a:r>
+                <a:br>
+                  <a:rPr lang="en-US" altLang="ko-KR" b="0" dirty="0">
+                    <a:latin typeface="서울남산체 M" panose="02020603020101020101" pitchFamily="18" charset="-127"/>
+                    <a:ea typeface="서울남산체 M" panose="02020603020101020101" pitchFamily="18" charset="-127"/>
+                  </a:rPr>
+                </a:br>
+                <a14:m>
+                  <m:oMath xmlns:m="http://schemas.openxmlformats.org/officeDocument/2006/math">
+                    <m:sSub>
+                      <m:sSubPr>
+                        <m:ctrlPr>
+                          <a:rPr lang="en-US" altLang="ko-KR" b="0" i="1" smtClean="0">
+                            <a:latin typeface="Cambria Math" panose="02040503050406030204" pitchFamily="18" charset="0"/>
+                            <a:ea typeface="서울남산체 M" panose="02020603020101020101" pitchFamily="18" charset="-127"/>
+                          </a:rPr>
+                        </m:ctrlPr>
+                      </m:sSubPr>
+                      <m:e>
+                        <m:r>
+                          <a:rPr lang="en-US" altLang="ko-KR" b="0" i="1" smtClean="0">
+                            <a:latin typeface="Cambria Math" panose="02040503050406030204" pitchFamily="18" charset="0"/>
+                            <a:ea typeface="서울남산체 M" panose="02020603020101020101" pitchFamily="18" charset="-127"/>
+                          </a:rPr>
+                          <m:t>𝐹</m:t>
+                        </m:r>
+                      </m:e>
+                      <m:sub>
+                        <m:r>
+                          <a:rPr lang="en-US" altLang="ko-KR" b="0" i="1" smtClean="0">
+                            <a:latin typeface="Cambria Math" panose="02040503050406030204" pitchFamily="18" charset="0"/>
+                            <a:ea typeface="서울남산체 M" panose="02020603020101020101" pitchFamily="18" charset="-127"/>
+                          </a:rPr>
+                          <m:t>𝑑𝑟</m:t>
+                        </m:r>
+                      </m:sub>
+                    </m:sSub>
+                    <m:r>
+                      <a:rPr lang="en-US" altLang="ko-KR" b="0" i="1" smtClean="0">
+                        <a:latin typeface="Cambria Math" panose="02040503050406030204" pitchFamily="18" charset="0"/>
+                        <a:ea typeface="서울남산체 M" panose="02020603020101020101" pitchFamily="18" charset="-127"/>
+                      </a:rPr>
+                      <m:t>=−</m:t>
+                    </m:r>
+                    <m:f>
+                      <m:fPr>
+                        <m:ctrlPr>
+                          <a:rPr lang="en-US" altLang="ko-KR" b="0" i="1" smtClean="0">
+                            <a:latin typeface="Cambria Math" panose="02040503050406030204" pitchFamily="18" charset="0"/>
+                            <a:ea typeface="서울남산체 M" panose="02020603020101020101" pitchFamily="18" charset="-127"/>
+                          </a:rPr>
+                        </m:ctrlPr>
+                      </m:fPr>
+                      <m:num>
+                        <m:r>
+                          <a:rPr lang="en-US" altLang="ko-KR" b="0" i="1" smtClean="0">
+                            <a:latin typeface="Cambria Math" panose="02040503050406030204" pitchFamily="18" charset="0"/>
+                            <a:ea typeface="서울남산체 M" panose="02020603020101020101" pitchFamily="18" charset="-127"/>
+                          </a:rPr>
+                          <m:t>1.440</m:t>
+                        </m:r>
+                      </m:num>
+                      <m:den>
+                        <m:sSup>
+                          <m:sSupPr>
+                            <m:ctrlPr>
+                              <a:rPr lang="en-US" altLang="ko-KR" b="0" i="1" smtClean="0">
+                                <a:latin typeface="Cambria Math" panose="02040503050406030204" pitchFamily="18" charset="0"/>
+                                <a:ea typeface="서울남산체 M" panose="02020603020101020101" pitchFamily="18" charset="-127"/>
+                              </a:rPr>
+                            </m:ctrlPr>
+                          </m:sSupPr>
+                          <m:e>
+                            <m:r>
+                              <a:rPr lang="ko-KR" altLang="en-US" i="1">
+                                <a:latin typeface="Cambria Math" panose="02040503050406030204" pitchFamily="18" charset="0"/>
+                                <a:ea typeface="서울남산체 M" panose="02020603020101020101" pitchFamily="18" charset="-127"/>
+                              </a:rPr>
+                              <m:t>𝜂</m:t>
+                            </m:r>
+                          </m:e>
+                          <m:sup>
+                            <m:r>
+                              <a:rPr lang="en-US" altLang="ko-KR" b="0" i="1" smtClean="0">
+                                <a:latin typeface="Cambria Math" panose="02040503050406030204" pitchFamily="18" charset="0"/>
+                                <a:ea typeface="서울남산체 M" panose="02020603020101020101" pitchFamily="18" charset="-127"/>
+                              </a:rPr>
+                              <m:t>2</m:t>
+                            </m:r>
+                          </m:sup>
+                        </m:sSup>
+                      </m:den>
+                    </m:f>
+                    <m:r>
+                      <a:rPr lang="en-US" altLang="ko-KR" b="0" i="1" smtClean="0">
+                        <a:latin typeface="Cambria Math" panose="02040503050406030204" pitchFamily="18" charset="0"/>
+                        <a:ea typeface="서울남산체 M" panose="02020603020101020101" pitchFamily="18" charset="-127"/>
+                      </a:rPr>
+                      <m:t>+</m:t>
+                    </m:r>
+                    <m:f>
+                      <m:fPr>
+                        <m:ctrlPr>
+                          <a:rPr lang="en-US" altLang="ko-KR" b="0" i="1" smtClean="0">
+                            <a:latin typeface="Cambria Math" panose="02040503050406030204" pitchFamily="18" charset="0"/>
+                            <a:ea typeface="서울남산체 M" panose="02020603020101020101" pitchFamily="18" charset="-127"/>
+                          </a:rPr>
+                        </m:ctrlPr>
+                      </m:fPr>
+                      <m:num>
+                        <m:r>
+                          <a:rPr lang="en-US" altLang="ko-KR" b="0" i="1" smtClean="0">
+                            <a:latin typeface="Cambria Math" panose="02040503050406030204" pitchFamily="18" charset="0"/>
+                            <a:ea typeface="서울남산체 M" panose="02020603020101020101" pitchFamily="18" charset="-127"/>
+                          </a:rPr>
+                          <m:t>0.710</m:t>
+                        </m:r>
+                      </m:num>
+                      <m:den>
+                        <m:r>
+                          <a:rPr lang="ko-KR" altLang="en-US" i="1">
+                            <a:latin typeface="Cambria Math" panose="02040503050406030204" pitchFamily="18" charset="0"/>
+                            <a:ea typeface="서울남산체 M" panose="02020603020101020101" pitchFamily="18" charset="-127"/>
+                          </a:rPr>
+                          <m:t>𝜂</m:t>
+                        </m:r>
+                      </m:den>
+                    </m:f>
+                    <m:r>
+                      <a:rPr lang="en-US" altLang="ko-KR" b="0" i="1" smtClean="0">
+                        <a:latin typeface="Cambria Math" panose="02040503050406030204" pitchFamily="18" charset="0"/>
+                        <a:ea typeface="서울남산체 M" panose="02020603020101020101" pitchFamily="18" charset="-127"/>
+                      </a:rPr>
+                      <m:t>+0.668+0.0636</m:t>
+                    </m:r>
+                    <m:r>
+                      <a:rPr lang="ko-KR" altLang="en-US" i="1">
+                        <a:latin typeface="Cambria Math" panose="02040503050406030204" pitchFamily="18" charset="0"/>
+                        <a:ea typeface="서울남산체 M" panose="02020603020101020101" pitchFamily="18" charset="-127"/>
+                      </a:rPr>
+                      <m:t>𝜂</m:t>
+                    </m:r>
+                  </m:oMath>
+                </a14:m>
+                <a:endParaRPr lang="en-US" altLang="ko-KR" b="0" dirty="0">
+                  <a:latin typeface="서울남산체 M" panose="02020603020101020101" pitchFamily="18" charset="-127"/>
+                  <a:ea typeface="서울남산체 M" panose="02020603020101020101" pitchFamily="18" charset="-127"/>
+                </a:endParaRPr>
+              </a:p>
+            </p:txBody>
+          </p:sp>
+        </mc:Choice>
+        <mc:Fallback>
+          <p:sp>
+            <p:nvSpPr>
+              <p:cNvPr id="3" name="Text Placeholder 2"/>
+              <p:cNvSpPr>
+                <a:spLocks noGrp="1" noRot="1" noChangeAspect="1" noMove="1" noResize="1" noEditPoints="1" noAdjustHandles="1" noChangeArrowheads="1" noChangeShapeType="1" noTextEdit="1"/>
+              </p:cNvSpPr>
+              <p:nvPr>
+                <p:ph type="body" sz="quarter" idx="10"/>
+              </p:nvPr>
+            </p:nvSpPr>
+            <p:spPr>
+              <a:blipFill>
+                <a:blip r:embed="rId3"/>
+                <a:stretch>
+                  <a:fillRect l="-1639" t="-2219"/>
+                </a:stretch>
+              </a:blipFill>
+            </p:spPr>
+            <p:txBody>
+              <a:bodyPr/>
+              <a:lstStyle/>
+              <a:p>
+                <a:r>
+                  <a:rPr lang="en-US">
+                    <a:noFill/>
+                  </a:rPr>
+                  <a:t> </a:t>
+                </a:r>
+              </a:p>
+            </p:txBody>
+          </p:sp>
+        </mc:Fallback>
+      </mc:AlternateContent>
+      <p:sp>
+        <p:nvSpPr>
+          <p:cNvPr id="2" name="Title 1"/>
+          <p:cNvSpPr>
+            <a:spLocks noGrp="1"/>
+          </p:cNvSpPr>
+          <p:nvPr>
+            <p:ph type="title"/>
+          </p:nvPr>
+        </p:nvSpPr>
+        <p:spPr>
+          <a:xfrm>
+            <a:off x="519248" y="543951"/>
+            <a:ext cx="11151917" cy="747897"/>
+          </a:xfrm>
+        </p:spPr>
+        <p:txBody>
+          <a:bodyPr/>
+          <a:lstStyle/>
+          <a:p>
+            <a:r>
+              <a:rPr lang="en-US" dirty="0"/>
+              <a:t>The Dipole Diffusion Approximation</a:t>
+            </a:r>
+          </a:p>
+        </p:txBody>
+      </p:sp>
+      <p:sp>
+        <p:nvSpPr>
+          <p:cNvPr id="4" name="Slide Number Placeholder 3"/>
+          <p:cNvSpPr>
+            <a:spLocks noGrp="1"/>
+          </p:cNvSpPr>
+          <p:nvPr>
+            <p:ph type="sldNum" sz="quarter" idx="4"/>
+          </p:nvPr>
+        </p:nvSpPr>
+        <p:spPr/>
+        <p:txBody>
+          <a:bodyPr/>
+          <a:lstStyle/>
+          <a:p>
+            <a:fld id="{6B5C536E-FA7B-40DC-A296-D7EC18490057}" type="slidenum">
+              <a:rPr lang="ko-KR" altLang="en-US" smtClean="0"/>
+              <a:pPr/>
+              <a:t>13</a:t>
+            </a:fld>
+            <a:endParaRPr lang="ko-KR" altLang="en-US"/>
+          </a:p>
+        </p:txBody>
+      </p:sp>
+    </p:spTree>
+    <p:extLst>
+      <p:ext uri="{BB962C8B-B14F-4D97-AF65-F5344CB8AC3E}">
+        <p14:creationId xmlns:p14="http://schemas.microsoft.com/office/powerpoint/2010/main" val="3903741344"/>
+      </p:ext>
+    </p:extLst>
+  </p:cSld>
+  <p:clrMapOvr>
+    <a:masterClrMapping/>
+  </p:clrMapOvr>
+  <mc:AlternateContent xmlns:mc="http://schemas.openxmlformats.org/markup-compatibility/2006" xmlns:p14="http://schemas.microsoft.com/office/powerpoint/2010/main">
+    <mc:Choice Requires="p14">
+      <p:transition p14:dur="0"/>
+    </mc:Choice>
+    <mc:Fallback xmlns="">
+      <p:transition/>
+    </mc:Fallback>
+  </mc:AlternateContent>
+</p:sld>
+</file>
+
+<file path=ppt/slides/slide14.xml><?xml version="1.0" encoding="utf-8"?>
+<p:sld xmlns:a="http://schemas.openxmlformats.org/drawingml/2006/main" xmlns:r="http://schemas.openxmlformats.org/officeDocument/2006/relationships" xmlns:p="http://schemas.openxmlformats.org/presentationml/2006/main">
+  <p:cSld>
+    <p:spTree>
+      <p:nvGrpSpPr>
+        <p:cNvPr id="1" name=""/>
+        <p:cNvGrpSpPr/>
+        <p:nvPr/>
+      </p:nvGrpSpPr>
+      <p:grpSpPr>
+        <a:xfrm>
+          <a:off x="0" y="0"/>
+          <a:ext cx="0" cy="0"/>
+          <a:chOff x="0" y="0"/>
+          <a:chExt cx="0" cy="0"/>
+        </a:xfrm>
+      </p:grpSpPr>
+      <mc:AlternateContent xmlns:mc="http://schemas.openxmlformats.org/markup-compatibility/2006">
+        <mc:Choice xmlns:a14="http://schemas.microsoft.com/office/drawing/2010/main" Requires="a14">
+          <p:sp>
+            <p:nvSpPr>
+              <p:cNvPr id="3" name="Text Placeholder 2"/>
+              <p:cNvSpPr>
+                <a:spLocks noGrp="1"/>
+              </p:cNvSpPr>
+              <p:nvPr>
+                <p:ph type="body" sz="quarter" idx="10"/>
+              </p:nvPr>
+            </p:nvSpPr>
+            <p:spPr>
+              <a:xfrm>
+                <a:off x="519248" y="1447801"/>
+                <a:ext cx="11151917" cy="4944532"/>
+              </a:xfrm>
+            </p:spPr>
+            <p:txBody>
+              <a:bodyPr>
+                <a:normAutofit/>
+              </a:bodyPr>
+              <a:lstStyle/>
+              <a:p>
+                <a:pPr>
+                  <a:lnSpc>
+                    <a:spcPct val="100000"/>
+                  </a:lnSpc>
+                </a:pPr>
+                <a:r>
+                  <a:rPr lang="ko-KR" altLang="en-US" b="0" dirty="0">
+                    <a:latin typeface="서울남산체 M" panose="02020603020101020101" pitchFamily="18" charset="-127"/>
+                    <a:ea typeface="서울남산체 M" panose="02020603020101020101" pitchFamily="18" charset="-127"/>
+                  </a:rPr>
+                  <a:t>경계 조건 </a:t>
+                </a:r>
+                <a14:m>
+                  <m:oMath xmlns:m="http://schemas.openxmlformats.org/officeDocument/2006/math">
+                    <m:r>
+                      <a:rPr lang="ko-KR" altLang="en-US" i="1">
+                        <a:latin typeface="Cambria Math" panose="02040503050406030204" pitchFamily="18" charset="0"/>
+                        <a:ea typeface="서울남산체 M" panose="02020603020101020101" pitchFamily="18" charset="-127"/>
+                      </a:rPr>
+                      <m:t>𝜙</m:t>
+                    </m:r>
+                    <m:d>
+                      <m:dPr>
+                        <m:ctrlPr>
+                          <a:rPr lang="en-US" altLang="ko-KR" i="1">
+                            <a:latin typeface="Cambria Math" panose="02040503050406030204" pitchFamily="18" charset="0"/>
+                            <a:ea typeface="서울남산체 M" panose="02020603020101020101" pitchFamily="18" charset="-127"/>
+                          </a:rPr>
+                        </m:ctrlPr>
+                      </m:dPr>
+                      <m:e>
+                        <m:r>
+                          <a:rPr lang="en-US" altLang="ko-KR" i="1">
+                            <a:latin typeface="Cambria Math" panose="02040503050406030204" pitchFamily="18" charset="0"/>
+                            <a:ea typeface="서울남산체 M" panose="02020603020101020101" pitchFamily="18" charset="-127"/>
+                          </a:rPr>
+                          <m:t>2</m:t>
+                        </m:r>
+                        <m:r>
+                          <a:rPr lang="en-US" altLang="ko-KR" i="1">
+                            <a:latin typeface="Cambria Math" panose="02040503050406030204" pitchFamily="18" charset="0"/>
+                            <a:ea typeface="서울남산체 M" panose="02020603020101020101" pitchFamily="18" charset="-127"/>
+                          </a:rPr>
+                          <m:t>𝐴𝐷</m:t>
+                        </m:r>
+                      </m:e>
+                    </m:d>
+                    <m:r>
+                      <a:rPr lang="en-US" altLang="ko-KR">
+                        <a:latin typeface="Cambria Math" panose="02040503050406030204" pitchFamily="18" charset="0"/>
+                        <a:ea typeface="서울남산체 M" panose="02020603020101020101" pitchFamily="18" charset="-127"/>
+                      </a:rPr>
+                      <m:t>=0</m:t>
+                    </m:r>
+                  </m:oMath>
+                </a14:m>
+                <a:r>
+                  <a:rPr lang="ko-KR" altLang="en-US" b="0" dirty="0">
+                    <a:latin typeface="서울남산체 M" panose="02020603020101020101" pitchFamily="18" charset="-127"/>
+                    <a:ea typeface="서울남산체 M" panose="02020603020101020101" pitchFamily="18" charset="-127"/>
+                  </a:rPr>
+                  <a:t>를 만족하면서 선속 분포를 생성하는 한 가지 방법</a:t>
+                </a:r>
+                <a:br>
+                  <a:rPr lang="en-US" altLang="ko-KR" dirty="0">
+                    <a:latin typeface="서울남산체 M" panose="02020603020101020101" pitchFamily="18" charset="-127"/>
+                    <a:ea typeface="서울남산체 M" panose="02020603020101020101" pitchFamily="18" charset="-127"/>
+                  </a:rPr>
+                </a:br>
+                <a:r>
+                  <a:rPr lang="ko-KR" altLang="en-US" dirty="0">
+                    <a:latin typeface="서울남산체 M" panose="02020603020101020101" pitchFamily="18" charset="-127"/>
+                    <a:ea typeface="서울남산체 M" panose="02020603020101020101" pitchFamily="18" charset="-127"/>
+                  </a:rPr>
+                  <a:t>→ 양의 선속과 음의 선속을 갖는 광원 쌍의 선속을 계산하기 위해</a:t>
+                </a:r>
+                <a:br>
+                  <a:rPr lang="en-US" altLang="ko-KR" dirty="0">
+                    <a:latin typeface="서울남산체 M" panose="02020603020101020101" pitchFamily="18" charset="-127"/>
+                    <a:ea typeface="서울남산체 M" panose="02020603020101020101" pitchFamily="18" charset="-127"/>
+                  </a:rPr>
+                </a:br>
+                <a:r>
+                  <a:rPr lang="en-US" altLang="ko-KR" dirty="0">
+                    <a:latin typeface="서울남산체 M" panose="02020603020101020101" pitchFamily="18" charset="-127"/>
+                    <a:ea typeface="서울남산체 M" panose="02020603020101020101" pitchFamily="18" charset="-127"/>
+                  </a:rPr>
+                  <a:t>    </a:t>
+                </a:r>
+                <a:r>
+                  <a:rPr lang="ko-KR" altLang="en-US" dirty="0">
+                    <a:latin typeface="서울남산체 M" panose="02020603020101020101" pitchFamily="18" charset="-127"/>
+                    <a:ea typeface="서울남산체 M" panose="02020603020101020101" pitchFamily="18" charset="-127"/>
+                  </a:rPr>
+                  <a:t>점광원에서의 분석 해 방정식을 사용하는 방법</a:t>
+                </a:r>
+                <a:endParaRPr lang="en-US" altLang="ko-KR" dirty="0">
+                  <a:latin typeface="서울남산체 M" panose="02020603020101020101" pitchFamily="18" charset="-127"/>
+                  <a:ea typeface="서울남산체 M" panose="02020603020101020101" pitchFamily="18" charset="-127"/>
+                </a:endParaRPr>
+              </a:p>
+              <a:p>
+                <a:pPr lvl="1">
+                  <a:lnSpc>
+                    <a:spcPct val="100000"/>
+                  </a:lnSpc>
+                </a:pPr>
+                <a:r>
+                  <a:rPr lang="ko-KR" altLang="en-US" dirty="0">
+                    <a:latin typeface="서울남산체 M" panose="02020603020101020101" pitchFamily="18" charset="-127"/>
+                    <a:ea typeface="서울남산체 M" panose="02020603020101020101" pitchFamily="18" charset="-127"/>
+                  </a:rPr>
+                  <a:t>두 광원을 적절히 배치하면 면 </a:t>
+                </a:r>
+                <a14:m>
+                  <m:oMath xmlns:m="http://schemas.openxmlformats.org/officeDocument/2006/math">
+                    <m:r>
+                      <a:rPr lang="en-US" altLang="ko-KR" b="0" i="1" smtClean="0">
+                        <a:latin typeface="Cambria Math" panose="02040503050406030204" pitchFamily="18" charset="0"/>
+                        <a:ea typeface="서울남산체 M" panose="02020603020101020101" pitchFamily="18" charset="-127"/>
+                      </a:rPr>
+                      <m:t>𝑧</m:t>
+                    </m:r>
+                    <m:r>
+                      <a:rPr lang="en-US" altLang="ko-KR" b="0" i="1" smtClean="0">
+                        <a:latin typeface="Cambria Math" panose="02040503050406030204" pitchFamily="18" charset="0"/>
+                        <a:ea typeface="서울남산체 M" panose="02020603020101020101" pitchFamily="18" charset="-127"/>
+                      </a:rPr>
+                      <m:t>=2</m:t>
+                    </m:r>
+                    <m:r>
+                      <a:rPr lang="en-US" altLang="ko-KR" b="0" i="1" smtClean="0">
+                        <a:latin typeface="Cambria Math" panose="02040503050406030204" pitchFamily="18" charset="0"/>
+                        <a:ea typeface="서울남산체 M" panose="02020603020101020101" pitchFamily="18" charset="-127"/>
+                      </a:rPr>
+                      <m:t>𝐴𝐷</m:t>
+                    </m:r>
+                  </m:oMath>
+                </a14:m>
+                <a:r>
+                  <a:rPr lang="ko-KR" altLang="en-US" b="0" dirty="0">
+                    <a:latin typeface="서울남산체 M" panose="02020603020101020101" pitchFamily="18" charset="-127"/>
+                    <a:ea typeface="서울남산체 M" panose="02020603020101020101" pitchFamily="18" charset="-127"/>
+                  </a:rPr>
+                  <a:t>를 따라 상쇄하며</a:t>
+                </a:r>
+                <a:r>
+                  <a:rPr lang="en-US" altLang="ko-KR" b="0" dirty="0">
+                    <a:latin typeface="서울남산체 M" panose="02020603020101020101" pitchFamily="18" charset="-127"/>
+                    <a:ea typeface="서울남산체 M" panose="02020603020101020101" pitchFamily="18" charset="-127"/>
+                  </a:rPr>
+                  <a:t>, </a:t>
+                </a:r>
+                <a:r>
+                  <a:rPr lang="ko-KR" altLang="en-US" b="0" dirty="0">
+                    <a:latin typeface="서울남산체 M" panose="02020603020101020101" pitchFamily="18" charset="-127"/>
+                    <a:ea typeface="서울남산체 M" panose="02020603020101020101" pitchFamily="18" charset="-127"/>
+                  </a:rPr>
+                  <a:t>경계 조건을 만족함</a:t>
+                </a:r>
+                <a:endParaRPr lang="en-US" altLang="ko-KR" b="0" dirty="0">
+                  <a:latin typeface="서울남산체 M" panose="02020603020101020101" pitchFamily="18" charset="-127"/>
+                  <a:ea typeface="서울남산체 M" panose="02020603020101020101" pitchFamily="18" charset="-127"/>
+                </a:endParaRPr>
+              </a:p>
+              <a:p>
+                <a:pPr lvl="1">
+                  <a:lnSpc>
+                    <a:spcPct val="100000"/>
+                  </a:lnSpc>
+                </a:pPr>
+                <a:r>
+                  <a:rPr lang="ko-KR" altLang="en-US" b="0" dirty="0">
+                    <a:latin typeface="서울남산체 M" panose="02020603020101020101" pitchFamily="18" charset="-127"/>
+                    <a:ea typeface="서울남산체 M" panose="02020603020101020101" pitchFamily="18" charset="-127"/>
+                  </a:rPr>
+                  <a:t>빛이 경계 위의 점 </a:t>
+                </a:r>
+                <a14:m>
+                  <m:oMath xmlns:m="http://schemas.openxmlformats.org/officeDocument/2006/math">
+                    <m:sSub>
+                      <m:sSubPr>
+                        <m:ctrlPr>
+                          <a:rPr lang="en-US" altLang="ko-KR" b="0" i="1" smtClean="0">
+                            <a:latin typeface="Cambria Math" panose="02040503050406030204" pitchFamily="18" charset="0"/>
+                            <a:ea typeface="서울남산체 M" panose="02020603020101020101" pitchFamily="18" charset="-127"/>
+                          </a:rPr>
+                        </m:ctrlPr>
+                      </m:sSubPr>
+                      <m:e>
+                        <m:r>
+                          <a:rPr lang="en-US" altLang="ko-KR" b="0" i="1" smtClean="0">
+                            <a:latin typeface="Cambria Math" panose="02040503050406030204" pitchFamily="18" charset="0"/>
+                            <a:ea typeface="서울남산체 M" panose="02020603020101020101" pitchFamily="18" charset="-127"/>
+                          </a:rPr>
+                          <m:t>𝑝</m:t>
+                        </m:r>
+                      </m:e>
+                      <m:sub>
+                        <m:r>
+                          <a:rPr lang="en-US" altLang="ko-KR" b="0" i="1" smtClean="0">
+                            <a:latin typeface="Cambria Math" panose="02040503050406030204" pitchFamily="18" charset="0"/>
+                            <a:ea typeface="서울남산체 M" panose="02020603020101020101" pitchFamily="18" charset="-127"/>
+                          </a:rPr>
+                          <m:t>𝑖</m:t>
+                        </m:r>
+                      </m:sub>
+                    </m:sSub>
+                    <m:r>
+                      <a:rPr lang="en-US" altLang="ko-KR" b="0" i="1" smtClean="0">
+                        <a:latin typeface="Cambria Math" panose="02040503050406030204" pitchFamily="18" charset="0"/>
+                        <a:ea typeface="서울남산체 M" panose="02020603020101020101" pitchFamily="18" charset="-127"/>
+                      </a:rPr>
+                      <m:t>=(</m:t>
+                    </m:r>
+                    <m:sSub>
+                      <m:sSubPr>
+                        <m:ctrlPr>
+                          <a:rPr lang="en-US" altLang="ko-KR" b="0" i="1" smtClean="0">
+                            <a:latin typeface="Cambria Math" panose="02040503050406030204" pitchFamily="18" charset="0"/>
+                            <a:ea typeface="서울남산체 M" panose="02020603020101020101" pitchFamily="18" charset="-127"/>
+                          </a:rPr>
+                        </m:ctrlPr>
+                      </m:sSubPr>
+                      <m:e>
+                        <m:r>
+                          <a:rPr lang="en-US" altLang="ko-KR" b="0" i="1" smtClean="0">
+                            <a:latin typeface="Cambria Math" panose="02040503050406030204" pitchFamily="18" charset="0"/>
+                            <a:ea typeface="서울남산체 M" panose="02020603020101020101" pitchFamily="18" charset="-127"/>
+                          </a:rPr>
+                          <m:t>𝑥</m:t>
+                        </m:r>
+                      </m:e>
+                      <m:sub>
+                        <m:r>
+                          <a:rPr lang="en-US" altLang="ko-KR" b="0" i="1" smtClean="0">
+                            <a:latin typeface="Cambria Math" panose="02040503050406030204" pitchFamily="18" charset="0"/>
+                            <a:ea typeface="서울남산체 M" panose="02020603020101020101" pitchFamily="18" charset="-127"/>
+                          </a:rPr>
+                          <m:t>𝑖</m:t>
+                        </m:r>
+                      </m:sub>
+                    </m:sSub>
+                    <m:r>
+                      <a:rPr lang="en-US" altLang="ko-KR" b="0" i="1" smtClean="0">
+                        <a:latin typeface="Cambria Math" panose="02040503050406030204" pitchFamily="18" charset="0"/>
+                        <a:ea typeface="서울남산체 M" panose="02020603020101020101" pitchFamily="18" charset="-127"/>
+                      </a:rPr>
+                      <m:t>, </m:t>
+                    </m:r>
+                    <m:sSub>
+                      <m:sSubPr>
+                        <m:ctrlPr>
+                          <a:rPr lang="en-US" altLang="ko-KR" b="0" i="1" smtClean="0">
+                            <a:latin typeface="Cambria Math" panose="02040503050406030204" pitchFamily="18" charset="0"/>
+                            <a:ea typeface="서울남산체 M" panose="02020603020101020101" pitchFamily="18" charset="-127"/>
+                          </a:rPr>
+                        </m:ctrlPr>
+                      </m:sSubPr>
+                      <m:e>
+                        <m:r>
+                          <a:rPr lang="en-US" altLang="ko-KR" b="0" i="1" smtClean="0">
+                            <a:latin typeface="Cambria Math" panose="02040503050406030204" pitchFamily="18" charset="0"/>
+                            <a:ea typeface="서울남산체 M" panose="02020603020101020101" pitchFamily="18" charset="-127"/>
+                          </a:rPr>
+                          <m:t>𝑦</m:t>
+                        </m:r>
+                      </m:e>
+                      <m:sub>
+                        <m:r>
+                          <a:rPr lang="en-US" altLang="ko-KR" b="0" i="1" smtClean="0">
+                            <a:latin typeface="Cambria Math" panose="02040503050406030204" pitchFamily="18" charset="0"/>
+                            <a:ea typeface="서울남산체 M" panose="02020603020101020101" pitchFamily="18" charset="-127"/>
+                          </a:rPr>
+                          <m:t>𝑖</m:t>
+                        </m:r>
+                      </m:sub>
+                    </m:sSub>
+                    <m:r>
+                      <a:rPr lang="en-US" altLang="ko-KR" b="0" i="1" smtClean="0">
+                        <a:latin typeface="Cambria Math" panose="02040503050406030204" pitchFamily="18" charset="0"/>
+                        <a:ea typeface="서울남산체 M" panose="02020603020101020101" pitchFamily="18" charset="-127"/>
+                      </a:rPr>
+                      <m:t>, 0)</m:t>
+                    </m:r>
+                    <m:r>
+                      <a:rPr lang="ko-KR" altLang="en-US" i="1">
+                        <a:latin typeface="Cambria Math" panose="02040503050406030204" pitchFamily="18" charset="0"/>
+                        <a:ea typeface="서울남산체 M" panose="02020603020101020101" pitchFamily="18" charset="-127"/>
+                      </a:rPr>
+                      <m:t>에</m:t>
+                    </m:r>
+                  </m:oMath>
+                </a14:m>
+                <a:r>
+                  <a:rPr lang="ko-KR" altLang="en-US" b="0" dirty="0">
+                    <a:latin typeface="서울남산체 M" panose="02020603020101020101" pitchFamily="18" charset="-127"/>
+                    <a:ea typeface="서울남산체 M" panose="02020603020101020101" pitchFamily="18" charset="-127"/>
+                  </a:rPr>
+                  <a:t>서의 매질에 들어가면</a:t>
+                </a:r>
+                <a:br>
+                  <a:rPr lang="en-US" altLang="ko-KR" b="0" dirty="0">
+                    <a:latin typeface="서울남산체 M" panose="02020603020101020101" pitchFamily="18" charset="-127"/>
+                    <a:ea typeface="서울남산체 M" panose="02020603020101020101" pitchFamily="18" charset="-127"/>
+                  </a:rPr>
+                </a:br>
+                <a:r>
+                  <a:rPr lang="ko-KR" altLang="en-US" b="0" dirty="0">
+                    <a:latin typeface="서울남산체 M" panose="02020603020101020101" pitchFamily="18" charset="-127"/>
+                    <a:ea typeface="서울남산체 M" panose="02020603020101020101" pitchFamily="18" charset="-127"/>
+                  </a:rPr>
+                  <a:t>양극 근사는 경계 조건을 만족하기 위해 두 개의 해당 광원을 사용하며</a:t>
+                </a:r>
+                <a:r>
+                  <a:rPr lang="en-US" altLang="ko-KR" b="0" dirty="0">
+                    <a:latin typeface="서울남산체 M" panose="02020603020101020101" pitchFamily="18" charset="-127"/>
+                    <a:ea typeface="서울남산체 M" panose="02020603020101020101" pitchFamily="18" charset="-127"/>
+                  </a:rPr>
+                  <a:t>,</a:t>
+                </a:r>
+                <a:br>
+                  <a:rPr lang="en-US" altLang="ko-KR" b="0" dirty="0">
+                    <a:latin typeface="서울남산체 M" panose="02020603020101020101" pitchFamily="18" charset="-127"/>
+                    <a:ea typeface="서울남산체 M" panose="02020603020101020101" pitchFamily="18" charset="-127"/>
+                  </a:rPr>
+                </a:br>
+                <a:r>
+                  <a:rPr lang="ko-KR" altLang="en-US" b="0" dirty="0">
+                    <a:latin typeface="서울남산체 M" panose="02020603020101020101" pitchFamily="18" charset="-127"/>
+                    <a:ea typeface="서울남산체 M" panose="02020603020101020101" pitchFamily="18" charset="-127"/>
+                  </a:rPr>
+                  <a:t>매질 안의 양의 점을 </a:t>
+                </a:r>
+                <a14:m>
+                  <m:oMath xmlns:m="http://schemas.openxmlformats.org/officeDocument/2006/math">
+                    <m:r>
+                      <a:rPr lang="en-US" altLang="ko-KR" b="0" i="1" smtClean="0">
+                        <a:latin typeface="Cambria Math" panose="02040503050406030204" pitchFamily="18" charset="0"/>
+                        <a:ea typeface="서울남산체 M" panose="02020603020101020101" pitchFamily="18" charset="-127"/>
+                      </a:rPr>
+                      <m:t>(</m:t>
+                    </m:r>
+                    <m:sSub>
+                      <m:sSubPr>
+                        <m:ctrlPr>
+                          <a:rPr lang="en-US" altLang="ko-KR" b="0" i="1" smtClean="0">
+                            <a:latin typeface="Cambria Math" panose="02040503050406030204" pitchFamily="18" charset="0"/>
+                            <a:ea typeface="서울남산체 M" panose="02020603020101020101" pitchFamily="18" charset="-127"/>
+                          </a:rPr>
+                        </m:ctrlPr>
+                      </m:sSubPr>
+                      <m:e>
+                        <m:r>
+                          <a:rPr lang="en-US" altLang="ko-KR" b="0" i="1" smtClean="0">
+                            <a:latin typeface="Cambria Math" panose="02040503050406030204" pitchFamily="18" charset="0"/>
+                            <a:ea typeface="서울남산체 M" panose="02020603020101020101" pitchFamily="18" charset="-127"/>
+                          </a:rPr>
+                          <m:t>𝑥</m:t>
+                        </m:r>
+                      </m:e>
+                      <m:sub>
+                        <m:r>
+                          <a:rPr lang="en-US" altLang="ko-KR" b="0" i="1" smtClean="0">
+                            <a:latin typeface="Cambria Math" panose="02040503050406030204" pitchFamily="18" charset="0"/>
+                            <a:ea typeface="서울남산체 M" panose="02020603020101020101" pitchFamily="18" charset="-127"/>
+                          </a:rPr>
+                          <m:t>𝑖</m:t>
+                        </m:r>
+                      </m:sub>
+                    </m:sSub>
+                    <m:r>
+                      <a:rPr lang="en-US" altLang="ko-KR" b="0" i="1" smtClean="0">
+                        <a:latin typeface="Cambria Math" panose="02040503050406030204" pitchFamily="18" charset="0"/>
+                        <a:ea typeface="서울남산체 M" panose="02020603020101020101" pitchFamily="18" charset="-127"/>
+                      </a:rPr>
+                      <m:t>, </m:t>
+                    </m:r>
+                    <m:sSub>
+                      <m:sSubPr>
+                        <m:ctrlPr>
+                          <a:rPr lang="en-US" altLang="ko-KR" b="0" i="1" smtClean="0">
+                            <a:latin typeface="Cambria Math" panose="02040503050406030204" pitchFamily="18" charset="0"/>
+                            <a:ea typeface="서울남산체 M" panose="02020603020101020101" pitchFamily="18" charset="-127"/>
+                          </a:rPr>
+                        </m:ctrlPr>
+                      </m:sSubPr>
+                      <m:e>
+                        <m:r>
+                          <a:rPr lang="en-US" altLang="ko-KR" b="0" i="1" smtClean="0">
+                            <a:latin typeface="Cambria Math" panose="02040503050406030204" pitchFamily="18" charset="0"/>
+                            <a:ea typeface="서울남산체 M" panose="02020603020101020101" pitchFamily="18" charset="-127"/>
+                          </a:rPr>
+                          <m:t>𝑦</m:t>
+                        </m:r>
+                      </m:e>
+                      <m:sub>
+                        <m:r>
+                          <a:rPr lang="en-US" altLang="ko-KR" b="0" i="1" smtClean="0">
+                            <a:latin typeface="Cambria Math" panose="02040503050406030204" pitchFamily="18" charset="0"/>
+                            <a:ea typeface="서울남산체 M" panose="02020603020101020101" pitchFamily="18" charset="-127"/>
+                          </a:rPr>
+                          <m:t>𝑖</m:t>
+                        </m:r>
+                      </m:sub>
+                    </m:sSub>
+                    <m:r>
+                      <a:rPr lang="en-US" altLang="ko-KR" b="0" i="1" smtClean="0">
+                        <a:latin typeface="Cambria Math" panose="02040503050406030204" pitchFamily="18" charset="0"/>
+                        <a:ea typeface="서울남산체 M" panose="02020603020101020101" pitchFamily="18" charset="-127"/>
+                      </a:rPr>
+                      <m:t>, </m:t>
+                    </m:r>
+                    <m:sSup>
+                      <m:sSupPr>
+                        <m:ctrlPr>
+                          <a:rPr lang="en-US" altLang="ko-KR" b="0" i="1" smtClean="0">
+                            <a:latin typeface="Cambria Math" panose="02040503050406030204" pitchFamily="18" charset="0"/>
+                            <a:ea typeface="서울남산체 M" panose="02020603020101020101" pitchFamily="18" charset="-127"/>
+                          </a:rPr>
+                        </m:ctrlPr>
+                      </m:sSupPr>
+                      <m:e>
+                        <m:r>
+                          <a:rPr lang="en-US" altLang="ko-KR" b="0" i="1" smtClean="0">
+                            <a:latin typeface="Cambria Math" panose="02040503050406030204" pitchFamily="18" charset="0"/>
+                            <a:ea typeface="서울남산체 M" panose="02020603020101020101" pitchFamily="18" charset="-127"/>
+                          </a:rPr>
+                          <m:t>𝑧</m:t>
+                        </m:r>
+                      </m:e>
+                      <m:sup>
+                        <m:r>
+                          <a:rPr lang="en-US" altLang="ko-KR" b="0" i="1" smtClean="0">
+                            <a:latin typeface="Cambria Math" panose="02040503050406030204" pitchFamily="18" charset="0"/>
+                            <a:ea typeface="서울남산체 M" panose="02020603020101020101" pitchFamily="18" charset="-127"/>
+                          </a:rPr>
+                          <m:t>+</m:t>
+                        </m:r>
+                      </m:sup>
+                    </m:sSup>
+                    <m:r>
+                      <a:rPr lang="en-US" altLang="ko-KR" b="0" i="1" smtClean="0">
+                        <a:latin typeface="Cambria Math" panose="02040503050406030204" pitchFamily="18" charset="0"/>
+                        <a:ea typeface="서울남산체 M" panose="02020603020101020101" pitchFamily="18" charset="-127"/>
+                      </a:rPr>
+                      <m:t>)</m:t>
+                    </m:r>
+                  </m:oMath>
+                </a14:m>
+                <a:r>
+                  <a:rPr lang="ko-KR" altLang="en-US" b="0" dirty="0">
+                    <a:latin typeface="서울남산체 M" panose="02020603020101020101" pitchFamily="18" charset="-127"/>
+                    <a:ea typeface="서울남산체 M" panose="02020603020101020101" pitchFamily="18" charset="-127"/>
+                  </a:rPr>
+                  <a:t>로</a:t>
+                </a:r>
+                <a:r>
+                  <a:rPr lang="en-US" altLang="ko-KR" b="0" dirty="0">
+                    <a:latin typeface="서울남산체 M" panose="02020603020101020101" pitchFamily="18" charset="-127"/>
+                    <a:ea typeface="서울남산체 M" panose="02020603020101020101" pitchFamily="18" charset="-127"/>
+                  </a:rPr>
+                  <a:t>, </a:t>
+                </a:r>
+                <a:r>
+                  <a:rPr lang="ko-KR" altLang="en-US" b="0" dirty="0">
+                    <a:latin typeface="서울남산체 M" panose="02020603020101020101" pitchFamily="18" charset="-127"/>
+                    <a:ea typeface="서울남산체 M" panose="02020603020101020101" pitchFamily="18" charset="-127"/>
+                  </a:rPr>
+                  <a:t>매질 위 음의 점을 </a:t>
+                </a:r>
+                <a14:m>
+                  <m:oMath xmlns:m="http://schemas.openxmlformats.org/officeDocument/2006/math">
+                    <m:r>
+                      <a:rPr lang="en-US" altLang="ko-KR" b="0" i="1" smtClean="0">
+                        <a:latin typeface="Cambria Math" panose="02040503050406030204" pitchFamily="18" charset="0"/>
+                        <a:ea typeface="서울남산체 M" panose="02020603020101020101" pitchFamily="18" charset="-127"/>
+                      </a:rPr>
+                      <m:t>(</m:t>
+                    </m:r>
+                    <m:sSub>
+                      <m:sSubPr>
+                        <m:ctrlPr>
+                          <a:rPr lang="en-US" altLang="ko-KR" b="0" i="1" smtClean="0">
+                            <a:latin typeface="Cambria Math" panose="02040503050406030204" pitchFamily="18" charset="0"/>
+                            <a:ea typeface="서울남산체 M" panose="02020603020101020101" pitchFamily="18" charset="-127"/>
+                          </a:rPr>
+                        </m:ctrlPr>
+                      </m:sSubPr>
+                      <m:e>
+                        <m:r>
+                          <a:rPr lang="en-US" altLang="ko-KR" b="0" i="1" smtClean="0">
+                            <a:latin typeface="Cambria Math" panose="02040503050406030204" pitchFamily="18" charset="0"/>
+                            <a:ea typeface="서울남산체 M" panose="02020603020101020101" pitchFamily="18" charset="-127"/>
+                          </a:rPr>
+                          <m:t>𝑥</m:t>
+                        </m:r>
+                      </m:e>
+                      <m:sub>
+                        <m:r>
+                          <a:rPr lang="en-US" altLang="ko-KR" b="0" i="1" smtClean="0">
+                            <a:latin typeface="Cambria Math" panose="02040503050406030204" pitchFamily="18" charset="0"/>
+                            <a:ea typeface="서울남산체 M" panose="02020603020101020101" pitchFamily="18" charset="-127"/>
+                          </a:rPr>
+                          <m:t>𝑖</m:t>
+                        </m:r>
+                      </m:sub>
+                    </m:sSub>
+                    <m:r>
+                      <a:rPr lang="en-US" altLang="ko-KR" b="0" i="1" smtClean="0">
+                        <a:latin typeface="Cambria Math" panose="02040503050406030204" pitchFamily="18" charset="0"/>
+                        <a:ea typeface="서울남산체 M" panose="02020603020101020101" pitchFamily="18" charset="-127"/>
+                      </a:rPr>
+                      <m:t>, </m:t>
+                    </m:r>
+                    <m:sSub>
+                      <m:sSubPr>
+                        <m:ctrlPr>
+                          <a:rPr lang="en-US" altLang="ko-KR" b="0" i="1" smtClean="0">
+                            <a:latin typeface="Cambria Math" panose="02040503050406030204" pitchFamily="18" charset="0"/>
+                            <a:ea typeface="서울남산체 M" panose="02020603020101020101" pitchFamily="18" charset="-127"/>
+                          </a:rPr>
+                        </m:ctrlPr>
+                      </m:sSubPr>
+                      <m:e>
+                        <m:r>
+                          <a:rPr lang="en-US" altLang="ko-KR" b="0" i="1" smtClean="0">
+                            <a:latin typeface="Cambria Math" panose="02040503050406030204" pitchFamily="18" charset="0"/>
+                            <a:ea typeface="서울남산체 M" panose="02020603020101020101" pitchFamily="18" charset="-127"/>
+                          </a:rPr>
+                          <m:t>𝑦</m:t>
+                        </m:r>
+                      </m:e>
+                      <m:sub>
+                        <m:r>
+                          <a:rPr lang="en-US" altLang="ko-KR" b="0" i="1" smtClean="0">
+                            <a:latin typeface="Cambria Math" panose="02040503050406030204" pitchFamily="18" charset="0"/>
+                            <a:ea typeface="서울남산체 M" panose="02020603020101020101" pitchFamily="18" charset="-127"/>
+                          </a:rPr>
+                          <m:t>𝑖</m:t>
+                        </m:r>
+                      </m:sub>
+                    </m:sSub>
+                    <m:r>
+                      <a:rPr lang="en-US" altLang="ko-KR" b="0" i="1" smtClean="0">
+                        <a:latin typeface="Cambria Math" panose="02040503050406030204" pitchFamily="18" charset="0"/>
+                        <a:ea typeface="서울남산체 M" panose="02020603020101020101" pitchFamily="18" charset="-127"/>
+                      </a:rPr>
+                      <m:t>, </m:t>
+                    </m:r>
+                    <m:sSup>
+                      <m:sSupPr>
+                        <m:ctrlPr>
+                          <a:rPr lang="en-US" altLang="ko-KR" b="0" i="1" smtClean="0">
+                            <a:latin typeface="Cambria Math" panose="02040503050406030204" pitchFamily="18" charset="0"/>
+                            <a:ea typeface="서울남산체 M" panose="02020603020101020101" pitchFamily="18" charset="-127"/>
+                          </a:rPr>
+                        </m:ctrlPr>
+                      </m:sSupPr>
+                      <m:e>
+                        <m:r>
+                          <a:rPr lang="en-US" altLang="ko-KR" b="0" i="1" smtClean="0">
+                            <a:latin typeface="Cambria Math" panose="02040503050406030204" pitchFamily="18" charset="0"/>
+                            <a:ea typeface="서울남산체 M" panose="02020603020101020101" pitchFamily="18" charset="-127"/>
+                          </a:rPr>
+                          <m:t>𝑧</m:t>
+                        </m:r>
+                      </m:e>
+                      <m:sup>
+                        <m:r>
+                          <a:rPr lang="en-US" altLang="ko-KR" b="0" i="1" smtClean="0">
+                            <a:latin typeface="Cambria Math" panose="02040503050406030204" pitchFamily="18" charset="0"/>
+                            <a:ea typeface="서울남산체 M" panose="02020603020101020101" pitchFamily="18" charset="-127"/>
+                          </a:rPr>
+                          <m:t>−</m:t>
+                        </m:r>
+                      </m:sup>
+                    </m:sSup>
+                    <m:r>
+                      <a:rPr lang="en-US" altLang="ko-KR" b="0" i="1" smtClean="0">
+                        <a:latin typeface="Cambria Math" panose="02040503050406030204" pitchFamily="18" charset="0"/>
+                        <a:ea typeface="서울남산체 M" panose="02020603020101020101" pitchFamily="18" charset="-127"/>
+                      </a:rPr>
+                      <m:t>)</m:t>
+                    </m:r>
+                  </m:oMath>
+                </a14:m>
+                <a:r>
+                  <a:rPr lang="ko-KR" altLang="en-US" b="0" dirty="0">
+                    <a:latin typeface="서울남산체 M" panose="02020603020101020101" pitchFamily="18" charset="-127"/>
+                    <a:ea typeface="서울남산체 M" panose="02020603020101020101" pitchFamily="18" charset="-127"/>
+                  </a:rPr>
+                  <a:t>로 함</a:t>
+                </a:r>
+                <a:endParaRPr lang="en-US" altLang="ko-KR" b="0" dirty="0">
+                  <a:latin typeface="서울남산체 M" panose="02020603020101020101" pitchFamily="18" charset="-127"/>
+                  <a:ea typeface="서울남산체 M" panose="02020603020101020101" pitchFamily="18" charset="-127"/>
+                </a:endParaRPr>
+              </a:p>
+            </p:txBody>
+          </p:sp>
+        </mc:Choice>
+        <mc:Fallback>
+          <p:sp>
+            <p:nvSpPr>
+              <p:cNvPr id="3" name="Text Placeholder 2"/>
+              <p:cNvSpPr>
+                <a:spLocks noGrp="1" noRot="1" noChangeAspect="1" noMove="1" noResize="1" noEditPoints="1" noAdjustHandles="1" noChangeArrowheads="1" noChangeShapeType="1" noTextEdit="1"/>
+              </p:cNvSpPr>
+              <p:nvPr>
+                <p:ph type="body" sz="quarter" idx="10"/>
+              </p:nvPr>
+            </p:nvSpPr>
+            <p:spPr>
+              <a:xfrm>
+                <a:off x="519248" y="1447801"/>
+                <a:ext cx="11151917" cy="4944532"/>
+              </a:xfrm>
+              <a:blipFill>
+                <a:blip r:embed="rId3"/>
+                <a:stretch>
+                  <a:fillRect l="-1639" t="-2096"/>
+                </a:stretch>
+              </a:blipFill>
+            </p:spPr>
+            <p:txBody>
+              <a:bodyPr/>
+              <a:lstStyle/>
+              <a:p>
+                <a:r>
+                  <a:rPr lang="en-US">
+                    <a:noFill/>
+                  </a:rPr>
+                  <a:t> </a:t>
+                </a:r>
+              </a:p>
+            </p:txBody>
+          </p:sp>
+        </mc:Fallback>
+      </mc:AlternateContent>
+      <p:sp>
+        <p:nvSpPr>
+          <p:cNvPr id="2" name="Title 1"/>
+          <p:cNvSpPr>
+            <a:spLocks noGrp="1"/>
+          </p:cNvSpPr>
+          <p:nvPr>
+            <p:ph type="title"/>
+          </p:nvPr>
+        </p:nvSpPr>
+        <p:spPr>
+          <a:xfrm>
+            <a:off x="519248" y="543951"/>
+            <a:ext cx="11151917" cy="747897"/>
+          </a:xfrm>
+        </p:spPr>
+        <p:txBody>
+          <a:bodyPr/>
+          <a:lstStyle/>
+          <a:p>
+            <a:r>
+              <a:rPr lang="en-US" dirty="0"/>
+              <a:t>The Dipole Diffusion Approximation</a:t>
+            </a:r>
+          </a:p>
+        </p:txBody>
+      </p:sp>
+      <p:sp>
+        <p:nvSpPr>
+          <p:cNvPr id="4" name="Slide Number Placeholder 3"/>
+          <p:cNvSpPr>
+            <a:spLocks noGrp="1"/>
+          </p:cNvSpPr>
+          <p:nvPr>
+            <p:ph type="sldNum" sz="quarter" idx="4"/>
+          </p:nvPr>
+        </p:nvSpPr>
+        <p:spPr/>
+        <p:txBody>
+          <a:bodyPr/>
+          <a:lstStyle/>
+          <a:p>
+            <a:fld id="{6B5C536E-FA7B-40DC-A296-D7EC18490057}" type="slidenum">
+              <a:rPr lang="ko-KR" altLang="en-US" smtClean="0"/>
+              <a:pPr/>
+              <a:t>14</a:t>
+            </a:fld>
+            <a:endParaRPr lang="ko-KR" altLang="en-US"/>
+          </a:p>
+        </p:txBody>
+      </p:sp>
+    </p:spTree>
+    <p:extLst>
+      <p:ext uri="{BB962C8B-B14F-4D97-AF65-F5344CB8AC3E}">
+        <p14:creationId xmlns:p14="http://schemas.microsoft.com/office/powerpoint/2010/main" val="3577965609"/>
+      </p:ext>
+    </p:extLst>
+  </p:cSld>
+  <p:clrMapOvr>
+    <a:masterClrMapping/>
+  </p:clrMapOvr>
+  <mc:AlternateContent xmlns:mc="http://schemas.openxmlformats.org/markup-compatibility/2006" xmlns:p14="http://schemas.microsoft.com/office/powerpoint/2010/main">
+    <mc:Choice Requires="p14">
+      <p:transition p14:dur="0"/>
+    </mc:Choice>
+    <mc:Fallback xmlns="">
+      <p:transition/>
+    </mc:Fallback>
+  </mc:AlternateContent>
+</p:sld>
+</file>
+
+<file path=ppt/slides/slide15.xml><?xml version="1.0" encoding="utf-8"?>
+<p:sld xmlns:a="http://schemas.openxmlformats.org/drawingml/2006/main" xmlns:r="http://schemas.openxmlformats.org/officeDocument/2006/relationships" xmlns:p="http://schemas.openxmlformats.org/presentationml/2006/main">
+  <p:cSld>
+    <p:spTree>
+      <p:nvGrpSpPr>
+        <p:cNvPr id="1" name=""/>
+        <p:cNvGrpSpPr/>
+        <p:nvPr/>
+      </p:nvGrpSpPr>
+      <p:grpSpPr>
+        <a:xfrm>
+          <a:off x="0" y="0"/>
+          <a:ext cx="0" cy="0"/>
+          <a:chOff x="0" y="0"/>
+          <a:chExt cx="0" cy="0"/>
+        </a:xfrm>
+      </p:grpSpPr>
+      <mc:AlternateContent xmlns:mc="http://schemas.openxmlformats.org/markup-compatibility/2006">
+        <mc:Choice xmlns:a14="http://schemas.microsoft.com/office/drawing/2010/main" Requires="a14">
+          <p:sp>
+            <p:nvSpPr>
+              <p:cNvPr id="3" name="Text Placeholder 2"/>
+              <p:cNvSpPr>
+                <a:spLocks noGrp="1"/>
+              </p:cNvSpPr>
+              <p:nvPr>
+                <p:ph type="body" sz="quarter" idx="10"/>
+              </p:nvPr>
+            </p:nvSpPr>
+            <p:spPr>
+              <a:xfrm>
+                <a:off x="519248" y="1447801"/>
+                <a:ext cx="11151917" cy="4944532"/>
+              </a:xfrm>
+            </p:spPr>
+            <p:txBody>
+              <a:bodyPr>
+                <a:normAutofit/>
+              </a:bodyPr>
+              <a:lstStyle/>
+              <a:p>
+                <a:pPr>
+                  <a:lnSpc>
+                    <a:spcPct val="100000"/>
+                  </a:lnSpc>
+                </a:pPr>
+                <a:r>
+                  <a:rPr lang="ko-KR" altLang="en-US" dirty="0">
+                    <a:latin typeface="서울남산체 M" panose="02020603020101020101" pitchFamily="18" charset="-127"/>
+                    <a:ea typeface="서울남산체 M" panose="02020603020101020101" pitchFamily="18" charset="-127"/>
+                  </a:rPr>
+                  <a:t>특정 점 </a:t>
+                </a:r>
+                <a14:m>
+                  <m:oMath xmlns:m="http://schemas.openxmlformats.org/officeDocument/2006/math">
+                    <m:sSub>
+                      <m:sSubPr>
+                        <m:ctrlPr>
+                          <a:rPr lang="en-US" altLang="ko-KR" b="0" i="1" smtClean="0">
+                            <a:latin typeface="Cambria Math" panose="02040503050406030204" pitchFamily="18" charset="0"/>
+                            <a:ea typeface="서울남산체 M" panose="02020603020101020101" pitchFamily="18" charset="-127"/>
+                          </a:rPr>
+                        </m:ctrlPr>
+                      </m:sSubPr>
+                      <m:e>
+                        <m:r>
+                          <a:rPr lang="en-US" altLang="ko-KR" b="0" i="1" smtClean="0">
+                            <a:latin typeface="Cambria Math" panose="02040503050406030204" pitchFamily="18" charset="0"/>
+                            <a:ea typeface="서울남산체 M" panose="02020603020101020101" pitchFamily="18" charset="-127"/>
+                          </a:rPr>
+                          <m:t>𝑝</m:t>
+                        </m:r>
+                      </m:e>
+                      <m:sub>
+                        <m:r>
+                          <a:rPr lang="en-US" altLang="ko-KR" b="0" i="1" smtClean="0">
+                            <a:latin typeface="Cambria Math" panose="02040503050406030204" pitchFamily="18" charset="0"/>
+                            <a:ea typeface="서울남산체 M" panose="02020603020101020101" pitchFamily="18" charset="-127"/>
+                          </a:rPr>
+                          <m:t>𝑜</m:t>
+                        </m:r>
+                      </m:sub>
+                    </m:sSub>
+                    <m:r>
+                      <a:rPr lang="en-US" altLang="ko-KR" b="0" i="1" smtClean="0">
+                        <a:latin typeface="Cambria Math" panose="02040503050406030204" pitchFamily="18" charset="0"/>
+                        <a:ea typeface="서울남산체 M" panose="02020603020101020101" pitchFamily="18" charset="-127"/>
+                      </a:rPr>
+                      <m:t>=(</m:t>
+                    </m:r>
+                    <m:sSub>
+                      <m:sSubPr>
+                        <m:ctrlPr>
+                          <a:rPr lang="en-US" altLang="ko-KR" b="0" i="1" smtClean="0">
+                            <a:latin typeface="Cambria Math" panose="02040503050406030204" pitchFamily="18" charset="0"/>
+                            <a:ea typeface="서울남산체 M" panose="02020603020101020101" pitchFamily="18" charset="-127"/>
+                          </a:rPr>
+                        </m:ctrlPr>
+                      </m:sSubPr>
+                      <m:e>
+                        <m:r>
+                          <a:rPr lang="en-US" altLang="ko-KR" b="0" i="1" smtClean="0">
+                            <a:latin typeface="Cambria Math" panose="02040503050406030204" pitchFamily="18" charset="0"/>
+                            <a:ea typeface="서울남산체 M" panose="02020603020101020101" pitchFamily="18" charset="-127"/>
+                          </a:rPr>
+                          <m:t>𝑥</m:t>
+                        </m:r>
+                      </m:e>
+                      <m:sub>
+                        <m:r>
+                          <a:rPr lang="en-US" altLang="ko-KR" b="0" i="1" smtClean="0">
+                            <a:latin typeface="Cambria Math" panose="02040503050406030204" pitchFamily="18" charset="0"/>
+                            <a:ea typeface="서울남산체 M" panose="02020603020101020101" pitchFamily="18" charset="-127"/>
+                          </a:rPr>
+                          <m:t>𝑜</m:t>
+                        </m:r>
+                      </m:sub>
+                    </m:sSub>
+                    <m:r>
+                      <a:rPr lang="en-US" altLang="ko-KR" b="0" i="1" smtClean="0">
+                        <a:latin typeface="Cambria Math" panose="02040503050406030204" pitchFamily="18" charset="0"/>
+                        <a:ea typeface="서울남산체 M" panose="02020603020101020101" pitchFamily="18" charset="-127"/>
+                      </a:rPr>
+                      <m:t>, </m:t>
+                    </m:r>
+                    <m:sSub>
+                      <m:sSubPr>
+                        <m:ctrlPr>
+                          <a:rPr lang="en-US" altLang="ko-KR" b="0" i="1" smtClean="0">
+                            <a:latin typeface="Cambria Math" panose="02040503050406030204" pitchFamily="18" charset="0"/>
+                            <a:ea typeface="서울남산체 M" panose="02020603020101020101" pitchFamily="18" charset="-127"/>
+                          </a:rPr>
+                        </m:ctrlPr>
+                      </m:sSubPr>
+                      <m:e>
+                        <m:r>
+                          <a:rPr lang="en-US" altLang="ko-KR" b="0" i="1" smtClean="0">
+                            <a:latin typeface="Cambria Math" panose="02040503050406030204" pitchFamily="18" charset="0"/>
+                            <a:ea typeface="서울남산체 M" panose="02020603020101020101" pitchFamily="18" charset="-127"/>
+                          </a:rPr>
+                          <m:t>𝑦</m:t>
+                        </m:r>
+                      </m:e>
+                      <m:sub>
+                        <m:r>
+                          <a:rPr lang="en-US" altLang="ko-KR" b="0" i="1" smtClean="0">
+                            <a:latin typeface="Cambria Math" panose="02040503050406030204" pitchFamily="18" charset="0"/>
+                            <a:ea typeface="서울남산체 M" panose="02020603020101020101" pitchFamily="18" charset="-127"/>
+                          </a:rPr>
+                          <m:t>𝑜</m:t>
+                        </m:r>
+                      </m:sub>
+                    </m:sSub>
+                    <m:r>
+                      <a:rPr lang="en-US" altLang="ko-KR" b="0" i="1" smtClean="0">
+                        <a:latin typeface="Cambria Math" panose="02040503050406030204" pitchFamily="18" charset="0"/>
+                        <a:ea typeface="서울남산체 M" panose="02020603020101020101" pitchFamily="18" charset="-127"/>
+                      </a:rPr>
+                      <m:t>, 0)</m:t>
+                    </m:r>
+                  </m:oMath>
+                </a14:m>
+                <a:r>
+                  <a:rPr lang="ko-KR" altLang="en-US" b="0" dirty="0">
+                    <a:latin typeface="서울남산체 M" panose="02020603020101020101" pitchFamily="18" charset="-127"/>
+                    <a:ea typeface="서울남산체 M" panose="02020603020101020101" pitchFamily="18" charset="-127"/>
+                  </a:rPr>
+                  <a:t>에서 매질을 떠나는 유속은</a:t>
+                </a:r>
+                <a:br>
+                  <a:rPr lang="en-US" altLang="ko-KR" b="0" dirty="0">
+                    <a:latin typeface="서울남산체 M" panose="02020603020101020101" pitchFamily="18" charset="-127"/>
+                    <a:ea typeface="서울남산체 M" panose="02020603020101020101" pitchFamily="18" charset="-127"/>
+                  </a:rPr>
+                </a:br>
+                <a:r>
+                  <a:rPr lang="ko-KR" altLang="en-US" b="0" dirty="0">
+                    <a:latin typeface="서울남산체 M" panose="02020603020101020101" pitchFamily="18" charset="-127"/>
+                    <a:ea typeface="서울남산체 M" panose="02020603020101020101" pitchFamily="18" charset="-127"/>
+                  </a:rPr>
+                  <a:t>양의 광원의 기여에서 음의 광원의 기여를 뺀 값으로 구할 수 있음</a:t>
+                </a:r>
+                <a:endParaRPr lang="en-US" altLang="ko-KR" b="0" dirty="0">
+                  <a:latin typeface="서울남산체 M" panose="02020603020101020101" pitchFamily="18" charset="-127"/>
+                  <a:ea typeface="서울남산체 M" panose="02020603020101020101" pitchFamily="18" charset="-127"/>
+                </a:endParaRPr>
+              </a:p>
+              <a:p>
+                <a:pPr marL="0" indent="0">
+                  <a:lnSpc>
+                    <a:spcPct val="100000"/>
+                  </a:lnSpc>
+                  <a:buNone/>
+                </a:pPr>
+                <a14:m>
+                  <m:oMathPara xmlns:m="http://schemas.openxmlformats.org/officeDocument/2006/math">
+                    <m:oMathParaPr>
+                      <m:jc m:val="centerGroup"/>
+                    </m:oMathParaPr>
+                    <m:oMath xmlns:m="http://schemas.openxmlformats.org/officeDocument/2006/math">
+                      <m:r>
+                        <a:rPr lang="ko-KR" altLang="en-US" b="0" i="1" smtClean="0">
+                          <a:latin typeface="Cambria Math" panose="02040503050406030204" pitchFamily="18" charset="0"/>
+                          <a:ea typeface="서울남산체 M" panose="02020603020101020101" pitchFamily="18" charset="-127"/>
+                        </a:rPr>
+                        <m:t>𝜙</m:t>
+                      </m:r>
+                      <m:d>
+                        <m:dPr>
+                          <m:ctrlPr>
+                            <a:rPr lang="en-US" altLang="ko-KR" b="0" i="1" smtClean="0">
+                              <a:latin typeface="Cambria Math" panose="02040503050406030204" pitchFamily="18" charset="0"/>
+                              <a:ea typeface="서울남산체 M" panose="02020603020101020101" pitchFamily="18" charset="-127"/>
+                            </a:rPr>
+                          </m:ctrlPr>
+                        </m:dPr>
+                        <m:e>
+                          <m:sSub>
+                            <m:sSubPr>
+                              <m:ctrlPr>
+                                <a:rPr lang="en-US" altLang="ko-KR" b="0" i="1" smtClean="0">
+                                  <a:latin typeface="Cambria Math" panose="02040503050406030204" pitchFamily="18" charset="0"/>
+                                  <a:ea typeface="서울남산체 M" panose="02020603020101020101" pitchFamily="18" charset="-127"/>
+                                </a:rPr>
+                              </m:ctrlPr>
+                            </m:sSubPr>
+                            <m:e>
+                              <m:r>
+                                <a:rPr lang="en-US" altLang="ko-KR" b="0" i="1" smtClean="0">
+                                  <a:latin typeface="Cambria Math" panose="02040503050406030204" pitchFamily="18" charset="0"/>
+                                  <a:ea typeface="서울남산체 M" panose="02020603020101020101" pitchFamily="18" charset="-127"/>
+                                </a:rPr>
+                                <m:t>𝑝</m:t>
+                              </m:r>
+                            </m:e>
+                            <m:sub>
+                              <m:r>
+                                <a:rPr lang="en-US" altLang="ko-KR" b="0" i="1" smtClean="0">
+                                  <a:latin typeface="Cambria Math" panose="02040503050406030204" pitchFamily="18" charset="0"/>
+                                  <a:ea typeface="서울남산체 M" panose="02020603020101020101" pitchFamily="18" charset="-127"/>
+                                </a:rPr>
+                                <m:t>𝑖</m:t>
+                              </m:r>
+                            </m:sub>
+                          </m:sSub>
+                          <m:r>
+                            <a:rPr lang="en-US" altLang="ko-KR" b="0" i="1" smtClean="0">
+                              <a:latin typeface="Cambria Math" panose="02040503050406030204" pitchFamily="18" charset="0"/>
+                              <a:ea typeface="서울남산체 M" panose="02020603020101020101" pitchFamily="18" charset="-127"/>
+                            </a:rPr>
+                            <m:t>, </m:t>
+                          </m:r>
+                          <m:sSub>
+                            <m:sSubPr>
+                              <m:ctrlPr>
+                                <a:rPr lang="en-US" altLang="ko-KR" b="0" i="1" smtClean="0">
+                                  <a:latin typeface="Cambria Math" panose="02040503050406030204" pitchFamily="18" charset="0"/>
+                                  <a:ea typeface="서울남산체 M" panose="02020603020101020101" pitchFamily="18" charset="-127"/>
+                                </a:rPr>
+                              </m:ctrlPr>
+                            </m:sSubPr>
+                            <m:e>
+                              <m:r>
+                                <a:rPr lang="en-US" altLang="ko-KR" b="0" i="1" smtClean="0">
+                                  <a:latin typeface="Cambria Math" panose="02040503050406030204" pitchFamily="18" charset="0"/>
+                                  <a:ea typeface="서울남산체 M" panose="02020603020101020101" pitchFamily="18" charset="-127"/>
+                                </a:rPr>
+                                <m:t>𝑝</m:t>
+                              </m:r>
+                            </m:e>
+                            <m:sub>
+                              <m:r>
+                                <a:rPr lang="en-US" altLang="ko-KR" b="0" i="1" smtClean="0">
+                                  <a:latin typeface="Cambria Math" panose="02040503050406030204" pitchFamily="18" charset="0"/>
+                                  <a:ea typeface="서울남산체 M" panose="02020603020101020101" pitchFamily="18" charset="-127"/>
+                                </a:rPr>
+                                <m:t>𝑜</m:t>
+                              </m:r>
+                            </m:sub>
+                          </m:sSub>
+                        </m:e>
+                      </m:d>
+                      <m:r>
+                        <a:rPr lang="en-US" altLang="ko-KR" b="0" i="1" smtClean="0">
+                          <a:latin typeface="Cambria Math" panose="02040503050406030204" pitchFamily="18" charset="0"/>
+                          <a:ea typeface="서울남산체 M" panose="02020603020101020101" pitchFamily="18" charset="-127"/>
+                        </a:rPr>
+                        <m:t>=</m:t>
+                      </m:r>
+                      <m:f>
+                        <m:fPr>
+                          <m:ctrlPr>
+                            <a:rPr lang="en-US" altLang="ko-KR" b="0" i="1" smtClean="0">
+                              <a:latin typeface="Cambria Math" panose="02040503050406030204" pitchFamily="18" charset="0"/>
+                              <a:ea typeface="서울남산체 M" panose="02020603020101020101" pitchFamily="18" charset="-127"/>
+                            </a:rPr>
+                          </m:ctrlPr>
+                        </m:fPr>
+                        <m:num>
+                          <m:r>
+                            <m:rPr>
+                              <m:sty m:val="p"/>
+                            </m:rPr>
+                            <a:rPr lang="el-GR" altLang="ko-KR" b="0" i="1" smtClean="0">
+                              <a:latin typeface="Cambria Math" panose="02040503050406030204" pitchFamily="18" charset="0"/>
+                              <a:ea typeface="Cambria Math" panose="02040503050406030204" pitchFamily="18" charset="0"/>
+                            </a:rPr>
+                            <m:t>Φ</m:t>
+                          </m:r>
+                        </m:num>
+                        <m:den>
+                          <m:r>
+                            <a:rPr lang="en-US" altLang="ko-KR" b="0" i="1" smtClean="0">
+                              <a:latin typeface="Cambria Math" panose="02040503050406030204" pitchFamily="18" charset="0"/>
+                              <a:ea typeface="서울남산체 M" panose="02020603020101020101" pitchFamily="18" charset="-127"/>
+                            </a:rPr>
+                            <m:t>4</m:t>
+                          </m:r>
+                          <m:r>
+                            <a:rPr lang="ko-KR" altLang="en-US" b="0" i="1" smtClean="0">
+                              <a:latin typeface="Cambria Math" panose="02040503050406030204" pitchFamily="18" charset="0"/>
+                              <a:ea typeface="서울남산체 M" panose="02020603020101020101" pitchFamily="18" charset="-127"/>
+                            </a:rPr>
+                            <m:t>𝜋</m:t>
+                          </m:r>
+                          <m:r>
+                            <a:rPr lang="en-US" altLang="ko-KR" b="0" i="1" smtClean="0">
+                              <a:latin typeface="Cambria Math" panose="02040503050406030204" pitchFamily="18" charset="0"/>
+                              <a:ea typeface="서울남산체 M" panose="02020603020101020101" pitchFamily="18" charset="-127"/>
+                            </a:rPr>
+                            <m:t>𝐷</m:t>
+                          </m:r>
+                        </m:den>
+                      </m:f>
+                      <m:d>
+                        <m:dPr>
+                          <m:ctrlPr>
+                            <a:rPr lang="en-US" altLang="ko-KR" b="0" i="1" smtClean="0">
+                              <a:latin typeface="Cambria Math" panose="02040503050406030204" pitchFamily="18" charset="0"/>
+                              <a:ea typeface="서울남산체 M" panose="02020603020101020101" pitchFamily="18" charset="-127"/>
+                            </a:rPr>
+                          </m:ctrlPr>
+                        </m:dPr>
+                        <m:e>
+                          <m:f>
+                            <m:fPr>
+                              <m:ctrlPr>
+                                <a:rPr lang="en-US" altLang="ko-KR" b="0" i="1" smtClean="0">
+                                  <a:latin typeface="Cambria Math" panose="02040503050406030204" pitchFamily="18" charset="0"/>
+                                  <a:ea typeface="서울남산체 M" panose="02020603020101020101" pitchFamily="18" charset="-127"/>
+                                </a:rPr>
+                              </m:ctrlPr>
+                            </m:fPr>
+                            <m:num>
+                              <m:sSup>
+                                <m:sSupPr>
+                                  <m:ctrlPr>
+                                    <a:rPr lang="en-US" altLang="ko-KR" b="0" i="1" smtClean="0">
+                                      <a:latin typeface="Cambria Math" panose="02040503050406030204" pitchFamily="18" charset="0"/>
+                                      <a:ea typeface="서울남산체 M" panose="02020603020101020101" pitchFamily="18" charset="-127"/>
+                                    </a:rPr>
+                                  </m:ctrlPr>
+                                </m:sSupPr>
+                                <m:e>
+                                  <m:r>
+                                    <a:rPr lang="en-US" altLang="ko-KR" b="0" i="1" smtClean="0">
+                                      <a:latin typeface="Cambria Math" panose="02040503050406030204" pitchFamily="18" charset="0"/>
+                                      <a:ea typeface="서울남산체 M" panose="02020603020101020101" pitchFamily="18" charset="-127"/>
+                                    </a:rPr>
+                                    <m:t>𝑒</m:t>
+                                  </m:r>
+                                </m:e>
+                                <m:sup>
+                                  <m:r>
+                                    <a:rPr lang="en-US" altLang="ko-KR" b="0" i="1" smtClean="0">
+                                      <a:latin typeface="Cambria Math" panose="02040503050406030204" pitchFamily="18" charset="0"/>
+                                      <a:ea typeface="서울남산체 M" panose="02020603020101020101" pitchFamily="18" charset="-127"/>
+                                    </a:rPr>
+                                    <m:t>−</m:t>
+                                  </m:r>
+                                  <m:sSub>
+                                    <m:sSubPr>
+                                      <m:ctrlPr>
+                                        <a:rPr lang="en-US" altLang="ko-KR" b="0" i="1" smtClean="0">
+                                          <a:latin typeface="Cambria Math" panose="02040503050406030204" pitchFamily="18" charset="0"/>
+                                          <a:ea typeface="서울남산체 M" panose="02020603020101020101" pitchFamily="18" charset="-127"/>
+                                        </a:rPr>
+                                      </m:ctrlPr>
+                                    </m:sSubPr>
+                                    <m:e>
+                                      <m:r>
+                                        <a:rPr lang="ko-KR" altLang="en-US" b="0" i="1" smtClean="0">
+                                          <a:latin typeface="Cambria Math" panose="02040503050406030204" pitchFamily="18" charset="0"/>
+                                          <a:ea typeface="서울남산체 M" panose="02020603020101020101" pitchFamily="18" charset="-127"/>
+                                        </a:rPr>
+                                        <m:t>𝜎</m:t>
+                                      </m:r>
+                                    </m:e>
+                                    <m:sub>
+                                      <m:r>
+                                        <m:rPr>
+                                          <m:sty m:val="p"/>
+                                        </m:rPr>
+                                        <a:rPr lang="en-US" altLang="ko-KR" b="0" i="0" smtClean="0">
+                                          <a:latin typeface="Cambria Math" panose="02040503050406030204" pitchFamily="18" charset="0"/>
+                                          <a:ea typeface="서울남산체 M" panose="02020603020101020101" pitchFamily="18" charset="-127"/>
+                                        </a:rPr>
+                                        <m:t>tr</m:t>
+                                      </m:r>
+                                    </m:sub>
+                                  </m:sSub>
+                                  <m:sSup>
+                                    <m:sSupPr>
+                                      <m:ctrlPr>
+                                        <a:rPr lang="en-US" altLang="ko-KR" b="0" i="1" smtClean="0">
+                                          <a:latin typeface="Cambria Math" panose="02040503050406030204" pitchFamily="18" charset="0"/>
+                                          <a:ea typeface="서울남산체 M" panose="02020603020101020101" pitchFamily="18" charset="-127"/>
+                                        </a:rPr>
+                                      </m:ctrlPr>
+                                    </m:sSupPr>
+                                    <m:e>
+                                      <m:r>
+                                        <a:rPr lang="en-US" altLang="ko-KR" b="0" i="1" smtClean="0">
+                                          <a:latin typeface="Cambria Math" panose="02040503050406030204" pitchFamily="18" charset="0"/>
+                                          <a:ea typeface="서울남산체 M" panose="02020603020101020101" pitchFamily="18" charset="-127"/>
+                                        </a:rPr>
+                                        <m:t>𝑑</m:t>
+                                      </m:r>
+                                    </m:e>
+                                    <m:sup>
+                                      <m:r>
+                                        <a:rPr lang="en-US" altLang="ko-KR" b="0" i="1" smtClean="0">
+                                          <a:latin typeface="Cambria Math" panose="02040503050406030204" pitchFamily="18" charset="0"/>
+                                          <a:ea typeface="서울남산체 M" panose="02020603020101020101" pitchFamily="18" charset="-127"/>
+                                        </a:rPr>
+                                        <m:t>+</m:t>
+                                      </m:r>
+                                    </m:sup>
+                                  </m:sSup>
+                                </m:sup>
+                              </m:sSup>
+                            </m:num>
+                            <m:den>
+                              <m:sSup>
+                                <m:sSupPr>
+                                  <m:ctrlPr>
+                                    <a:rPr lang="en-US" altLang="ko-KR" b="0" i="1" smtClean="0">
+                                      <a:latin typeface="Cambria Math" panose="02040503050406030204" pitchFamily="18" charset="0"/>
+                                      <a:ea typeface="서울남산체 M" panose="02020603020101020101" pitchFamily="18" charset="-127"/>
+                                    </a:rPr>
+                                  </m:ctrlPr>
+                                </m:sSupPr>
+                                <m:e>
+                                  <m:r>
+                                    <a:rPr lang="en-US" altLang="ko-KR" b="0" i="1" smtClean="0">
+                                      <a:latin typeface="Cambria Math" panose="02040503050406030204" pitchFamily="18" charset="0"/>
+                                      <a:ea typeface="서울남산체 M" panose="02020603020101020101" pitchFamily="18" charset="-127"/>
+                                    </a:rPr>
+                                    <m:t>𝑑</m:t>
+                                  </m:r>
+                                </m:e>
+                                <m:sup>
+                                  <m:r>
+                                    <a:rPr lang="en-US" altLang="ko-KR" b="0" i="1" smtClean="0">
+                                      <a:latin typeface="Cambria Math" panose="02040503050406030204" pitchFamily="18" charset="0"/>
+                                      <a:ea typeface="서울남산체 M" panose="02020603020101020101" pitchFamily="18" charset="-127"/>
+                                    </a:rPr>
+                                    <m:t>+</m:t>
+                                  </m:r>
+                                </m:sup>
+                              </m:sSup>
+                            </m:den>
+                          </m:f>
+                          <m:r>
+                            <a:rPr lang="en-US" altLang="ko-KR" b="0" i="1" smtClean="0">
+                              <a:latin typeface="Cambria Math" panose="02040503050406030204" pitchFamily="18" charset="0"/>
+                              <a:ea typeface="서울남산체 M" panose="02020603020101020101" pitchFamily="18" charset="-127"/>
+                            </a:rPr>
+                            <m:t>−</m:t>
+                          </m:r>
+                          <m:f>
+                            <m:fPr>
+                              <m:ctrlPr>
+                                <a:rPr lang="en-US" altLang="ko-KR" i="1">
+                                  <a:latin typeface="Cambria Math" panose="02040503050406030204" pitchFamily="18" charset="0"/>
+                                  <a:ea typeface="서울남산체 M" panose="02020603020101020101" pitchFamily="18" charset="-127"/>
+                                </a:rPr>
+                              </m:ctrlPr>
+                            </m:fPr>
+                            <m:num>
+                              <m:sSup>
+                                <m:sSupPr>
+                                  <m:ctrlPr>
+                                    <a:rPr lang="en-US" altLang="ko-KR" i="1">
+                                      <a:latin typeface="Cambria Math" panose="02040503050406030204" pitchFamily="18" charset="0"/>
+                                      <a:ea typeface="서울남산체 M" panose="02020603020101020101" pitchFamily="18" charset="-127"/>
+                                    </a:rPr>
+                                  </m:ctrlPr>
+                                </m:sSupPr>
+                                <m:e>
+                                  <m:r>
+                                    <a:rPr lang="en-US" altLang="ko-KR" i="1">
+                                      <a:latin typeface="Cambria Math" panose="02040503050406030204" pitchFamily="18" charset="0"/>
+                                      <a:ea typeface="서울남산체 M" panose="02020603020101020101" pitchFamily="18" charset="-127"/>
+                                    </a:rPr>
+                                    <m:t>𝑒</m:t>
+                                  </m:r>
+                                </m:e>
+                                <m:sup>
+                                  <m:r>
+                                    <a:rPr lang="en-US" altLang="ko-KR" i="1">
+                                      <a:latin typeface="Cambria Math" panose="02040503050406030204" pitchFamily="18" charset="0"/>
+                                      <a:ea typeface="서울남산체 M" panose="02020603020101020101" pitchFamily="18" charset="-127"/>
+                                    </a:rPr>
+                                    <m:t>−</m:t>
+                                  </m:r>
+                                  <m:sSub>
+                                    <m:sSubPr>
+                                      <m:ctrlPr>
+                                        <a:rPr lang="en-US" altLang="ko-KR" i="1">
+                                          <a:latin typeface="Cambria Math" panose="02040503050406030204" pitchFamily="18" charset="0"/>
+                                          <a:ea typeface="서울남산체 M" panose="02020603020101020101" pitchFamily="18" charset="-127"/>
+                                        </a:rPr>
+                                      </m:ctrlPr>
+                                    </m:sSubPr>
+                                    <m:e>
+                                      <m:r>
+                                        <a:rPr lang="ko-KR" altLang="en-US" i="1">
+                                          <a:latin typeface="Cambria Math" panose="02040503050406030204" pitchFamily="18" charset="0"/>
+                                          <a:ea typeface="서울남산체 M" panose="02020603020101020101" pitchFamily="18" charset="-127"/>
+                                        </a:rPr>
+                                        <m:t>𝜎</m:t>
+                                      </m:r>
+                                    </m:e>
+                                    <m:sub>
+                                      <m:r>
+                                        <m:rPr>
+                                          <m:sty m:val="p"/>
+                                        </m:rPr>
+                                        <a:rPr lang="en-US" altLang="ko-KR">
+                                          <a:latin typeface="Cambria Math" panose="02040503050406030204" pitchFamily="18" charset="0"/>
+                                          <a:ea typeface="서울남산체 M" panose="02020603020101020101" pitchFamily="18" charset="-127"/>
+                                        </a:rPr>
+                                        <m:t>tr</m:t>
+                                      </m:r>
+                                    </m:sub>
+                                  </m:sSub>
+                                  <m:sSup>
+                                    <m:sSupPr>
+                                      <m:ctrlPr>
+                                        <a:rPr lang="en-US" altLang="ko-KR" i="1">
+                                          <a:latin typeface="Cambria Math" panose="02040503050406030204" pitchFamily="18" charset="0"/>
+                                          <a:ea typeface="서울남산체 M" panose="02020603020101020101" pitchFamily="18" charset="-127"/>
+                                        </a:rPr>
+                                      </m:ctrlPr>
+                                    </m:sSupPr>
+                                    <m:e>
+                                      <m:r>
+                                        <a:rPr lang="en-US" altLang="ko-KR" i="1">
+                                          <a:latin typeface="Cambria Math" panose="02040503050406030204" pitchFamily="18" charset="0"/>
+                                          <a:ea typeface="서울남산체 M" panose="02020603020101020101" pitchFamily="18" charset="-127"/>
+                                        </a:rPr>
+                                        <m:t>𝑑</m:t>
+                                      </m:r>
+                                    </m:e>
+                                    <m:sup>
+                                      <m:r>
+                                        <a:rPr lang="en-US" altLang="ko-KR" b="0" i="1" smtClean="0">
+                                          <a:latin typeface="Cambria Math" panose="02040503050406030204" pitchFamily="18" charset="0"/>
+                                          <a:ea typeface="서울남산체 M" panose="02020603020101020101" pitchFamily="18" charset="-127"/>
+                                        </a:rPr>
+                                        <m:t>−</m:t>
+                                      </m:r>
+                                    </m:sup>
+                                  </m:sSup>
+                                </m:sup>
+                              </m:sSup>
+                            </m:num>
+                            <m:den>
+                              <m:sSup>
+                                <m:sSupPr>
+                                  <m:ctrlPr>
+                                    <a:rPr lang="en-US" altLang="ko-KR" i="1">
+                                      <a:latin typeface="Cambria Math" panose="02040503050406030204" pitchFamily="18" charset="0"/>
+                                      <a:ea typeface="서울남산체 M" panose="02020603020101020101" pitchFamily="18" charset="-127"/>
+                                    </a:rPr>
+                                  </m:ctrlPr>
+                                </m:sSupPr>
+                                <m:e>
+                                  <m:r>
+                                    <a:rPr lang="en-US" altLang="ko-KR" i="1">
+                                      <a:latin typeface="Cambria Math" panose="02040503050406030204" pitchFamily="18" charset="0"/>
+                                      <a:ea typeface="서울남산체 M" panose="02020603020101020101" pitchFamily="18" charset="-127"/>
+                                    </a:rPr>
+                                    <m:t>𝑑</m:t>
+                                  </m:r>
+                                </m:e>
+                                <m:sup>
+                                  <m:r>
+                                    <a:rPr lang="en-US" altLang="ko-KR" b="0" i="1" smtClean="0">
+                                      <a:latin typeface="Cambria Math" panose="02040503050406030204" pitchFamily="18" charset="0"/>
+                                      <a:ea typeface="서울남산체 M" panose="02020603020101020101" pitchFamily="18" charset="-127"/>
+                                    </a:rPr>
+                                    <m:t>−</m:t>
+                                  </m:r>
+                                </m:sup>
+                              </m:sSup>
+                            </m:den>
+                          </m:f>
+                        </m:e>
+                      </m:d>
+                    </m:oMath>
+                  </m:oMathPara>
+                </a14:m>
+                <a:endParaRPr lang="en-US" altLang="ko-KR" b="0" dirty="0">
+                  <a:latin typeface="서울남산체 M" panose="02020603020101020101" pitchFamily="18" charset="-127"/>
+                  <a:ea typeface="서울남산체 M" panose="02020603020101020101" pitchFamily="18" charset="-127"/>
+                </a:endParaRPr>
+              </a:p>
+              <a:p>
+                <a:pPr>
+                  <a:lnSpc>
+                    <a:spcPct val="100000"/>
+                  </a:lnSpc>
+                </a:pPr>
+                <a:r>
+                  <a:rPr lang="ko-KR" altLang="en-US" dirty="0">
+                    <a:latin typeface="서울남산체 M" panose="02020603020101020101" pitchFamily="18" charset="-127"/>
+                    <a:ea typeface="서울남산체 M" panose="02020603020101020101" pitchFamily="18" charset="-127"/>
+                  </a:rPr>
+                  <a:t>점과 광원들 사이의 거리는 다음과 같음</a:t>
+                </a:r>
+                <a:endParaRPr lang="en-US" altLang="ko-KR" dirty="0">
+                  <a:latin typeface="서울남산체 M" panose="02020603020101020101" pitchFamily="18" charset="-127"/>
+                  <a:ea typeface="서울남산체 M" panose="02020603020101020101" pitchFamily="18" charset="-127"/>
+                </a:endParaRPr>
+              </a:p>
+              <a:p>
+                <a:pPr marL="0" indent="0">
+                  <a:lnSpc>
+                    <a:spcPct val="100000"/>
+                  </a:lnSpc>
+                  <a:buNone/>
+                </a:pPr>
+                <a14:m>
+                  <m:oMathPara xmlns:m="http://schemas.openxmlformats.org/officeDocument/2006/math">
+                    <m:oMathParaPr>
+                      <m:jc m:val="centerGroup"/>
+                    </m:oMathParaPr>
+                    <m:oMath xmlns:m="http://schemas.openxmlformats.org/officeDocument/2006/math">
+                      <m:sSup>
+                        <m:sSupPr>
+                          <m:ctrlPr>
+                            <a:rPr lang="en-US" altLang="ko-KR" b="0" i="1" smtClean="0">
+                              <a:latin typeface="Cambria Math" panose="02040503050406030204" pitchFamily="18" charset="0"/>
+                              <a:ea typeface="서울남산체 M" panose="02020603020101020101" pitchFamily="18" charset="-127"/>
+                            </a:rPr>
+                          </m:ctrlPr>
+                        </m:sSupPr>
+                        <m:e>
+                          <m:r>
+                            <a:rPr lang="en-US" altLang="ko-KR" b="0" i="1" smtClean="0">
+                              <a:latin typeface="Cambria Math" panose="02040503050406030204" pitchFamily="18" charset="0"/>
+                              <a:ea typeface="서울남산체 M" panose="02020603020101020101" pitchFamily="18" charset="-127"/>
+                            </a:rPr>
+                            <m:t>𝑑</m:t>
+                          </m:r>
+                        </m:e>
+                        <m:sup>
+                          <m:r>
+                            <a:rPr lang="en-US" altLang="ko-KR" b="0" i="1" smtClean="0">
+                              <a:latin typeface="Cambria Math" panose="02040503050406030204" pitchFamily="18" charset="0"/>
+                              <a:ea typeface="서울남산체 M" panose="02020603020101020101" pitchFamily="18" charset="-127"/>
+                            </a:rPr>
+                            <m:t>+</m:t>
+                          </m:r>
+                        </m:sup>
+                      </m:sSup>
+                      <m:r>
+                        <a:rPr lang="en-US" altLang="ko-KR" b="0" i="1" smtClean="0">
+                          <a:latin typeface="Cambria Math" panose="02040503050406030204" pitchFamily="18" charset="0"/>
+                          <a:ea typeface="서울남산체 M" panose="02020603020101020101" pitchFamily="18" charset="-127"/>
+                        </a:rPr>
+                        <m:t>=</m:t>
+                      </m:r>
+                      <m:d>
+                        <m:dPr>
+                          <m:begChr m:val="‖"/>
+                          <m:endChr m:val="‖"/>
+                          <m:ctrlPr>
+                            <a:rPr lang="en-US" altLang="ko-KR" b="0" i="1" smtClean="0">
+                              <a:latin typeface="Cambria Math" panose="02040503050406030204" pitchFamily="18" charset="0"/>
+                              <a:ea typeface="서울남산체 M" panose="02020603020101020101" pitchFamily="18" charset="-127"/>
+                            </a:rPr>
+                          </m:ctrlPr>
+                        </m:dPr>
+                        <m:e>
+                          <m:d>
+                            <m:dPr>
+                              <m:ctrlPr>
+                                <a:rPr lang="en-US" altLang="ko-KR" b="0" i="1" smtClean="0">
+                                  <a:latin typeface="Cambria Math" panose="02040503050406030204" pitchFamily="18" charset="0"/>
+                                  <a:ea typeface="서울남산체 M" panose="02020603020101020101" pitchFamily="18" charset="-127"/>
+                                </a:rPr>
+                              </m:ctrlPr>
+                            </m:dPr>
+                            <m:e>
+                              <m:sSub>
+                                <m:sSubPr>
+                                  <m:ctrlPr>
+                                    <a:rPr lang="en-US" altLang="ko-KR" b="0" i="1" smtClean="0">
+                                      <a:latin typeface="Cambria Math" panose="02040503050406030204" pitchFamily="18" charset="0"/>
+                                      <a:ea typeface="서울남산체 M" panose="02020603020101020101" pitchFamily="18" charset="-127"/>
+                                    </a:rPr>
+                                  </m:ctrlPr>
+                                </m:sSubPr>
+                                <m:e>
+                                  <m:r>
+                                    <a:rPr lang="en-US" altLang="ko-KR" b="0" i="1" smtClean="0">
+                                      <a:latin typeface="Cambria Math" panose="02040503050406030204" pitchFamily="18" charset="0"/>
+                                      <a:ea typeface="서울남산체 M" panose="02020603020101020101" pitchFamily="18" charset="-127"/>
+                                    </a:rPr>
+                                    <m:t>𝑥</m:t>
+                                  </m:r>
+                                </m:e>
+                                <m:sub>
+                                  <m:r>
+                                    <a:rPr lang="en-US" altLang="ko-KR" b="0" i="1" smtClean="0">
+                                      <a:latin typeface="Cambria Math" panose="02040503050406030204" pitchFamily="18" charset="0"/>
+                                      <a:ea typeface="서울남산체 M" panose="02020603020101020101" pitchFamily="18" charset="-127"/>
+                                    </a:rPr>
+                                    <m:t>𝑖</m:t>
+                                  </m:r>
+                                </m:sub>
+                              </m:sSub>
+                              <m:r>
+                                <a:rPr lang="en-US" altLang="ko-KR" b="0" i="1" smtClean="0">
+                                  <a:latin typeface="Cambria Math" panose="02040503050406030204" pitchFamily="18" charset="0"/>
+                                  <a:ea typeface="서울남산체 M" panose="02020603020101020101" pitchFamily="18" charset="-127"/>
+                                </a:rPr>
+                                <m:t>,</m:t>
+                              </m:r>
+                              <m:sSub>
+                                <m:sSubPr>
+                                  <m:ctrlPr>
+                                    <a:rPr lang="en-US" altLang="ko-KR" b="0" i="1" smtClean="0">
+                                      <a:latin typeface="Cambria Math" panose="02040503050406030204" pitchFamily="18" charset="0"/>
+                                      <a:ea typeface="서울남산체 M" panose="02020603020101020101" pitchFamily="18" charset="-127"/>
+                                    </a:rPr>
+                                  </m:ctrlPr>
+                                </m:sSubPr>
+                                <m:e>
+                                  <m:r>
+                                    <a:rPr lang="en-US" altLang="ko-KR" b="0" i="1" smtClean="0">
+                                      <a:latin typeface="Cambria Math" panose="02040503050406030204" pitchFamily="18" charset="0"/>
+                                      <a:ea typeface="서울남산체 M" panose="02020603020101020101" pitchFamily="18" charset="-127"/>
+                                    </a:rPr>
+                                    <m:t>𝑦</m:t>
+                                  </m:r>
+                                </m:e>
+                                <m:sub>
+                                  <m:r>
+                                    <a:rPr lang="en-US" altLang="ko-KR" b="0" i="1" smtClean="0">
+                                      <a:latin typeface="Cambria Math" panose="02040503050406030204" pitchFamily="18" charset="0"/>
+                                      <a:ea typeface="서울남산체 M" panose="02020603020101020101" pitchFamily="18" charset="-127"/>
+                                    </a:rPr>
+                                    <m:t>𝑖</m:t>
+                                  </m:r>
+                                </m:sub>
+                              </m:sSub>
+                              <m:r>
+                                <a:rPr lang="en-US" altLang="ko-KR" b="0" i="1" smtClean="0">
+                                  <a:latin typeface="Cambria Math" panose="02040503050406030204" pitchFamily="18" charset="0"/>
+                                  <a:ea typeface="서울남산체 M" panose="02020603020101020101" pitchFamily="18" charset="-127"/>
+                                </a:rPr>
+                                <m:t>, </m:t>
+                              </m:r>
+                              <m:sSup>
+                                <m:sSupPr>
+                                  <m:ctrlPr>
+                                    <a:rPr lang="en-US" altLang="ko-KR" b="0" i="1" smtClean="0">
+                                      <a:latin typeface="Cambria Math" panose="02040503050406030204" pitchFamily="18" charset="0"/>
+                                      <a:ea typeface="서울남산체 M" panose="02020603020101020101" pitchFamily="18" charset="-127"/>
+                                    </a:rPr>
+                                  </m:ctrlPr>
+                                </m:sSupPr>
+                                <m:e>
+                                  <m:r>
+                                    <a:rPr lang="en-US" altLang="ko-KR" b="0" i="1" smtClean="0">
+                                      <a:latin typeface="Cambria Math" panose="02040503050406030204" pitchFamily="18" charset="0"/>
+                                      <a:ea typeface="서울남산체 M" panose="02020603020101020101" pitchFamily="18" charset="-127"/>
+                                    </a:rPr>
+                                    <m:t>𝑧</m:t>
+                                  </m:r>
+                                </m:e>
+                                <m:sup>
+                                  <m:r>
+                                    <a:rPr lang="en-US" altLang="ko-KR" b="0" i="1" smtClean="0">
+                                      <a:latin typeface="Cambria Math" panose="02040503050406030204" pitchFamily="18" charset="0"/>
+                                      <a:ea typeface="서울남산체 M" panose="02020603020101020101" pitchFamily="18" charset="-127"/>
+                                    </a:rPr>
+                                    <m:t>+</m:t>
+                                  </m:r>
+                                </m:sup>
+                              </m:sSup>
+                            </m:e>
+                          </m:d>
+                          <m:r>
+                            <a:rPr lang="en-US" altLang="ko-KR" b="0" i="1" smtClean="0">
+                              <a:latin typeface="Cambria Math" panose="02040503050406030204" pitchFamily="18" charset="0"/>
+                              <a:ea typeface="서울남산체 M" panose="02020603020101020101" pitchFamily="18" charset="-127"/>
+                            </a:rPr>
+                            <m:t>−</m:t>
+                          </m:r>
+                          <m:sSub>
+                            <m:sSubPr>
+                              <m:ctrlPr>
+                                <a:rPr lang="en-US" altLang="ko-KR" b="0" i="1" smtClean="0">
+                                  <a:latin typeface="Cambria Math" panose="02040503050406030204" pitchFamily="18" charset="0"/>
+                                  <a:ea typeface="서울남산체 M" panose="02020603020101020101" pitchFamily="18" charset="-127"/>
+                                </a:rPr>
+                              </m:ctrlPr>
+                            </m:sSubPr>
+                            <m:e>
+                              <m:r>
+                                <a:rPr lang="en-US" altLang="ko-KR" b="0" i="1" smtClean="0">
+                                  <a:latin typeface="Cambria Math" panose="02040503050406030204" pitchFamily="18" charset="0"/>
+                                  <a:ea typeface="서울남산체 M" panose="02020603020101020101" pitchFamily="18" charset="-127"/>
+                                </a:rPr>
+                                <m:t>𝑝</m:t>
+                              </m:r>
+                            </m:e>
+                            <m:sub>
+                              <m:r>
+                                <a:rPr lang="en-US" altLang="ko-KR" b="0" i="1" smtClean="0">
+                                  <a:latin typeface="Cambria Math" panose="02040503050406030204" pitchFamily="18" charset="0"/>
+                                  <a:ea typeface="서울남산체 M" panose="02020603020101020101" pitchFamily="18" charset="-127"/>
+                                </a:rPr>
+                                <m:t>𝑜</m:t>
+                              </m:r>
+                            </m:sub>
+                          </m:sSub>
+                        </m:e>
+                      </m:d>
+                      <m:r>
+                        <a:rPr lang="en-US" altLang="ko-KR" b="0" i="1" smtClean="0">
+                          <a:latin typeface="Cambria Math" panose="02040503050406030204" pitchFamily="18" charset="0"/>
+                          <a:ea typeface="서울남산체 M" panose="02020603020101020101" pitchFamily="18" charset="-127"/>
+                        </a:rPr>
+                        <m:t>,</m:t>
+                      </m:r>
+                      <m:sSup>
+                        <m:sSupPr>
+                          <m:ctrlPr>
+                            <a:rPr lang="en-US" altLang="ko-KR" i="1">
+                              <a:latin typeface="Cambria Math" panose="02040503050406030204" pitchFamily="18" charset="0"/>
+                              <a:ea typeface="서울남산체 M" panose="02020603020101020101" pitchFamily="18" charset="-127"/>
+                            </a:rPr>
+                          </m:ctrlPr>
+                        </m:sSupPr>
+                        <m:e>
+                          <m:r>
+                            <a:rPr lang="en-US" altLang="ko-KR" i="1">
+                              <a:latin typeface="Cambria Math" panose="02040503050406030204" pitchFamily="18" charset="0"/>
+                              <a:ea typeface="서울남산체 M" panose="02020603020101020101" pitchFamily="18" charset="-127"/>
+                            </a:rPr>
+                            <m:t>𝑑</m:t>
+                          </m:r>
+                        </m:e>
+                        <m:sup>
+                          <m:r>
+                            <a:rPr lang="en-US" altLang="ko-KR" b="0" i="1" smtClean="0">
+                              <a:latin typeface="Cambria Math" panose="02040503050406030204" pitchFamily="18" charset="0"/>
+                              <a:ea typeface="서울남산체 M" panose="02020603020101020101" pitchFamily="18" charset="-127"/>
+                            </a:rPr>
+                            <m:t>−</m:t>
+                          </m:r>
+                        </m:sup>
+                      </m:sSup>
+                      <m:r>
+                        <a:rPr lang="en-US" altLang="ko-KR" i="1">
+                          <a:latin typeface="Cambria Math" panose="02040503050406030204" pitchFamily="18" charset="0"/>
+                          <a:ea typeface="서울남산체 M" panose="02020603020101020101" pitchFamily="18" charset="-127"/>
+                        </a:rPr>
+                        <m:t>=</m:t>
+                      </m:r>
+                      <m:d>
+                        <m:dPr>
+                          <m:begChr m:val="‖"/>
+                          <m:endChr m:val="‖"/>
+                          <m:ctrlPr>
+                            <a:rPr lang="en-US" altLang="ko-KR" i="1">
+                              <a:latin typeface="Cambria Math" panose="02040503050406030204" pitchFamily="18" charset="0"/>
+                              <a:ea typeface="서울남산체 M" panose="02020603020101020101" pitchFamily="18" charset="-127"/>
+                            </a:rPr>
+                          </m:ctrlPr>
+                        </m:dPr>
+                        <m:e>
+                          <m:d>
+                            <m:dPr>
+                              <m:ctrlPr>
+                                <a:rPr lang="en-US" altLang="ko-KR" i="1">
+                                  <a:latin typeface="Cambria Math" panose="02040503050406030204" pitchFamily="18" charset="0"/>
+                                  <a:ea typeface="서울남산체 M" panose="02020603020101020101" pitchFamily="18" charset="-127"/>
+                                </a:rPr>
+                              </m:ctrlPr>
+                            </m:dPr>
+                            <m:e>
+                              <m:sSub>
+                                <m:sSubPr>
+                                  <m:ctrlPr>
+                                    <a:rPr lang="en-US" altLang="ko-KR" i="1">
+                                      <a:latin typeface="Cambria Math" panose="02040503050406030204" pitchFamily="18" charset="0"/>
+                                      <a:ea typeface="서울남산체 M" panose="02020603020101020101" pitchFamily="18" charset="-127"/>
+                                    </a:rPr>
+                                  </m:ctrlPr>
+                                </m:sSubPr>
+                                <m:e>
+                                  <m:r>
+                                    <a:rPr lang="en-US" altLang="ko-KR" i="1">
+                                      <a:latin typeface="Cambria Math" panose="02040503050406030204" pitchFamily="18" charset="0"/>
+                                      <a:ea typeface="서울남산체 M" panose="02020603020101020101" pitchFamily="18" charset="-127"/>
+                                    </a:rPr>
+                                    <m:t>𝑥</m:t>
+                                  </m:r>
+                                </m:e>
+                                <m:sub>
+                                  <m:r>
+                                    <a:rPr lang="en-US" altLang="ko-KR" i="1">
+                                      <a:latin typeface="Cambria Math" panose="02040503050406030204" pitchFamily="18" charset="0"/>
+                                      <a:ea typeface="서울남산체 M" panose="02020603020101020101" pitchFamily="18" charset="-127"/>
+                                    </a:rPr>
+                                    <m:t>𝑖</m:t>
+                                  </m:r>
+                                </m:sub>
+                              </m:sSub>
+                              <m:r>
+                                <a:rPr lang="en-US" altLang="ko-KR" i="1">
+                                  <a:latin typeface="Cambria Math" panose="02040503050406030204" pitchFamily="18" charset="0"/>
+                                  <a:ea typeface="서울남산체 M" panose="02020603020101020101" pitchFamily="18" charset="-127"/>
+                                </a:rPr>
+                                <m:t>,</m:t>
+                              </m:r>
+                              <m:sSub>
+                                <m:sSubPr>
+                                  <m:ctrlPr>
+                                    <a:rPr lang="en-US" altLang="ko-KR" i="1">
+                                      <a:latin typeface="Cambria Math" panose="02040503050406030204" pitchFamily="18" charset="0"/>
+                                      <a:ea typeface="서울남산체 M" panose="02020603020101020101" pitchFamily="18" charset="-127"/>
+                                    </a:rPr>
+                                  </m:ctrlPr>
+                                </m:sSubPr>
+                                <m:e>
+                                  <m:r>
+                                    <a:rPr lang="en-US" altLang="ko-KR" i="1">
+                                      <a:latin typeface="Cambria Math" panose="02040503050406030204" pitchFamily="18" charset="0"/>
+                                      <a:ea typeface="서울남산체 M" panose="02020603020101020101" pitchFamily="18" charset="-127"/>
+                                    </a:rPr>
+                                    <m:t>𝑦</m:t>
+                                  </m:r>
+                                </m:e>
+                                <m:sub>
+                                  <m:r>
+                                    <a:rPr lang="en-US" altLang="ko-KR" i="1">
+                                      <a:latin typeface="Cambria Math" panose="02040503050406030204" pitchFamily="18" charset="0"/>
+                                      <a:ea typeface="서울남산체 M" panose="02020603020101020101" pitchFamily="18" charset="-127"/>
+                                    </a:rPr>
+                                    <m:t>𝑖</m:t>
+                                  </m:r>
+                                </m:sub>
+                              </m:sSub>
+                              <m:r>
+                                <a:rPr lang="en-US" altLang="ko-KR" i="1">
+                                  <a:latin typeface="Cambria Math" panose="02040503050406030204" pitchFamily="18" charset="0"/>
+                                  <a:ea typeface="서울남산체 M" panose="02020603020101020101" pitchFamily="18" charset="-127"/>
+                                </a:rPr>
+                                <m:t>, </m:t>
+                              </m:r>
+                              <m:sSup>
+                                <m:sSupPr>
+                                  <m:ctrlPr>
+                                    <a:rPr lang="en-US" altLang="ko-KR" i="1">
+                                      <a:latin typeface="Cambria Math" panose="02040503050406030204" pitchFamily="18" charset="0"/>
+                                      <a:ea typeface="서울남산체 M" panose="02020603020101020101" pitchFamily="18" charset="-127"/>
+                                    </a:rPr>
+                                  </m:ctrlPr>
+                                </m:sSupPr>
+                                <m:e>
+                                  <m:r>
+                                    <a:rPr lang="en-US" altLang="ko-KR" i="1">
+                                      <a:latin typeface="Cambria Math" panose="02040503050406030204" pitchFamily="18" charset="0"/>
+                                      <a:ea typeface="서울남산체 M" panose="02020603020101020101" pitchFamily="18" charset="-127"/>
+                                    </a:rPr>
+                                    <m:t>𝑧</m:t>
+                                  </m:r>
+                                </m:e>
+                                <m:sup>
+                                  <m:r>
+                                    <a:rPr lang="en-US" altLang="ko-KR" b="0" i="1" smtClean="0">
+                                      <a:latin typeface="Cambria Math" panose="02040503050406030204" pitchFamily="18" charset="0"/>
+                                      <a:ea typeface="서울남산체 M" panose="02020603020101020101" pitchFamily="18" charset="-127"/>
+                                    </a:rPr>
+                                    <m:t>−</m:t>
+                                  </m:r>
+                                </m:sup>
+                              </m:sSup>
+                            </m:e>
+                          </m:d>
+                          <m:r>
+                            <a:rPr lang="en-US" altLang="ko-KR" i="1">
+                              <a:latin typeface="Cambria Math" panose="02040503050406030204" pitchFamily="18" charset="0"/>
+                              <a:ea typeface="서울남산체 M" panose="02020603020101020101" pitchFamily="18" charset="-127"/>
+                            </a:rPr>
+                            <m:t>−</m:t>
+                          </m:r>
+                          <m:sSub>
+                            <m:sSubPr>
+                              <m:ctrlPr>
+                                <a:rPr lang="en-US" altLang="ko-KR" i="1">
+                                  <a:latin typeface="Cambria Math" panose="02040503050406030204" pitchFamily="18" charset="0"/>
+                                  <a:ea typeface="서울남산체 M" panose="02020603020101020101" pitchFamily="18" charset="-127"/>
+                                </a:rPr>
+                              </m:ctrlPr>
+                            </m:sSubPr>
+                            <m:e>
+                              <m:r>
+                                <a:rPr lang="en-US" altLang="ko-KR" i="1">
+                                  <a:latin typeface="Cambria Math" panose="02040503050406030204" pitchFamily="18" charset="0"/>
+                                  <a:ea typeface="서울남산체 M" panose="02020603020101020101" pitchFamily="18" charset="-127"/>
+                                </a:rPr>
+                                <m:t>𝑝</m:t>
+                              </m:r>
+                            </m:e>
+                            <m:sub>
+                              <m:r>
+                                <a:rPr lang="en-US" altLang="ko-KR" i="1">
+                                  <a:latin typeface="Cambria Math" panose="02040503050406030204" pitchFamily="18" charset="0"/>
+                                  <a:ea typeface="서울남산체 M" panose="02020603020101020101" pitchFamily="18" charset="-127"/>
+                                </a:rPr>
+                                <m:t>𝑜</m:t>
+                              </m:r>
+                            </m:sub>
+                          </m:sSub>
+                        </m:e>
+                      </m:d>
+                    </m:oMath>
+                  </m:oMathPara>
+                </a14:m>
+                <a:endParaRPr lang="en-US" altLang="ko-KR" b="0" dirty="0">
+                  <a:latin typeface="서울남산체 M" panose="02020603020101020101" pitchFamily="18" charset="-127"/>
+                  <a:ea typeface="서울남산체 M" panose="02020603020101020101" pitchFamily="18" charset="-127"/>
+                </a:endParaRPr>
+              </a:p>
+            </p:txBody>
+          </p:sp>
+        </mc:Choice>
+        <mc:Fallback>
+          <p:sp>
+            <p:nvSpPr>
+              <p:cNvPr id="3" name="Text Placeholder 2"/>
+              <p:cNvSpPr>
+                <a:spLocks noGrp="1" noRot="1" noChangeAspect="1" noMove="1" noResize="1" noEditPoints="1" noAdjustHandles="1" noChangeArrowheads="1" noChangeShapeType="1" noTextEdit="1"/>
+              </p:cNvSpPr>
+              <p:nvPr>
+                <p:ph type="body" sz="quarter" idx="10"/>
+              </p:nvPr>
+            </p:nvSpPr>
+            <p:spPr>
+              <a:xfrm>
+                <a:off x="519248" y="1447801"/>
+                <a:ext cx="11151917" cy="4944532"/>
+              </a:xfrm>
+              <a:blipFill>
+                <a:blip r:embed="rId3"/>
+                <a:stretch>
+                  <a:fillRect l="-1639" t="-2096"/>
+                </a:stretch>
+              </a:blipFill>
+            </p:spPr>
+            <p:txBody>
+              <a:bodyPr/>
+              <a:lstStyle/>
+              <a:p>
+                <a:r>
+                  <a:rPr lang="en-US">
+                    <a:noFill/>
+                  </a:rPr>
+                  <a:t> </a:t>
+                </a:r>
+              </a:p>
+            </p:txBody>
+          </p:sp>
+        </mc:Fallback>
+      </mc:AlternateContent>
+      <p:sp>
+        <p:nvSpPr>
+          <p:cNvPr id="2" name="Title 1"/>
+          <p:cNvSpPr>
+            <a:spLocks noGrp="1"/>
+          </p:cNvSpPr>
+          <p:nvPr>
+            <p:ph type="title"/>
+          </p:nvPr>
+        </p:nvSpPr>
+        <p:spPr>
+          <a:xfrm>
+            <a:off x="519248" y="543951"/>
+            <a:ext cx="11151917" cy="747897"/>
+          </a:xfrm>
+        </p:spPr>
+        <p:txBody>
+          <a:bodyPr/>
+          <a:lstStyle/>
+          <a:p>
+            <a:r>
+              <a:rPr lang="en-US" dirty="0"/>
+              <a:t>The Dipole Diffusion Approximation</a:t>
+            </a:r>
+          </a:p>
+        </p:txBody>
+      </p:sp>
+      <p:sp>
+        <p:nvSpPr>
+          <p:cNvPr id="4" name="Slide Number Placeholder 3"/>
+          <p:cNvSpPr>
+            <a:spLocks noGrp="1"/>
+          </p:cNvSpPr>
+          <p:nvPr>
+            <p:ph type="sldNum" sz="quarter" idx="4"/>
+          </p:nvPr>
+        </p:nvSpPr>
+        <p:spPr/>
+        <p:txBody>
+          <a:bodyPr/>
+          <a:lstStyle/>
+          <a:p>
+            <a:fld id="{6B5C536E-FA7B-40DC-A296-D7EC18490057}" type="slidenum">
+              <a:rPr lang="ko-KR" altLang="en-US" smtClean="0"/>
+              <a:pPr/>
+              <a:t>15</a:t>
+            </a:fld>
+            <a:endParaRPr lang="ko-KR" altLang="en-US"/>
+          </a:p>
+        </p:txBody>
+      </p:sp>
+      <p:pic>
+        <p:nvPicPr>
+          <p:cNvPr id="5" name="Picture 4">
+            <a:extLst>
+              <a:ext uri="{FF2B5EF4-FFF2-40B4-BE49-F238E27FC236}">
+                <a16:creationId xmlns:a16="http://schemas.microsoft.com/office/drawing/2014/main" id="{5CF2FF16-55AD-41D8-BA87-9D8493AA94C7}"/>
+              </a:ext>
+            </a:extLst>
+          </p:cNvPr>
+          <p:cNvPicPr>
+            <a:picLocks noChangeAspect="1"/>
+          </p:cNvPicPr>
+          <p:nvPr/>
+        </p:nvPicPr>
+        <p:blipFill>
+          <a:blip r:embed="rId4"/>
+          <a:stretch>
+            <a:fillRect/>
+          </a:stretch>
+        </p:blipFill>
+        <p:spPr>
+          <a:xfrm>
+            <a:off x="4191172" y="4330186"/>
+            <a:ext cx="3808068" cy="2062147"/>
+          </a:xfrm>
+          <a:prstGeom prst="rect">
+            <a:avLst/>
+          </a:prstGeom>
+        </p:spPr>
+      </p:pic>
+    </p:spTree>
+    <p:extLst>
+      <p:ext uri="{BB962C8B-B14F-4D97-AF65-F5344CB8AC3E}">
+        <p14:creationId xmlns:p14="http://schemas.microsoft.com/office/powerpoint/2010/main" val="481329670"/>
+      </p:ext>
+    </p:extLst>
+  </p:cSld>
+  <p:clrMapOvr>
+    <a:masterClrMapping/>
+  </p:clrMapOvr>
+  <mc:AlternateContent xmlns:mc="http://schemas.openxmlformats.org/markup-compatibility/2006" xmlns:p14="http://schemas.microsoft.com/office/powerpoint/2010/main">
+    <mc:Choice Requires="p14">
+      <p:transition p14:dur="0"/>
+    </mc:Choice>
+    <mc:Fallback xmlns="">
+      <p:transition/>
+    </mc:Fallback>
+  </mc:AlternateContent>
+</p:sld>
+</file>
+
+<file path=ppt/slides/slide16.xml><?xml version="1.0" encoding="utf-8"?>
+<p:sld xmlns:a="http://schemas.openxmlformats.org/drawingml/2006/main" xmlns:r="http://schemas.openxmlformats.org/officeDocument/2006/relationships" xmlns:p="http://schemas.openxmlformats.org/presentationml/2006/main">
+  <p:cSld>
+    <p:spTree>
+      <p:nvGrpSpPr>
+        <p:cNvPr id="1" name=""/>
+        <p:cNvGrpSpPr/>
+        <p:nvPr/>
+      </p:nvGrpSpPr>
+      <p:grpSpPr>
+        <a:xfrm>
+          <a:off x="0" y="0"/>
+          <a:ext cx="0" cy="0"/>
+          <a:chOff x="0" y="0"/>
+          <a:chExt cx="0" cy="0"/>
+        </a:xfrm>
+      </p:grpSpPr>
+      <p:pic>
+        <p:nvPicPr>
+          <p:cNvPr id="6" name="Picture 5">
+            <a:extLst>
+              <a:ext uri="{FF2B5EF4-FFF2-40B4-BE49-F238E27FC236}">
+                <a16:creationId xmlns:a16="http://schemas.microsoft.com/office/drawing/2014/main" id="{3D421EE9-E4B5-466A-B9D2-8DDBC41F8D73}"/>
+              </a:ext>
+            </a:extLst>
+          </p:cNvPr>
+          <p:cNvPicPr>
+            <a:picLocks noChangeAspect="1"/>
+          </p:cNvPicPr>
+          <p:nvPr/>
+        </p:nvPicPr>
+        <p:blipFill>
+          <a:blip r:embed="rId3"/>
+          <a:stretch>
+            <a:fillRect/>
+          </a:stretch>
+        </p:blipFill>
+        <p:spPr>
+          <a:xfrm>
+            <a:off x="6413128" y="2884641"/>
+            <a:ext cx="5258037" cy="3507692"/>
+          </a:xfrm>
+          <a:prstGeom prst="rect">
+            <a:avLst/>
+          </a:prstGeom>
+        </p:spPr>
+      </p:pic>
+      <mc:AlternateContent xmlns:mc="http://schemas.openxmlformats.org/markup-compatibility/2006">
+        <mc:Choice xmlns:a14="http://schemas.microsoft.com/office/drawing/2010/main" Requires="a14">
+          <p:sp>
+            <p:nvSpPr>
+              <p:cNvPr id="3" name="Text Placeholder 2"/>
+              <p:cNvSpPr>
+                <a:spLocks noGrp="1"/>
+              </p:cNvSpPr>
+              <p:nvPr>
+                <p:ph type="body" sz="quarter" idx="10"/>
+              </p:nvPr>
+            </p:nvSpPr>
+            <p:spPr>
+              <a:xfrm>
+                <a:off x="519248" y="1447801"/>
+                <a:ext cx="11151917" cy="4944532"/>
+              </a:xfrm>
+            </p:spPr>
+            <p:txBody>
+              <a:bodyPr>
+                <a:normAutofit/>
+              </a:bodyPr>
+              <a:lstStyle/>
+              <a:p>
+                <a:pPr>
+                  <a:lnSpc>
+                    <a:spcPct val="100000"/>
+                  </a:lnSpc>
+                </a:pPr>
+                <a14:m>
+                  <m:oMath xmlns:m="http://schemas.openxmlformats.org/officeDocument/2006/math">
+                    <m:r>
+                      <a:rPr lang="ko-KR" altLang="en-US" i="1" smtClean="0">
+                        <a:latin typeface="Cambria Math" panose="02040503050406030204" pitchFamily="18" charset="0"/>
+                        <a:ea typeface="서울남산체 M" panose="02020603020101020101" pitchFamily="18" charset="-127"/>
+                      </a:rPr>
+                      <m:t>𝜙</m:t>
+                    </m:r>
+                    <m:d>
+                      <m:dPr>
+                        <m:ctrlPr>
+                          <a:rPr lang="en-US" altLang="ko-KR" i="1">
+                            <a:latin typeface="Cambria Math" panose="02040503050406030204" pitchFamily="18" charset="0"/>
+                            <a:ea typeface="서울남산체 M" panose="02020603020101020101" pitchFamily="18" charset="-127"/>
+                          </a:rPr>
+                        </m:ctrlPr>
+                      </m:dPr>
+                      <m:e>
+                        <m:r>
+                          <a:rPr lang="en-US" altLang="ko-KR" b="0" i="1" smtClean="0">
+                            <a:latin typeface="Cambria Math" panose="02040503050406030204" pitchFamily="18" charset="0"/>
+                            <a:ea typeface="서울남산체 M" panose="02020603020101020101" pitchFamily="18" charset="-127"/>
+                          </a:rPr>
+                          <m:t>𝑥</m:t>
+                        </m:r>
+                      </m:e>
+                    </m:d>
+                    <m:r>
+                      <a:rPr lang="en-US" altLang="ko-KR" i="1">
+                        <a:latin typeface="Cambria Math" panose="02040503050406030204" pitchFamily="18" charset="0"/>
+                        <a:ea typeface="서울남산체 M" panose="02020603020101020101" pitchFamily="18" charset="-127"/>
+                      </a:rPr>
+                      <m:t>=</m:t>
+                    </m:r>
+                    <m:f>
+                      <m:fPr>
+                        <m:ctrlPr>
+                          <a:rPr lang="en-US" altLang="ko-KR" i="1">
+                            <a:latin typeface="Cambria Math" panose="02040503050406030204" pitchFamily="18" charset="0"/>
+                            <a:ea typeface="서울남산체 M" panose="02020603020101020101" pitchFamily="18" charset="-127"/>
+                          </a:rPr>
+                        </m:ctrlPr>
+                      </m:fPr>
+                      <m:num>
+                        <m:r>
+                          <m:rPr>
+                            <m:sty m:val="p"/>
+                          </m:rPr>
+                          <a:rPr lang="el-GR" altLang="ko-KR" i="1">
+                            <a:latin typeface="Cambria Math" panose="02040503050406030204" pitchFamily="18" charset="0"/>
+                            <a:ea typeface="Cambria Math" panose="02040503050406030204" pitchFamily="18" charset="0"/>
+                          </a:rPr>
+                          <m:t>Φ</m:t>
+                        </m:r>
+                      </m:num>
+                      <m:den>
+                        <m:r>
+                          <a:rPr lang="en-US" altLang="ko-KR" i="1">
+                            <a:latin typeface="Cambria Math" panose="02040503050406030204" pitchFamily="18" charset="0"/>
+                            <a:ea typeface="서울남산체 M" panose="02020603020101020101" pitchFamily="18" charset="-127"/>
+                          </a:rPr>
+                          <m:t>4</m:t>
+                        </m:r>
+                        <m:r>
+                          <a:rPr lang="ko-KR" altLang="en-US" i="1">
+                            <a:latin typeface="Cambria Math" panose="02040503050406030204" pitchFamily="18" charset="0"/>
+                            <a:ea typeface="서울남산체 M" panose="02020603020101020101" pitchFamily="18" charset="-127"/>
+                          </a:rPr>
+                          <m:t>𝜋</m:t>
+                        </m:r>
+                        <m:r>
+                          <a:rPr lang="en-US" altLang="ko-KR" i="1">
+                            <a:latin typeface="Cambria Math" panose="02040503050406030204" pitchFamily="18" charset="0"/>
+                            <a:ea typeface="서울남산체 M" panose="02020603020101020101" pitchFamily="18" charset="-127"/>
+                          </a:rPr>
+                          <m:t>𝐷</m:t>
+                        </m:r>
+                      </m:den>
+                    </m:f>
+                    <m:d>
+                      <m:dPr>
+                        <m:ctrlPr>
+                          <a:rPr lang="en-US" altLang="ko-KR" i="1">
+                            <a:latin typeface="Cambria Math" panose="02040503050406030204" pitchFamily="18" charset="0"/>
+                            <a:ea typeface="서울남산체 M" panose="02020603020101020101" pitchFamily="18" charset="-127"/>
+                          </a:rPr>
+                        </m:ctrlPr>
+                      </m:dPr>
+                      <m:e>
+                        <m:f>
+                          <m:fPr>
+                            <m:ctrlPr>
+                              <a:rPr lang="en-US" altLang="ko-KR" i="1">
+                                <a:latin typeface="Cambria Math" panose="02040503050406030204" pitchFamily="18" charset="0"/>
+                                <a:ea typeface="서울남산체 M" panose="02020603020101020101" pitchFamily="18" charset="-127"/>
+                              </a:rPr>
+                            </m:ctrlPr>
+                          </m:fPr>
+                          <m:num>
+                            <m:sSup>
+                              <m:sSupPr>
+                                <m:ctrlPr>
+                                  <a:rPr lang="en-US" altLang="ko-KR" i="1">
+                                    <a:latin typeface="Cambria Math" panose="02040503050406030204" pitchFamily="18" charset="0"/>
+                                    <a:ea typeface="서울남산체 M" panose="02020603020101020101" pitchFamily="18" charset="-127"/>
+                                  </a:rPr>
+                                </m:ctrlPr>
+                              </m:sSupPr>
+                              <m:e>
+                                <m:r>
+                                  <a:rPr lang="en-US" altLang="ko-KR" i="1">
+                                    <a:latin typeface="Cambria Math" panose="02040503050406030204" pitchFamily="18" charset="0"/>
+                                    <a:ea typeface="서울남산체 M" panose="02020603020101020101" pitchFamily="18" charset="-127"/>
+                                  </a:rPr>
+                                  <m:t>𝑒</m:t>
+                                </m:r>
+                              </m:e>
+                              <m:sup>
+                                <m:r>
+                                  <a:rPr lang="en-US" altLang="ko-KR" i="1">
+                                    <a:latin typeface="Cambria Math" panose="02040503050406030204" pitchFamily="18" charset="0"/>
+                                    <a:ea typeface="서울남산체 M" panose="02020603020101020101" pitchFamily="18" charset="-127"/>
+                                  </a:rPr>
+                                  <m:t>−</m:t>
+                                </m:r>
+                                <m:sSub>
+                                  <m:sSubPr>
+                                    <m:ctrlPr>
+                                      <a:rPr lang="en-US" altLang="ko-KR" i="1">
+                                        <a:latin typeface="Cambria Math" panose="02040503050406030204" pitchFamily="18" charset="0"/>
+                                        <a:ea typeface="서울남산체 M" panose="02020603020101020101" pitchFamily="18" charset="-127"/>
+                                      </a:rPr>
+                                    </m:ctrlPr>
+                                  </m:sSubPr>
+                                  <m:e>
+                                    <m:r>
+                                      <a:rPr lang="ko-KR" altLang="en-US" i="1">
+                                        <a:latin typeface="Cambria Math" panose="02040503050406030204" pitchFamily="18" charset="0"/>
+                                        <a:ea typeface="서울남산체 M" panose="02020603020101020101" pitchFamily="18" charset="-127"/>
+                                      </a:rPr>
+                                      <m:t>𝜎</m:t>
+                                    </m:r>
+                                  </m:e>
+                                  <m:sub>
+                                    <m:r>
+                                      <m:rPr>
+                                        <m:sty m:val="p"/>
+                                      </m:rPr>
+                                      <a:rPr lang="en-US" altLang="ko-KR">
+                                        <a:latin typeface="Cambria Math" panose="02040503050406030204" pitchFamily="18" charset="0"/>
+                                        <a:ea typeface="서울남산체 M" panose="02020603020101020101" pitchFamily="18" charset="-127"/>
+                                      </a:rPr>
+                                      <m:t>tr</m:t>
+                                    </m:r>
+                                  </m:sub>
+                                </m:sSub>
+                                <m:sSub>
+                                  <m:sSubPr>
+                                    <m:ctrlPr>
+                                      <a:rPr lang="en-US" altLang="ko-KR" b="0" i="1" smtClean="0">
+                                        <a:latin typeface="Cambria Math" panose="02040503050406030204" pitchFamily="18" charset="0"/>
+                                        <a:ea typeface="서울남산체 M" panose="02020603020101020101" pitchFamily="18" charset="-127"/>
+                                      </a:rPr>
+                                    </m:ctrlPr>
+                                  </m:sSubPr>
+                                  <m:e>
+                                    <m:r>
+                                      <a:rPr lang="en-US" altLang="ko-KR" b="0" i="1" smtClean="0">
+                                        <a:latin typeface="Cambria Math" panose="02040503050406030204" pitchFamily="18" charset="0"/>
+                                        <a:ea typeface="서울남산체 M" panose="02020603020101020101" pitchFamily="18" charset="-127"/>
+                                      </a:rPr>
+                                      <m:t>𝑑</m:t>
+                                    </m:r>
+                                  </m:e>
+                                  <m:sub>
+                                    <m:r>
+                                      <a:rPr lang="en-US" altLang="ko-KR" b="0" i="1" smtClean="0">
+                                        <a:latin typeface="Cambria Math" panose="02040503050406030204" pitchFamily="18" charset="0"/>
+                                        <a:ea typeface="서울남산체 M" panose="02020603020101020101" pitchFamily="18" charset="-127"/>
+                                      </a:rPr>
+                                      <m:t>𝑟</m:t>
+                                    </m:r>
+                                  </m:sub>
+                                </m:sSub>
+                              </m:sup>
+                            </m:sSup>
+                          </m:num>
+                          <m:den>
+                            <m:sSub>
+                              <m:sSubPr>
+                                <m:ctrlPr>
+                                  <a:rPr lang="en-US" altLang="ko-KR" b="0" i="1" smtClean="0">
+                                    <a:latin typeface="Cambria Math" panose="02040503050406030204" pitchFamily="18" charset="0"/>
+                                    <a:ea typeface="서울남산체 M" panose="02020603020101020101" pitchFamily="18" charset="-127"/>
+                                  </a:rPr>
+                                </m:ctrlPr>
+                              </m:sSubPr>
+                              <m:e>
+                                <m:r>
+                                  <a:rPr lang="en-US" altLang="ko-KR" b="0" i="1" smtClean="0">
+                                    <a:latin typeface="Cambria Math" panose="02040503050406030204" pitchFamily="18" charset="0"/>
+                                    <a:ea typeface="서울남산체 M" panose="02020603020101020101" pitchFamily="18" charset="-127"/>
+                                  </a:rPr>
+                                  <m:t>𝑑</m:t>
+                                </m:r>
+                              </m:e>
+                              <m:sub>
+                                <m:r>
+                                  <a:rPr lang="en-US" altLang="ko-KR" b="0" i="1" smtClean="0">
+                                    <a:latin typeface="Cambria Math" panose="02040503050406030204" pitchFamily="18" charset="0"/>
+                                    <a:ea typeface="서울남산체 M" panose="02020603020101020101" pitchFamily="18" charset="-127"/>
+                                  </a:rPr>
+                                  <m:t>𝑟</m:t>
+                                </m:r>
+                              </m:sub>
+                            </m:sSub>
+                          </m:den>
+                        </m:f>
+                        <m:r>
+                          <a:rPr lang="en-US" altLang="ko-KR" i="1">
+                            <a:latin typeface="Cambria Math" panose="02040503050406030204" pitchFamily="18" charset="0"/>
+                            <a:ea typeface="서울남산체 M" panose="02020603020101020101" pitchFamily="18" charset="-127"/>
+                          </a:rPr>
+                          <m:t>−</m:t>
+                        </m:r>
+                        <m:f>
+                          <m:fPr>
+                            <m:ctrlPr>
+                              <a:rPr lang="en-US" altLang="ko-KR" i="1">
+                                <a:latin typeface="Cambria Math" panose="02040503050406030204" pitchFamily="18" charset="0"/>
+                                <a:ea typeface="서울남산체 M" panose="02020603020101020101" pitchFamily="18" charset="-127"/>
+                              </a:rPr>
+                            </m:ctrlPr>
+                          </m:fPr>
+                          <m:num>
+                            <m:sSup>
+                              <m:sSupPr>
+                                <m:ctrlPr>
+                                  <a:rPr lang="en-US" altLang="ko-KR" i="1">
+                                    <a:latin typeface="Cambria Math" panose="02040503050406030204" pitchFamily="18" charset="0"/>
+                                    <a:ea typeface="서울남산체 M" panose="02020603020101020101" pitchFamily="18" charset="-127"/>
+                                  </a:rPr>
+                                </m:ctrlPr>
+                              </m:sSupPr>
+                              <m:e>
+                                <m:r>
+                                  <a:rPr lang="en-US" altLang="ko-KR" i="1">
+                                    <a:latin typeface="Cambria Math" panose="02040503050406030204" pitchFamily="18" charset="0"/>
+                                    <a:ea typeface="서울남산체 M" panose="02020603020101020101" pitchFamily="18" charset="-127"/>
+                                  </a:rPr>
+                                  <m:t>𝑒</m:t>
+                                </m:r>
+                              </m:e>
+                              <m:sup>
+                                <m:r>
+                                  <a:rPr lang="en-US" altLang="ko-KR" i="1">
+                                    <a:latin typeface="Cambria Math" panose="02040503050406030204" pitchFamily="18" charset="0"/>
+                                    <a:ea typeface="서울남산체 M" panose="02020603020101020101" pitchFamily="18" charset="-127"/>
+                                  </a:rPr>
+                                  <m:t>−</m:t>
+                                </m:r>
+                                <m:sSub>
+                                  <m:sSubPr>
+                                    <m:ctrlPr>
+                                      <a:rPr lang="en-US" altLang="ko-KR" i="1">
+                                        <a:latin typeface="Cambria Math" panose="02040503050406030204" pitchFamily="18" charset="0"/>
+                                        <a:ea typeface="서울남산체 M" panose="02020603020101020101" pitchFamily="18" charset="-127"/>
+                                      </a:rPr>
+                                    </m:ctrlPr>
+                                  </m:sSubPr>
+                                  <m:e>
+                                    <m:r>
+                                      <a:rPr lang="ko-KR" altLang="en-US" i="1">
+                                        <a:latin typeface="Cambria Math" panose="02040503050406030204" pitchFamily="18" charset="0"/>
+                                        <a:ea typeface="서울남산체 M" panose="02020603020101020101" pitchFamily="18" charset="-127"/>
+                                      </a:rPr>
+                                      <m:t>𝜎</m:t>
+                                    </m:r>
+                                  </m:e>
+                                  <m:sub>
+                                    <m:r>
+                                      <m:rPr>
+                                        <m:sty m:val="p"/>
+                                      </m:rPr>
+                                      <a:rPr lang="en-US" altLang="ko-KR">
+                                        <a:latin typeface="Cambria Math" panose="02040503050406030204" pitchFamily="18" charset="0"/>
+                                        <a:ea typeface="서울남산체 M" panose="02020603020101020101" pitchFamily="18" charset="-127"/>
+                                      </a:rPr>
+                                      <m:t>tr</m:t>
+                                    </m:r>
+                                  </m:sub>
+                                </m:sSub>
+                                <m:sSub>
+                                  <m:sSubPr>
+                                    <m:ctrlPr>
+                                      <a:rPr lang="en-US" altLang="ko-KR" b="0" i="1" smtClean="0">
+                                        <a:latin typeface="Cambria Math" panose="02040503050406030204" pitchFamily="18" charset="0"/>
+                                        <a:ea typeface="서울남산체 M" panose="02020603020101020101" pitchFamily="18" charset="-127"/>
+                                      </a:rPr>
+                                    </m:ctrlPr>
+                                  </m:sSubPr>
+                                  <m:e>
+                                    <m:r>
+                                      <a:rPr lang="en-US" altLang="ko-KR" b="0" i="1" smtClean="0">
+                                        <a:latin typeface="Cambria Math" panose="02040503050406030204" pitchFamily="18" charset="0"/>
+                                        <a:ea typeface="서울남산체 M" panose="02020603020101020101" pitchFamily="18" charset="-127"/>
+                                      </a:rPr>
+                                      <m:t>𝑑</m:t>
+                                    </m:r>
+                                  </m:e>
+                                  <m:sub>
+                                    <m:r>
+                                      <a:rPr lang="en-US" altLang="ko-KR" b="0" i="1" smtClean="0">
+                                        <a:latin typeface="Cambria Math" panose="02040503050406030204" pitchFamily="18" charset="0"/>
+                                        <a:ea typeface="서울남산체 M" panose="02020603020101020101" pitchFamily="18" charset="-127"/>
+                                      </a:rPr>
+                                      <m:t>𝑣</m:t>
+                                    </m:r>
+                                  </m:sub>
+                                </m:sSub>
+                              </m:sup>
+                            </m:sSup>
+                          </m:num>
+                          <m:den>
+                            <m:sSub>
+                              <m:sSubPr>
+                                <m:ctrlPr>
+                                  <a:rPr lang="en-US" altLang="ko-KR" b="0" i="1" smtClean="0">
+                                    <a:latin typeface="Cambria Math" panose="02040503050406030204" pitchFamily="18" charset="0"/>
+                                    <a:ea typeface="서울남산체 M" panose="02020603020101020101" pitchFamily="18" charset="-127"/>
+                                  </a:rPr>
+                                </m:ctrlPr>
+                              </m:sSubPr>
+                              <m:e>
+                                <m:r>
+                                  <a:rPr lang="en-US" altLang="ko-KR" b="0" i="1" smtClean="0">
+                                    <a:latin typeface="Cambria Math" panose="02040503050406030204" pitchFamily="18" charset="0"/>
+                                    <a:ea typeface="서울남산체 M" panose="02020603020101020101" pitchFamily="18" charset="-127"/>
+                                  </a:rPr>
+                                  <m:t>𝑑</m:t>
+                                </m:r>
+                              </m:e>
+                              <m:sub>
+                                <m:r>
+                                  <a:rPr lang="en-US" altLang="ko-KR" b="0" i="1" smtClean="0">
+                                    <a:latin typeface="Cambria Math" panose="02040503050406030204" pitchFamily="18" charset="0"/>
+                                    <a:ea typeface="서울남산체 M" panose="02020603020101020101" pitchFamily="18" charset="-127"/>
+                                  </a:rPr>
+                                  <m:t>𝑣</m:t>
+                                </m:r>
+                              </m:sub>
+                            </m:sSub>
+                          </m:den>
+                        </m:f>
+                      </m:e>
+                    </m:d>
+                  </m:oMath>
+                </a14:m>
+                <a:endParaRPr lang="en-US" altLang="ko-KR" i="1" dirty="0">
+                  <a:latin typeface="Cambria Math" panose="02040503050406030204" pitchFamily="18" charset="0"/>
+                  <a:ea typeface="서울남산체 M" panose="02020603020101020101" pitchFamily="18" charset="-127"/>
+                </a:endParaRPr>
+              </a:p>
+              <a:p>
+                <a:pPr lvl="1">
+                  <a:lnSpc>
+                    <a:spcPct val="100000"/>
+                  </a:lnSpc>
+                </a:pPr>
+                <a14:m>
+                  <m:oMath xmlns:m="http://schemas.openxmlformats.org/officeDocument/2006/math">
+                    <m:sSub>
+                      <m:sSubPr>
+                        <m:ctrlPr>
+                          <a:rPr lang="en-US" altLang="ko-KR" b="0" i="1" smtClean="0">
+                            <a:latin typeface="Cambria Math" panose="02040503050406030204" pitchFamily="18" charset="0"/>
+                            <a:ea typeface="서울남산체 M" panose="02020603020101020101" pitchFamily="18" charset="-127"/>
+                          </a:rPr>
+                        </m:ctrlPr>
+                      </m:sSubPr>
+                      <m:e>
+                        <m:r>
+                          <a:rPr lang="en-US" altLang="ko-KR" b="0" i="1" smtClean="0">
+                            <a:latin typeface="Cambria Math" panose="02040503050406030204" pitchFamily="18" charset="0"/>
+                            <a:ea typeface="서울남산체 M" panose="02020603020101020101" pitchFamily="18" charset="-127"/>
+                          </a:rPr>
+                          <m:t>𝑑</m:t>
+                        </m:r>
+                      </m:e>
+                      <m:sub>
+                        <m:r>
+                          <a:rPr lang="en-US" altLang="ko-KR" b="0" i="1" smtClean="0">
+                            <a:latin typeface="Cambria Math" panose="02040503050406030204" pitchFamily="18" charset="0"/>
+                            <a:ea typeface="서울남산체 M" panose="02020603020101020101" pitchFamily="18" charset="-127"/>
+                          </a:rPr>
+                          <m:t>𝑟</m:t>
+                        </m:r>
+                      </m:sub>
+                    </m:sSub>
+                    <m:r>
+                      <a:rPr lang="en-US" altLang="ko-KR" b="0" i="1" smtClean="0">
+                        <a:latin typeface="Cambria Math" panose="02040503050406030204" pitchFamily="18" charset="0"/>
+                        <a:ea typeface="서울남산체 M" panose="02020603020101020101" pitchFamily="18" charset="-127"/>
+                      </a:rPr>
+                      <m:t>=</m:t>
+                    </m:r>
+                    <m:d>
+                      <m:dPr>
+                        <m:begChr m:val="‖"/>
+                        <m:endChr m:val="‖"/>
+                        <m:ctrlPr>
+                          <a:rPr lang="en-US" altLang="ko-KR" b="0" i="1" smtClean="0">
+                            <a:latin typeface="Cambria Math" panose="02040503050406030204" pitchFamily="18" charset="0"/>
+                            <a:ea typeface="서울남산체 M" panose="02020603020101020101" pitchFamily="18" charset="-127"/>
+                          </a:rPr>
+                        </m:ctrlPr>
+                      </m:dPr>
+                      <m:e>
+                        <m:r>
+                          <a:rPr lang="en-US" altLang="ko-KR" b="0" i="1" smtClean="0">
+                            <a:latin typeface="Cambria Math" panose="02040503050406030204" pitchFamily="18" charset="0"/>
+                            <a:ea typeface="서울남산체 M" panose="02020603020101020101" pitchFamily="18" charset="-127"/>
+                          </a:rPr>
+                          <m:t>𝑥</m:t>
+                        </m:r>
+                        <m:r>
+                          <a:rPr lang="en-US" altLang="ko-KR" b="0" i="1" smtClean="0">
+                            <a:latin typeface="Cambria Math" panose="02040503050406030204" pitchFamily="18" charset="0"/>
+                            <a:ea typeface="서울남산체 M" panose="02020603020101020101" pitchFamily="18" charset="-127"/>
+                          </a:rPr>
+                          <m:t>−</m:t>
+                        </m:r>
+                        <m:sSub>
+                          <m:sSubPr>
+                            <m:ctrlPr>
+                              <a:rPr lang="en-US" altLang="ko-KR" b="0" i="1" smtClean="0">
+                                <a:latin typeface="Cambria Math" panose="02040503050406030204" pitchFamily="18" charset="0"/>
+                                <a:ea typeface="서울남산체 M" panose="02020603020101020101" pitchFamily="18" charset="-127"/>
+                              </a:rPr>
+                            </m:ctrlPr>
+                          </m:sSubPr>
+                          <m:e>
+                            <m:r>
+                              <a:rPr lang="en-US" altLang="ko-KR" b="0" i="1" smtClean="0">
+                                <a:latin typeface="Cambria Math" panose="02040503050406030204" pitchFamily="18" charset="0"/>
+                                <a:ea typeface="서울남산체 M" panose="02020603020101020101" pitchFamily="18" charset="-127"/>
+                              </a:rPr>
+                              <m:t>𝑥</m:t>
+                            </m:r>
+                          </m:e>
+                          <m:sub>
+                            <m:r>
+                              <a:rPr lang="en-US" altLang="ko-KR" b="0" i="1" smtClean="0">
+                                <a:latin typeface="Cambria Math" panose="02040503050406030204" pitchFamily="18" charset="0"/>
+                                <a:ea typeface="서울남산체 M" panose="02020603020101020101" pitchFamily="18" charset="-127"/>
+                              </a:rPr>
+                              <m:t>𝑟</m:t>
+                            </m:r>
+                          </m:sub>
+                        </m:sSub>
+                      </m:e>
+                    </m:d>
+                  </m:oMath>
+                </a14:m>
+                <a:r>
+                  <a:rPr lang="en-US" altLang="ko-KR" b="0" dirty="0">
+                    <a:latin typeface="서울남산체 M" panose="02020603020101020101" pitchFamily="18" charset="-127"/>
+                    <a:ea typeface="서울남산체 M" panose="02020603020101020101" pitchFamily="18" charset="-127"/>
+                  </a:rPr>
+                  <a:t> (</a:t>
+                </a:r>
+                <a14:m>
+                  <m:oMath xmlns:m="http://schemas.openxmlformats.org/officeDocument/2006/math">
+                    <m:r>
+                      <a:rPr lang="en-US" altLang="ko-KR" i="1">
+                        <a:latin typeface="Cambria Math" panose="02040503050406030204" pitchFamily="18" charset="0"/>
+                        <a:ea typeface="서울남산체 M" panose="02020603020101020101" pitchFamily="18" charset="-127"/>
+                      </a:rPr>
+                      <m:t>𝑥</m:t>
+                    </m:r>
+                  </m:oMath>
+                </a14:m>
+                <a:r>
+                  <a:rPr lang="ko-KR" altLang="en-US" b="0" dirty="0">
+                    <a:latin typeface="서울남산체 M" panose="02020603020101020101" pitchFamily="18" charset="-127"/>
+                    <a:ea typeface="서울남산체 M" panose="02020603020101020101" pitchFamily="18" charset="-127"/>
+                  </a:rPr>
+                  <a:t>에서 실제 광원까지의 거리</a:t>
+                </a:r>
+                <a:r>
+                  <a:rPr lang="en-US" altLang="ko-KR" b="0" dirty="0">
+                    <a:latin typeface="서울남산체 M" panose="02020603020101020101" pitchFamily="18" charset="-127"/>
+                    <a:ea typeface="서울남산체 M" panose="02020603020101020101" pitchFamily="18" charset="-127"/>
+                  </a:rPr>
+                  <a:t>)</a:t>
+                </a:r>
+              </a:p>
+              <a:p>
+                <a:pPr lvl="1">
+                  <a:lnSpc>
+                    <a:spcPct val="100000"/>
+                  </a:lnSpc>
+                </a:pPr>
+                <a14:m>
+                  <m:oMath xmlns:m="http://schemas.openxmlformats.org/officeDocument/2006/math">
+                    <m:sSub>
+                      <m:sSubPr>
+                        <m:ctrlPr>
+                          <a:rPr lang="en-US" altLang="ko-KR" i="1">
+                            <a:latin typeface="Cambria Math" panose="02040503050406030204" pitchFamily="18" charset="0"/>
+                            <a:ea typeface="서울남산체 M" panose="02020603020101020101" pitchFamily="18" charset="-127"/>
+                          </a:rPr>
+                        </m:ctrlPr>
+                      </m:sSubPr>
+                      <m:e>
+                        <m:r>
+                          <a:rPr lang="en-US" altLang="ko-KR" i="1">
+                            <a:latin typeface="Cambria Math" panose="02040503050406030204" pitchFamily="18" charset="0"/>
+                            <a:ea typeface="서울남산체 M" panose="02020603020101020101" pitchFamily="18" charset="-127"/>
+                          </a:rPr>
+                          <m:t>𝑑</m:t>
+                        </m:r>
+                      </m:e>
+                      <m:sub>
+                        <m:r>
+                          <a:rPr lang="en-US" altLang="ko-KR" b="0" i="1" smtClean="0">
+                            <a:latin typeface="Cambria Math" panose="02040503050406030204" pitchFamily="18" charset="0"/>
+                            <a:ea typeface="서울남산체 M" panose="02020603020101020101" pitchFamily="18" charset="-127"/>
+                          </a:rPr>
+                          <m:t>𝑣</m:t>
+                        </m:r>
+                      </m:sub>
+                    </m:sSub>
+                    <m:r>
+                      <a:rPr lang="en-US" altLang="ko-KR" i="1">
+                        <a:latin typeface="Cambria Math" panose="02040503050406030204" pitchFamily="18" charset="0"/>
+                        <a:ea typeface="서울남산체 M" panose="02020603020101020101" pitchFamily="18" charset="-127"/>
+                      </a:rPr>
+                      <m:t>=</m:t>
+                    </m:r>
+                    <m:d>
+                      <m:dPr>
+                        <m:begChr m:val="‖"/>
+                        <m:endChr m:val="‖"/>
+                        <m:ctrlPr>
+                          <a:rPr lang="en-US" altLang="ko-KR" i="1">
+                            <a:latin typeface="Cambria Math" panose="02040503050406030204" pitchFamily="18" charset="0"/>
+                            <a:ea typeface="서울남산체 M" panose="02020603020101020101" pitchFamily="18" charset="-127"/>
+                          </a:rPr>
+                        </m:ctrlPr>
+                      </m:dPr>
+                      <m:e>
+                        <m:r>
+                          <a:rPr lang="en-US" altLang="ko-KR" i="1">
+                            <a:latin typeface="Cambria Math" panose="02040503050406030204" pitchFamily="18" charset="0"/>
+                            <a:ea typeface="서울남산체 M" panose="02020603020101020101" pitchFamily="18" charset="-127"/>
+                          </a:rPr>
+                          <m:t>𝑥</m:t>
+                        </m:r>
+                        <m:r>
+                          <a:rPr lang="en-US" altLang="ko-KR" i="1">
+                            <a:latin typeface="Cambria Math" panose="02040503050406030204" pitchFamily="18" charset="0"/>
+                            <a:ea typeface="서울남산체 M" panose="02020603020101020101" pitchFamily="18" charset="-127"/>
+                          </a:rPr>
+                          <m:t>−</m:t>
+                        </m:r>
+                        <m:sSub>
+                          <m:sSubPr>
+                            <m:ctrlPr>
+                              <a:rPr lang="en-US" altLang="ko-KR" i="1">
+                                <a:latin typeface="Cambria Math" panose="02040503050406030204" pitchFamily="18" charset="0"/>
+                                <a:ea typeface="서울남산체 M" panose="02020603020101020101" pitchFamily="18" charset="-127"/>
+                              </a:rPr>
+                            </m:ctrlPr>
+                          </m:sSubPr>
+                          <m:e>
+                            <m:r>
+                              <a:rPr lang="en-US" altLang="ko-KR" i="1">
+                                <a:latin typeface="Cambria Math" panose="02040503050406030204" pitchFamily="18" charset="0"/>
+                                <a:ea typeface="서울남산체 M" panose="02020603020101020101" pitchFamily="18" charset="-127"/>
+                              </a:rPr>
+                              <m:t>𝑥</m:t>
+                            </m:r>
+                          </m:e>
+                          <m:sub>
+                            <m:r>
+                              <a:rPr lang="en-US" altLang="ko-KR" b="0" i="1" smtClean="0">
+                                <a:latin typeface="Cambria Math" panose="02040503050406030204" pitchFamily="18" charset="0"/>
+                                <a:ea typeface="서울남산체 M" panose="02020603020101020101" pitchFamily="18" charset="-127"/>
+                              </a:rPr>
+                              <m:t>𝑣</m:t>
+                            </m:r>
+                          </m:sub>
+                        </m:sSub>
+                      </m:e>
+                    </m:d>
+                  </m:oMath>
+                </a14:m>
+                <a:r>
+                  <a:rPr lang="en-US" altLang="ko-KR" b="0" dirty="0">
+                    <a:latin typeface="서울남산체 M" panose="02020603020101020101" pitchFamily="18" charset="-127"/>
+                    <a:ea typeface="서울남산체 M" panose="02020603020101020101" pitchFamily="18" charset="-127"/>
+                  </a:rPr>
+                  <a:t> (</a:t>
+                </a:r>
+                <a14:m>
+                  <m:oMath xmlns:m="http://schemas.openxmlformats.org/officeDocument/2006/math">
+                    <m:r>
+                      <a:rPr lang="en-US" altLang="ko-KR" i="1">
+                        <a:latin typeface="Cambria Math" panose="02040503050406030204" pitchFamily="18" charset="0"/>
+                        <a:ea typeface="서울남산체 M" panose="02020603020101020101" pitchFamily="18" charset="-127"/>
+                      </a:rPr>
+                      <m:t>𝑥</m:t>
+                    </m:r>
+                  </m:oMath>
+                </a14:m>
+                <a:r>
+                  <a:rPr lang="ko-KR" altLang="en-US" b="0" dirty="0">
+                    <a:latin typeface="서울남산체 M" panose="02020603020101020101" pitchFamily="18" charset="-127"/>
+                    <a:ea typeface="서울남산체 M" panose="02020603020101020101" pitchFamily="18" charset="-127"/>
+                  </a:rPr>
+                  <a:t>에서 가상 광원까지의 거리</a:t>
+                </a:r>
+                <a:r>
+                  <a:rPr lang="en-US" altLang="ko-KR" b="0" dirty="0">
+                    <a:latin typeface="서울남산체 M" panose="02020603020101020101" pitchFamily="18" charset="-127"/>
+                    <a:ea typeface="서울남산체 M" panose="02020603020101020101" pitchFamily="18" charset="-127"/>
+                  </a:rPr>
+                  <a:t>)</a:t>
+                </a:r>
+              </a:p>
+              <a:p>
+                <a:pPr lvl="1">
+                  <a:lnSpc>
+                    <a:spcPct val="100000"/>
+                  </a:lnSpc>
+                </a:pPr>
+                <a14:m>
+                  <m:oMath xmlns:m="http://schemas.openxmlformats.org/officeDocument/2006/math">
+                    <m:sSub>
+                      <m:sSubPr>
+                        <m:ctrlPr>
+                          <a:rPr lang="en-US" altLang="ko-KR" b="0" i="1" smtClean="0">
+                            <a:latin typeface="Cambria Math" panose="02040503050406030204" pitchFamily="18" charset="0"/>
+                            <a:ea typeface="서울남산체 M" panose="02020603020101020101" pitchFamily="18" charset="-127"/>
+                          </a:rPr>
+                        </m:ctrlPr>
+                      </m:sSubPr>
+                      <m:e>
+                        <m:r>
+                          <a:rPr lang="en-US" altLang="ko-KR" b="0" i="1" smtClean="0">
+                            <a:latin typeface="Cambria Math" panose="02040503050406030204" pitchFamily="18" charset="0"/>
+                            <a:ea typeface="서울남산체 M" panose="02020603020101020101" pitchFamily="18" charset="-127"/>
+                          </a:rPr>
+                          <m:t>𝑧</m:t>
+                        </m:r>
+                      </m:e>
+                      <m:sub>
+                        <m:r>
+                          <a:rPr lang="en-US" altLang="ko-KR" b="0" i="1" smtClean="0">
+                            <a:latin typeface="Cambria Math" panose="02040503050406030204" pitchFamily="18" charset="0"/>
+                            <a:ea typeface="서울남산체 M" panose="02020603020101020101" pitchFamily="18" charset="-127"/>
+                          </a:rPr>
+                          <m:t>𝑣</m:t>
+                        </m:r>
+                      </m:sub>
+                    </m:sSub>
+                    <m:r>
+                      <a:rPr lang="en-US" altLang="ko-KR" b="0" i="1" smtClean="0">
+                        <a:latin typeface="Cambria Math" panose="02040503050406030204" pitchFamily="18" charset="0"/>
+                        <a:ea typeface="서울남산체 M" panose="02020603020101020101" pitchFamily="18" charset="-127"/>
+                      </a:rPr>
+                      <m:t>=</m:t>
+                    </m:r>
+                    <m:sSub>
+                      <m:sSubPr>
+                        <m:ctrlPr>
+                          <a:rPr lang="en-US" altLang="ko-KR" b="0" i="1" smtClean="0">
+                            <a:latin typeface="Cambria Math" panose="02040503050406030204" pitchFamily="18" charset="0"/>
+                            <a:ea typeface="서울남산체 M" panose="02020603020101020101" pitchFamily="18" charset="-127"/>
+                          </a:rPr>
+                        </m:ctrlPr>
+                      </m:sSubPr>
+                      <m:e>
+                        <m:r>
+                          <a:rPr lang="en-US" altLang="ko-KR" b="0" i="1" smtClean="0">
+                            <a:latin typeface="Cambria Math" panose="02040503050406030204" pitchFamily="18" charset="0"/>
+                            <a:ea typeface="서울남산체 M" panose="02020603020101020101" pitchFamily="18" charset="-127"/>
+                          </a:rPr>
+                          <m:t>𝑧</m:t>
+                        </m:r>
+                      </m:e>
+                      <m:sub>
+                        <m:r>
+                          <a:rPr lang="en-US" altLang="ko-KR" b="0" i="1" smtClean="0">
+                            <a:latin typeface="Cambria Math" panose="02040503050406030204" pitchFamily="18" charset="0"/>
+                            <a:ea typeface="서울남산체 M" panose="02020603020101020101" pitchFamily="18" charset="-127"/>
+                          </a:rPr>
+                          <m:t>𝑟</m:t>
+                        </m:r>
+                      </m:sub>
+                    </m:sSub>
+                    <m:r>
+                      <a:rPr lang="en-US" altLang="ko-KR" b="0" i="1" smtClean="0">
+                        <a:latin typeface="Cambria Math" panose="02040503050406030204" pitchFamily="18" charset="0"/>
+                        <a:ea typeface="서울남산체 M" panose="02020603020101020101" pitchFamily="18" charset="-127"/>
+                      </a:rPr>
+                      <m:t>+4</m:t>
+                    </m:r>
+                    <m:r>
+                      <a:rPr lang="en-US" altLang="ko-KR" b="0" i="1" smtClean="0">
+                        <a:latin typeface="Cambria Math" panose="02040503050406030204" pitchFamily="18" charset="0"/>
+                        <a:ea typeface="서울남산체 M" panose="02020603020101020101" pitchFamily="18" charset="-127"/>
+                      </a:rPr>
+                      <m:t>𝐴𝐷</m:t>
+                    </m:r>
+                  </m:oMath>
+                </a14:m>
+                <a:endParaRPr lang="en-US" altLang="ko-KR" b="0" dirty="0">
+                  <a:latin typeface="서울남산체 M" panose="02020603020101020101" pitchFamily="18" charset="-127"/>
+                  <a:ea typeface="서울남산체 M" panose="02020603020101020101" pitchFamily="18" charset="-127"/>
+                </a:endParaRPr>
+              </a:p>
+            </p:txBody>
+          </p:sp>
+        </mc:Choice>
+        <mc:Fallback>
+          <p:sp>
+            <p:nvSpPr>
+              <p:cNvPr id="3" name="Text Placeholder 2"/>
+              <p:cNvSpPr>
+                <a:spLocks noGrp="1" noRot="1" noChangeAspect="1" noMove="1" noResize="1" noEditPoints="1" noAdjustHandles="1" noChangeArrowheads="1" noChangeShapeType="1" noTextEdit="1"/>
+              </p:cNvSpPr>
+              <p:nvPr>
+                <p:ph type="body" sz="quarter" idx="10"/>
+              </p:nvPr>
+            </p:nvSpPr>
+            <p:spPr>
+              <a:xfrm>
+                <a:off x="519248" y="1447801"/>
+                <a:ext cx="11151917" cy="4944532"/>
+              </a:xfrm>
+              <a:blipFill>
+                <a:blip r:embed="rId4"/>
+                <a:stretch>
+                  <a:fillRect/>
+                </a:stretch>
+              </a:blipFill>
+            </p:spPr>
+            <p:txBody>
+              <a:bodyPr/>
+              <a:lstStyle/>
+              <a:p>
+                <a:r>
+                  <a:rPr lang="en-US">
+                    <a:noFill/>
+                  </a:rPr>
+                  <a:t> </a:t>
+                </a:r>
+              </a:p>
+            </p:txBody>
+          </p:sp>
+        </mc:Fallback>
+      </mc:AlternateContent>
+      <p:sp>
+        <p:nvSpPr>
+          <p:cNvPr id="2" name="Title 1"/>
+          <p:cNvSpPr>
+            <a:spLocks noGrp="1"/>
+          </p:cNvSpPr>
+          <p:nvPr>
+            <p:ph type="title"/>
+          </p:nvPr>
+        </p:nvSpPr>
+        <p:spPr>
+          <a:xfrm>
+            <a:off x="519248" y="543951"/>
+            <a:ext cx="11151917" cy="747897"/>
+          </a:xfrm>
+        </p:spPr>
+        <p:txBody>
+          <a:bodyPr/>
+          <a:lstStyle/>
+          <a:p>
+            <a:r>
+              <a:rPr lang="en-US" dirty="0"/>
+              <a:t>The Dipole Diffusion Approximation</a:t>
+            </a:r>
+          </a:p>
+        </p:txBody>
+      </p:sp>
+      <p:sp>
+        <p:nvSpPr>
+          <p:cNvPr id="4" name="Slide Number Placeholder 3"/>
+          <p:cNvSpPr>
+            <a:spLocks noGrp="1"/>
+          </p:cNvSpPr>
+          <p:nvPr>
+            <p:ph type="sldNum" sz="quarter" idx="4"/>
+          </p:nvPr>
+        </p:nvSpPr>
+        <p:spPr/>
+        <p:txBody>
+          <a:bodyPr/>
+          <a:lstStyle/>
+          <a:p>
+            <a:fld id="{6B5C536E-FA7B-40DC-A296-D7EC18490057}" type="slidenum">
+              <a:rPr lang="ko-KR" altLang="en-US" smtClean="0"/>
+              <a:pPr/>
+              <a:t>16</a:t>
+            </a:fld>
+            <a:endParaRPr lang="ko-KR" altLang="en-US"/>
+          </a:p>
+        </p:txBody>
+      </p:sp>
+      <p:pic>
+        <p:nvPicPr>
+          <p:cNvPr id="7" name="Picture 6">
+            <a:extLst>
+              <a:ext uri="{FF2B5EF4-FFF2-40B4-BE49-F238E27FC236}">
+                <a16:creationId xmlns:a16="http://schemas.microsoft.com/office/drawing/2014/main" id="{29B3E9E5-141A-43FE-B7CA-3E0894160531}"/>
+              </a:ext>
+            </a:extLst>
+          </p:cNvPr>
+          <p:cNvPicPr>
+            <a:picLocks noChangeAspect="1"/>
+          </p:cNvPicPr>
+          <p:nvPr/>
+        </p:nvPicPr>
+        <p:blipFill>
+          <a:blip r:embed="rId5"/>
+          <a:stretch>
+            <a:fillRect/>
+          </a:stretch>
+        </p:blipFill>
+        <p:spPr>
+          <a:xfrm>
+            <a:off x="860372" y="3607145"/>
+            <a:ext cx="3962733" cy="2785187"/>
+          </a:xfrm>
+          <a:prstGeom prst="rect">
+            <a:avLst/>
+          </a:prstGeom>
+        </p:spPr>
+      </p:pic>
+    </p:spTree>
+    <p:extLst>
+      <p:ext uri="{BB962C8B-B14F-4D97-AF65-F5344CB8AC3E}">
+        <p14:creationId xmlns:p14="http://schemas.microsoft.com/office/powerpoint/2010/main" val="3792262006"/>
+      </p:ext>
+    </p:extLst>
+  </p:cSld>
+  <p:clrMapOvr>
+    <a:masterClrMapping/>
+  </p:clrMapOvr>
+  <mc:AlternateContent xmlns:mc="http://schemas.openxmlformats.org/markup-compatibility/2006" xmlns:p14="http://schemas.microsoft.com/office/powerpoint/2010/main">
+    <mc:Choice Requires="p14">
+      <p:transition p14:dur="0"/>
+    </mc:Choice>
+    <mc:Fallback xmlns="">
+      <p:transition/>
+    </mc:Fallback>
+  </mc:AlternateContent>
+</p:sld>
+</file>
+
+<file path=ppt/slides/slide17.xml><?xml version="1.0" encoding="utf-8"?>
+<p:sld xmlns:a="http://schemas.openxmlformats.org/drawingml/2006/main" xmlns:r="http://schemas.openxmlformats.org/officeDocument/2006/relationships" xmlns:p="http://schemas.openxmlformats.org/presentationml/2006/main">
+  <p:cSld>
+    <p:spTree>
+      <p:nvGrpSpPr>
+        <p:cNvPr id="1" name=""/>
+        <p:cNvGrpSpPr/>
+        <p:nvPr/>
+      </p:nvGrpSpPr>
+      <p:grpSpPr>
+        <a:xfrm>
+          <a:off x="0" y="0"/>
+          <a:ext cx="0" cy="0"/>
+          <a:chOff x="0" y="0"/>
+          <a:chExt cx="0" cy="0"/>
+        </a:xfrm>
+      </p:grpSpPr>
+      <mc:AlternateContent xmlns:mc="http://schemas.openxmlformats.org/markup-compatibility/2006">
+        <mc:Choice xmlns:a14="http://schemas.microsoft.com/office/drawing/2010/main" Requires="a14">
+          <p:sp>
+            <p:nvSpPr>
+              <p:cNvPr id="3" name="Text Placeholder 2"/>
+              <p:cNvSpPr>
+                <a:spLocks noGrp="1"/>
+              </p:cNvSpPr>
+              <p:nvPr>
+                <p:ph type="body" sz="quarter" idx="10"/>
+              </p:nvPr>
+            </p:nvSpPr>
+            <p:spPr>
+              <a:xfrm>
+                <a:off x="519248" y="1447801"/>
+                <a:ext cx="11151917" cy="4944532"/>
+              </a:xfrm>
+            </p:spPr>
+            <p:txBody>
+              <a:bodyPr>
+                <a:normAutofit/>
+              </a:bodyPr>
+              <a:lstStyle/>
+              <a:p>
+                <a:pPr>
+                  <a:lnSpc>
+                    <a:spcPct val="100000"/>
+                  </a:lnSpc>
+                </a:pPr>
+                <a:r>
+                  <a:rPr lang="ko-KR" altLang="en-US" dirty="0">
+                    <a:latin typeface="서울남산체 M" panose="02020603020101020101" pitchFamily="18" charset="-127"/>
+                    <a:ea typeface="서울남산체 M" panose="02020603020101020101" pitchFamily="18" charset="-127"/>
+                  </a:rPr>
+                  <a:t>확산 표면 밑 반사를 계산하기 위해 방사 방출을 계산</a:t>
+                </a:r>
+                <a:endParaRPr lang="en-US" altLang="ko-KR" dirty="0">
+                  <a:latin typeface="서울남산체 M" panose="02020603020101020101" pitchFamily="18" charset="-127"/>
+                  <a:ea typeface="서울남산체 M" panose="02020603020101020101" pitchFamily="18" charset="-127"/>
+                </a:endParaRPr>
+              </a:p>
+              <a:p>
+                <a:pPr lvl="1">
+                  <a:lnSpc>
+                    <a:spcPct val="100000"/>
+                  </a:lnSpc>
+                </a:pPr>
+                <a:r>
+                  <a:rPr lang="ko-KR" altLang="en-US" b="0" dirty="0">
+                    <a:latin typeface="서울남산체 M" panose="02020603020101020101" pitchFamily="18" charset="-127"/>
+                    <a:ea typeface="서울남산체 M" panose="02020603020101020101" pitchFamily="18" charset="-127"/>
+                  </a:rPr>
+                  <a:t>선속의 경사도를 얻어 법선 </a:t>
+                </a:r>
+                <a14:m>
+                  <m:oMath xmlns:m="http://schemas.openxmlformats.org/officeDocument/2006/math">
+                    <m:r>
+                      <m:rPr>
+                        <m:sty m:val="p"/>
+                      </m:rPr>
+                      <a:rPr lang="en-US" altLang="ko-KR" b="0" i="0" smtClean="0">
+                        <a:latin typeface="Cambria Math" panose="02040503050406030204" pitchFamily="18" charset="0"/>
+                        <a:ea typeface="서울남산체 M" panose="02020603020101020101" pitchFamily="18" charset="-127"/>
+                      </a:rPr>
+                      <m:t>n</m:t>
+                    </m:r>
+                  </m:oMath>
+                </a14:m>
+                <a:r>
+                  <a:rPr lang="ko-KR" altLang="en-US" b="0" dirty="0">
+                    <a:latin typeface="서울남산체 M" panose="02020603020101020101" pitchFamily="18" charset="-127"/>
+                    <a:ea typeface="서울남산체 M" panose="02020603020101020101" pitchFamily="18" charset="-127"/>
+                  </a:rPr>
+                  <a:t>과 내적해 구할 수 있음</a:t>
+                </a:r>
+                <a:endParaRPr lang="en-US" altLang="ko-KR" b="0" dirty="0">
+                  <a:latin typeface="서울남산체 M" panose="02020603020101020101" pitchFamily="18" charset="-127"/>
+                  <a:ea typeface="서울남산체 M" panose="02020603020101020101" pitchFamily="18" charset="-127"/>
+                </a:endParaRPr>
+              </a:p>
+              <a:p>
+                <a:pPr marL="284162" lvl="1" indent="0">
+                  <a:lnSpc>
+                    <a:spcPct val="100000"/>
+                  </a:lnSpc>
+                  <a:buNone/>
+                </a:pPr>
+                <a14:m>
+                  <m:oMathPara xmlns:m="http://schemas.openxmlformats.org/officeDocument/2006/math">
+                    <m:oMathParaPr>
+                      <m:jc m:val="centerGroup"/>
+                    </m:oMathParaPr>
+                    <m:oMath xmlns:m="http://schemas.openxmlformats.org/officeDocument/2006/math">
+                      <m:sSub>
+                        <m:sSubPr>
+                          <m:ctrlPr>
+                            <a:rPr lang="en-US" altLang="ko-KR" b="0" i="1" smtClean="0">
+                              <a:latin typeface="Cambria Math" panose="02040503050406030204" pitchFamily="18" charset="0"/>
+                              <a:ea typeface="서울남산체 M" panose="02020603020101020101" pitchFamily="18" charset="-127"/>
+                            </a:rPr>
+                          </m:ctrlPr>
+                        </m:sSubPr>
+                        <m:e>
+                          <m:r>
+                            <a:rPr lang="en-US" altLang="ko-KR" b="0" i="1" smtClean="0">
+                              <a:latin typeface="Cambria Math" panose="02040503050406030204" pitchFamily="18" charset="0"/>
+                              <a:ea typeface="서울남산체 M" panose="02020603020101020101" pitchFamily="18" charset="-127"/>
+                            </a:rPr>
+                            <m:t>𝑀</m:t>
+                          </m:r>
+                        </m:e>
+                        <m:sub>
+                          <m:r>
+                            <a:rPr lang="en-US" altLang="ko-KR" b="0" i="1" smtClean="0">
+                              <a:latin typeface="Cambria Math" panose="02040503050406030204" pitchFamily="18" charset="0"/>
+                              <a:ea typeface="서울남산체 M" panose="02020603020101020101" pitchFamily="18" charset="-127"/>
+                            </a:rPr>
+                            <m:t>𝑜</m:t>
+                          </m:r>
+                        </m:sub>
+                      </m:sSub>
+                      <m:d>
+                        <m:dPr>
+                          <m:ctrlPr>
+                            <a:rPr lang="en-US" altLang="ko-KR" b="0" i="1" smtClean="0">
+                              <a:latin typeface="Cambria Math" panose="02040503050406030204" pitchFamily="18" charset="0"/>
+                              <a:ea typeface="서울남산체 M" panose="02020603020101020101" pitchFamily="18" charset="-127"/>
+                            </a:rPr>
+                          </m:ctrlPr>
+                        </m:dPr>
+                        <m:e>
+                          <m:sSub>
+                            <m:sSubPr>
+                              <m:ctrlPr>
+                                <a:rPr lang="en-US" altLang="ko-KR" b="0" i="1" smtClean="0">
+                                  <a:latin typeface="Cambria Math" panose="02040503050406030204" pitchFamily="18" charset="0"/>
+                                  <a:ea typeface="서울남산체 M" panose="02020603020101020101" pitchFamily="18" charset="-127"/>
+                                </a:rPr>
+                              </m:ctrlPr>
+                            </m:sSubPr>
+                            <m:e>
+                              <m:r>
+                                <a:rPr lang="en-US" altLang="ko-KR" b="0" i="1" smtClean="0">
+                                  <a:latin typeface="Cambria Math" panose="02040503050406030204" pitchFamily="18" charset="0"/>
+                                  <a:ea typeface="서울남산체 M" panose="02020603020101020101" pitchFamily="18" charset="-127"/>
+                                </a:rPr>
+                                <m:t>𝑝</m:t>
+                              </m:r>
+                            </m:e>
+                            <m:sub>
+                              <m:r>
+                                <a:rPr lang="en-US" altLang="ko-KR" b="0" i="1" smtClean="0">
+                                  <a:latin typeface="Cambria Math" panose="02040503050406030204" pitchFamily="18" charset="0"/>
+                                  <a:ea typeface="서울남산체 M" panose="02020603020101020101" pitchFamily="18" charset="-127"/>
+                                </a:rPr>
+                                <m:t>𝑜</m:t>
+                              </m:r>
+                            </m:sub>
+                          </m:sSub>
+                          <m:r>
+                            <a:rPr lang="en-US" altLang="ko-KR" b="0" i="1" smtClean="0">
+                              <a:latin typeface="Cambria Math" panose="02040503050406030204" pitchFamily="18" charset="0"/>
+                              <a:ea typeface="서울남산체 M" panose="02020603020101020101" pitchFamily="18" charset="-127"/>
+                            </a:rPr>
+                            <m:t>,</m:t>
+                          </m:r>
+                          <m:r>
+                            <m:rPr>
+                              <m:sty m:val="p"/>
+                            </m:rPr>
+                            <a:rPr lang="en-US" altLang="ko-KR" b="0" i="0" smtClean="0">
+                              <a:latin typeface="Cambria Math" panose="02040503050406030204" pitchFamily="18" charset="0"/>
+                              <a:ea typeface="서울남산체 M" panose="02020603020101020101" pitchFamily="18" charset="-127"/>
+                            </a:rPr>
+                            <m:t>n</m:t>
+                          </m:r>
+                        </m:e>
+                      </m:d>
+                      <m:r>
+                        <a:rPr lang="en-US" altLang="ko-KR" b="0" i="1" smtClean="0">
+                          <a:latin typeface="Cambria Math" panose="02040503050406030204" pitchFamily="18" charset="0"/>
+                          <a:ea typeface="서울남산체 M" panose="02020603020101020101" pitchFamily="18" charset="-127"/>
+                        </a:rPr>
+                        <m:t>=−</m:t>
+                      </m:r>
+                      <m:r>
+                        <a:rPr lang="en-US" altLang="ko-KR" b="0" i="1" smtClean="0">
+                          <a:latin typeface="Cambria Math" panose="02040503050406030204" pitchFamily="18" charset="0"/>
+                          <a:ea typeface="서울남산체 M" panose="02020603020101020101" pitchFamily="18" charset="-127"/>
+                        </a:rPr>
+                        <m:t>𝐷</m:t>
+                      </m:r>
+                      <m:r>
+                        <a:rPr lang="en-US" altLang="ko-KR" b="0" i="1" smtClean="0">
+                          <a:latin typeface="Cambria Math" panose="02040503050406030204" pitchFamily="18" charset="0"/>
+                          <a:ea typeface="서울남산체 M" panose="02020603020101020101" pitchFamily="18" charset="-127"/>
+                        </a:rPr>
+                        <m:t>(</m:t>
+                      </m:r>
+                      <m:r>
+                        <m:rPr>
+                          <m:sty m:val="p"/>
+                        </m:rPr>
+                        <a:rPr lang="en-US" altLang="ko-KR" b="0" i="0" smtClean="0">
+                          <a:latin typeface="Cambria Math" panose="02040503050406030204" pitchFamily="18" charset="0"/>
+                          <a:ea typeface="서울남산체 M" panose="02020603020101020101" pitchFamily="18" charset="-127"/>
+                        </a:rPr>
+                        <m:t>n</m:t>
+                      </m:r>
+                      <m:r>
+                        <a:rPr lang="en-US" altLang="ko-KR" b="0" i="1" smtClean="0">
+                          <a:latin typeface="Cambria Math" panose="02040503050406030204" pitchFamily="18" charset="0"/>
+                          <a:ea typeface="Cambria Math" panose="02040503050406030204" pitchFamily="18" charset="0"/>
+                        </a:rPr>
+                        <m:t>∙∇</m:t>
+                      </m:r>
+                      <m:r>
+                        <a:rPr lang="ko-KR" altLang="en-US" b="0" i="1" smtClean="0">
+                          <a:latin typeface="Cambria Math" panose="02040503050406030204" pitchFamily="18" charset="0"/>
+                          <a:ea typeface="Cambria Math" panose="02040503050406030204" pitchFamily="18" charset="0"/>
+                        </a:rPr>
+                        <m:t>𝜙</m:t>
+                      </m:r>
+                      <m:r>
+                        <a:rPr lang="en-US" altLang="ko-KR" b="0" i="1" smtClean="0">
+                          <a:latin typeface="Cambria Math" panose="02040503050406030204" pitchFamily="18" charset="0"/>
+                          <a:ea typeface="Cambria Math" panose="02040503050406030204" pitchFamily="18" charset="0"/>
+                        </a:rPr>
+                        <m:t>)(</m:t>
+                      </m:r>
+                      <m:sSub>
+                        <m:sSubPr>
+                          <m:ctrlPr>
+                            <a:rPr lang="en-US" altLang="ko-KR" b="0" i="1" smtClean="0">
+                              <a:latin typeface="Cambria Math" panose="02040503050406030204" pitchFamily="18" charset="0"/>
+                              <a:ea typeface="Cambria Math" panose="02040503050406030204" pitchFamily="18" charset="0"/>
+                            </a:rPr>
+                          </m:ctrlPr>
+                        </m:sSubPr>
+                        <m:e>
+                          <m:r>
+                            <a:rPr lang="en-US" altLang="ko-KR" b="0" i="1" smtClean="0">
+                              <a:latin typeface="Cambria Math" panose="02040503050406030204" pitchFamily="18" charset="0"/>
+                              <a:ea typeface="Cambria Math" panose="02040503050406030204" pitchFamily="18" charset="0"/>
+                            </a:rPr>
+                            <m:t>𝑝</m:t>
+                          </m:r>
+                        </m:e>
+                        <m:sub>
+                          <m:r>
+                            <a:rPr lang="en-US" altLang="ko-KR" b="0" i="1" smtClean="0">
+                              <a:latin typeface="Cambria Math" panose="02040503050406030204" pitchFamily="18" charset="0"/>
+                              <a:ea typeface="Cambria Math" panose="02040503050406030204" pitchFamily="18" charset="0"/>
+                            </a:rPr>
+                            <m:t>𝑜</m:t>
+                          </m:r>
+                        </m:sub>
+                      </m:sSub>
+                      <m:r>
+                        <a:rPr lang="en-US" altLang="ko-KR" b="0" i="1" smtClean="0">
+                          <a:latin typeface="Cambria Math" panose="02040503050406030204" pitchFamily="18" charset="0"/>
+                          <a:ea typeface="Cambria Math" panose="02040503050406030204" pitchFamily="18" charset="0"/>
+                        </a:rPr>
+                        <m:t>)</m:t>
+                      </m:r>
+                    </m:oMath>
+                  </m:oMathPara>
+                </a14:m>
+                <a:endParaRPr lang="en-US" altLang="ko-KR" b="0" dirty="0">
+                  <a:latin typeface="서울남산체 M" panose="02020603020101020101" pitchFamily="18" charset="-127"/>
+                  <a:ea typeface="서울남산체 M" panose="02020603020101020101" pitchFamily="18" charset="-127"/>
+                </a:endParaRPr>
+              </a:p>
+              <a:p>
+                <a:pPr lvl="1">
+                  <a:lnSpc>
+                    <a:spcPct val="100000"/>
+                  </a:lnSpc>
+                </a:pPr>
+                <a14:m>
+                  <m:oMath xmlns:m="http://schemas.openxmlformats.org/officeDocument/2006/math">
+                    <m:r>
+                      <a:rPr lang="en-US" altLang="ko-KR" b="0" i="1" smtClean="0">
+                        <a:latin typeface="Cambria Math" panose="02040503050406030204" pitchFamily="18" charset="0"/>
+                        <a:ea typeface="서울남산체 M" panose="02020603020101020101" pitchFamily="18" charset="-127"/>
+                      </a:rPr>
+                      <m:t>𝑧</m:t>
+                    </m:r>
+                  </m:oMath>
+                </a14:m>
+                <a:r>
+                  <a:rPr lang="ko-KR" altLang="en-US" b="0" dirty="0">
+                    <a:latin typeface="서울남산체 M" panose="02020603020101020101" pitchFamily="18" charset="-127"/>
+                    <a:ea typeface="서울남산체 M" panose="02020603020101020101" pitchFamily="18" charset="-127"/>
+                  </a:rPr>
+                  <a:t>에 대한 미분을 계산해서 얻을 수도 있음</a:t>
+                </a:r>
+                <a:endParaRPr lang="en-US" altLang="ko-KR" b="0" dirty="0">
+                  <a:latin typeface="서울남산체 M" panose="02020603020101020101" pitchFamily="18" charset="-127"/>
+                  <a:ea typeface="서울남산체 M" panose="02020603020101020101" pitchFamily="18" charset="-127"/>
+                </a:endParaRPr>
+              </a:p>
+              <a:p>
+                <a:pPr marL="284162" lvl="1" indent="0">
+                  <a:lnSpc>
+                    <a:spcPct val="100000"/>
+                  </a:lnSpc>
+                  <a:buNone/>
+                </a:pPr>
+                <a14:m>
+                  <m:oMathPara xmlns:m="http://schemas.openxmlformats.org/officeDocument/2006/math">
+                    <m:oMathParaPr>
+                      <m:jc m:val="centerGroup"/>
+                    </m:oMathParaPr>
+                    <m:oMath xmlns:m="http://schemas.openxmlformats.org/officeDocument/2006/math">
+                      <m:sSub>
+                        <m:sSubPr>
+                          <m:ctrlPr>
+                            <a:rPr lang="en-US" altLang="ko-KR" b="0" i="1" smtClean="0">
+                              <a:latin typeface="Cambria Math" panose="02040503050406030204" pitchFamily="18" charset="0"/>
+                              <a:ea typeface="서울남산체 M" panose="02020603020101020101" pitchFamily="18" charset="-127"/>
+                            </a:rPr>
+                          </m:ctrlPr>
+                        </m:sSubPr>
+                        <m:e>
+                          <m:r>
+                            <a:rPr lang="en-US" altLang="ko-KR" b="0" i="1" smtClean="0">
+                              <a:latin typeface="Cambria Math" panose="02040503050406030204" pitchFamily="18" charset="0"/>
+                              <a:ea typeface="서울남산체 M" panose="02020603020101020101" pitchFamily="18" charset="-127"/>
+                            </a:rPr>
+                            <m:t>𝑀</m:t>
+                          </m:r>
+                        </m:e>
+                        <m:sub>
+                          <m:r>
+                            <a:rPr lang="en-US" altLang="ko-KR" b="0" i="1" smtClean="0">
+                              <a:latin typeface="Cambria Math" panose="02040503050406030204" pitchFamily="18" charset="0"/>
+                              <a:ea typeface="서울남산체 M" panose="02020603020101020101" pitchFamily="18" charset="-127"/>
+                            </a:rPr>
+                            <m:t>𝑜</m:t>
+                          </m:r>
+                        </m:sub>
+                      </m:sSub>
+                      <m:d>
+                        <m:dPr>
+                          <m:ctrlPr>
+                            <a:rPr lang="en-US" altLang="ko-KR" b="0" i="1" smtClean="0">
+                              <a:latin typeface="Cambria Math" panose="02040503050406030204" pitchFamily="18" charset="0"/>
+                              <a:ea typeface="서울남산체 M" panose="02020603020101020101" pitchFamily="18" charset="-127"/>
+                            </a:rPr>
+                          </m:ctrlPr>
+                        </m:dPr>
+                        <m:e>
+                          <m:sSub>
+                            <m:sSubPr>
+                              <m:ctrlPr>
+                                <a:rPr lang="en-US" altLang="ko-KR" b="0" i="1" smtClean="0">
+                                  <a:latin typeface="Cambria Math" panose="02040503050406030204" pitchFamily="18" charset="0"/>
+                                  <a:ea typeface="서울남산체 M" panose="02020603020101020101" pitchFamily="18" charset="-127"/>
+                                </a:rPr>
+                              </m:ctrlPr>
+                            </m:sSubPr>
+                            <m:e>
+                              <m:r>
+                                <a:rPr lang="en-US" altLang="ko-KR" b="0" i="1" smtClean="0">
+                                  <a:latin typeface="Cambria Math" panose="02040503050406030204" pitchFamily="18" charset="0"/>
+                                  <a:ea typeface="서울남산체 M" panose="02020603020101020101" pitchFamily="18" charset="-127"/>
+                                </a:rPr>
+                                <m:t>𝑝</m:t>
+                              </m:r>
+                            </m:e>
+                            <m:sub>
+                              <m:r>
+                                <a:rPr lang="en-US" altLang="ko-KR" b="0" i="1" smtClean="0">
+                                  <a:latin typeface="Cambria Math" panose="02040503050406030204" pitchFamily="18" charset="0"/>
+                                  <a:ea typeface="서울남산체 M" panose="02020603020101020101" pitchFamily="18" charset="-127"/>
+                                </a:rPr>
+                                <m:t>𝑜</m:t>
+                              </m:r>
+                            </m:sub>
+                          </m:sSub>
+                          <m:r>
+                            <a:rPr lang="en-US" altLang="ko-KR" b="0" i="1" smtClean="0">
+                              <a:latin typeface="Cambria Math" panose="02040503050406030204" pitchFamily="18" charset="0"/>
+                              <a:ea typeface="서울남산체 M" panose="02020603020101020101" pitchFamily="18" charset="-127"/>
+                            </a:rPr>
+                            <m:t>, </m:t>
+                          </m:r>
+                          <m:r>
+                            <m:rPr>
+                              <m:sty m:val="p"/>
+                            </m:rPr>
+                            <a:rPr lang="en-US" altLang="ko-KR" b="0" i="0" smtClean="0">
+                              <a:latin typeface="Cambria Math" panose="02040503050406030204" pitchFamily="18" charset="0"/>
+                              <a:ea typeface="서울남산체 M" panose="02020603020101020101" pitchFamily="18" charset="-127"/>
+                            </a:rPr>
+                            <m:t>n</m:t>
+                          </m:r>
+                        </m:e>
+                      </m:d>
+                      <m:r>
+                        <a:rPr lang="en-US" altLang="ko-KR" b="0" i="1" smtClean="0">
+                          <a:latin typeface="Cambria Math" panose="02040503050406030204" pitchFamily="18" charset="0"/>
+                          <a:ea typeface="서울남산체 M" panose="02020603020101020101" pitchFamily="18" charset="-127"/>
+                        </a:rPr>
+                        <m:t>=−</m:t>
+                      </m:r>
+                      <m:r>
+                        <a:rPr lang="en-US" altLang="ko-KR" b="0" i="1" smtClean="0">
+                          <a:latin typeface="Cambria Math" panose="02040503050406030204" pitchFamily="18" charset="0"/>
+                          <a:ea typeface="서울남산체 M" panose="02020603020101020101" pitchFamily="18" charset="-127"/>
+                        </a:rPr>
+                        <m:t>𝐷</m:t>
+                      </m:r>
+                      <m:f>
+                        <m:fPr>
+                          <m:ctrlPr>
+                            <a:rPr lang="en-US" altLang="ko-KR" b="0" i="1" smtClean="0">
+                              <a:latin typeface="Cambria Math" panose="02040503050406030204" pitchFamily="18" charset="0"/>
+                              <a:ea typeface="서울남산체 M" panose="02020603020101020101" pitchFamily="18" charset="-127"/>
+                            </a:rPr>
+                          </m:ctrlPr>
+                        </m:fPr>
+                        <m:num>
+                          <m:r>
+                            <m:rPr>
+                              <m:sty m:val="p"/>
+                            </m:rPr>
+                            <a:rPr lang="en-US" altLang="ko-KR" b="0" i="0" smtClean="0">
+                              <a:latin typeface="Cambria Math" panose="02040503050406030204" pitchFamily="18" charset="0"/>
+                              <a:ea typeface="서울남산체 M" panose="02020603020101020101" pitchFamily="18" charset="-127"/>
+                            </a:rPr>
+                            <m:t>d</m:t>
+                          </m:r>
+                        </m:num>
+                        <m:den>
+                          <m:r>
+                            <m:rPr>
+                              <m:sty m:val="p"/>
+                            </m:rPr>
+                            <a:rPr lang="en-US" altLang="ko-KR" b="0" i="0" smtClean="0">
+                              <a:latin typeface="Cambria Math" panose="02040503050406030204" pitchFamily="18" charset="0"/>
+                              <a:ea typeface="서울남산체 M" panose="02020603020101020101" pitchFamily="18" charset="-127"/>
+                            </a:rPr>
+                            <m:t>d</m:t>
+                          </m:r>
+                          <m:r>
+                            <a:rPr lang="en-US" altLang="ko-KR" b="0" i="1" smtClean="0">
+                              <a:latin typeface="Cambria Math" panose="02040503050406030204" pitchFamily="18" charset="0"/>
+                              <a:ea typeface="서울남산체 M" panose="02020603020101020101" pitchFamily="18" charset="-127"/>
+                            </a:rPr>
+                            <m:t>𝑧</m:t>
+                          </m:r>
+                        </m:den>
+                      </m:f>
+                      <m:r>
+                        <a:rPr lang="en-US" altLang="ko-KR" i="1">
+                          <a:latin typeface="Cambria Math" panose="02040503050406030204" pitchFamily="18" charset="0"/>
+                          <a:ea typeface="서울남산체 M" panose="02020603020101020101" pitchFamily="18" charset="-127"/>
+                        </a:rPr>
+                        <m:t>𝜙</m:t>
+                      </m:r>
+                      <m:r>
+                        <a:rPr lang="en-US" altLang="ko-KR" b="0" i="1" smtClean="0">
+                          <a:latin typeface="Cambria Math" panose="02040503050406030204" pitchFamily="18" charset="0"/>
+                          <a:ea typeface="서울남산체 M" panose="02020603020101020101" pitchFamily="18" charset="-127"/>
+                        </a:rPr>
+                        <m:t>(</m:t>
+                      </m:r>
+                      <m:sSub>
+                        <m:sSubPr>
+                          <m:ctrlPr>
+                            <a:rPr lang="en-US" altLang="ko-KR" b="0" i="1" smtClean="0">
+                              <a:latin typeface="Cambria Math" panose="02040503050406030204" pitchFamily="18" charset="0"/>
+                              <a:ea typeface="서울남산체 M" panose="02020603020101020101" pitchFamily="18" charset="-127"/>
+                            </a:rPr>
+                          </m:ctrlPr>
+                        </m:sSubPr>
+                        <m:e>
+                          <m:r>
+                            <a:rPr lang="en-US" altLang="ko-KR" b="0" i="1" smtClean="0">
+                              <a:latin typeface="Cambria Math" panose="02040503050406030204" pitchFamily="18" charset="0"/>
+                              <a:ea typeface="서울남산체 M" panose="02020603020101020101" pitchFamily="18" charset="-127"/>
+                            </a:rPr>
+                            <m:t>𝑝</m:t>
+                          </m:r>
+                        </m:e>
+                        <m:sub>
+                          <m:r>
+                            <a:rPr lang="en-US" altLang="ko-KR" b="0" i="1" smtClean="0">
+                              <a:latin typeface="Cambria Math" panose="02040503050406030204" pitchFamily="18" charset="0"/>
+                              <a:ea typeface="서울남산체 M" panose="02020603020101020101" pitchFamily="18" charset="-127"/>
+                            </a:rPr>
+                            <m:t>𝑜</m:t>
+                          </m:r>
+                        </m:sub>
+                      </m:sSub>
+                      <m:r>
+                        <a:rPr lang="en-US" altLang="ko-KR" b="0" i="1" smtClean="0">
+                          <a:latin typeface="Cambria Math" panose="02040503050406030204" pitchFamily="18" charset="0"/>
+                          <a:ea typeface="서울남산체 M" panose="02020603020101020101" pitchFamily="18" charset="-127"/>
+                        </a:rPr>
+                        <m:t>)</m:t>
+                      </m:r>
+                    </m:oMath>
+                  </m:oMathPara>
+                </a14:m>
+                <a:endParaRPr lang="en-US" altLang="ko-KR" b="0" dirty="0">
+                  <a:latin typeface="서울남산체 M" panose="02020603020101020101" pitchFamily="18" charset="-127"/>
+                  <a:ea typeface="서울남산체 M" panose="02020603020101020101" pitchFamily="18" charset="-127"/>
+                </a:endParaRPr>
+              </a:p>
+              <a:p>
+                <a:pPr lvl="1">
+                  <a:lnSpc>
+                    <a:spcPct val="100000"/>
+                  </a:lnSpc>
+                </a:pPr>
+                <a:r>
+                  <a:rPr lang="ko-KR" altLang="en-US" b="0" dirty="0">
+                    <a:latin typeface="서울남산체 M" panose="02020603020101020101" pitchFamily="18" charset="-127"/>
+                    <a:ea typeface="서울남산체 M" panose="02020603020101020101" pitchFamily="18" charset="-127"/>
+                  </a:rPr>
+                  <a:t>점 </a:t>
+                </a:r>
+                <a14:m>
+                  <m:oMath xmlns:m="http://schemas.openxmlformats.org/officeDocument/2006/math">
+                    <m:sSub>
+                      <m:sSubPr>
+                        <m:ctrlPr>
+                          <a:rPr lang="en-US" altLang="ko-KR" b="0" i="1" smtClean="0">
+                            <a:latin typeface="Cambria Math" panose="02040503050406030204" pitchFamily="18" charset="0"/>
+                            <a:ea typeface="서울남산체 M" panose="02020603020101020101" pitchFamily="18" charset="-127"/>
+                          </a:rPr>
+                        </m:ctrlPr>
+                      </m:sSubPr>
+                      <m:e>
+                        <m:r>
+                          <a:rPr lang="en-US" altLang="ko-KR" b="0" i="1" smtClean="0">
+                            <a:latin typeface="Cambria Math" panose="02040503050406030204" pitchFamily="18" charset="0"/>
+                            <a:ea typeface="서울남산체 M" panose="02020603020101020101" pitchFamily="18" charset="-127"/>
+                          </a:rPr>
+                          <m:t>𝑝</m:t>
+                        </m:r>
+                      </m:e>
+                      <m:sub>
+                        <m:r>
+                          <a:rPr lang="en-US" altLang="ko-KR" b="0" i="1" smtClean="0">
+                            <a:latin typeface="Cambria Math" panose="02040503050406030204" pitchFamily="18" charset="0"/>
+                            <a:ea typeface="서울남산체 M" panose="02020603020101020101" pitchFamily="18" charset="-127"/>
+                          </a:rPr>
+                          <m:t>𝑖</m:t>
+                        </m:r>
+                      </m:sub>
+                    </m:sSub>
+                  </m:oMath>
+                </a14:m>
+                <a:r>
+                  <a:rPr lang="ko-KR" altLang="en-US" b="0" dirty="0">
+                    <a:latin typeface="서울남산체 M" panose="02020603020101020101" pitchFamily="18" charset="-127"/>
+                    <a:ea typeface="서울남산체 M" panose="02020603020101020101" pitchFamily="18" charset="-127"/>
+                  </a:rPr>
+                  <a:t>에서의 조명으로 인한 미분 확산 표면 밑 반사도 </a:t>
+                </a:r>
+                <a14:m>
+                  <m:oMath xmlns:m="http://schemas.openxmlformats.org/officeDocument/2006/math">
+                    <m:sSub>
+                      <m:sSubPr>
+                        <m:ctrlPr>
+                          <a:rPr lang="en-US" altLang="ko-KR" b="0" i="1" smtClean="0">
+                            <a:latin typeface="Cambria Math" panose="02040503050406030204" pitchFamily="18" charset="0"/>
+                            <a:ea typeface="서울남산체 M" panose="02020603020101020101" pitchFamily="18" charset="-127"/>
+                          </a:rPr>
+                        </m:ctrlPr>
+                      </m:sSubPr>
+                      <m:e>
+                        <m:r>
+                          <a:rPr lang="en-US" altLang="ko-KR" b="0" i="1" smtClean="0">
+                            <a:latin typeface="Cambria Math" panose="02040503050406030204" pitchFamily="18" charset="0"/>
+                            <a:ea typeface="서울남산체 M" panose="02020603020101020101" pitchFamily="18" charset="-127"/>
+                          </a:rPr>
+                          <m:t>𝑅</m:t>
+                        </m:r>
+                      </m:e>
+                      <m:sub>
+                        <m:r>
+                          <a:rPr lang="en-US" altLang="ko-KR" b="0" i="1" smtClean="0">
+                            <a:latin typeface="Cambria Math" panose="02040503050406030204" pitchFamily="18" charset="0"/>
+                            <a:ea typeface="서울남산체 M" panose="02020603020101020101" pitchFamily="18" charset="-127"/>
+                          </a:rPr>
+                          <m:t>𝑑</m:t>
+                        </m:r>
+                      </m:sub>
+                    </m:sSub>
+                  </m:oMath>
+                </a14:m>
+                <a:r>
+                  <a:rPr lang="ko-KR" altLang="en-US" b="0" dirty="0">
+                    <a:latin typeface="서울남산체 M" panose="02020603020101020101" pitchFamily="18" charset="-127"/>
+                    <a:ea typeface="서울남산체 M" panose="02020603020101020101" pitchFamily="18" charset="-127"/>
+                  </a:rPr>
+                  <a:t>는</a:t>
+                </a:r>
+                <a:br>
+                  <a:rPr lang="en-US" altLang="ko-KR" b="0" dirty="0">
+                    <a:latin typeface="서울남산체 M" panose="02020603020101020101" pitchFamily="18" charset="-127"/>
+                    <a:ea typeface="서울남산체 M" panose="02020603020101020101" pitchFamily="18" charset="-127"/>
+                  </a:rPr>
+                </a:br>
+                <a:r>
+                  <a:rPr lang="ko-KR" altLang="en-US" b="0" dirty="0">
+                    <a:latin typeface="서울남산체 M" panose="02020603020101020101" pitchFamily="18" charset="-127"/>
+                    <a:ea typeface="서울남산체 M" panose="02020603020101020101" pitchFamily="18" charset="-127"/>
+                  </a:rPr>
+                  <a:t>차례로 </a:t>
+                </a:r>
+                <a14:m>
+                  <m:oMath xmlns:m="http://schemas.openxmlformats.org/officeDocument/2006/math">
+                    <m:f>
+                      <m:fPr>
+                        <m:type m:val="lin"/>
+                        <m:ctrlPr>
+                          <a:rPr lang="ko-KR" altLang="en-US" b="0" i="1" smtClean="0">
+                            <a:latin typeface="Cambria Math" panose="02040503050406030204" pitchFamily="18" charset="0"/>
+                            <a:ea typeface="서울남산체 M" panose="02020603020101020101" pitchFamily="18" charset="-127"/>
+                          </a:rPr>
+                        </m:ctrlPr>
+                      </m:fPr>
+                      <m:num>
+                        <m:r>
+                          <m:rPr>
+                            <m:sty m:val="p"/>
+                          </m:rPr>
+                          <a:rPr lang="en-US" altLang="ko-KR" b="0" i="0" smtClean="0">
+                            <a:latin typeface="Cambria Math" panose="02040503050406030204" pitchFamily="18" charset="0"/>
+                            <a:ea typeface="서울남산체 M" panose="02020603020101020101" pitchFamily="18" charset="-127"/>
+                          </a:rPr>
+                          <m:t>d</m:t>
+                        </m:r>
+                        <m:sSub>
+                          <m:sSubPr>
+                            <m:ctrlPr>
+                              <a:rPr lang="en-US" altLang="ko-KR" b="0" i="1" smtClean="0">
+                                <a:latin typeface="Cambria Math" panose="02040503050406030204" pitchFamily="18" charset="0"/>
+                                <a:ea typeface="서울남산체 M" panose="02020603020101020101" pitchFamily="18" charset="-127"/>
+                              </a:rPr>
+                            </m:ctrlPr>
+                          </m:sSubPr>
+                          <m:e>
+                            <m:r>
+                              <a:rPr lang="en-US" altLang="ko-KR" b="0" i="1" smtClean="0">
+                                <a:latin typeface="Cambria Math" panose="02040503050406030204" pitchFamily="18" charset="0"/>
+                                <a:ea typeface="서울남산체 M" panose="02020603020101020101" pitchFamily="18" charset="-127"/>
+                              </a:rPr>
+                              <m:t>𝑀</m:t>
+                            </m:r>
+                          </m:e>
+                          <m:sub>
+                            <m:r>
+                              <a:rPr lang="en-US" altLang="ko-KR" b="0" i="1" smtClean="0">
+                                <a:latin typeface="Cambria Math" panose="02040503050406030204" pitchFamily="18" charset="0"/>
+                                <a:ea typeface="서울남산체 M" panose="02020603020101020101" pitchFamily="18" charset="-127"/>
+                              </a:rPr>
+                              <m:t>𝑜</m:t>
+                            </m:r>
+                          </m:sub>
+                        </m:sSub>
+                        <m:r>
+                          <a:rPr lang="en-US" altLang="ko-KR" b="0" i="1" smtClean="0">
+                            <a:latin typeface="Cambria Math" panose="02040503050406030204" pitchFamily="18" charset="0"/>
+                            <a:ea typeface="서울남산체 M" panose="02020603020101020101" pitchFamily="18" charset="-127"/>
+                          </a:rPr>
+                          <m:t>(</m:t>
+                        </m:r>
+                        <m:sSub>
+                          <m:sSubPr>
+                            <m:ctrlPr>
+                              <a:rPr lang="en-US" altLang="ko-KR" b="0" i="1" smtClean="0">
+                                <a:latin typeface="Cambria Math" panose="02040503050406030204" pitchFamily="18" charset="0"/>
+                                <a:ea typeface="서울남산체 M" panose="02020603020101020101" pitchFamily="18" charset="-127"/>
+                              </a:rPr>
+                            </m:ctrlPr>
+                          </m:sSubPr>
+                          <m:e>
+                            <m:r>
+                              <a:rPr lang="en-US" altLang="ko-KR" b="0" i="1" smtClean="0">
+                                <a:latin typeface="Cambria Math" panose="02040503050406030204" pitchFamily="18" charset="0"/>
+                                <a:ea typeface="서울남산체 M" panose="02020603020101020101" pitchFamily="18" charset="-127"/>
+                              </a:rPr>
+                              <m:t>𝑝</m:t>
+                            </m:r>
+                          </m:e>
+                          <m:sub>
+                            <m:r>
+                              <a:rPr lang="en-US" altLang="ko-KR" b="0" i="1" smtClean="0">
+                                <a:latin typeface="Cambria Math" panose="02040503050406030204" pitchFamily="18" charset="0"/>
+                                <a:ea typeface="서울남산체 M" panose="02020603020101020101" pitchFamily="18" charset="-127"/>
+                              </a:rPr>
+                              <m:t>𝑜</m:t>
+                            </m:r>
+                          </m:sub>
+                        </m:sSub>
+                        <m:r>
+                          <a:rPr lang="en-US" altLang="ko-KR" b="0" i="1" smtClean="0">
+                            <a:latin typeface="Cambria Math" panose="02040503050406030204" pitchFamily="18" charset="0"/>
+                            <a:ea typeface="서울남산체 M" panose="02020603020101020101" pitchFamily="18" charset="-127"/>
+                          </a:rPr>
+                          <m:t>, </m:t>
+                        </m:r>
+                        <m:r>
+                          <m:rPr>
+                            <m:sty m:val="p"/>
+                          </m:rPr>
+                          <a:rPr lang="en-US" altLang="ko-KR" b="0" i="0" smtClean="0">
+                            <a:latin typeface="Cambria Math" panose="02040503050406030204" pitchFamily="18" charset="0"/>
+                            <a:ea typeface="서울남산체 M" panose="02020603020101020101" pitchFamily="18" charset="-127"/>
+                          </a:rPr>
+                          <m:t>n</m:t>
+                        </m:r>
+                        <m:r>
+                          <a:rPr lang="en-US" altLang="ko-KR" b="0" i="1" smtClean="0">
+                            <a:latin typeface="Cambria Math" panose="02040503050406030204" pitchFamily="18" charset="0"/>
+                            <a:ea typeface="서울남산체 M" panose="02020603020101020101" pitchFamily="18" charset="-127"/>
+                          </a:rPr>
+                          <m:t>)</m:t>
+                        </m:r>
+                      </m:num>
+                      <m:den>
+                        <m:r>
+                          <m:rPr>
+                            <m:sty m:val="p"/>
+                          </m:rPr>
+                          <a:rPr lang="en-US" altLang="ko-KR" b="0" i="0" smtClean="0">
+                            <a:latin typeface="Cambria Math" panose="02040503050406030204" pitchFamily="18" charset="0"/>
+                            <a:ea typeface="서울남산체 M" panose="02020603020101020101" pitchFamily="18" charset="-127"/>
+                          </a:rPr>
+                          <m:t>d</m:t>
+                        </m:r>
+                        <m:r>
+                          <a:rPr lang="ko-KR" altLang="en-US" b="0" i="1" smtClean="0">
+                            <a:latin typeface="Cambria Math" panose="02040503050406030204" pitchFamily="18" charset="0"/>
+                            <a:ea typeface="서울남산체 M" panose="02020603020101020101" pitchFamily="18" charset="-127"/>
+                          </a:rPr>
+                          <m:t>𝜙</m:t>
+                        </m:r>
+                        <m:r>
+                          <a:rPr lang="en-US" altLang="ko-KR" b="0" i="1" smtClean="0">
+                            <a:latin typeface="Cambria Math" panose="02040503050406030204" pitchFamily="18" charset="0"/>
+                            <a:ea typeface="서울남산체 M" panose="02020603020101020101" pitchFamily="18" charset="-127"/>
+                          </a:rPr>
+                          <m:t>(</m:t>
+                        </m:r>
+                        <m:sSub>
+                          <m:sSubPr>
+                            <m:ctrlPr>
+                              <a:rPr lang="en-US" altLang="ko-KR" b="0" i="1" smtClean="0">
+                                <a:latin typeface="Cambria Math" panose="02040503050406030204" pitchFamily="18" charset="0"/>
+                                <a:ea typeface="서울남산체 M" panose="02020603020101020101" pitchFamily="18" charset="-127"/>
+                              </a:rPr>
+                            </m:ctrlPr>
+                          </m:sSubPr>
+                          <m:e>
+                            <m:r>
+                              <a:rPr lang="en-US" altLang="ko-KR" b="0" i="1" smtClean="0">
+                                <a:latin typeface="Cambria Math" panose="02040503050406030204" pitchFamily="18" charset="0"/>
+                                <a:ea typeface="서울남산체 M" panose="02020603020101020101" pitchFamily="18" charset="-127"/>
+                              </a:rPr>
+                              <m:t>𝑝</m:t>
+                            </m:r>
+                          </m:e>
+                          <m:sub>
+                            <m:r>
+                              <a:rPr lang="en-US" altLang="ko-KR" b="0" i="1" smtClean="0">
+                                <a:latin typeface="Cambria Math" panose="02040503050406030204" pitchFamily="18" charset="0"/>
+                                <a:ea typeface="서울남산체 M" panose="02020603020101020101" pitchFamily="18" charset="-127"/>
+                              </a:rPr>
+                              <m:t>𝑖</m:t>
+                            </m:r>
+                          </m:sub>
+                        </m:sSub>
+                        <m:r>
+                          <a:rPr lang="en-US" altLang="ko-KR" b="0" i="1" smtClean="0">
+                            <a:latin typeface="Cambria Math" panose="02040503050406030204" pitchFamily="18" charset="0"/>
+                            <a:ea typeface="서울남산체 M" panose="02020603020101020101" pitchFamily="18" charset="-127"/>
+                          </a:rPr>
+                          <m:t>)</m:t>
+                        </m:r>
+                      </m:den>
+                    </m:f>
+                  </m:oMath>
+                </a14:m>
+                <a:r>
+                  <a:rPr lang="en-US" altLang="ko-KR" b="0" dirty="0">
+                    <a:latin typeface="서울남산체 M" panose="02020603020101020101" pitchFamily="18" charset="-127"/>
+                    <a:ea typeface="서울남산체 M" panose="02020603020101020101" pitchFamily="18" charset="-127"/>
+                  </a:rPr>
+                  <a:t> </a:t>
+                </a:r>
+                <a:r>
+                  <a:rPr lang="ko-KR" altLang="en-US" b="0" dirty="0">
+                    <a:latin typeface="서울남산체 M" panose="02020603020101020101" pitchFamily="18" charset="-127"/>
+                    <a:ea typeface="서울남산체 M" panose="02020603020101020101" pitchFamily="18" charset="-127"/>
+                  </a:rPr>
+                  <a:t>미분을 취해 얻음</a:t>
+                </a:r>
+                <a:endParaRPr lang="en-US" altLang="ko-KR" b="0" dirty="0">
+                  <a:latin typeface="서울남산체 M" panose="02020603020101020101" pitchFamily="18" charset="-127"/>
+                  <a:ea typeface="서울남산체 M" panose="02020603020101020101" pitchFamily="18" charset="-127"/>
+                </a:endParaRPr>
+              </a:p>
+            </p:txBody>
+          </p:sp>
+        </mc:Choice>
+        <mc:Fallback>
+          <p:sp>
+            <p:nvSpPr>
+              <p:cNvPr id="3" name="Text Placeholder 2"/>
+              <p:cNvSpPr>
+                <a:spLocks noGrp="1" noRot="1" noChangeAspect="1" noMove="1" noResize="1" noEditPoints="1" noAdjustHandles="1" noChangeArrowheads="1" noChangeShapeType="1" noTextEdit="1"/>
+              </p:cNvSpPr>
+              <p:nvPr>
+                <p:ph type="body" sz="quarter" idx="10"/>
+              </p:nvPr>
+            </p:nvSpPr>
+            <p:spPr>
+              <a:xfrm>
+                <a:off x="519248" y="1447801"/>
+                <a:ext cx="11151917" cy="4944532"/>
+              </a:xfrm>
+              <a:blipFill>
+                <a:blip r:embed="rId3"/>
+                <a:stretch>
+                  <a:fillRect l="-1639" t="-2219"/>
+                </a:stretch>
+              </a:blipFill>
+            </p:spPr>
+            <p:txBody>
+              <a:bodyPr/>
+              <a:lstStyle/>
+              <a:p>
+                <a:r>
+                  <a:rPr lang="en-US">
+                    <a:noFill/>
+                  </a:rPr>
+                  <a:t> </a:t>
+                </a:r>
+              </a:p>
+            </p:txBody>
+          </p:sp>
+        </mc:Fallback>
+      </mc:AlternateContent>
+      <p:sp>
+        <p:nvSpPr>
+          <p:cNvPr id="2" name="Title 1"/>
+          <p:cNvSpPr>
+            <a:spLocks noGrp="1"/>
+          </p:cNvSpPr>
+          <p:nvPr>
+            <p:ph type="title"/>
+          </p:nvPr>
+        </p:nvSpPr>
+        <p:spPr>
+          <a:xfrm>
+            <a:off x="519248" y="543951"/>
+            <a:ext cx="11151917" cy="747897"/>
+          </a:xfrm>
+        </p:spPr>
+        <p:txBody>
+          <a:bodyPr/>
+          <a:lstStyle/>
+          <a:p>
+            <a:r>
+              <a:rPr lang="en-US" dirty="0"/>
+              <a:t>The Dipole Diffusion Approximation</a:t>
+            </a:r>
+          </a:p>
+        </p:txBody>
+      </p:sp>
+      <p:sp>
+        <p:nvSpPr>
+          <p:cNvPr id="4" name="Slide Number Placeholder 3"/>
+          <p:cNvSpPr>
+            <a:spLocks noGrp="1"/>
+          </p:cNvSpPr>
+          <p:nvPr>
+            <p:ph type="sldNum" sz="quarter" idx="4"/>
+          </p:nvPr>
+        </p:nvSpPr>
+        <p:spPr/>
+        <p:txBody>
+          <a:bodyPr/>
+          <a:lstStyle/>
+          <a:p>
+            <a:fld id="{6B5C536E-FA7B-40DC-A296-D7EC18490057}" type="slidenum">
+              <a:rPr lang="ko-KR" altLang="en-US" smtClean="0"/>
+              <a:pPr/>
+              <a:t>17</a:t>
+            </a:fld>
+            <a:endParaRPr lang="ko-KR" altLang="en-US"/>
+          </a:p>
+        </p:txBody>
+      </p:sp>
+    </p:spTree>
+    <p:extLst>
+      <p:ext uri="{BB962C8B-B14F-4D97-AF65-F5344CB8AC3E}">
+        <p14:creationId xmlns:p14="http://schemas.microsoft.com/office/powerpoint/2010/main" val="2010847887"/>
+      </p:ext>
+    </p:extLst>
+  </p:cSld>
+  <p:clrMapOvr>
+    <a:masterClrMapping/>
+  </p:clrMapOvr>
+  <mc:AlternateContent xmlns:mc="http://schemas.openxmlformats.org/markup-compatibility/2006" xmlns:p14="http://schemas.microsoft.com/office/powerpoint/2010/main">
+    <mc:Choice Requires="p14">
+      <p:transition p14:dur="0"/>
+    </mc:Choice>
+    <mc:Fallback xmlns="">
+      <p:transition/>
+    </mc:Fallback>
+  </mc:AlternateContent>
+</p:sld>
+</file>
+
+<file path=ppt/slides/slide18.xml><?xml version="1.0" encoding="utf-8"?>
+<p:sld xmlns:a="http://schemas.openxmlformats.org/drawingml/2006/main" xmlns:r="http://schemas.openxmlformats.org/officeDocument/2006/relationships" xmlns:p="http://schemas.openxmlformats.org/presentationml/2006/main">
+  <p:cSld>
+    <p:spTree>
+      <p:nvGrpSpPr>
+        <p:cNvPr id="1" name=""/>
+        <p:cNvGrpSpPr/>
+        <p:nvPr/>
+      </p:nvGrpSpPr>
+      <p:grpSpPr>
+        <a:xfrm>
+          <a:off x="0" y="0"/>
+          <a:ext cx="0" cy="0"/>
+          <a:chOff x="0" y="0"/>
+          <a:chExt cx="0" cy="0"/>
+        </a:xfrm>
+      </p:grpSpPr>
+      <mc:AlternateContent xmlns:mc="http://schemas.openxmlformats.org/markup-compatibility/2006">
+        <mc:Choice xmlns:a14="http://schemas.microsoft.com/office/drawing/2010/main" Requires="a14">
+          <p:sp>
+            <p:nvSpPr>
+              <p:cNvPr id="3" name="Text Placeholder 2"/>
+              <p:cNvSpPr>
+                <a:spLocks noGrp="1"/>
+              </p:cNvSpPr>
+              <p:nvPr>
+                <p:ph type="body" sz="quarter" idx="10"/>
+              </p:nvPr>
+            </p:nvSpPr>
+            <p:spPr>
+              <a:xfrm>
+                <a:off x="519248" y="1447801"/>
+                <a:ext cx="11151917" cy="4944532"/>
+              </a:xfrm>
+            </p:spPr>
+            <p:txBody>
+              <a:bodyPr>
+                <a:normAutofit/>
+              </a:bodyPr>
+              <a:lstStyle/>
+              <a:p>
+                <a:pPr>
+                  <a:lnSpc>
+                    <a:spcPct val="100000"/>
+                  </a:lnSpc>
+                </a:pPr>
+                <a:r>
+                  <a:rPr lang="ko-KR" altLang="en-US" dirty="0">
+                    <a:latin typeface="서울남산체 M" panose="02020603020101020101" pitchFamily="18" charset="-127"/>
+                    <a:ea typeface="서울남산체 M" panose="02020603020101020101" pitchFamily="18" charset="-127"/>
+                  </a:rPr>
+                  <a:t>이를 모두 넣어 방정식 </a:t>
+                </a:r>
+                <a14:m>
+                  <m:oMath xmlns:m="http://schemas.openxmlformats.org/officeDocument/2006/math">
+                    <m:r>
+                      <a:rPr lang="ko-KR" altLang="en-US" i="1">
+                        <a:latin typeface="Cambria Math" panose="02040503050406030204" pitchFamily="18" charset="0"/>
+                        <a:ea typeface="서울남산체 M" panose="02020603020101020101" pitchFamily="18" charset="-127"/>
+                      </a:rPr>
+                      <m:t>𝜙</m:t>
+                    </m:r>
+                    <m:d>
+                      <m:dPr>
+                        <m:ctrlPr>
+                          <a:rPr lang="en-US" altLang="ko-KR" i="1">
+                            <a:latin typeface="Cambria Math" panose="02040503050406030204" pitchFamily="18" charset="0"/>
+                            <a:ea typeface="서울남산체 M" panose="02020603020101020101" pitchFamily="18" charset="-127"/>
+                          </a:rPr>
+                        </m:ctrlPr>
+                      </m:dPr>
+                      <m:e>
+                        <m:sSub>
+                          <m:sSubPr>
+                            <m:ctrlPr>
+                              <a:rPr lang="en-US" altLang="ko-KR" i="1">
+                                <a:latin typeface="Cambria Math" panose="02040503050406030204" pitchFamily="18" charset="0"/>
+                                <a:ea typeface="서울남산체 M" panose="02020603020101020101" pitchFamily="18" charset="-127"/>
+                              </a:rPr>
+                            </m:ctrlPr>
+                          </m:sSubPr>
+                          <m:e>
+                            <m:r>
+                              <a:rPr lang="en-US" altLang="ko-KR" i="1">
+                                <a:latin typeface="Cambria Math" panose="02040503050406030204" pitchFamily="18" charset="0"/>
+                                <a:ea typeface="서울남산체 M" panose="02020603020101020101" pitchFamily="18" charset="-127"/>
+                              </a:rPr>
+                              <m:t>𝑝</m:t>
+                            </m:r>
+                          </m:e>
+                          <m:sub>
+                            <m:r>
+                              <a:rPr lang="en-US" altLang="ko-KR" i="1">
+                                <a:latin typeface="Cambria Math" panose="02040503050406030204" pitchFamily="18" charset="0"/>
+                                <a:ea typeface="서울남산체 M" panose="02020603020101020101" pitchFamily="18" charset="-127"/>
+                              </a:rPr>
+                              <m:t>𝑖</m:t>
+                            </m:r>
+                          </m:sub>
+                        </m:sSub>
+                        <m:r>
+                          <a:rPr lang="en-US" altLang="ko-KR" i="1">
+                            <a:latin typeface="Cambria Math" panose="02040503050406030204" pitchFamily="18" charset="0"/>
+                            <a:ea typeface="서울남산체 M" panose="02020603020101020101" pitchFamily="18" charset="-127"/>
+                          </a:rPr>
+                          <m:t>, </m:t>
+                        </m:r>
+                        <m:sSub>
+                          <m:sSubPr>
+                            <m:ctrlPr>
+                              <a:rPr lang="en-US" altLang="ko-KR" i="1">
+                                <a:latin typeface="Cambria Math" panose="02040503050406030204" pitchFamily="18" charset="0"/>
+                                <a:ea typeface="서울남산체 M" panose="02020603020101020101" pitchFamily="18" charset="-127"/>
+                              </a:rPr>
+                            </m:ctrlPr>
+                          </m:sSubPr>
+                          <m:e>
+                            <m:r>
+                              <a:rPr lang="en-US" altLang="ko-KR" i="1">
+                                <a:latin typeface="Cambria Math" panose="02040503050406030204" pitchFamily="18" charset="0"/>
+                                <a:ea typeface="서울남산체 M" panose="02020603020101020101" pitchFamily="18" charset="-127"/>
+                              </a:rPr>
+                              <m:t>𝑝</m:t>
+                            </m:r>
+                          </m:e>
+                          <m:sub>
+                            <m:r>
+                              <a:rPr lang="en-US" altLang="ko-KR" i="1">
+                                <a:latin typeface="Cambria Math" panose="02040503050406030204" pitchFamily="18" charset="0"/>
+                                <a:ea typeface="서울남산체 M" panose="02020603020101020101" pitchFamily="18" charset="-127"/>
+                              </a:rPr>
+                              <m:t>𝑜</m:t>
+                            </m:r>
+                          </m:sub>
+                        </m:sSub>
+                      </m:e>
+                    </m:d>
+                    <m:r>
+                      <a:rPr lang="en-US" altLang="ko-KR" i="1">
+                        <a:latin typeface="Cambria Math" panose="02040503050406030204" pitchFamily="18" charset="0"/>
+                        <a:ea typeface="서울남산체 M" panose="02020603020101020101" pitchFamily="18" charset="-127"/>
+                      </a:rPr>
+                      <m:t>=</m:t>
+                    </m:r>
+                    <m:f>
+                      <m:fPr>
+                        <m:ctrlPr>
+                          <a:rPr lang="en-US" altLang="ko-KR" i="1">
+                            <a:latin typeface="Cambria Math" panose="02040503050406030204" pitchFamily="18" charset="0"/>
+                            <a:ea typeface="서울남산체 M" panose="02020603020101020101" pitchFamily="18" charset="-127"/>
+                          </a:rPr>
+                        </m:ctrlPr>
+                      </m:fPr>
+                      <m:num>
+                        <m:r>
+                          <m:rPr>
+                            <m:sty m:val="p"/>
+                          </m:rPr>
+                          <a:rPr lang="el-GR" altLang="ko-KR" i="1">
+                            <a:latin typeface="Cambria Math" panose="02040503050406030204" pitchFamily="18" charset="0"/>
+                            <a:ea typeface="Cambria Math" panose="02040503050406030204" pitchFamily="18" charset="0"/>
+                          </a:rPr>
+                          <m:t>Φ</m:t>
+                        </m:r>
+                      </m:num>
+                      <m:den>
+                        <m:r>
+                          <a:rPr lang="en-US" altLang="ko-KR" i="1">
+                            <a:latin typeface="Cambria Math" panose="02040503050406030204" pitchFamily="18" charset="0"/>
+                            <a:ea typeface="서울남산체 M" panose="02020603020101020101" pitchFamily="18" charset="-127"/>
+                          </a:rPr>
+                          <m:t>4</m:t>
+                        </m:r>
+                        <m:r>
+                          <a:rPr lang="ko-KR" altLang="en-US" i="1">
+                            <a:latin typeface="Cambria Math" panose="02040503050406030204" pitchFamily="18" charset="0"/>
+                            <a:ea typeface="서울남산체 M" panose="02020603020101020101" pitchFamily="18" charset="-127"/>
+                          </a:rPr>
+                          <m:t>𝜋</m:t>
+                        </m:r>
+                        <m:r>
+                          <a:rPr lang="en-US" altLang="ko-KR" i="1">
+                            <a:latin typeface="Cambria Math" panose="02040503050406030204" pitchFamily="18" charset="0"/>
+                            <a:ea typeface="서울남산체 M" panose="02020603020101020101" pitchFamily="18" charset="-127"/>
+                          </a:rPr>
+                          <m:t>𝐷</m:t>
+                        </m:r>
+                      </m:den>
+                    </m:f>
+                    <m:d>
+                      <m:dPr>
+                        <m:ctrlPr>
+                          <a:rPr lang="en-US" altLang="ko-KR" i="1">
+                            <a:latin typeface="Cambria Math" panose="02040503050406030204" pitchFamily="18" charset="0"/>
+                            <a:ea typeface="서울남산체 M" panose="02020603020101020101" pitchFamily="18" charset="-127"/>
+                          </a:rPr>
+                        </m:ctrlPr>
+                      </m:dPr>
+                      <m:e>
+                        <m:f>
+                          <m:fPr>
+                            <m:ctrlPr>
+                              <a:rPr lang="en-US" altLang="ko-KR" i="1">
+                                <a:latin typeface="Cambria Math" panose="02040503050406030204" pitchFamily="18" charset="0"/>
+                                <a:ea typeface="서울남산체 M" panose="02020603020101020101" pitchFamily="18" charset="-127"/>
+                              </a:rPr>
+                            </m:ctrlPr>
+                          </m:fPr>
+                          <m:num>
+                            <m:sSup>
+                              <m:sSupPr>
+                                <m:ctrlPr>
+                                  <a:rPr lang="en-US" altLang="ko-KR" i="1">
+                                    <a:latin typeface="Cambria Math" panose="02040503050406030204" pitchFamily="18" charset="0"/>
+                                    <a:ea typeface="서울남산체 M" panose="02020603020101020101" pitchFamily="18" charset="-127"/>
+                                  </a:rPr>
+                                </m:ctrlPr>
+                              </m:sSupPr>
+                              <m:e>
+                                <m:r>
+                                  <a:rPr lang="en-US" altLang="ko-KR" i="1">
+                                    <a:latin typeface="Cambria Math" panose="02040503050406030204" pitchFamily="18" charset="0"/>
+                                    <a:ea typeface="서울남산체 M" panose="02020603020101020101" pitchFamily="18" charset="-127"/>
+                                  </a:rPr>
+                                  <m:t>𝑒</m:t>
+                                </m:r>
+                              </m:e>
+                              <m:sup>
+                                <m:r>
+                                  <a:rPr lang="en-US" altLang="ko-KR" i="1">
+                                    <a:latin typeface="Cambria Math" panose="02040503050406030204" pitchFamily="18" charset="0"/>
+                                    <a:ea typeface="서울남산체 M" panose="02020603020101020101" pitchFamily="18" charset="-127"/>
+                                  </a:rPr>
+                                  <m:t>−</m:t>
+                                </m:r>
+                                <m:sSub>
+                                  <m:sSubPr>
+                                    <m:ctrlPr>
+                                      <a:rPr lang="en-US" altLang="ko-KR" i="1">
+                                        <a:latin typeface="Cambria Math" panose="02040503050406030204" pitchFamily="18" charset="0"/>
+                                        <a:ea typeface="서울남산체 M" panose="02020603020101020101" pitchFamily="18" charset="-127"/>
+                                      </a:rPr>
+                                    </m:ctrlPr>
+                                  </m:sSubPr>
+                                  <m:e>
+                                    <m:r>
+                                      <a:rPr lang="ko-KR" altLang="en-US" i="1">
+                                        <a:latin typeface="Cambria Math" panose="02040503050406030204" pitchFamily="18" charset="0"/>
+                                        <a:ea typeface="서울남산체 M" panose="02020603020101020101" pitchFamily="18" charset="-127"/>
+                                      </a:rPr>
+                                      <m:t>𝜎</m:t>
+                                    </m:r>
+                                  </m:e>
+                                  <m:sub>
+                                    <m:r>
+                                      <m:rPr>
+                                        <m:sty m:val="p"/>
+                                      </m:rPr>
+                                      <a:rPr lang="en-US" altLang="ko-KR">
+                                        <a:latin typeface="Cambria Math" panose="02040503050406030204" pitchFamily="18" charset="0"/>
+                                        <a:ea typeface="서울남산체 M" panose="02020603020101020101" pitchFamily="18" charset="-127"/>
+                                      </a:rPr>
+                                      <m:t>tr</m:t>
+                                    </m:r>
+                                  </m:sub>
+                                </m:sSub>
+                                <m:sSup>
+                                  <m:sSupPr>
+                                    <m:ctrlPr>
+                                      <a:rPr lang="en-US" altLang="ko-KR" i="1">
+                                        <a:latin typeface="Cambria Math" panose="02040503050406030204" pitchFamily="18" charset="0"/>
+                                        <a:ea typeface="서울남산체 M" panose="02020603020101020101" pitchFamily="18" charset="-127"/>
+                                      </a:rPr>
+                                    </m:ctrlPr>
+                                  </m:sSupPr>
+                                  <m:e>
+                                    <m:r>
+                                      <a:rPr lang="en-US" altLang="ko-KR" i="1">
+                                        <a:latin typeface="Cambria Math" panose="02040503050406030204" pitchFamily="18" charset="0"/>
+                                        <a:ea typeface="서울남산체 M" panose="02020603020101020101" pitchFamily="18" charset="-127"/>
+                                      </a:rPr>
+                                      <m:t>𝑑</m:t>
+                                    </m:r>
+                                  </m:e>
+                                  <m:sup>
+                                    <m:r>
+                                      <a:rPr lang="en-US" altLang="ko-KR" i="1">
+                                        <a:latin typeface="Cambria Math" panose="02040503050406030204" pitchFamily="18" charset="0"/>
+                                        <a:ea typeface="서울남산체 M" panose="02020603020101020101" pitchFamily="18" charset="-127"/>
+                                      </a:rPr>
+                                      <m:t>+</m:t>
+                                    </m:r>
+                                  </m:sup>
+                                </m:sSup>
+                              </m:sup>
+                            </m:sSup>
+                          </m:num>
+                          <m:den>
+                            <m:sSup>
+                              <m:sSupPr>
+                                <m:ctrlPr>
+                                  <a:rPr lang="en-US" altLang="ko-KR" i="1">
+                                    <a:latin typeface="Cambria Math" panose="02040503050406030204" pitchFamily="18" charset="0"/>
+                                    <a:ea typeface="서울남산체 M" panose="02020603020101020101" pitchFamily="18" charset="-127"/>
+                                  </a:rPr>
+                                </m:ctrlPr>
+                              </m:sSupPr>
+                              <m:e>
+                                <m:r>
+                                  <a:rPr lang="en-US" altLang="ko-KR" i="1">
+                                    <a:latin typeface="Cambria Math" panose="02040503050406030204" pitchFamily="18" charset="0"/>
+                                    <a:ea typeface="서울남산체 M" panose="02020603020101020101" pitchFamily="18" charset="-127"/>
+                                  </a:rPr>
+                                  <m:t>𝑑</m:t>
+                                </m:r>
+                              </m:e>
+                              <m:sup>
+                                <m:r>
+                                  <a:rPr lang="en-US" altLang="ko-KR" i="1">
+                                    <a:latin typeface="Cambria Math" panose="02040503050406030204" pitchFamily="18" charset="0"/>
+                                    <a:ea typeface="서울남산체 M" panose="02020603020101020101" pitchFamily="18" charset="-127"/>
+                                  </a:rPr>
+                                  <m:t>+</m:t>
+                                </m:r>
+                              </m:sup>
+                            </m:sSup>
+                          </m:den>
+                        </m:f>
+                        <m:r>
+                          <a:rPr lang="en-US" altLang="ko-KR" i="1">
+                            <a:latin typeface="Cambria Math" panose="02040503050406030204" pitchFamily="18" charset="0"/>
+                            <a:ea typeface="서울남산체 M" panose="02020603020101020101" pitchFamily="18" charset="-127"/>
+                          </a:rPr>
+                          <m:t>−</m:t>
+                        </m:r>
+                        <m:f>
+                          <m:fPr>
+                            <m:ctrlPr>
+                              <a:rPr lang="en-US" altLang="ko-KR" i="1">
+                                <a:latin typeface="Cambria Math" panose="02040503050406030204" pitchFamily="18" charset="0"/>
+                                <a:ea typeface="서울남산체 M" panose="02020603020101020101" pitchFamily="18" charset="-127"/>
+                              </a:rPr>
+                            </m:ctrlPr>
+                          </m:fPr>
+                          <m:num>
+                            <m:sSup>
+                              <m:sSupPr>
+                                <m:ctrlPr>
+                                  <a:rPr lang="en-US" altLang="ko-KR" i="1">
+                                    <a:latin typeface="Cambria Math" panose="02040503050406030204" pitchFamily="18" charset="0"/>
+                                    <a:ea typeface="서울남산체 M" panose="02020603020101020101" pitchFamily="18" charset="-127"/>
+                                  </a:rPr>
+                                </m:ctrlPr>
+                              </m:sSupPr>
+                              <m:e>
+                                <m:r>
+                                  <a:rPr lang="en-US" altLang="ko-KR" i="1">
+                                    <a:latin typeface="Cambria Math" panose="02040503050406030204" pitchFamily="18" charset="0"/>
+                                    <a:ea typeface="서울남산체 M" panose="02020603020101020101" pitchFamily="18" charset="-127"/>
+                                  </a:rPr>
+                                  <m:t>𝑒</m:t>
+                                </m:r>
+                              </m:e>
+                              <m:sup>
+                                <m:r>
+                                  <a:rPr lang="en-US" altLang="ko-KR" i="1">
+                                    <a:latin typeface="Cambria Math" panose="02040503050406030204" pitchFamily="18" charset="0"/>
+                                    <a:ea typeface="서울남산체 M" panose="02020603020101020101" pitchFamily="18" charset="-127"/>
+                                  </a:rPr>
+                                  <m:t>−</m:t>
+                                </m:r>
+                                <m:sSub>
+                                  <m:sSubPr>
+                                    <m:ctrlPr>
+                                      <a:rPr lang="en-US" altLang="ko-KR" i="1">
+                                        <a:latin typeface="Cambria Math" panose="02040503050406030204" pitchFamily="18" charset="0"/>
+                                        <a:ea typeface="서울남산체 M" panose="02020603020101020101" pitchFamily="18" charset="-127"/>
+                                      </a:rPr>
+                                    </m:ctrlPr>
+                                  </m:sSubPr>
+                                  <m:e>
+                                    <m:r>
+                                      <a:rPr lang="ko-KR" altLang="en-US" i="1">
+                                        <a:latin typeface="Cambria Math" panose="02040503050406030204" pitchFamily="18" charset="0"/>
+                                        <a:ea typeface="서울남산체 M" panose="02020603020101020101" pitchFamily="18" charset="-127"/>
+                                      </a:rPr>
+                                      <m:t>𝜎</m:t>
+                                    </m:r>
+                                  </m:e>
+                                  <m:sub>
+                                    <m:r>
+                                      <m:rPr>
+                                        <m:sty m:val="p"/>
+                                      </m:rPr>
+                                      <a:rPr lang="en-US" altLang="ko-KR">
+                                        <a:latin typeface="Cambria Math" panose="02040503050406030204" pitchFamily="18" charset="0"/>
+                                        <a:ea typeface="서울남산체 M" panose="02020603020101020101" pitchFamily="18" charset="-127"/>
+                                      </a:rPr>
+                                      <m:t>tr</m:t>
+                                    </m:r>
+                                  </m:sub>
+                                </m:sSub>
+                                <m:sSup>
+                                  <m:sSupPr>
+                                    <m:ctrlPr>
+                                      <a:rPr lang="en-US" altLang="ko-KR" i="1">
+                                        <a:latin typeface="Cambria Math" panose="02040503050406030204" pitchFamily="18" charset="0"/>
+                                        <a:ea typeface="서울남산체 M" panose="02020603020101020101" pitchFamily="18" charset="-127"/>
+                                      </a:rPr>
+                                    </m:ctrlPr>
+                                  </m:sSupPr>
+                                  <m:e>
+                                    <m:r>
+                                      <a:rPr lang="en-US" altLang="ko-KR" i="1">
+                                        <a:latin typeface="Cambria Math" panose="02040503050406030204" pitchFamily="18" charset="0"/>
+                                        <a:ea typeface="서울남산체 M" panose="02020603020101020101" pitchFamily="18" charset="-127"/>
+                                      </a:rPr>
+                                      <m:t>𝑑</m:t>
+                                    </m:r>
+                                  </m:e>
+                                  <m:sup>
+                                    <m:r>
+                                      <a:rPr lang="en-US" altLang="ko-KR" i="1">
+                                        <a:latin typeface="Cambria Math" panose="02040503050406030204" pitchFamily="18" charset="0"/>
+                                        <a:ea typeface="서울남산체 M" panose="02020603020101020101" pitchFamily="18" charset="-127"/>
+                                      </a:rPr>
+                                      <m:t>−</m:t>
+                                    </m:r>
+                                  </m:sup>
+                                </m:sSup>
+                              </m:sup>
+                            </m:sSup>
+                          </m:num>
+                          <m:den>
+                            <m:sSup>
+                              <m:sSupPr>
+                                <m:ctrlPr>
+                                  <a:rPr lang="en-US" altLang="ko-KR" i="1">
+                                    <a:latin typeface="Cambria Math" panose="02040503050406030204" pitchFamily="18" charset="0"/>
+                                    <a:ea typeface="서울남산체 M" panose="02020603020101020101" pitchFamily="18" charset="-127"/>
+                                  </a:rPr>
+                                </m:ctrlPr>
+                              </m:sSupPr>
+                              <m:e>
+                                <m:r>
+                                  <a:rPr lang="en-US" altLang="ko-KR" i="1">
+                                    <a:latin typeface="Cambria Math" panose="02040503050406030204" pitchFamily="18" charset="0"/>
+                                    <a:ea typeface="서울남산체 M" panose="02020603020101020101" pitchFamily="18" charset="-127"/>
+                                  </a:rPr>
+                                  <m:t>𝑑</m:t>
+                                </m:r>
+                              </m:e>
+                              <m:sup>
+                                <m:r>
+                                  <a:rPr lang="en-US" altLang="ko-KR" i="1">
+                                    <a:latin typeface="Cambria Math" panose="02040503050406030204" pitchFamily="18" charset="0"/>
+                                    <a:ea typeface="서울남산체 M" panose="02020603020101020101" pitchFamily="18" charset="-127"/>
+                                  </a:rPr>
+                                  <m:t>−</m:t>
+                                </m:r>
+                              </m:sup>
+                            </m:sSup>
+                          </m:den>
+                        </m:f>
+                      </m:e>
+                    </m:d>
+                  </m:oMath>
+                </a14:m>
+                <a:r>
+                  <a:rPr lang="ko-KR" altLang="en-US" b="0" dirty="0">
+                    <a:latin typeface="서울남산체 M" panose="02020603020101020101" pitchFamily="18" charset="-127"/>
+                    <a:ea typeface="서울남산체 M" panose="02020603020101020101" pitchFamily="18" charset="-127"/>
+                  </a:rPr>
+                  <a:t>의 미분을 얻으면</a:t>
+                </a:r>
+                <a:br>
+                  <a:rPr lang="en-US" altLang="ko-KR" b="0" dirty="0">
+                    <a:latin typeface="서울남산체 M" panose="02020603020101020101" pitchFamily="18" charset="-127"/>
+                    <a:ea typeface="서울남산체 M" panose="02020603020101020101" pitchFamily="18" charset="-127"/>
+                  </a:rPr>
+                </a:br>
+                <a:r>
+                  <a:rPr lang="ko-KR" altLang="en-US" dirty="0">
+                    <a:latin typeface="서울남산체 M" panose="02020603020101020101" pitchFamily="18" charset="-127"/>
+                    <a:ea typeface="서울남산체 M" panose="02020603020101020101" pitchFamily="18" charset="-127"/>
+                  </a:rPr>
+                  <a:t>최종적으로 확산 표면 밑 반사에 대한 양극 근사를 얻을 수 있음</a:t>
+                </a:r>
+                <a:endParaRPr lang="en-US" altLang="ko-KR" dirty="0">
+                  <a:latin typeface="서울남산체 M" panose="02020603020101020101" pitchFamily="18" charset="-127"/>
+                  <a:ea typeface="서울남산체 M" panose="02020603020101020101" pitchFamily="18" charset="-127"/>
+                </a:endParaRPr>
+              </a:p>
+              <a:p>
+                <a:pPr marL="0" indent="0">
+                  <a:lnSpc>
+                    <a:spcPct val="100000"/>
+                  </a:lnSpc>
+                  <a:buNone/>
+                </a:pPr>
+                <a14:m>
+                  <m:oMathPara xmlns:m="http://schemas.openxmlformats.org/officeDocument/2006/math">
+                    <m:oMathParaPr>
+                      <m:jc m:val="centerGroup"/>
+                    </m:oMathParaPr>
+                    <m:oMath xmlns:m="http://schemas.openxmlformats.org/officeDocument/2006/math">
+                      <m:sSub>
+                        <m:sSubPr>
+                          <m:ctrlPr>
+                            <a:rPr lang="en-US" altLang="ko-KR" b="0" i="1" smtClean="0">
+                              <a:latin typeface="Cambria Math" panose="02040503050406030204" pitchFamily="18" charset="0"/>
+                              <a:ea typeface="서울남산체 M" panose="02020603020101020101" pitchFamily="18" charset="-127"/>
+                            </a:rPr>
+                          </m:ctrlPr>
+                        </m:sSubPr>
+                        <m:e>
+                          <m:r>
+                            <a:rPr lang="en-US" altLang="ko-KR" b="0" i="1" smtClean="0">
+                              <a:latin typeface="Cambria Math" panose="02040503050406030204" pitchFamily="18" charset="0"/>
+                              <a:ea typeface="서울남산체 M" panose="02020603020101020101" pitchFamily="18" charset="-127"/>
+                            </a:rPr>
+                            <m:t>𝑅</m:t>
+                          </m:r>
+                        </m:e>
+                        <m:sub>
+                          <m:r>
+                            <a:rPr lang="en-US" altLang="ko-KR" b="0" i="1" smtClean="0">
+                              <a:latin typeface="Cambria Math" panose="02040503050406030204" pitchFamily="18" charset="0"/>
+                              <a:ea typeface="서울남산체 M" panose="02020603020101020101" pitchFamily="18" charset="-127"/>
+                            </a:rPr>
+                            <m:t>𝑑</m:t>
+                          </m:r>
+                        </m:sub>
+                      </m:sSub>
+                      <m:d>
+                        <m:dPr>
+                          <m:ctrlPr>
+                            <a:rPr lang="en-US" altLang="ko-KR" b="0" i="1" smtClean="0">
+                              <a:latin typeface="Cambria Math" panose="02040503050406030204" pitchFamily="18" charset="0"/>
+                              <a:ea typeface="서울남산체 M" panose="02020603020101020101" pitchFamily="18" charset="-127"/>
+                            </a:rPr>
+                          </m:ctrlPr>
+                        </m:dPr>
+                        <m:e>
+                          <m:sSub>
+                            <m:sSubPr>
+                              <m:ctrlPr>
+                                <a:rPr lang="en-US" altLang="ko-KR" b="0" i="1" smtClean="0">
+                                  <a:latin typeface="Cambria Math" panose="02040503050406030204" pitchFamily="18" charset="0"/>
+                                  <a:ea typeface="서울남산체 M" panose="02020603020101020101" pitchFamily="18" charset="-127"/>
+                                </a:rPr>
+                              </m:ctrlPr>
+                            </m:sSubPr>
+                            <m:e>
+                              <m:r>
+                                <a:rPr lang="en-US" altLang="ko-KR" b="0" i="1" smtClean="0">
+                                  <a:latin typeface="Cambria Math" panose="02040503050406030204" pitchFamily="18" charset="0"/>
+                                  <a:ea typeface="서울남산체 M" panose="02020603020101020101" pitchFamily="18" charset="-127"/>
+                                </a:rPr>
+                                <m:t>𝑝</m:t>
+                              </m:r>
+                            </m:e>
+                            <m:sub>
+                              <m:r>
+                                <a:rPr lang="en-US" altLang="ko-KR" b="0" i="1" smtClean="0">
+                                  <a:latin typeface="Cambria Math" panose="02040503050406030204" pitchFamily="18" charset="0"/>
+                                  <a:ea typeface="서울남산체 M" panose="02020603020101020101" pitchFamily="18" charset="-127"/>
+                                </a:rPr>
+                                <m:t>𝑖</m:t>
+                              </m:r>
+                            </m:sub>
+                          </m:sSub>
+                          <m:r>
+                            <a:rPr lang="en-US" altLang="ko-KR" b="0" i="1" smtClean="0">
+                              <a:latin typeface="Cambria Math" panose="02040503050406030204" pitchFamily="18" charset="0"/>
+                              <a:ea typeface="서울남산체 M" panose="02020603020101020101" pitchFamily="18" charset="-127"/>
+                            </a:rPr>
+                            <m:t>, </m:t>
+                          </m:r>
+                          <m:sSub>
+                            <m:sSubPr>
+                              <m:ctrlPr>
+                                <a:rPr lang="en-US" altLang="ko-KR" b="0" i="1" smtClean="0">
+                                  <a:latin typeface="Cambria Math" panose="02040503050406030204" pitchFamily="18" charset="0"/>
+                                  <a:ea typeface="서울남산체 M" panose="02020603020101020101" pitchFamily="18" charset="-127"/>
+                                </a:rPr>
+                              </m:ctrlPr>
+                            </m:sSubPr>
+                            <m:e>
+                              <m:r>
+                                <a:rPr lang="en-US" altLang="ko-KR" b="0" i="1" smtClean="0">
+                                  <a:latin typeface="Cambria Math" panose="02040503050406030204" pitchFamily="18" charset="0"/>
+                                  <a:ea typeface="서울남산체 M" panose="02020603020101020101" pitchFamily="18" charset="-127"/>
+                                </a:rPr>
+                                <m:t>𝑝</m:t>
+                              </m:r>
+                            </m:e>
+                            <m:sub>
+                              <m:r>
+                                <a:rPr lang="en-US" altLang="ko-KR" b="0" i="1" smtClean="0">
+                                  <a:latin typeface="Cambria Math" panose="02040503050406030204" pitchFamily="18" charset="0"/>
+                                  <a:ea typeface="서울남산체 M" panose="02020603020101020101" pitchFamily="18" charset="-127"/>
+                                </a:rPr>
+                                <m:t>𝑜</m:t>
+                              </m:r>
+                            </m:sub>
+                          </m:sSub>
+                        </m:e>
+                      </m:d>
+                      <m:r>
+                        <a:rPr lang="en-US" altLang="ko-KR" b="0" i="1" smtClean="0">
+                          <a:latin typeface="Cambria Math" panose="02040503050406030204" pitchFamily="18" charset="0"/>
+                          <a:ea typeface="서울남산체 M" panose="02020603020101020101" pitchFamily="18" charset="-127"/>
+                        </a:rPr>
+                        <m:t>=</m:t>
+                      </m:r>
+                      <m:f>
+                        <m:fPr>
+                          <m:ctrlPr>
+                            <a:rPr lang="en-US" altLang="ko-KR" b="0" i="1" smtClean="0">
+                              <a:latin typeface="Cambria Math" panose="02040503050406030204" pitchFamily="18" charset="0"/>
+                              <a:ea typeface="서울남산체 M" panose="02020603020101020101" pitchFamily="18" charset="-127"/>
+                            </a:rPr>
+                          </m:ctrlPr>
+                        </m:fPr>
+                        <m:num>
+                          <m:r>
+                            <a:rPr lang="en-US" altLang="ko-KR" b="0" i="1" smtClean="0">
+                              <a:latin typeface="Cambria Math" panose="02040503050406030204" pitchFamily="18" charset="0"/>
+                              <a:ea typeface="서울남산체 M" panose="02020603020101020101" pitchFamily="18" charset="-127"/>
+                            </a:rPr>
+                            <m:t>1</m:t>
+                          </m:r>
+                        </m:num>
+                        <m:den>
+                          <m:r>
+                            <a:rPr lang="en-US" altLang="ko-KR" b="0" i="1" smtClean="0">
+                              <a:latin typeface="Cambria Math" panose="02040503050406030204" pitchFamily="18" charset="0"/>
+                              <a:ea typeface="서울남산체 M" panose="02020603020101020101" pitchFamily="18" charset="-127"/>
+                            </a:rPr>
+                            <m:t>4</m:t>
+                          </m:r>
+                          <m:r>
+                            <a:rPr lang="ko-KR" altLang="en-US" b="0" i="1" smtClean="0">
+                              <a:latin typeface="Cambria Math" panose="02040503050406030204" pitchFamily="18" charset="0"/>
+                              <a:ea typeface="서울남산체 M" panose="02020603020101020101" pitchFamily="18" charset="-127"/>
+                            </a:rPr>
+                            <m:t>𝜋</m:t>
+                          </m:r>
+                        </m:den>
+                      </m:f>
+                      <m:d>
+                        <m:dPr>
+                          <m:ctrlPr>
+                            <a:rPr lang="en-US" altLang="ko-KR" b="0" i="1" smtClean="0">
+                              <a:latin typeface="Cambria Math" panose="02040503050406030204" pitchFamily="18" charset="0"/>
+                              <a:ea typeface="서울남산체 M" panose="02020603020101020101" pitchFamily="18" charset="-127"/>
+                            </a:rPr>
+                          </m:ctrlPr>
+                        </m:dPr>
+                        <m:e>
+                          <m:f>
+                            <m:fPr>
+                              <m:ctrlPr>
+                                <a:rPr lang="en-US" altLang="ko-KR" b="0" i="1" smtClean="0">
+                                  <a:latin typeface="Cambria Math" panose="02040503050406030204" pitchFamily="18" charset="0"/>
+                                  <a:ea typeface="서울남산체 M" panose="02020603020101020101" pitchFamily="18" charset="-127"/>
+                                </a:rPr>
+                              </m:ctrlPr>
+                            </m:fPr>
+                            <m:num>
+                              <m:sSup>
+                                <m:sSupPr>
+                                  <m:ctrlPr>
+                                    <a:rPr lang="en-US" altLang="ko-KR" b="0" i="1" smtClean="0">
+                                      <a:latin typeface="Cambria Math" panose="02040503050406030204" pitchFamily="18" charset="0"/>
+                                      <a:ea typeface="서울남산체 M" panose="02020603020101020101" pitchFamily="18" charset="-127"/>
+                                    </a:rPr>
+                                  </m:ctrlPr>
+                                </m:sSupPr>
+                                <m:e>
+                                  <m:r>
+                                    <a:rPr lang="en-US" altLang="ko-KR" b="0" i="1" smtClean="0">
+                                      <a:latin typeface="Cambria Math" panose="02040503050406030204" pitchFamily="18" charset="0"/>
+                                      <a:ea typeface="서울남산체 M" panose="02020603020101020101" pitchFamily="18" charset="-127"/>
+                                    </a:rPr>
+                                    <m:t>𝑧</m:t>
+                                  </m:r>
+                                </m:e>
+                                <m:sup>
+                                  <m:r>
+                                    <a:rPr lang="en-US" altLang="ko-KR" b="0" i="1" smtClean="0">
+                                      <a:latin typeface="Cambria Math" panose="02040503050406030204" pitchFamily="18" charset="0"/>
+                                      <a:ea typeface="서울남산체 M" panose="02020603020101020101" pitchFamily="18" charset="-127"/>
+                                    </a:rPr>
+                                    <m:t>+</m:t>
+                                  </m:r>
+                                </m:sup>
+                              </m:sSup>
+                              <m:d>
+                                <m:dPr>
+                                  <m:ctrlPr>
+                                    <a:rPr lang="en-US" altLang="ko-KR" b="0" i="1" smtClean="0">
+                                      <a:latin typeface="Cambria Math" panose="02040503050406030204" pitchFamily="18" charset="0"/>
+                                      <a:ea typeface="서울남산체 M" panose="02020603020101020101" pitchFamily="18" charset="-127"/>
+                                    </a:rPr>
+                                  </m:ctrlPr>
+                                </m:dPr>
+                                <m:e>
+                                  <m:sSup>
+                                    <m:sSupPr>
+                                      <m:ctrlPr>
+                                        <a:rPr lang="en-US" altLang="ko-KR" b="0" i="1" smtClean="0">
+                                          <a:latin typeface="Cambria Math" panose="02040503050406030204" pitchFamily="18" charset="0"/>
+                                          <a:ea typeface="서울남산체 M" panose="02020603020101020101" pitchFamily="18" charset="-127"/>
+                                        </a:rPr>
+                                      </m:ctrlPr>
+                                    </m:sSupPr>
+                                    <m:e>
+                                      <m:r>
+                                        <a:rPr lang="en-US" altLang="ko-KR" b="0" i="1" smtClean="0">
+                                          <a:latin typeface="Cambria Math" panose="02040503050406030204" pitchFamily="18" charset="0"/>
+                                          <a:ea typeface="서울남산체 M" panose="02020603020101020101" pitchFamily="18" charset="-127"/>
+                                        </a:rPr>
+                                        <m:t>𝑑</m:t>
+                                      </m:r>
+                                    </m:e>
+                                    <m:sup>
+                                      <m:r>
+                                        <a:rPr lang="en-US" altLang="ko-KR" b="0" i="1" smtClean="0">
+                                          <a:latin typeface="Cambria Math" panose="02040503050406030204" pitchFamily="18" charset="0"/>
+                                          <a:ea typeface="서울남산체 M" panose="02020603020101020101" pitchFamily="18" charset="-127"/>
+                                        </a:rPr>
+                                        <m:t>+</m:t>
+                                      </m:r>
+                                    </m:sup>
+                                  </m:sSup>
+                                  <m:sSub>
+                                    <m:sSubPr>
+                                      <m:ctrlPr>
+                                        <a:rPr lang="en-US" altLang="ko-KR" b="0" i="1" smtClean="0">
+                                          <a:latin typeface="Cambria Math" panose="02040503050406030204" pitchFamily="18" charset="0"/>
+                                          <a:ea typeface="서울남산체 M" panose="02020603020101020101" pitchFamily="18" charset="-127"/>
+                                        </a:rPr>
+                                      </m:ctrlPr>
+                                    </m:sSubPr>
+                                    <m:e>
+                                      <m:r>
+                                        <a:rPr lang="ko-KR" altLang="en-US" b="0" i="1" smtClean="0">
+                                          <a:latin typeface="Cambria Math" panose="02040503050406030204" pitchFamily="18" charset="0"/>
+                                          <a:ea typeface="서울남산체 M" panose="02020603020101020101" pitchFamily="18" charset="-127"/>
+                                        </a:rPr>
+                                        <m:t>𝜎</m:t>
+                                      </m:r>
+                                    </m:e>
+                                    <m:sub>
+                                      <m:r>
+                                        <m:rPr>
+                                          <m:sty m:val="p"/>
+                                        </m:rPr>
+                                        <a:rPr lang="en-US" altLang="ko-KR" b="0" i="0" smtClean="0">
+                                          <a:latin typeface="Cambria Math" panose="02040503050406030204" pitchFamily="18" charset="0"/>
+                                          <a:ea typeface="서울남산체 M" panose="02020603020101020101" pitchFamily="18" charset="-127"/>
+                                        </a:rPr>
+                                        <m:t>tr</m:t>
+                                      </m:r>
+                                    </m:sub>
+                                  </m:sSub>
+                                  <m:r>
+                                    <a:rPr lang="en-US" altLang="ko-KR" b="0" i="1" smtClean="0">
+                                      <a:latin typeface="Cambria Math" panose="02040503050406030204" pitchFamily="18" charset="0"/>
+                                      <a:ea typeface="서울남산체 M" panose="02020603020101020101" pitchFamily="18" charset="-127"/>
+                                    </a:rPr>
+                                    <m:t>+1</m:t>
+                                  </m:r>
+                                </m:e>
+                              </m:d>
+                              <m:sSup>
+                                <m:sSupPr>
+                                  <m:ctrlPr>
+                                    <a:rPr lang="en-US" altLang="ko-KR" i="1">
+                                      <a:latin typeface="Cambria Math" panose="02040503050406030204" pitchFamily="18" charset="0"/>
+                                      <a:ea typeface="서울남산체 M" panose="02020603020101020101" pitchFamily="18" charset="-127"/>
+                                    </a:rPr>
+                                  </m:ctrlPr>
+                                </m:sSupPr>
+                                <m:e>
+                                  <m:r>
+                                    <a:rPr lang="en-US" altLang="ko-KR" i="1">
+                                      <a:latin typeface="Cambria Math" panose="02040503050406030204" pitchFamily="18" charset="0"/>
+                                      <a:ea typeface="서울남산체 M" panose="02020603020101020101" pitchFamily="18" charset="-127"/>
+                                    </a:rPr>
+                                    <m:t>𝑒</m:t>
+                                  </m:r>
+                                </m:e>
+                                <m:sup>
+                                  <m:r>
+                                    <a:rPr lang="en-US" altLang="ko-KR" i="1">
+                                      <a:latin typeface="Cambria Math" panose="02040503050406030204" pitchFamily="18" charset="0"/>
+                                      <a:ea typeface="서울남산체 M" panose="02020603020101020101" pitchFamily="18" charset="-127"/>
+                                    </a:rPr>
+                                    <m:t>−</m:t>
+                                  </m:r>
+                                  <m:sSub>
+                                    <m:sSubPr>
+                                      <m:ctrlPr>
+                                        <a:rPr lang="en-US" altLang="ko-KR" i="1">
+                                          <a:latin typeface="Cambria Math" panose="02040503050406030204" pitchFamily="18" charset="0"/>
+                                          <a:ea typeface="서울남산체 M" panose="02020603020101020101" pitchFamily="18" charset="-127"/>
+                                        </a:rPr>
+                                      </m:ctrlPr>
+                                    </m:sSubPr>
+                                    <m:e>
+                                      <m:r>
+                                        <a:rPr lang="ko-KR" altLang="en-US" i="1">
+                                          <a:latin typeface="Cambria Math" panose="02040503050406030204" pitchFamily="18" charset="0"/>
+                                          <a:ea typeface="서울남산체 M" panose="02020603020101020101" pitchFamily="18" charset="-127"/>
+                                        </a:rPr>
+                                        <m:t>𝜎</m:t>
+                                      </m:r>
+                                    </m:e>
+                                    <m:sub>
+                                      <m:r>
+                                        <m:rPr>
+                                          <m:sty m:val="p"/>
+                                        </m:rPr>
+                                        <a:rPr lang="en-US" altLang="ko-KR">
+                                          <a:latin typeface="Cambria Math" panose="02040503050406030204" pitchFamily="18" charset="0"/>
+                                          <a:ea typeface="서울남산체 M" panose="02020603020101020101" pitchFamily="18" charset="-127"/>
+                                        </a:rPr>
+                                        <m:t>tr</m:t>
+                                      </m:r>
+                                    </m:sub>
+                                  </m:sSub>
+                                  <m:sSup>
+                                    <m:sSupPr>
+                                      <m:ctrlPr>
+                                        <a:rPr lang="en-US" altLang="ko-KR" i="1">
+                                          <a:latin typeface="Cambria Math" panose="02040503050406030204" pitchFamily="18" charset="0"/>
+                                          <a:ea typeface="서울남산체 M" panose="02020603020101020101" pitchFamily="18" charset="-127"/>
+                                        </a:rPr>
+                                      </m:ctrlPr>
+                                    </m:sSupPr>
+                                    <m:e>
+                                      <m:r>
+                                        <a:rPr lang="en-US" altLang="ko-KR" i="1">
+                                          <a:latin typeface="Cambria Math" panose="02040503050406030204" pitchFamily="18" charset="0"/>
+                                          <a:ea typeface="서울남산체 M" panose="02020603020101020101" pitchFamily="18" charset="-127"/>
+                                        </a:rPr>
+                                        <m:t>𝑑</m:t>
+                                      </m:r>
+                                    </m:e>
+                                    <m:sup>
+                                      <m:r>
+                                        <a:rPr lang="en-US" altLang="ko-KR" i="1">
+                                          <a:latin typeface="Cambria Math" panose="02040503050406030204" pitchFamily="18" charset="0"/>
+                                          <a:ea typeface="서울남산체 M" panose="02020603020101020101" pitchFamily="18" charset="-127"/>
+                                        </a:rPr>
+                                        <m:t>+</m:t>
+                                      </m:r>
+                                    </m:sup>
+                                  </m:sSup>
+                                </m:sup>
+                              </m:sSup>
+                            </m:num>
+                            <m:den>
+                              <m:sSup>
+                                <m:sSupPr>
+                                  <m:ctrlPr>
+                                    <a:rPr lang="en-US" altLang="ko-KR" b="0" i="1" smtClean="0">
+                                      <a:latin typeface="Cambria Math" panose="02040503050406030204" pitchFamily="18" charset="0"/>
+                                      <a:ea typeface="서울남산체 M" panose="02020603020101020101" pitchFamily="18" charset="-127"/>
+                                    </a:rPr>
+                                  </m:ctrlPr>
+                                </m:sSupPr>
+                                <m:e>
+                                  <m:d>
+                                    <m:dPr>
+                                      <m:ctrlPr>
+                                        <a:rPr lang="en-US" altLang="ko-KR" b="0" i="1" smtClean="0">
+                                          <a:latin typeface="Cambria Math" panose="02040503050406030204" pitchFamily="18" charset="0"/>
+                                          <a:ea typeface="서울남산체 M" panose="02020603020101020101" pitchFamily="18" charset="-127"/>
+                                        </a:rPr>
+                                      </m:ctrlPr>
+                                    </m:dPr>
+                                    <m:e>
+                                      <m:sSup>
+                                        <m:sSupPr>
+                                          <m:ctrlPr>
+                                            <a:rPr lang="en-US" altLang="ko-KR" b="0" i="1" smtClean="0">
+                                              <a:latin typeface="Cambria Math" panose="02040503050406030204" pitchFamily="18" charset="0"/>
+                                              <a:ea typeface="서울남산체 M" panose="02020603020101020101" pitchFamily="18" charset="-127"/>
+                                            </a:rPr>
+                                          </m:ctrlPr>
+                                        </m:sSupPr>
+                                        <m:e>
+                                          <m:r>
+                                            <a:rPr lang="en-US" altLang="ko-KR" b="0" i="1" smtClean="0">
+                                              <a:latin typeface="Cambria Math" panose="02040503050406030204" pitchFamily="18" charset="0"/>
+                                              <a:ea typeface="서울남산체 M" panose="02020603020101020101" pitchFamily="18" charset="-127"/>
+                                            </a:rPr>
+                                            <m:t>𝑑</m:t>
+                                          </m:r>
+                                        </m:e>
+                                        <m:sup>
+                                          <m:r>
+                                            <a:rPr lang="en-US" altLang="ko-KR" b="0" i="1" smtClean="0">
+                                              <a:latin typeface="Cambria Math" panose="02040503050406030204" pitchFamily="18" charset="0"/>
+                                              <a:ea typeface="서울남산체 M" panose="02020603020101020101" pitchFamily="18" charset="-127"/>
+                                            </a:rPr>
+                                            <m:t>+</m:t>
+                                          </m:r>
+                                        </m:sup>
+                                      </m:sSup>
+                                    </m:e>
+                                  </m:d>
+                                </m:e>
+                                <m:sup>
+                                  <m:r>
+                                    <a:rPr lang="en-US" altLang="ko-KR" b="0" i="1" smtClean="0">
+                                      <a:latin typeface="Cambria Math" panose="02040503050406030204" pitchFamily="18" charset="0"/>
+                                      <a:ea typeface="서울남산체 M" panose="02020603020101020101" pitchFamily="18" charset="-127"/>
+                                    </a:rPr>
+                                    <m:t>3</m:t>
+                                  </m:r>
+                                </m:sup>
+                              </m:sSup>
+                            </m:den>
+                          </m:f>
+                          <m:r>
+                            <a:rPr lang="en-US" altLang="ko-KR" b="0" i="1" smtClean="0">
+                              <a:latin typeface="Cambria Math" panose="02040503050406030204" pitchFamily="18" charset="0"/>
+                              <a:ea typeface="서울남산체 M" panose="02020603020101020101" pitchFamily="18" charset="-127"/>
+                            </a:rPr>
+                            <m:t>−</m:t>
+                          </m:r>
+                          <m:f>
+                            <m:fPr>
+                              <m:ctrlPr>
+                                <a:rPr lang="en-US" altLang="ko-KR" i="1">
+                                  <a:latin typeface="Cambria Math" panose="02040503050406030204" pitchFamily="18" charset="0"/>
+                                  <a:ea typeface="서울남산체 M" panose="02020603020101020101" pitchFamily="18" charset="-127"/>
+                                </a:rPr>
+                              </m:ctrlPr>
+                            </m:fPr>
+                            <m:num>
+                              <m:sSup>
+                                <m:sSupPr>
+                                  <m:ctrlPr>
+                                    <a:rPr lang="en-US" altLang="ko-KR" i="1">
+                                      <a:latin typeface="Cambria Math" panose="02040503050406030204" pitchFamily="18" charset="0"/>
+                                      <a:ea typeface="서울남산체 M" panose="02020603020101020101" pitchFamily="18" charset="-127"/>
+                                    </a:rPr>
+                                  </m:ctrlPr>
+                                </m:sSupPr>
+                                <m:e>
+                                  <m:r>
+                                    <a:rPr lang="en-US" altLang="ko-KR" i="1">
+                                      <a:latin typeface="Cambria Math" panose="02040503050406030204" pitchFamily="18" charset="0"/>
+                                      <a:ea typeface="서울남산체 M" panose="02020603020101020101" pitchFamily="18" charset="-127"/>
+                                    </a:rPr>
+                                    <m:t>𝑧</m:t>
+                                  </m:r>
+                                </m:e>
+                                <m:sup>
+                                  <m:r>
+                                    <a:rPr lang="en-US" altLang="ko-KR" b="0" i="1" smtClean="0">
+                                      <a:latin typeface="Cambria Math" panose="02040503050406030204" pitchFamily="18" charset="0"/>
+                                      <a:ea typeface="서울남산체 M" panose="02020603020101020101" pitchFamily="18" charset="-127"/>
+                                    </a:rPr>
+                                    <m:t>−</m:t>
+                                  </m:r>
+                                </m:sup>
+                              </m:sSup>
+                              <m:d>
+                                <m:dPr>
+                                  <m:ctrlPr>
+                                    <a:rPr lang="en-US" altLang="ko-KR" i="1">
+                                      <a:latin typeface="Cambria Math" panose="02040503050406030204" pitchFamily="18" charset="0"/>
+                                      <a:ea typeface="서울남산체 M" panose="02020603020101020101" pitchFamily="18" charset="-127"/>
+                                    </a:rPr>
+                                  </m:ctrlPr>
+                                </m:dPr>
+                                <m:e>
+                                  <m:sSup>
+                                    <m:sSupPr>
+                                      <m:ctrlPr>
+                                        <a:rPr lang="en-US" altLang="ko-KR" i="1">
+                                          <a:latin typeface="Cambria Math" panose="02040503050406030204" pitchFamily="18" charset="0"/>
+                                          <a:ea typeface="서울남산체 M" panose="02020603020101020101" pitchFamily="18" charset="-127"/>
+                                        </a:rPr>
+                                      </m:ctrlPr>
+                                    </m:sSupPr>
+                                    <m:e>
+                                      <m:r>
+                                        <a:rPr lang="en-US" altLang="ko-KR" i="1">
+                                          <a:latin typeface="Cambria Math" panose="02040503050406030204" pitchFamily="18" charset="0"/>
+                                          <a:ea typeface="서울남산체 M" panose="02020603020101020101" pitchFamily="18" charset="-127"/>
+                                        </a:rPr>
+                                        <m:t>𝑑</m:t>
+                                      </m:r>
+                                    </m:e>
+                                    <m:sup>
+                                      <m:r>
+                                        <a:rPr lang="en-US" altLang="ko-KR" b="0" i="1" smtClean="0">
+                                          <a:latin typeface="Cambria Math" panose="02040503050406030204" pitchFamily="18" charset="0"/>
+                                          <a:ea typeface="서울남산체 M" panose="02020603020101020101" pitchFamily="18" charset="-127"/>
+                                        </a:rPr>
+                                        <m:t>−</m:t>
+                                      </m:r>
+                                    </m:sup>
+                                  </m:sSup>
+                                  <m:sSub>
+                                    <m:sSubPr>
+                                      <m:ctrlPr>
+                                        <a:rPr lang="en-US" altLang="ko-KR" i="1">
+                                          <a:latin typeface="Cambria Math" panose="02040503050406030204" pitchFamily="18" charset="0"/>
+                                          <a:ea typeface="서울남산체 M" panose="02020603020101020101" pitchFamily="18" charset="-127"/>
+                                        </a:rPr>
+                                      </m:ctrlPr>
+                                    </m:sSubPr>
+                                    <m:e>
+                                      <m:r>
+                                        <a:rPr lang="ko-KR" altLang="en-US" i="1">
+                                          <a:latin typeface="Cambria Math" panose="02040503050406030204" pitchFamily="18" charset="0"/>
+                                          <a:ea typeface="서울남산체 M" panose="02020603020101020101" pitchFamily="18" charset="-127"/>
+                                        </a:rPr>
+                                        <m:t>𝜎</m:t>
+                                      </m:r>
+                                    </m:e>
+                                    <m:sub>
+                                      <m:r>
+                                        <m:rPr>
+                                          <m:sty m:val="p"/>
+                                        </m:rPr>
+                                        <a:rPr lang="en-US" altLang="ko-KR">
+                                          <a:latin typeface="Cambria Math" panose="02040503050406030204" pitchFamily="18" charset="0"/>
+                                          <a:ea typeface="서울남산체 M" panose="02020603020101020101" pitchFamily="18" charset="-127"/>
+                                        </a:rPr>
+                                        <m:t>tr</m:t>
+                                      </m:r>
+                                    </m:sub>
+                                  </m:sSub>
+                                  <m:r>
+                                    <a:rPr lang="en-US" altLang="ko-KR" i="1">
+                                      <a:latin typeface="Cambria Math" panose="02040503050406030204" pitchFamily="18" charset="0"/>
+                                      <a:ea typeface="서울남산체 M" panose="02020603020101020101" pitchFamily="18" charset="-127"/>
+                                    </a:rPr>
+                                    <m:t>+1</m:t>
+                                  </m:r>
+                                </m:e>
+                              </m:d>
+                              <m:sSup>
+                                <m:sSupPr>
+                                  <m:ctrlPr>
+                                    <a:rPr lang="en-US" altLang="ko-KR" i="1">
+                                      <a:latin typeface="Cambria Math" panose="02040503050406030204" pitchFamily="18" charset="0"/>
+                                      <a:ea typeface="서울남산체 M" panose="02020603020101020101" pitchFamily="18" charset="-127"/>
+                                    </a:rPr>
+                                  </m:ctrlPr>
+                                </m:sSupPr>
+                                <m:e>
+                                  <m:r>
+                                    <a:rPr lang="en-US" altLang="ko-KR" i="1">
+                                      <a:latin typeface="Cambria Math" panose="02040503050406030204" pitchFamily="18" charset="0"/>
+                                      <a:ea typeface="서울남산체 M" panose="02020603020101020101" pitchFamily="18" charset="-127"/>
+                                    </a:rPr>
+                                    <m:t>𝑒</m:t>
+                                  </m:r>
+                                </m:e>
+                                <m:sup>
+                                  <m:r>
+                                    <a:rPr lang="en-US" altLang="ko-KR" i="1">
+                                      <a:latin typeface="Cambria Math" panose="02040503050406030204" pitchFamily="18" charset="0"/>
+                                      <a:ea typeface="서울남산체 M" panose="02020603020101020101" pitchFamily="18" charset="-127"/>
+                                    </a:rPr>
+                                    <m:t>−</m:t>
+                                  </m:r>
+                                  <m:sSub>
+                                    <m:sSubPr>
+                                      <m:ctrlPr>
+                                        <a:rPr lang="en-US" altLang="ko-KR" i="1">
+                                          <a:latin typeface="Cambria Math" panose="02040503050406030204" pitchFamily="18" charset="0"/>
+                                          <a:ea typeface="서울남산체 M" panose="02020603020101020101" pitchFamily="18" charset="-127"/>
+                                        </a:rPr>
+                                      </m:ctrlPr>
+                                    </m:sSubPr>
+                                    <m:e>
+                                      <m:r>
+                                        <a:rPr lang="ko-KR" altLang="en-US" i="1">
+                                          <a:latin typeface="Cambria Math" panose="02040503050406030204" pitchFamily="18" charset="0"/>
+                                          <a:ea typeface="서울남산체 M" panose="02020603020101020101" pitchFamily="18" charset="-127"/>
+                                        </a:rPr>
+                                        <m:t>𝜎</m:t>
+                                      </m:r>
+                                    </m:e>
+                                    <m:sub>
+                                      <m:r>
+                                        <m:rPr>
+                                          <m:sty m:val="p"/>
+                                        </m:rPr>
+                                        <a:rPr lang="en-US" altLang="ko-KR">
+                                          <a:latin typeface="Cambria Math" panose="02040503050406030204" pitchFamily="18" charset="0"/>
+                                          <a:ea typeface="서울남산체 M" panose="02020603020101020101" pitchFamily="18" charset="-127"/>
+                                        </a:rPr>
+                                        <m:t>tr</m:t>
+                                      </m:r>
+                                    </m:sub>
+                                  </m:sSub>
+                                  <m:sSup>
+                                    <m:sSupPr>
+                                      <m:ctrlPr>
+                                        <a:rPr lang="en-US" altLang="ko-KR" i="1">
+                                          <a:latin typeface="Cambria Math" panose="02040503050406030204" pitchFamily="18" charset="0"/>
+                                          <a:ea typeface="서울남산체 M" panose="02020603020101020101" pitchFamily="18" charset="-127"/>
+                                        </a:rPr>
+                                      </m:ctrlPr>
+                                    </m:sSupPr>
+                                    <m:e>
+                                      <m:r>
+                                        <a:rPr lang="en-US" altLang="ko-KR" i="1">
+                                          <a:latin typeface="Cambria Math" panose="02040503050406030204" pitchFamily="18" charset="0"/>
+                                          <a:ea typeface="서울남산체 M" panose="02020603020101020101" pitchFamily="18" charset="-127"/>
+                                        </a:rPr>
+                                        <m:t>𝑑</m:t>
+                                      </m:r>
+                                    </m:e>
+                                    <m:sup>
+                                      <m:r>
+                                        <a:rPr lang="en-US" altLang="ko-KR" b="0" i="1" smtClean="0">
+                                          <a:latin typeface="Cambria Math" panose="02040503050406030204" pitchFamily="18" charset="0"/>
+                                          <a:ea typeface="서울남산체 M" panose="02020603020101020101" pitchFamily="18" charset="-127"/>
+                                        </a:rPr>
+                                        <m:t>−</m:t>
+                                      </m:r>
+                                    </m:sup>
+                                  </m:sSup>
+                                </m:sup>
+                              </m:sSup>
+                            </m:num>
+                            <m:den>
+                              <m:sSup>
+                                <m:sSupPr>
+                                  <m:ctrlPr>
+                                    <a:rPr lang="en-US" altLang="ko-KR" i="1">
+                                      <a:latin typeface="Cambria Math" panose="02040503050406030204" pitchFamily="18" charset="0"/>
+                                      <a:ea typeface="서울남산체 M" panose="02020603020101020101" pitchFamily="18" charset="-127"/>
+                                    </a:rPr>
+                                  </m:ctrlPr>
+                                </m:sSupPr>
+                                <m:e>
+                                  <m:d>
+                                    <m:dPr>
+                                      <m:ctrlPr>
+                                        <a:rPr lang="en-US" altLang="ko-KR" i="1">
+                                          <a:latin typeface="Cambria Math" panose="02040503050406030204" pitchFamily="18" charset="0"/>
+                                          <a:ea typeface="서울남산체 M" panose="02020603020101020101" pitchFamily="18" charset="-127"/>
+                                        </a:rPr>
+                                      </m:ctrlPr>
+                                    </m:dPr>
+                                    <m:e>
+                                      <m:sSup>
+                                        <m:sSupPr>
+                                          <m:ctrlPr>
+                                            <a:rPr lang="en-US" altLang="ko-KR" i="1">
+                                              <a:latin typeface="Cambria Math" panose="02040503050406030204" pitchFamily="18" charset="0"/>
+                                              <a:ea typeface="서울남산체 M" panose="02020603020101020101" pitchFamily="18" charset="-127"/>
+                                            </a:rPr>
+                                          </m:ctrlPr>
+                                        </m:sSupPr>
+                                        <m:e>
+                                          <m:r>
+                                            <a:rPr lang="en-US" altLang="ko-KR" i="1">
+                                              <a:latin typeface="Cambria Math" panose="02040503050406030204" pitchFamily="18" charset="0"/>
+                                              <a:ea typeface="서울남산체 M" panose="02020603020101020101" pitchFamily="18" charset="-127"/>
+                                            </a:rPr>
+                                            <m:t>𝑑</m:t>
+                                          </m:r>
+                                        </m:e>
+                                        <m:sup>
+                                          <m:r>
+                                            <a:rPr lang="en-US" altLang="ko-KR" b="0" i="1" smtClean="0">
+                                              <a:latin typeface="Cambria Math" panose="02040503050406030204" pitchFamily="18" charset="0"/>
+                                              <a:ea typeface="서울남산체 M" panose="02020603020101020101" pitchFamily="18" charset="-127"/>
+                                            </a:rPr>
+                                            <m:t>−</m:t>
+                                          </m:r>
+                                        </m:sup>
+                                      </m:sSup>
+                                    </m:e>
+                                  </m:d>
+                                </m:e>
+                                <m:sup>
+                                  <m:r>
+                                    <a:rPr lang="en-US" altLang="ko-KR" i="1">
+                                      <a:latin typeface="Cambria Math" panose="02040503050406030204" pitchFamily="18" charset="0"/>
+                                      <a:ea typeface="서울남산체 M" panose="02020603020101020101" pitchFamily="18" charset="-127"/>
+                                    </a:rPr>
+                                    <m:t>3</m:t>
+                                  </m:r>
+                                </m:sup>
+                              </m:sSup>
+                            </m:den>
+                          </m:f>
+                        </m:e>
+                      </m:d>
+                    </m:oMath>
+                  </m:oMathPara>
+                </a14:m>
+                <a:endParaRPr lang="en-US" altLang="ko-KR" b="0" dirty="0">
+                  <a:latin typeface="서울남산체 M" panose="02020603020101020101" pitchFamily="18" charset="-127"/>
+                  <a:ea typeface="서울남산체 M" panose="02020603020101020101" pitchFamily="18" charset="-127"/>
+                </a:endParaRPr>
+              </a:p>
+            </p:txBody>
+          </p:sp>
+        </mc:Choice>
+        <mc:Fallback>
+          <p:sp>
+            <p:nvSpPr>
+              <p:cNvPr id="3" name="Text Placeholder 2"/>
+              <p:cNvSpPr>
+                <a:spLocks noGrp="1" noRot="1" noChangeAspect="1" noMove="1" noResize="1" noEditPoints="1" noAdjustHandles="1" noChangeArrowheads="1" noChangeShapeType="1" noTextEdit="1"/>
+              </p:cNvSpPr>
+              <p:nvPr>
+                <p:ph type="body" sz="quarter" idx="10"/>
+              </p:nvPr>
+            </p:nvSpPr>
+            <p:spPr>
+              <a:xfrm>
+                <a:off x="519248" y="1447801"/>
+                <a:ext cx="11151917" cy="4944532"/>
+              </a:xfrm>
+              <a:blipFill>
+                <a:blip r:embed="rId3"/>
+                <a:stretch>
+                  <a:fillRect l="-1639"/>
+                </a:stretch>
+              </a:blipFill>
+            </p:spPr>
+            <p:txBody>
+              <a:bodyPr/>
+              <a:lstStyle/>
+              <a:p>
+                <a:r>
+                  <a:rPr lang="en-US">
+                    <a:noFill/>
+                  </a:rPr>
+                  <a:t> </a:t>
+                </a:r>
+              </a:p>
+            </p:txBody>
+          </p:sp>
+        </mc:Fallback>
+      </mc:AlternateContent>
+      <p:sp>
+        <p:nvSpPr>
+          <p:cNvPr id="2" name="Title 1"/>
+          <p:cNvSpPr>
+            <a:spLocks noGrp="1"/>
+          </p:cNvSpPr>
+          <p:nvPr>
+            <p:ph type="title"/>
+          </p:nvPr>
+        </p:nvSpPr>
+        <p:spPr>
+          <a:xfrm>
+            <a:off x="519248" y="543951"/>
+            <a:ext cx="11151917" cy="747897"/>
+          </a:xfrm>
+        </p:spPr>
+        <p:txBody>
+          <a:bodyPr/>
+          <a:lstStyle/>
+          <a:p>
+            <a:r>
+              <a:rPr lang="en-US" dirty="0"/>
+              <a:t>The Dipole Diffusion Approximation</a:t>
+            </a:r>
+          </a:p>
+        </p:txBody>
+      </p:sp>
+      <p:sp>
+        <p:nvSpPr>
+          <p:cNvPr id="4" name="Slide Number Placeholder 3"/>
+          <p:cNvSpPr>
+            <a:spLocks noGrp="1"/>
+          </p:cNvSpPr>
+          <p:nvPr>
+            <p:ph type="sldNum" sz="quarter" idx="4"/>
+          </p:nvPr>
+        </p:nvSpPr>
+        <p:spPr/>
+        <p:txBody>
+          <a:bodyPr/>
+          <a:lstStyle/>
+          <a:p>
+            <a:fld id="{6B5C536E-FA7B-40DC-A296-D7EC18490057}" type="slidenum">
+              <a:rPr lang="ko-KR" altLang="en-US" smtClean="0"/>
+              <a:pPr/>
+              <a:t>18</a:t>
+            </a:fld>
+            <a:endParaRPr lang="ko-KR" altLang="en-US"/>
+          </a:p>
+        </p:txBody>
+      </p:sp>
+      <p:pic>
+        <p:nvPicPr>
+          <p:cNvPr id="5" name="Picture 4">
+            <a:extLst>
+              <a:ext uri="{FF2B5EF4-FFF2-40B4-BE49-F238E27FC236}">
+                <a16:creationId xmlns:a16="http://schemas.microsoft.com/office/drawing/2014/main" id="{620EED36-FA37-4E42-ADA0-BFD008D7406D}"/>
+              </a:ext>
+            </a:extLst>
+          </p:cNvPr>
+          <p:cNvPicPr>
+            <a:picLocks noChangeAspect="1"/>
+          </p:cNvPicPr>
+          <p:nvPr/>
+        </p:nvPicPr>
+        <p:blipFill>
+          <a:blip r:embed="rId4"/>
+          <a:stretch>
+            <a:fillRect/>
+          </a:stretch>
+        </p:blipFill>
+        <p:spPr>
+          <a:xfrm>
+            <a:off x="4185847" y="3991595"/>
+            <a:ext cx="3820306" cy="2400738"/>
+          </a:xfrm>
+          <a:prstGeom prst="rect">
+            <a:avLst/>
+          </a:prstGeom>
+        </p:spPr>
+      </p:pic>
+    </p:spTree>
+    <p:extLst>
+      <p:ext uri="{BB962C8B-B14F-4D97-AF65-F5344CB8AC3E}">
+        <p14:creationId xmlns:p14="http://schemas.microsoft.com/office/powerpoint/2010/main" val="1057883008"/>
+      </p:ext>
+    </p:extLst>
+  </p:cSld>
+  <p:clrMapOvr>
+    <a:masterClrMapping/>
+  </p:clrMapOvr>
+  <mc:AlternateContent xmlns:mc="http://schemas.openxmlformats.org/markup-compatibility/2006" xmlns:p14="http://schemas.microsoft.com/office/powerpoint/2010/main">
+    <mc:Choice Requires="p14">
+      <p:transition p14:dur="0"/>
+    </mc:Choice>
+    <mc:Fallback xmlns="">
+      <p:transition/>
+    </mc:Fallback>
+  </mc:AlternateContent>
+</p:sld>
+</file>
+
+<file path=ppt/slides/slide19.xml><?xml version="1.0" encoding="utf-8"?>
+<p:sld xmlns:a="http://schemas.openxmlformats.org/drawingml/2006/main" xmlns:r="http://schemas.openxmlformats.org/officeDocument/2006/relationships" xmlns:p="http://schemas.openxmlformats.org/presentationml/2006/main">
+  <p:cSld>
+    <p:spTree>
+      <p:nvGrpSpPr>
+        <p:cNvPr id="1" name=""/>
+        <p:cNvGrpSpPr/>
+        <p:nvPr/>
+      </p:nvGrpSpPr>
+      <p:grpSpPr>
+        <a:xfrm>
+          <a:off x="0" y="0"/>
+          <a:ext cx="0" cy="0"/>
+          <a:chOff x="0" y="0"/>
+          <a:chExt cx="0" cy="0"/>
+        </a:xfrm>
+      </p:grpSpPr>
+      <mc:AlternateContent xmlns:mc="http://schemas.openxmlformats.org/markup-compatibility/2006">
+        <mc:Choice xmlns:a14="http://schemas.microsoft.com/office/drawing/2010/main" Requires="a14">
+          <p:sp>
+            <p:nvSpPr>
+              <p:cNvPr id="3" name="Text Placeholder 2"/>
+              <p:cNvSpPr>
+                <a:spLocks noGrp="1"/>
+              </p:cNvSpPr>
+              <p:nvPr>
+                <p:ph type="body" sz="quarter" idx="10"/>
+              </p:nvPr>
+            </p:nvSpPr>
+            <p:spPr>
+              <a:xfrm>
+                <a:off x="519248" y="1447801"/>
+                <a:ext cx="11151917" cy="4944532"/>
+              </a:xfrm>
+            </p:spPr>
+            <p:txBody>
+              <a:bodyPr>
+                <a:normAutofit/>
+              </a:bodyPr>
+              <a:lstStyle/>
+              <a:p>
+                <a:pPr>
+                  <a:lnSpc>
+                    <a:spcPct val="100000"/>
+                  </a:lnSpc>
+                </a:pPr>
+                <a14:m>
+                  <m:oMath xmlns:m="http://schemas.openxmlformats.org/officeDocument/2006/math">
+                    <m:sSub>
+                      <m:sSubPr>
+                        <m:ctrlPr>
+                          <a:rPr lang="en-US" altLang="ko-KR" b="0" i="1" smtClean="0">
+                            <a:latin typeface="Cambria Math" panose="02040503050406030204" pitchFamily="18" charset="0"/>
+                            <a:ea typeface="서울남산체 M" panose="02020603020101020101" pitchFamily="18" charset="-127"/>
+                          </a:rPr>
+                        </m:ctrlPr>
+                      </m:sSubPr>
+                      <m:e>
+                        <m:r>
+                          <a:rPr lang="en-US" altLang="ko-KR" b="0" i="1" smtClean="0">
+                            <a:latin typeface="Cambria Math" panose="02040503050406030204" pitchFamily="18" charset="0"/>
+                            <a:ea typeface="서울남산체 M" panose="02020603020101020101" pitchFamily="18" charset="-127"/>
+                          </a:rPr>
+                          <m:t>𝑅</m:t>
+                        </m:r>
+                      </m:e>
+                      <m:sub>
+                        <m:r>
+                          <a:rPr lang="en-US" altLang="ko-KR" b="0" i="1" smtClean="0">
+                            <a:latin typeface="Cambria Math" panose="02040503050406030204" pitchFamily="18" charset="0"/>
+                            <a:ea typeface="서울남산체 M" panose="02020603020101020101" pitchFamily="18" charset="-127"/>
+                          </a:rPr>
+                          <m:t>𝑑</m:t>
+                        </m:r>
+                      </m:sub>
+                    </m:sSub>
+                  </m:oMath>
+                </a14:m>
+                <a:r>
+                  <a:rPr lang="ko-KR" altLang="en-US" dirty="0">
+                    <a:latin typeface="서울남산체 M" panose="02020603020101020101" pitchFamily="18" charset="-127"/>
+                    <a:ea typeface="서울남산체 M" panose="02020603020101020101" pitchFamily="18" charset="-127"/>
+                  </a:rPr>
+                  <a:t>의 값을 계산하는 작은 다용도 함수 </a:t>
+                </a:r>
+                <a:r>
+                  <a:rPr lang="en-US" altLang="ko-KR" dirty="0">
+                    <a:latin typeface="서울남산체 M" panose="02020603020101020101" pitchFamily="18" charset="-127"/>
+                    <a:ea typeface="서울남산체 M" panose="02020603020101020101" pitchFamily="18" charset="-127"/>
+                  </a:rPr>
+                  <a:t>: </a:t>
+                </a:r>
+                <a:r>
+                  <a:rPr lang="en-US" altLang="ko-KR" dirty="0" err="1">
+                    <a:latin typeface="서울남산체 M" panose="02020603020101020101" pitchFamily="18" charset="-127"/>
+                    <a:ea typeface="서울남산체 M" panose="02020603020101020101" pitchFamily="18" charset="-127"/>
+                  </a:rPr>
+                  <a:t>DiffusionReflectance</a:t>
+                </a:r>
+                <a:endParaRPr lang="en-US" altLang="ko-KR" b="0" dirty="0">
+                  <a:latin typeface="서울남산체 M" panose="02020603020101020101" pitchFamily="18" charset="-127"/>
+                  <a:ea typeface="서울남산체 M" panose="02020603020101020101" pitchFamily="18" charset="-127"/>
+                </a:endParaRPr>
+              </a:p>
+            </p:txBody>
+          </p:sp>
+        </mc:Choice>
+        <mc:Fallback>
+          <p:sp>
+            <p:nvSpPr>
+              <p:cNvPr id="3" name="Text Placeholder 2"/>
+              <p:cNvSpPr>
+                <a:spLocks noGrp="1" noRot="1" noChangeAspect="1" noMove="1" noResize="1" noEditPoints="1" noAdjustHandles="1" noChangeArrowheads="1" noChangeShapeType="1" noTextEdit="1"/>
+              </p:cNvSpPr>
+              <p:nvPr>
+                <p:ph type="body" sz="quarter" idx="10"/>
+              </p:nvPr>
+            </p:nvSpPr>
+            <p:spPr>
+              <a:xfrm>
+                <a:off x="519248" y="1447801"/>
+                <a:ext cx="11151917" cy="4944532"/>
+              </a:xfrm>
+              <a:blipFill>
+                <a:blip r:embed="rId3"/>
+                <a:stretch>
+                  <a:fillRect t="-2096"/>
+                </a:stretch>
+              </a:blipFill>
+            </p:spPr>
+            <p:txBody>
+              <a:bodyPr/>
+              <a:lstStyle/>
+              <a:p>
+                <a:r>
+                  <a:rPr lang="en-US">
+                    <a:noFill/>
+                  </a:rPr>
+                  <a:t> </a:t>
+                </a:r>
+              </a:p>
+            </p:txBody>
+          </p:sp>
+        </mc:Fallback>
+      </mc:AlternateContent>
+      <p:sp>
+        <p:nvSpPr>
+          <p:cNvPr id="2" name="Title 1"/>
+          <p:cNvSpPr>
+            <a:spLocks noGrp="1"/>
+          </p:cNvSpPr>
+          <p:nvPr>
+            <p:ph type="title"/>
+          </p:nvPr>
+        </p:nvSpPr>
+        <p:spPr>
+          <a:xfrm>
+            <a:off x="519248" y="543951"/>
+            <a:ext cx="11151917" cy="747897"/>
+          </a:xfrm>
+        </p:spPr>
+        <p:txBody>
+          <a:bodyPr/>
+          <a:lstStyle/>
+          <a:p>
+            <a:r>
+              <a:rPr lang="en-US" dirty="0"/>
+              <a:t>The Dipole Diffusion Approximation</a:t>
+            </a:r>
+          </a:p>
+        </p:txBody>
+      </p:sp>
+      <p:sp>
+        <p:nvSpPr>
+          <p:cNvPr id="4" name="Slide Number Placeholder 3"/>
+          <p:cNvSpPr>
+            <a:spLocks noGrp="1"/>
+          </p:cNvSpPr>
+          <p:nvPr>
+            <p:ph type="sldNum" sz="quarter" idx="4"/>
+          </p:nvPr>
+        </p:nvSpPr>
+        <p:spPr/>
+        <p:txBody>
+          <a:bodyPr/>
+          <a:lstStyle/>
+          <a:p>
+            <a:fld id="{6B5C536E-FA7B-40DC-A296-D7EC18490057}" type="slidenum">
+              <a:rPr lang="ko-KR" altLang="en-US" smtClean="0"/>
+              <a:pPr/>
+              <a:t>19</a:t>
+            </a:fld>
+            <a:endParaRPr lang="ko-KR" altLang="en-US"/>
+          </a:p>
+        </p:txBody>
+      </p:sp>
+    </p:spTree>
+    <p:extLst>
+      <p:ext uri="{BB962C8B-B14F-4D97-AF65-F5344CB8AC3E}">
+        <p14:creationId xmlns:p14="http://schemas.microsoft.com/office/powerpoint/2010/main" val="2291587481"/>
       </p:ext>
     </p:extLst>
   </p:cSld>
@@ -13669,8 +19975,8 @@
           <a:chExt cx="0" cy="0"/>
         </a:xfrm>
       </p:grpSpPr>
-      <mc:AlternateContent xmlns:mc="http://schemas.openxmlformats.org/markup-compatibility/2006" xmlns:a14="http://schemas.microsoft.com/office/drawing/2010/main">
-        <mc:Choice Requires="a14">
+      <mc:AlternateContent xmlns:mc="http://schemas.openxmlformats.org/markup-compatibility/2006">
+        <mc:Choice xmlns:a14="http://schemas.microsoft.com/office/drawing/2010/main" Requires="a14">
           <p:sp>
             <p:nvSpPr>
               <p:cNvPr id="3" name="Text Placeholder 2"/>
@@ -13684,7 +19990,7 @@
             <p:spPr/>
             <p:txBody>
               <a:bodyPr>
-                <a:normAutofit/>
+                <a:normAutofit lnSpcReduction="10000"/>
               </a:bodyPr>
               <a:lstStyle/>
               <a:p>
@@ -14460,7 +20766,7 @@
             </p:txBody>
           </p:sp>
         </mc:Choice>
-        <mc:Fallback xmlns="">
+        <mc:Fallback>
           <p:sp>
             <p:nvSpPr>
               <p:cNvPr id="3" name="Text Placeholder 2"/>
@@ -14475,7 +20781,7 @@
               <a:blipFill>
                 <a:blip r:embed="rId4"/>
                 <a:stretch>
-                  <a:fillRect l="-1639" t="-2219"/>
+                  <a:fillRect l="-1639" t="-2836"/>
                 </a:stretch>
               </a:blipFill>
             </p:spPr>
@@ -14484,7 +20790,7 @@
               <a:lstStyle/>
               <a:p>
                 <a:r>
-                  <a:rPr lang="ko-KR" altLang="en-US">
+                  <a:rPr lang="en-US">
                     <a:noFill/>
                   </a:rPr>
                   <a:t> </a:t>
@@ -14913,8 +21219,8 @@
           <a:chExt cx="0" cy="0"/>
         </a:xfrm>
       </p:grpSpPr>
-      <mc:AlternateContent xmlns:mc="http://schemas.openxmlformats.org/markup-compatibility/2006">
-        <mc:Choice xmlns:a14="http://schemas.microsoft.com/office/drawing/2010/main" Requires="a14">
+      <mc:AlternateContent xmlns:mc="http://schemas.openxmlformats.org/markup-compatibility/2006" xmlns:a14="http://schemas.microsoft.com/office/drawing/2010/main">
+        <mc:Choice Requires="a14">
           <p:sp>
             <p:nvSpPr>
               <p:cNvPr id="3" name="Text Placeholder 2"/>
@@ -15426,7 +21732,7 @@
             </p:txBody>
           </p:sp>
         </mc:Choice>
-        <mc:Fallback>
+        <mc:Fallback xmlns="">
           <p:sp>
             <p:nvSpPr>
               <p:cNvPr id="3" name="Text Placeholder 2"/>
@@ -15549,8 +21855,8 @@
           <a:chExt cx="0" cy="0"/>
         </a:xfrm>
       </p:grpSpPr>
-      <mc:AlternateContent xmlns:mc="http://schemas.openxmlformats.org/markup-compatibility/2006">
-        <mc:Choice xmlns:a14="http://schemas.microsoft.com/office/drawing/2010/main" Requires="a14">
+      <mc:AlternateContent xmlns:mc="http://schemas.openxmlformats.org/markup-compatibility/2006" xmlns:a14="http://schemas.microsoft.com/office/drawing/2010/main">
+        <mc:Choice Requires="a14">
           <p:sp>
             <p:nvSpPr>
               <p:cNvPr id="3" name="Text Placeholder 2"/>
@@ -15751,7 +22057,7 @@
             </p:txBody>
           </p:sp>
         </mc:Choice>
-        <mc:Fallback>
+        <mc:Fallback xmlns="">
           <p:sp>
             <p:nvSpPr>
               <p:cNvPr id="3" name="Text Placeholder 2"/>
@@ -15993,8 +22299,8 @@
           <a:chExt cx="0" cy="0"/>
         </a:xfrm>
       </p:grpSpPr>
-      <mc:AlternateContent xmlns:mc="http://schemas.openxmlformats.org/markup-compatibility/2006">
-        <mc:Choice xmlns:a14="http://schemas.microsoft.com/office/drawing/2010/main" Requires="a14">
+      <mc:AlternateContent xmlns:mc="http://schemas.openxmlformats.org/markup-compatibility/2006" xmlns:a14="http://schemas.microsoft.com/office/drawing/2010/main">
+        <mc:Choice Requires="a14">
           <p:sp>
             <p:nvSpPr>
               <p:cNvPr id="3" name="Text Placeholder 2"/>
@@ -16121,7 +22427,7 @@
             </p:txBody>
           </p:sp>
         </mc:Choice>
-        <mc:Fallback>
+        <mc:Fallback xmlns="">
           <p:sp>
             <p:nvSpPr>
               <p:cNvPr id="3" name="Text Placeholder 2"/>
@@ -16206,8 +22512,8 @@
           </a:p>
         </p:txBody>
       </p:sp>
-      <mc:AlternateContent xmlns:mc="http://schemas.openxmlformats.org/markup-compatibility/2006">
-        <mc:Choice xmlns:a14="http://schemas.microsoft.com/office/drawing/2010/main" Requires="a14">
+      <mc:AlternateContent xmlns:mc="http://schemas.openxmlformats.org/markup-compatibility/2006" xmlns:a14="http://schemas.microsoft.com/office/drawing/2010/main">
+        <mc:Choice Requires="a14">
           <p:sp>
             <p:nvSpPr>
               <p:cNvPr id="5" name="Rectangle 4">
@@ -16235,6 +22541,7 @@
               </a:bodyPr>
               <a:lstStyle/>
               <a:p>
+                <a:pPr/>
                 <a14:m>
                   <m:oMathPara xmlns:m="http://schemas.openxmlformats.org/officeDocument/2006/math">
                     <m:oMathParaPr>
@@ -16702,7 +23009,7 @@
             </p:txBody>
           </p:sp>
         </mc:Choice>
-        <mc:Fallback>
+        <mc:Fallback xmlns="">
           <p:sp>
             <p:nvSpPr>
               <p:cNvPr id="5" name="Rectangle 4">
@@ -16814,8 +23121,8 @@
           <a:chExt cx="0" cy="0"/>
         </a:xfrm>
       </p:grpSpPr>
-      <mc:AlternateContent xmlns:mc="http://schemas.openxmlformats.org/markup-compatibility/2006">
-        <mc:Choice xmlns:a14="http://schemas.microsoft.com/office/drawing/2010/main" Requires="a14">
+      <mc:AlternateContent xmlns:mc="http://schemas.openxmlformats.org/markup-compatibility/2006" xmlns:a14="http://schemas.microsoft.com/office/drawing/2010/main">
+        <mc:Choice Requires="a14">
           <p:sp>
             <p:nvSpPr>
               <p:cNvPr id="3" name="Text Placeholder 2"/>
@@ -17453,7 +23760,7 @@
             </p:txBody>
           </p:sp>
         </mc:Choice>
-        <mc:Fallback>
+        <mc:Fallback xmlns="">
           <p:sp>
             <p:nvSpPr>
               <p:cNvPr id="3" name="Text Placeholder 2"/>
